--- a/cours/Proget oceans_Exercices.pptx
+++ b/cours/Proget oceans_Exercices.pptx
@@ -5,7 +5,7 @@
     <p:sldMasterId id="2147483660" r:id="rId1"/>
   </p:sldMasterIdLst>
   <p:notesMasterIdLst>
-    <p:notesMasterId r:id="rId10"/>
+    <p:notesMasterId r:id="rId15"/>
   </p:notesMasterIdLst>
   <p:sldIdLst>
     <p:sldId id="266" r:id="rId2"/>
@@ -16,6 +16,11 @@
     <p:sldId id="272" r:id="rId7"/>
     <p:sldId id="273" r:id="rId8"/>
     <p:sldId id="274" r:id="rId9"/>
+    <p:sldId id="275" r:id="rId10"/>
+    <p:sldId id="276" r:id="rId11"/>
+    <p:sldId id="277" r:id="rId12"/>
+    <p:sldId id="278" r:id="rId13"/>
+    <p:sldId id="279" r:id="rId14"/>
   </p:sldIdLst>
   <p:sldSz cx="12192000" cy="6858000"/>
   <p:notesSz cx="6858000" cy="9144000"/>
@@ -122,97 +127,6 @@
 </p:presentation>
 </file>
 
-<file path=ppt/changesInfos/changesInfo1.xml><?xml version="1.0" encoding="utf-8"?>
-<pc:chgInfo xmlns:a="http://schemas.openxmlformats.org/drawingml/2006/main" xmlns:r="http://schemas.openxmlformats.org/officeDocument/2006/relationships" xmlns:ac="http://schemas.microsoft.com/office/drawing/2013/main/command" xmlns:pc="http://schemas.microsoft.com/office/powerpoint/2013/main/command">
-  <pc:docChgLst>
-    <pc:chgData name="fred gsn" userId="2ad06c6d4c2bd280" providerId="LiveId" clId="{FCCB8B86-B966-4A1A-ABFA-A1C2985AB58A}"/>
-    <pc:docChg chg="undo custSel modSld">
-      <pc:chgData name="fred gsn" userId="2ad06c6d4c2bd280" providerId="LiveId" clId="{FCCB8B86-B966-4A1A-ABFA-A1C2985AB58A}" dt="2022-02-15T21:58:18.172" v="1009" actId="20577"/>
-      <pc:docMkLst>
-        <pc:docMk/>
-      </pc:docMkLst>
-      <pc:sldChg chg="delSp modSp mod">
-        <pc:chgData name="fred gsn" userId="2ad06c6d4c2bd280" providerId="LiveId" clId="{FCCB8B86-B966-4A1A-ABFA-A1C2985AB58A}" dt="2022-02-15T15:51:09.132" v="619" actId="20577"/>
-        <pc:sldMkLst>
-          <pc:docMk/>
-          <pc:sldMk cId="1805611608" sldId="266"/>
-        </pc:sldMkLst>
-        <pc:spChg chg="mod">
-          <ac:chgData name="fred gsn" userId="2ad06c6d4c2bd280" providerId="LiveId" clId="{FCCB8B86-B966-4A1A-ABFA-A1C2985AB58A}" dt="2022-02-15T15:51:09.132" v="619" actId="20577"/>
-          <ac:spMkLst>
-            <pc:docMk/>
-            <pc:sldMk cId="1805611608" sldId="266"/>
-            <ac:spMk id="3" creationId="{BA6AFF15-FFFA-430D-A3EC-5D7AAD3931F0}"/>
-          </ac:spMkLst>
-        </pc:spChg>
-        <pc:spChg chg="del">
-          <ac:chgData name="fred gsn" userId="2ad06c6d4c2bd280" providerId="LiveId" clId="{FCCB8B86-B966-4A1A-ABFA-A1C2985AB58A}" dt="2022-02-15T15:40:58.321" v="227" actId="478"/>
-          <ac:spMkLst>
-            <pc:docMk/>
-            <pc:sldMk cId="1805611608" sldId="266"/>
-            <ac:spMk id="7" creationId="{B93B30FD-E57C-4321-B5F8-30743A858960}"/>
-          </ac:spMkLst>
-        </pc:spChg>
-        <pc:spChg chg="del">
-          <ac:chgData name="fred gsn" userId="2ad06c6d4c2bd280" providerId="LiveId" clId="{FCCB8B86-B966-4A1A-ABFA-A1C2985AB58A}" dt="2022-02-15T15:41:00.381" v="228" actId="478"/>
-          <ac:spMkLst>
-            <pc:docMk/>
-            <pc:sldMk cId="1805611608" sldId="266"/>
-            <ac:spMk id="8" creationId="{C5EF9C33-A363-4058-A878-7E9434AC4C9B}"/>
-          </ac:spMkLst>
-        </pc:spChg>
-      </pc:sldChg>
-      <pc:sldChg chg="modSp mod">
-        <pc:chgData name="fred gsn" userId="2ad06c6d4c2bd280" providerId="LiveId" clId="{FCCB8B86-B966-4A1A-ABFA-A1C2985AB58A}" dt="2022-02-15T20:00:17.552" v="746" actId="14100"/>
-        <pc:sldMkLst>
-          <pc:docMk/>
-          <pc:sldMk cId="108304653" sldId="267"/>
-        </pc:sldMkLst>
-        <pc:spChg chg="mod">
-          <ac:chgData name="fred gsn" userId="2ad06c6d4c2bd280" providerId="LiveId" clId="{FCCB8B86-B966-4A1A-ABFA-A1C2985AB58A}" dt="2022-02-15T20:00:17.552" v="746" actId="14100"/>
-          <ac:spMkLst>
-            <pc:docMk/>
-            <pc:sldMk cId="108304653" sldId="267"/>
-            <ac:spMk id="2" creationId="{CF73B686-CEAA-4E22-B092-7D32A0BD53A1}"/>
-          </ac:spMkLst>
-        </pc:spChg>
-        <pc:spChg chg="mod">
-          <ac:chgData name="fred gsn" userId="2ad06c6d4c2bd280" providerId="LiveId" clId="{FCCB8B86-B966-4A1A-ABFA-A1C2985AB58A}" dt="2022-02-15T19:59:39.082" v="728" actId="20577"/>
-          <ac:spMkLst>
-            <pc:docMk/>
-            <pc:sldMk cId="108304653" sldId="267"/>
-            <ac:spMk id="3" creationId="{BA6AFF15-FFFA-430D-A3EC-5D7AAD3931F0}"/>
-          </ac:spMkLst>
-        </pc:spChg>
-      </pc:sldChg>
-      <pc:sldChg chg="modSp mod">
-        <pc:chgData name="fred gsn" userId="2ad06c6d4c2bd280" providerId="LiveId" clId="{FCCB8B86-B966-4A1A-ABFA-A1C2985AB58A}" dt="2022-02-15T21:58:18.172" v="1009" actId="20577"/>
-        <pc:sldMkLst>
-          <pc:docMk/>
-          <pc:sldMk cId="1932236279" sldId="268"/>
-        </pc:sldMkLst>
-        <pc:spChg chg="mod">
-          <ac:chgData name="fred gsn" userId="2ad06c6d4c2bd280" providerId="LiveId" clId="{FCCB8B86-B966-4A1A-ABFA-A1C2985AB58A}" dt="2022-02-15T21:52:13.147" v="786" actId="14100"/>
-          <ac:spMkLst>
-            <pc:docMk/>
-            <pc:sldMk cId="1932236279" sldId="268"/>
-            <ac:spMk id="2" creationId="{CF73B686-CEAA-4E22-B092-7D32A0BD53A1}"/>
-          </ac:spMkLst>
-        </pc:spChg>
-        <pc:spChg chg="mod">
-          <ac:chgData name="fred gsn" userId="2ad06c6d4c2bd280" providerId="LiveId" clId="{FCCB8B86-B966-4A1A-ABFA-A1C2985AB58A}" dt="2022-02-15T21:58:18.172" v="1009" actId="20577"/>
-          <ac:spMkLst>
-            <pc:docMk/>
-            <pc:sldMk cId="1932236279" sldId="268"/>
-            <ac:spMk id="3" creationId="{BA6AFF15-FFFA-430D-A3EC-5D7AAD3931F0}"/>
-          </ac:spMkLst>
-        </pc:spChg>
-      </pc:sldChg>
-    </pc:docChg>
-  </pc:docChgLst>
-</pc:chgInfo>
-</file>
-
 <file path=ppt/notesMasters/notesMaster1.xml><?xml version="1.0" encoding="utf-8"?>
 <p:notesMaster xmlns:a="http://schemas.openxmlformats.org/drawingml/2006/main" xmlns:r="http://schemas.openxmlformats.org/officeDocument/2006/relationships" xmlns:p="http://schemas.openxmlformats.org/presentationml/2006/main">
   <p:cSld>
@@ -295,7 +209,7 @@
           <a:p>
             <a:fld id="{412F75C7-5C41-4FAB-AA9B-BE750F2BDB07}" type="datetimeFigureOut">
               <a:rPr lang="fr-FR" smtClean="0"/>
-              <a:t>17/02/2022</a:t>
+              <a:t>21/02/2022</a:t>
             </a:fld>
             <a:endParaRPr lang="fr-FR"/>
           </a:p>
@@ -706,6 +620,582 @@
 </p:notes>
 </file>
 
+<file path=ppt/notesSlides/notesSlide10.xml><?xml version="1.0" encoding="utf-8"?>
+<p:notes xmlns:a="http://schemas.openxmlformats.org/drawingml/2006/main" xmlns:r="http://schemas.openxmlformats.org/officeDocument/2006/relationships" xmlns:p="http://schemas.openxmlformats.org/presentationml/2006/main">
+  <p:cSld>
+    <p:spTree>
+      <p:nvGrpSpPr>
+        <p:cNvPr id="1" name=""/>
+        <p:cNvGrpSpPr/>
+        <p:nvPr/>
+      </p:nvGrpSpPr>
+      <p:grpSpPr>
+        <a:xfrm>
+          <a:off x="0" y="0"/>
+          <a:ext cx="0" cy="0"/>
+          <a:chOff x="0" y="0"/>
+          <a:chExt cx="0" cy="0"/>
+        </a:xfrm>
+      </p:grpSpPr>
+      <p:sp>
+        <p:nvSpPr>
+          <p:cNvPr id="2" name="Espace réservé de l'image des diapositives 1"/>
+          <p:cNvSpPr>
+            <a:spLocks noGrp="1" noRot="1" noChangeAspect="1"/>
+          </p:cNvSpPr>
+          <p:nvPr>
+            <p:ph type="sldImg"/>
+          </p:nvPr>
+        </p:nvSpPr>
+        <p:spPr/>
+      </p:sp>
+      <p:sp>
+        <p:nvSpPr>
+          <p:cNvPr id="3" name="Espace réservé des notes 2"/>
+          <p:cNvSpPr>
+            <a:spLocks noGrp="1"/>
+          </p:cNvSpPr>
+          <p:nvPr>
+            <p:ph type="body" idx="1"/>
+          </p:nvPr>
+        </p:nvSpPr>
+        <p:spPr/>
+        <p:txBody>
+          <a:bodyPr/>
+          <a:lstStyle/>
+          <a:p>
+            <a:endParaRPr lang="fr-FR" dirty="0"/>
+          </a:p>
+        </p:txBody>
+      </p:sp>
+      <p:sp>
+        <p:nvSpPr>
+          <p:cNvPr id="4" name="Espace réservé du numéro de diapositive 3"/>
+          <p:cNvSpPr>
+            <a:spLocks noGrp="1"/>
+          </p:cNvSpPr>
+          <p:nvPr>
+            <p:ph type="sldNum" sz="quarter" idx="5"/>
+          </p:nvPr>
+        </p:nvSpPr>
+        <p:spPr/>
+        <p:txBody>
+          <a:bodyPr/>
+          <a:lstStyle/>
+          <a:p>
+            <a:pPr marL="0" marR="0" lvl="0" indent="0" algn="r" defTabSz="457200" rtl="0" eaLnBrk="1" fontAlgn="auto" latinLnBrk="0" hangingPunct="1">
+              <a:lnSpc>
+                <a:spcPct val="100000"/>
+              </a:lnSpc>
+              <a:spcBef>
+                <a:spcPts val="0"/>
+              </a:spcBef>
+              <a:spcAft>
+                <a:spcPts val="0"/>
+              </a:spcAft>
+              <a:buClrTx/>
+              <a:buSzTx/>
+              <a:buFontTx/>
+              <a:buNone/>
+              <a:tabLst/>
+              <a:defRPr/>
+            </a:pPr>
+            <a:fld id="{530D6BE4-1F8E-45DA-842B-B9DC1B5EF25C}" type="slidenum">
+              <a:rPr kumimoji="0" lang="fr-FR" sz="1200" b="0" i="0" u="none" strike="noStrike" kern="1200" cap="none" spc="0" normalizeH="0" baseline="0" noProof="0" smtClean="0">
+                <a:ln>
+                  <a:noFill/>
+                </a:ln>
+                <a:solidFill>
+                  <a:prstClr val="black"/>
+                </a:solidFill>
+                <a:effectLst/>
+                <a:uLnTx/>
+                <a:uFillTx/>
+                <a:latin typeface="Calibri" panose="020F0502020204030204"/>
+                <a:ea typeface="+mn-ea"/>
+                <a:cs typeface="+mn-cs"/>
+              </a:rPr>
+              <a:pPr marL="0" marR="0" lvl="0" indent="0" algn="r" defTabSz="457200" rtl="0" eaLnBrk="1" fontAlgn="auto" latinLnBrk="0" hangingPunct="1">
+                <a:lnSpc>
+                  <a:spcPct val="100000"/>
+                </a:lnSpc>
+                <a:spcBef>
+                  <a:spcPts val="0"/>
+                </a:spcBef>
+                <a:spcAft>
+                  <a:spcPts val="0"/>
+                </a:spcAft>
+                <a:buClrTx/>
+                <a:buSzTx/>
+                <a:buFontTx/>
+                <a:buNone/>
+                <a:tabLst/>
+                <a:defRPr/>
+              </a:pPr>
+              <a:t>10</a:t>
+            </a:fld>
+            <a:endParaRPr kumimoji="0" lang="fr-FR" sz="1200" b="0" i="0" u="none" strike="noStrike" kern="1200" cap="none" spc="0" normalizeH="0" baseline="0" noProof="0">
+              <a:ln>
+                <a:noFill/>
+              </a:ln>
+              <a:solidFill>
+                <a:prstClr val="black"/>
+              </a:solidFill>
+              <a:effectLst/>
+              <a:uLnTx/>
+              <a:uFillTx/>
+              <a:latin typeface="Calibri" panose="020F0502020204030204"/>
+              <a:ea typeface="+mn-ea"/>
+              <a:cs typeface="+mn-cs"/>
+            </a:endParaRPr>
+          </a:p>
+        </p:txBody>
+      </p:sp>
+    </p:spTree>
+    <p:extLst>
+      <p:ext uri="{BB962C8B-B14F-4D97-AF65-F5344CB8AC3E}">
+        <p14:creationId xmlns:p14="http://schemas.microsoft.com/office/powerpoint/2010/main" val="1731020055"/>
+      </p:ext>
+    </p:extLst>
+  </p:cSld>
+  <p:clrMapOvr>
+    <a:masterClrMapping/>
+  </p:clrMapOvr>
+</p:notes>
+</file>
+
+<file path=ppt/notesSlides/notesSlide11.xml><?xml version="1.0" encoding="utf-8"?>
+<p:notes xmlns:a="http://schemas.openxmlformats.org/drawingml/2006/main" xmlns:r="http://schemas.openxmlformats.org/officeDocument/2006/relationships" xmlns:p="http://schemas.openxmlformats.org/presentationml/2006/main">
+  <p:cSld>
+    <p:spTree>
+      <p:nvGrpSpPr>
+        <p:cNvPr id="1" name=""/>
+        <p:cNvGrpSpPr/>
+        <p:nvPr/>
+      </p:nvGrpSpPr>
+      <p:grpSpPr>
+        <a:xfrm>
+          <a:off x="0" y="0"/>
+          <a:ext cx="0" cy="0"/>
+          <a:chOff x="0" y="0"/>
+          <a:chExt cx="0" cy="0"/>
+        </a:xfrm>
+      </p:grpSpPr>
+      <p:sp>
+        <p:nvSpPr>
+          <p:cNvPr id="2" name="Espace réservé de l'image des diapositives 1"/>
+          <p:cNvSpPr>
+            <a:spLocks noGrp="1" noRot="1" noChangeAspect="1"/>
+          </p:cNvSpPr>
+          <p:nvPr>
+            <p:ph type="sldImg"/>
+          </p:nvPr>
+        </p:nvSpPr>
+        <p:spPr/>
+      </p:sp>
+      <p:sp>
+        <p:nvSpPr>
+          <p:cNvPr id="3" name="Espace réservé des notes 2"/>
+          <p:cNvSpPr>
+            <a:spLocks noGrp="1"/>
+          </p:cNvSpPr>
+          <p:nvPr>
+            <p:ph type="body" idx="1"/>
+          </p:nvPr>
+        </p:nvSpPr>
+        <p:spPr/>
+        <p:txBody>
+          <a:bodyPr/>
+          <a:lstStyle/>
+          <a:p>
+            <a:endParaRPr lang="fr-FR" dirty="0"/>
+          </a:p>
+        </p:txBody>
+      </p:sp>
+      <p:sp>
+        <p:nvSpPr>
+          <p:cNvPr id="4" name="Espace réservé du numéro de diapositive 3"/>
+          <p:cNvSpPr>
+            <a:spLocks noGrp="1"/>
+          </p:cNvSpPr>
+          <p:nvPr>
+            <p:ph type="sldNum" sz="quarter" idx="5"/>
+          </p:nvPr>
+        </p:nvSpPr>
+        <p:spPr/>
+        <p:txBody>
+          <a:bodyPr/>
+          <a:lstStyle/>
+          <a:p>
+            <a:pPr marL="0" marR="0" lvl="0" indent="0" algn="r" defTabSz="457200" rtl="0" eaLnBrk="1" fontAlgn="auto" latinLnBrk="0" hangingPunct="1">
+              <a:lnSpc>
+                <a:spcPct val="100000"/>
+              </a:lnSpc>
+              <a:spcBef>
+                <a:spcPts val="0"/>
+              </a:spcBef>
+              <a:spcAft>
+                <a:spcPts val="0"/>
+              </a:spcAft>
+              <a:buClrTx/>
+              <a:buSzTx/>
+              <a:buFontTx/>
+              <a:buNone/>
+              <a:tabLst/>
+              <a:defRPr/>
+            </a:pPr>
+            <a:fld id="{530D6BE4-1F8E-45DA-842B-B9DC1B5EF25C}" type="slidenum">
+              <a:rPr kumimoji="0" lang="fr-FR" sz="1200" b="0" i="0" u="none" strike="noStrike" kern="1200" cap="none" spc="0" normalizeH="0" baseline="0" noProof="0" smtClean="0">
+                <a:ln>
+                  <a:noFill/>
+                </a:ln>
+                <a:solidFill>
+                  <a:prstClr val="black"/>
+                </a:solidFill>
+                <a:effectLst/>
+                <a:uLnTx/>
+                <a:uFillTx/>
+                <a:latin typeface="Calibri" panose="020F0502020204030204"/>
+                <a:ea typeface="+mn-ea"/>
+                <a:cs typeface="+mn-cs"/>
+              </a:rPr>
+              <a:pPr marL="0" marR="0" lvl="0" indent="0" algn="r" defTabSz="457200" rtl="0" eaLnBrk="1" fontAlgn="auto" latinLnBrk="0" hangingPunct="1">
+                <a:lnSpc>
+                  <a:spcPct val="100000"/>
+                </a:lnSpc>
+                <a:spcBef>
+                  <a:spcPts val="0"/>
+                </a:spcBef>
+                <a:spcAft>
+                  <a:spcPts val="0"/>
+                </a:spcAft>
+                <a:buClrTx/>
+                <a:buSzTx/>
+                <a:buFontTx/>
+                <a:buNone/>
+                <a:tabLst/>
+                <a:defRPr/>
+              </a:pPr>
+              <a:t>11</a:t>
+            </a:fld>
+            <a:endParaRPr kumimoji="0" lang="fr-FR" sz="1200" b="0" i="0" u="none" strike="noStrike" kern="1200" cap="none" spc="0" normalizeH="0" baseline="0" noProof="0">
+              <a:ln>
+                <a:noFill/>
+              </a:ln>
+              <a:solidFill>
+                <a:prstClr val="black"/>
+              </a:solidFill>
+              <a:effectLst/>
+              <a:uLnTx/>
+              <a:uFillTx/>
+              <a:latin typeface="Calibri" panose="020F0502020204030204"/>
+              <a:ea typeface="+mn-ea"/>
+              <a:cs typeface="+mn-cs"/>
+            </a:endParaRPr>
+          </a:p>
+        </p:txBody>
+      </p:sp>
+    </p:spTree>
+    <p:extLst>
+      <p:ext uri="{BB962C8B-B14F-4D97-AF65-F5344CB8AC3E}">
+        <p14:creationId xmlns:p14="http://schemas.microsoft.com/office/powerpoint/2010/main" val="760645528"/>
+      </p:ext>
+    </p:extLst>
+  </p:cSld>
+  <p:clrMapOvr>
+    <a:masterClrMapping/>
+  </p:clrMapOvr>
+</p:notes>
+</file>
+
+<file path=ppt/notesSlides/notesSlide12.xml><?xml version="1.0" encoding="utf-8"?>
+<p:notes xmlns:a="http://schemas.openxmlformats.org/drawingml/2006/main" xmlns:r="http://schemas.openxmlformats.org/officeDocument/2006/relationships" xmlns:p="http://schemas.openxmlformats.org/presentationml/2006/main">
+  <p:cSld>
+    <p:spTree>
+      <p:nvGrpSpPr>
+        <p:cNvPr id="1" name=""/>
+        <p:cNvGrpSpPr/>
+        <p:nvPr/>
+      </p:nvGrpSpPr>
+      <p:grpSpPr>
+        <a:xfrm>
+          <a:off x="0" y="0"/>
+          <a:ext cx="0" cy="0"/>
+          <a:chOff x="0" y="0"/>
+          <a:chExt cx="0" cy="0"/>
+        </a:xfrm>
+      </p:grpSpPr>
+      <p:sp>
+        <p:nvSpPr>
+          <p:cNvPr id="2" name="Espace réservé de l'image des diapositives 1"/>
+          <p:cNvSpPr>
+            <a:spLocks noGrp="1" noRot="1" noChangeAspect="1"/>
+          </p:cNvSpPr>
+          <p:nvPr>
+            <p:ph type="sldImg"/>
+          </p:nvPr>
+        </p:nvSpPr>
+        <p:spPr/>
+      </p:sp>
+      <p:sp>
+        <p:nvSpPr>
+          <p:cNvPr id="3" name="Espace réservé des notes 2"/>
+          <p:cNvSpPr>
+            <a:spLocks noGrp="1"/>
+          </p:cNvSpPr>
+          <p:nvPr>
+            <p:ph type="body" idx="1"/>
+          </p:nvPr>
+        </p:nvSpPr>
+        <p:spPr/>
+        <p:txBody>
+          <a:bodyPr/>
+          <a:lstStyle/>
+          <a:p>
+            <a:endParaRPr lang="fr-FR" dirty="0"/>
+          </a:p>
+        </p:txBody>
+      </p:sp>
+      <p:sp>
+        <p:nvSpPr>
+          <p:cNvPr id="4" name="Espace réservé du numéro de diapositive 3"/>
+          <p:cNvSpPr>
+            <a:spLocks noGrp="1"/>
+          </p:cNvSpPr>
+          <p:nvPr>
+            <p:ph type="sldNum" sz="quarter" idx="5"/>
+          </p:nvPr>
+        </p:nvSpPr>
+        <p:spPr/>
+        <p:txBody>
+          <a:bodyPr/>
+          <a:lstStyle/>
+          <a:p>
+            <a:pPr marL="0" marR="0" lvl="0" indent="0" algn="r" defTabSz="457200" rtl="0" eaLnBrk="1" fontAlgn="auto" latinLnBrk="0" hangingPunct="1">
+              <a:lnSpc>
+                <a:spcPct val="100000"/>
+              </a:lnSpc>
+              <a:spcBef>
+                <a:spcPts val="0"/>
+              </a:spcBef>
+              <a:spcAft>
+                <a:spcPts val="0"/>
+              </a:spcAft>
+              <a:buClrTx/>
+              <a:buSzTx/>
+              <a:buFontTx/>
+              <a:buNone/>
+              <a:tabLst/>
+              <a:defRPr/>
+            </a:pPr>
+            <a:fld id="{530D6BE4-1F8E-45DA-842B-B9DC1B5EF25C}" type="slidenum">
+              <a:rPr kumimoji="0" lang="fr-FR" sz="1200" b="0" i="0" u="none" strike="noStrike" kern="1200" cap="none" spc="0" normalizeH="0" baseline="0" noProof="0" smtClean="0">
+                <a:ln>
+                  <a:noFill/>
+                </a:ln>
+                <a:solidFill>
+                  <a:prstClr val="black"/>
+                </a:solidFill>
+                <a:effectLst/>
+                <a:uLnTx/>
+                <a:uFillTx/>
+                <a:latin typeface="Calibri" panose="020F0502020204030204"/>
+                <a:ea typeface="+mn-ea"/>
+                <a:cs typeface="+mn-cs"/>
+              </a:rPr>
+              <a:pPr marL="0" marR="0" lvl="0" indent="0" algn="r" defTabSz="457200" rtl="0" eaLnBrk="1" fontAlgn="auto" latinLnBrk="0" hangingPunct="1">
+                <a:lnSpc>
+                  <a:spcPct val="100000"/>
+                </a:lnSpc>
+                <a:spcBef>
+                  <a:spcPts val="0"/>
+                </a:spcBef>
+                <a:spcAft>
+                  <a:spcPts val="0"/>
+                </a:spcAft>
+                <a:buClrTx/>
+                <a:buSzTx/>
+                <a:buFontTx/>
+                <a:buNone/>
+                <a:tabLst/>
+                <a:defRPr/>
+              </a:pPr>
+              <a:t>12</a:t>
+            </a:fld>
+            <a:endParaRPr kumimoji="0" lang="fr-FR" sz="1200" b="0" i="0" u="none" strike="noStrike" kern="1200" cap="none" spc="0" normalizeH="0" baseline="0" noProof="0">
+              <a:ln>
+                <a:noFill/>
+              </a:ln>
+              <a:solidFill>
+                <a:prstClr val="black"/>
+              </a:solidFill>
+              <a:effectLst/>
+              <a:uLnTx/>
+              <a:uFillTx/>
+              <a:latin typeface="Calibri" panose="020F0502020204030204"/>
+              <a:ea typeface="+mn-ea"/>
+              <a:cs typeface="+mn-cs"/>
+            </a:endParaRPr>
+          </a:p>
+        </p:txBody>
+      </p:sp>
+    </p:spTree>
+    <p:extLst>
+      <p:ext uri="{BB962C8B-B14F-4D97-AF65-F5344CB8AC3E}">
+        <p14:creationId xmlns:p14="http://schemas.microsoft.com/office/powerpoint/2010/main" val="44278935"/>
+      </p:ext>
+    </p:extLst>
+  </p:cSld>
+  <p:clrMapOvr>
+    <a:masterClrMapping/>
+  </p:clrMapOvr>
+</p:notes>
+</file>
+
+<file path=ppt/notesSlides/notesSlide13.xml><?xml version="1.0" encoding="utf-8"?>
+<p:notes xmlns:a="http://schemas.openxmlformats.org/drawingml/2006/main" xmlns:r="http://schemas.openxmlformats.org/officeDocument/2006/relationships" xmlns:p="http://schemas.openxmlformats.org/presentationml/2006/main">
+  <p:cSld>
+    <p:spTree>
+      <p:nvGrpSpPr>
+        <p:cNvPr id="1" name=""/>
+        <p:cNvGrpSpPr/>
+        <p:nvPr/>
+      </p:nvGrpSpPr>
+      <p:grpSpPr>
+        <a:xfrm>
+          <a:off x="0" y="0"/>
+          <a:ext cx="0" cy="0"/>
+          <a:chOff x="0" y="0"/>
+          <a:chExt cx="0" cy="0"/>
+        </a:xfrm>
+      </p:grpSpPr>
+      <p:sp>
+        <p:nvSpPr>
+          <p:cNvPr id="2" name="Espace réservé de l'image des diapositives 1"/>
+          <p:cNvSpPr>
+            <a:spLocks noGrp="1" noRot="1" noChangeAspect="1"/>
+          </p:cNvSpPr>
+          <p:nvPr>
+            <p:ph type="sldImg"/>
+          </p:nvPr>
+        </p:nvSpPr>
+        <p:spPr/>
+      </p:sp>
+      <p:sp>
+        <p:nvSpPr>
+          <p:cNvPr id="3" name="Espace réservé des notes 2"/>
+          <p:cNvSpPr>
+            <a:spLocks noGrp="1"/>
+          </p:cNvSpPr>
+          <p:nvPr>
+            <p:ph type="body" idx="1"/>
+          </p:nvPr>
+        </p:nvSpPr>
+        <p:spPr/>
+        <p:txBody>
+          <a:bodyPr/>
+          <a:lstStyle/>
+          <a:p>
+            <a:endParaRPr lang="fr-FR" dirty="0"/>
+          </a:p>
+        </p:txBody>
+      </p:sp>
+      <p:sp>
+        <p:nvSpPr>
+          <p:cNvPr id="4" name="Espace réservé du numéro de diapositive 3"/>
+          <p:cNvSpPr>
+            <a:spLocks noGrp="1"/>
+          </p:cNvSpPr>
+          <p:nvPr>
+            <p:ph type="sldNum" sz="quarter" idx="5"/>
+          </p:nvPr>
+        </p:nvSpPr>
+        <p:spPr/>
+        <p:txBody>
+          <a:bodyPr/>
+          <a:lstStyle/>
+          <a:p>
+            <a:pPr marL="0" marR="0" lvl="0" indent="0" algn="r" defTabSz="457200" rtl="0" eaLnBrk="1" fontAlgn="auto" latinLnBrk="0" hangingPunct="1">
+              <a:lnSpc>
+                <a:spcPct val="100000"/>
+              </a:lnSpc>
+              <a:spcBef>
+                <a:spcPts val="0"/>
+              </a:spcBef>
+              <a:spcAft>
+                <a:spcPts val="0"/>
+              </a:spcAft>
+              <a:buClrTx/>
+              <a:buSzTx/>
+              <a:buFontTx/>
+              <a:buNone/>
+              <a:tabLst/>
+              <a:defRPr/>
+            </a:pPr>
+            <a:fld id="{530D6BE4-1F8E-45DA-842B-B9DC1B5EF25C}" type="slidenum">
+              <a:rPr kumimoji="0" lang="fr-FR" sz="1200" b="0" i="0" u="none" strike="noStrike" kern="1200" cap="none" spc="0" normalizeH="0" baseline="0" noProof="0" smtClean="0">
+                <a:ln>
+                  <a:noFill/>
+                </a:ln>
+                <a:solidFill>
+                  <a:prstClr val="black"/>
+                </a:solidFill>
+                <a:effectLst/>
+                <a:uLnTx/>
+                <a:uFillTx/>
+                <a:latin typeface="Calibri" panose="020F0502020204030204"/>
+                <a:ea typeface="+mn-ea"/>
+                <a:cs typeface="+mn-cs"/>
+              </a:rPr>
+              <a:pPr marL="0" marR="0" lvl="0" indent="0" algn="r" defTabSz="457200" rtl="0" eaLnBrk="1" fontAlgn="auto" latinLnBrk="0" hangingPunct="1">
+                <a:lnSpc>
+                  <a:spcPct val="100000"/>
+                </a:lnSpc>
+                <a:spcBef>
+                  <a:spcPts val="0"/>
+                </a:spcBef>
+                <a:spcAft>
+                  <a:spcPts val="0"/>
+                </a:spcAft>
+                <a:buClrTx/>
+                <a:buSzTx/>
+                <a:buFontTx/>
+                <a:buNone/>
+                <a:tabLst/>
+                <a:defRPr/>
+              </a:pPr>
+              <a:t>13</a:t>
+            </a:fld>
+            <a:endParaRPr kumimoji="0" lang="fr-FR" sz="1200" b="0" i="0" u="none" strike="noStrike" kern="1200" cap="none" spc="0" normalizeH="0" baseline="0" noProof="0">
+              <a:ln>
+                <a:noFill/>
+              </a:ln>
+              <a:solidFill>
+                <a:prstClr val="black"/>
+              </a:solidFill>
+              <a:effectLst/>
+              <a:uLnTx/>
+              <a:uFillTx/>
+              <a:latin typeface="Calibri" panose="020F0502020204030204"/>
+              <a:ea typeface="+mn-ea"/>
+              <a:cs typeface="+mn-cs"/>
+            </a:endParaRPr>
+          </a:p>
+        </p:txBody>
+      </p:sp>
+    </p:spTree>
+    <p:extLst>
+      <p:ext uri="{BB962C8B-B14F-4D97-AF65-F5344CB8AC3E}">
+        <p14:creationId xmlns:p14="http://schemas.microsoft.com/office/powerpoint/2010/main" val="2302033835"/>
+      </p:ext>
+    </p:extLst>
+  </p:cSld>
+  <p:clrMapOvr>
+    <a:masterClrMapping/>
+  </p:clrMapOvr>
+</p:notes>
+</file>
+
 <file path=ppt/notesSlides/notesSlide2.xml><?xml version="1.0" encoding="utf-8"?>
 <p:notes xmlns:a="http://schemas.openxmlformats.org/drawingml/2006/main" xmlns:r="http://schemas.openxmlformats.org/officeDocument/2006/relationships" xmlns:p="http://schemas.openxmlformats.org/presentationml/2006/main">
   <p:cSld>
@@ -1705,6 +2195,150 @@
     <p:extLst>
       <p:ext uri="{BB962C8B-B14F-4D97-AF65-F5344CB8AC3E}">
         <p14:creationId xmlns:p14="http://schemas.microsoft.com/office/powerpoint/2010/main" val="1693577868"/>
+      </p:ext>
+    </p:extLst>
+  </p:cSld>
+  <p:clrMapOvr>
+    <a:masterClrMapping/>
+  </p:clrMapOvr>
+</p:notes>
+</file>
+
+<file path=ppt/notesSlides/notesSlide9.xml><?xml version="1.0" encoding="utf-8"?>
+<p:notes xmlns:a="http://schemas.openxmlformats.org/drawingml/2006/main" xmlns:r="http://schemas.openxmlformats.org/officeDocument/2006/relationships" xmlns:p="http://schemas.openxmlformats.org/presentationml/2006/main">
+  <p:cSld>
+    <p:spTree>
+      <p:nvGrpSpPr>
+        <p:cNvPr id="1" name=""/>
+        <p:cNvGrpSpPr/>
+        <p:nvPr/>
+      </p:nvGrpSpPr>
+      <p:grpSpPr>
+        <a:xfrm>
+          <a:off x="0" y="0"/>
+          <a:ext cx="0" cy="0"/>
+          <a:chOff x="0" y="0"/>
+          <a:chExt cx="0" cy="0"/>
+        </a:xfrm>
+      </p:grpSpPr>
+      <p:sp>
+        <p:nvSpPr>
+          <p:cNvPr id="2" name="Espace réservé de l'image des diapositives 1"/>
+          <p:cNvSpPr>
+            <a:spLocks noGrp="1" noRot="1" noChangeAspect="1"/>
+          </p:cNvSpPr>
+          <p:nvPr>
+            <p:ph type="sldImg"/>
+          </p:nvPr>
+        </p:nvSpPr>
+        <p:spPr/>
+      </p:sp>
+      <p:sp>
+        <p:nvSpPr>
+          <p:cNvPr id="3" name="Espace réservé des notes 2"/>
+          <p:cNvSpPr>
+            <a:spLocks noGrp="1"/>
+          </p:cNvSpPr>
+          <p:nvPr>
+            <p:ph type="body" idx="1"/>
+          </p:nvPr>
+        </p:nvSpPr>
+        <p:spPr/>
+        <p:txBody>
+          <a:bodyPr/>
+          <a:lstStyle/>
+          <a:p>
+            <a:endParaRPr lang="fr-FR" dirty="0"/>
+          </a:p>
+        </p:txBody>
+      </p:sp>
+      <p:sp>
+        <p:nvSpPr>
+          <p:cNvPr id="4" name="Espace réservé du numéro de diapositive 3"/>
+          <p:cNvSpPr>
+            <a:spLocks noGrp="1"/>
+          </p:cNvSpPr>
+          <p:nvPr>
+            <p:ph type="sldNum" sz="quarter" idx="5"/>
+          </p:nvPr>
+        </p:nvSpPr>
+        <p:spPr/>
+        <p:txBody>
+          <a:bodyPr/>
+          <a:lstStyle/>
+          <a:p>
+            <a:pPr marL="0" marR="0" lvl="0" indent="0" algn="r" defTabSz="457200" rtl="0" eaLnBrk="1" fontAlgn="auto" latinLnBrk="0" hangingPunct="1">
+              <a:lnSpc>
+                <a:spcPct val="100000"/>
+              </a:lnSpc>
+              <a:spcBef>
+                <a:spcPts val="0"/>
+              </a:spcBef>
+              <a:spcAft>
+                <a:spcPts val="0"/>
+              </a:spcAft>
+              <a:buClrTx/>
+              <a:buSzTx/>
+              <a:buFontTx/>
+              <a:buNone/>
+              <a:tabLst/>
+              <a:defRPr/>
+            </a:pPr>
+            <a:fld id="{530D6BE4-1F8E-45DA-842B-B9DC1B5EF25C}" type="slidenum">
+              <a:rPr kumimoji="0" lang="fr-FR" sz="1200" b="0" i="0" u="none" strike="noStrike" kern="1200" cap="none" spc="0" normalizeH="0" baseline="0" noProof="0" smtClean="0">
+                <a:ln>
+                  <a:noFill/>
+                </a:ln>
+                <a:solidFill>
+                  <a:prstClr val="black"/>
+                </a:solidFill>
+                <a:effectLst/>
+                <a:uLnTx/>
+                <a:uFillTx/>
+                <a:latin typeface="Calibri" panose="020F0502020204030204"/>
+                <a:ea typeface="+mn-ea"/>
+                <a:cs typeface="+mn-cs"/>
+              </a:rPr>
+              <a:pPr marL="0" marR="0" lvl="0" indent="0" algn="r" defTabSz="457200" rtl="0" eaLnBrk="1" fontAlgn="auto" latinLnBrk="0" hangingPunct="1">
+                <a:lnSpc>
+                  <a:spcPct val="100000"/>
+                </a:lnSpc>
+                <a:spcBef>
+                  <a:spcPts val="0"/>
+                </a:spcBef>
+                <a:spcAft>
+                  <a:spcPts val="0"/>
+                </a:spcAft>
+                <a:buClrTx/>
+                <a:buSzTx/>
+                <a:buFontTx/>
+                <a:buNone/>
+                <a:tabLst/>
+                <a:defRPr/>
+              </a:pPr>
+              <a:t>9</a:t>
+            </a:fld>
+            <a:endParaRPr kumimoji="0" lang="fr-FR" sz="1200" b="0" i="0" u="none" strike="noStrike" kern="1200" cap="none" spc="0" normalizeH="0" baseline="0" noProof="0">
+              <a:ln>
+                <a:noFill/>
+              </a:ln>
+              <a:solidFill>
+                <a:prstClr val="black"/>
+              </a:solidFill>
+              <a:effectLst/>
+              <a:uLnTx/>
+              <a:uFillTx/>
+              <a:latin typeface="Calibri" panose="020F0502020204030204"/>
+              <a:ea typeface="+mn-ea"/>
+              <a:cs typeface="+mn-cs"/>
+            </a:endParaRPr>
+          </a:p>
+        </p:txBody>
+      </p:sp>
+    </p:spTree>
+    <p:extLst>
+      <p:ext uri="{BB962C8B-B14F-4D97-AF65-F5344CB8AC3E}">
+        <p14:creationId xmlns:p14="http://schemas.microsoft.com/office/powerpoint/2010/main" val="3687115365"/>
       </p:ext>
     </p:extLst>
   </p:cSld>
@@ -2436,7 +3070,7 @@
           <a:p>
             <a:fld id="{68AA2F7D-4A48-42B4-8BEA-B9039AC65ED3}" type="datetimeFigureOut">
               <a:rPr lang="fr-FR" smtClean="0"/>
-              <a:t>17/02/2022</a:t>
+              <a:t>21/02/2022</a:t>
             </a:fld>
             <a:endParaRPr lang="fr-FR"/>
           </a:p>
@@ -2687,7 +3321,7 @@
           <a:p>
             <a:fld id="{68AA2F7D-4A48-42B4-8BEA-B9039AC65ED3}" type="datetimeFigureOut">
               <a:rPr lang="fr-FR" smtClean="0"/>
-              <a:t>17/02/2022</a:t>
+              <a:t>21/02/2022</a:t>
             </a:fld>
             <a:endParaRPr lang="fr-FR"/>
           </a:p>
@@ -3001,7 +3635,7 @@
           <a:p>
             <a:fld id="{68AA2F7D-4A48-42B4-8BEA-B9039AC65ED3}" type="datetimeFigureOut">
               <a:rPr lang="fr-FR" smtClean="0"/>
-              <a:t>17/02/2022</a:t>
+              <a:t>21/02/2022</a:t>
             </a:fld>
             <a:endParaRPr lang="fr-FR"/>
           </a:p>
@@ -3342,7 +3976,7 @@
           <a:p>
             <a:fld id="{68AA2F7D-4A48-42B4-8BEA-B9039AC65ED3}" type="datetimeFigureOut">
               <a:rPr lang="fr-FR" smtClean="0"/>
-              <a:t>17/02/2022</a:t>
+              <a:t>21/02/2022</a:t>
             </a:fld>
             <a:endParaRPr lang="fr-FR"/>
           </a:p>
@@ -3656,7 +4290,7 @@
           <a:p>
             <a:fld id="{68AA2F7D-4A48-42B4-8BEA-B9039AC65ED3}" type="datetimeFigureOut">
               <a:rPr lang="fr-FR" smtClean="0"/>
-              <a:t>17/02/2022</a:t>
+              <a:t>21/02/2022</a:t>
             </a:fld>
             <a:endParaRPr lang="fr-FR"/>
           </a:p>
@@ -4049,7 +4683,7 @@
           <a:p>
             <a:fld id="{68AA2F7D-4A48-42B4-8BEA-B9039AC65ED3}" type="datetimeFigureOut">
               <a:rPr lang="fr-FR" smtClean="0"/>
-              <a:t>17/02/2022</a:t>
+              <a:t>21/02/2022</a:t>
             </a:fld>
             <a:endParaRPr lang="fr-FR"/>
           </a:p>
@@ -4219,7 +4853,7 @@
           <a:p>
             <a:fld id="{68AA2F7D-4A48-42B4-8BEA-B9039AC65ED3}" type="datetimeFigureOut">
               <a:rPr lang="fr-FR" smtClean="0"/>
-              <a:t>17/02/2022</a:t>
+              <a:t>21/02/2022</a:t>
             </a:fld>
             <a:endParaRPr lang="fr-FR"/>
           </a:p>
@@ -4399,7 +5033,7 @@
           <a:p>
             <a:fld id="{68AA2F7D-4A48-42B4-8BEA-B9039AC65ED3}" type="datetimeFigureOut">
               <a:rPr lang="fr-FR" smtClean="0"/>
-              <a:t>17/02/2022</a:t>
+              <a:t>21/02/2022</a:t>
             </a:fld>
             <a:endParaRPr lang="fr-FR"/>
           </a:p>
@@ -4575,7 +5209,7 @@
           <a:p>
             <a:fld id="{68AA2F7D-4A48-42B4-8BEA-B9039AC65ED3}" type="datetimeFigureOut">
               <a:rPr lang="fr-FR" smtClean="0"/>
-              <a:t>17/02/2022</a:t>
+              <a:t>21/02/2022</a:t>
             </a:fld>
             <a:endParaRPr lang="fr-FR"/>
           </a:p>
@@ -4822,7 +5456,7 @@
           <a:p>
             <a:fld id="{68AA2F7D-4A48-42B4-8BEA-B9039AC65ED3}" type="datetimeFigureOut">
               <a:rPr lang="fr-FR" smtClean="0"/>
-              <a:t>17/02/2022</a:t>
+              <a:t>21/02/2022</a:t>
             </a:fld>
             <a:endParaRPr lang="fr-FR"/>
           </a:p>
@@ -5054,7 +5688,7 @@
           <a:p>
             <a:fld id="{68AA2F7D-4A48-42B4-8BEA-B9039AC65ED3}" type="datetimeFigureOut">
               <a:rPr lang="fr-FR" smtClean="0"/>
-              <a:t>17/02/2022</a:t>
+              <a:t>21/02/2022</a:t>
             </a:fld>
             <a:endParaRPr lang="fr-FR"/>
           </a:p>
@@ -5428,7 +6062,7 @@
           <a:p>
             <a:fld id="{68AA2F7D-4A48-42B4-8BEA-B9039AC65ED3}" type="datetimeFigureOut">
               <a:rPr lang="fr-FR" smtClean="0"/>
-              <a:t>17/02/2022</a:t>
+              <a:t>21/02/2022</a:t>
             </a:fld>
             <a:endParaRPr lang="fr-FR"/>
           </a:p>
@@ -5551,7 +6185,7 @@
           <a:p>
             <a:fld id="{68AA2F7D-4A48-42B4-8BEA-B9039AC65ED3}" type="datetimeFigureOut">
               <a:rPr lang="fr-FR" smtClean="0"/>
-              <a:t>17/02/2022</a:t>
+              <a:t>21/02/2022</a:t>
             </a:fld>
             <a:endParaRPr lang="fr-FR"/>
           </a:p>
@@ -5646,7 +6280,7 @@
           <a:p>
             <a:fld id="{68AA2F7D-4A48-42B4-8BEA-B9039AC65ED3}" type="datetimeFigureOut">
               <a:rPr lang="fr-FR" smtClean="0"/>
-              <a:t>17/02/2022</a:t>
+              <a:t>21/02/2022</a:t>
             </a:fld>
             <a:endParaRPr lang="fr-FR"/>
           </a:p>
@@ -5901,7 +6535,7 @@
           <a:p>
             <a:fld id="{68AA2F7D-4A48-42B4-8BEA-B9039AC65ED3}" type="datetimeFigureOut">
               <a:rPr lang="fr-FR" smtClean="0"/>
-              <a:t>17/02/2022</a:t>
+              <a:t>21/02/2022</a:t>
             </a:fld>
             <a:endParaRPr lang="fr-FR"/>
           </a:p>
@@ -6164,7 +6798,7 @@
           <a:p>
             <a:fld id="{68AA2F7D-4A48-42B4-8BEA-B9039AC65ED3}" type="datetimeFigureOut">
               <a:rPr lang="fr-FR" smtClean="0"/>
-              <a:t>17/02/2022</a:t>
+              <a:t>21/02/2022</a:t>
             </a:fld>
             <a:endParaRPr lang="fr-FR"/>
           </a:p>
@@ -6907,7 +7541,7 @@
           <a:p>
             <a:fld id="{68AA2F7D-4A48-42B4-8BEA-B9039AC65ED3}" type="datetimeFigureOut">
               <a:rPr lang="fr-FR" smtClean="0"/>
-              <a:t>17/02/2022</a:t>
+              <a:t>21/02/2022</a:t>
             </a:fld>
             <a:endParaRPr lang="fr-FR"/>
           </a:p>
@@ -8011,6 +8645,1460 @@
 </p:sld>
 </file>
 
+<file path=ppt/slides/slide10.xml><?xml version="1.0" encoding="utf-8"?>
+<p:sld xmlns:a="http://schemas.openxmlformats.org/drawingml/2006/main" xmlns:r="http://schemas.openxmlformats.org/officeDocument/2006/relationships" xmlns:p="http://schemas.openxmlformats.org/presentationml/2006/main">
+  <p:cSld>
+    <p:spTree>
+      <p:nvGrpSpPr>
+        <p:cNvPr id="1" name=""/>
+        <p:cNvGrpSpPr/>
+        <p:nvPr/>
+      </p:nvGrpSpPr>
+      <p:grpSpPr>
+        <a:xfrm>
+          <a:off x="0" y="0"/>
+          <a:ext cx="0" cy="0"/>
+          <a:chOff x="0" y="0"/>
+          <a:chExt cx="0" cy="0"/>
+        </a:xfrm>
+      </p:grpSpPr>
+      <p:sp>
+        <p:nvSpPr>
+          <p:cNvPr id="2" name="ZoneTexte 1">
+            <a:extLst>
+              <a:ext uri="{FF2B5EF4-FFF2-40B4-BE49-F238E27FC236}">
+                <a16:creationId xmlns:a16="http://schemas.microsoft.com/office/drawing/2014/main" id="{CF73B686-CEAA-4E22-B092-7D32A0BD53A1}"/>
+              </a:ext>
+            </a:extLst>
+          </p:cNvPr>
+          <p:cNvSpPr txBox="1"/>
+          <p:nvPr/>
+        </p:nvSpPr>
+        <p:spPr>
+          <a:xfrm>
+            <a:off x="764330" y="1072061"/>
+            <a:ext cx="7624661" cy="480131"/>
+          </a:xfrm>
+          <a:prstGeom prst="rect">
+            <a:avLst/>
+          </a:prstGeom>
+          <a:noFill/>
+        </p:spPr>
+        <p:txBody>
+          <a:bodyPr wrap="square">
+            <a:spAutoFit/>
+          </a:bodyPr>
+          <a:lstStyle/>
+          <a:p>
+            <a:pPr marL="0" marR="0" lvl="0" indent="0" algn="l" defTabSz="914400" rtl="0" eaLnBrk="1" fontAlgn="auto" latinLnBrk="0" hangingPunct="1">
+              <a:lnSpc>
+                <a:spcPct val="90000"/>
+              </a:lnSpc>
+              <a:spcBef>
+                <a:spcPts val="1000"/>
+              </a:spcBef>
+              <a:spcAft>
+                <a:spcPts val="0"/>
+              </a:spcAft>
+              <a:buClrTx/>
+              <a:buSzTx/>
+              <a:buFont typeface="Arial" panose="020B0604020202020204" pitchFamily="34" charset="0"/>
+              <a:buNone/>
+              <a:tabLst/>
+              <a:defRPr/>
+            </a:pPr>
+            <a:r>
+              <a:rPr kumimoji="0" lang="fr-FR" sz="2800" b="1" i="0" u="none" strike="noStrike" kern="1200" cap="none" spc="0" normalizeH="0" baseline="0" noProof="0" dirty="0">
+                <a:ln>
+                  <a:noFill/>
+                </a:ln>
+                <a:solidFill>
+                  <a:srgbClr val="242852">
+                    <a:lumMod val="60000"/>
+                    <a:lumOff val="40000"/>
+                  </a:srgbClr>
+                </a:solidFill>
+                <a:effectLst/>
+                <a:uLnTx/>
+                <a:uFillTx/>
+                <a:latin typeface="Arial Narrow" panose="020B0606020202030204" pitchFamily="34" charset="0"/>
+                <a:ea typeface="Calibri" panose="020F0502020204030204" pitchFamily="34" charset="0"/>
+                <a:cs typeface="Times New Roman" panose="02020603050405020304" pitchFamily="18" charset="0"/>
+              </a:rPr>
+              <a:t>Les océans : les propriétés</a:t>
+            </a:r>
+          </a:p>
+        </p:txBody>
+      </p:sp>
+      <p:sp>
+        <p:nvSpPr>
+          <p:cNvPr id="3" name="ZoneTexte 2">
+            <a:extLst>
+              <a:ext uri="{FF2B5EF4-FFF2-40B4-BE49-F238E27FC236}">
+                <a16:creationId xmlns:a16="http://schemas.microsoft.com/office/drawing/2014/main" id="{BA6AFF15-FFFA-430D-A3EC-5D7AAD3931F0}"/>
+              </a:ext>
+            </a:extLst>
+          </p:cNvPr>
+          <p:cNvSpPr txBox="1"/>
+          <p:nvPr/>
+        </p:nvSpPr>
+        <p:spPr>
+          <a:xfrm>
+            <a:off x="771525" y="1976923"/>
+            <a:ext cx="6446960" cy="1569660"/>
+          </a:xfrm>
+          <a:prstGeom prst="rect">
+            <a:avLst/>
+          </a:prstGeom>
+          <a:noFill/>
+        </p:spPr>
+        <p:txBody>
+          <a:bodyPr wrap="square">
+            <a:spAutoFit/>
+          </a:bodyPr>
+          <a:lstStyle/>
+          <a:p>
+            <a:pPr marL="285750" indent="-285750" defTabSz="457200">
+              <a:buFont typeface="Arial" panose="020B0604020202020204" pitchFamily="34" charset="0"/>
+              <a:buChar char="•"/>
+            </a:pPr>
+            <a:r>
+              <a:rPr lang="fr-FR" sz="1600" dirty="0">
+                <a:solidFill>
+                  <a:srgbClr val="242852">
+                    <a:lumMod val="60000"/>
+                    <a:lumOff val="40000"/>
+                  </a:srgbClr>
+                </a:solidFill>
+                <a:latin typeface="Arial Narrow" panose="020B0606020202030204" pitchFamily="34" charset="0"/>
+                <a:cs typeface="Times New Roman" panose="02020603050405020304" pitchFamily="18" charset="0"/>
+              </a:rPr>
+              <a:t>Dans la classe Person, ajouter les propriétés </a:t>
+            </a:r>
+            <a:r>
+              <a:rPr lang="fr-FR" sz="1600" dirty="0" err="1">
+                <a:solidFill>
+                  <a:srgbClr val="242852">
+                    <a:lumMod val="60000"/>
+                    <a:lumOff val="40000"/>
+                  </a:srgbClr>
+                </a:solidFill>
+                <a:latin typeface="Arial Narrow" panose="020B0606020202030204" pitchFamily="34" charset="0"/>
+                <a:cs typeface="Times New Roman" panose="02020603050405020304" pitchFamily="18" charset="0"/>
+              </a:rPr>
+              <a:t>lastname</a:t>
+            </a:r>
+            <a:r>
+              <a:rPr lang="fr-FR" sz="1600" dirty="0">
+                <a:solidFill>
+                  <a:srgbClr val="242852">
+                    <a:lumMod val="60000"/>
+                    <a:lumOff val="40000"/>
+                  </a:srgbClr>
+                </a:solidFill>
+                <a:latin typeface="Arial Narrow" panose="020B0606020202030204" pitchFamily="34" charset="0"/>
+                <a:cs typeface="Times New Roman" panose="02020603050405020304" pitchFamily="18" charset="0"/>
+              </a:rPr>
+              <a:t>, </a:t>
+            </a:r>
+            <a:r>
+              <a:rPr lang="fr-FR" sz="1600" dirty="0" err="1">
+                <a:solidFill>
+                  <a:srgbClr val="242852">
+                    <a:lumMod val="60000"/>
+                    <a:lumOff val="40000"/>
+                  </a:srgbClr>
+                </a:solidFill>
+                <a:latin typeface="Arial Narrow" panose="020B0606020202030204" pitchFamily="34" charset="0"/>
+                <a:cs typeface="Times New Roman" panose="02020603050405020304" pitchFamily="18" charset="0"/>
+              </a:rPr>
+              <a:t>firstname</a:t>
+            </a:r>
+            <a:r>
+              <a:rPr lang="fr-FR" sz="1600" dirty="0">
+                <a:solidFill>
+                  <a:srgbClr val="242852">
+                    <a:lumMod val="60000"/>
+                    <a:lumOff val="40000"/>
+                  </a:srgbClr>
+                </a:solidFill>
+                <a:latin typeface="Arial Narrow" panose="020B0606020202030204" pitchFamily="34" charset="0"/>
+                <a:cs typeface="Times New Roman" panose="02020603050405020304" pitchFamily="18" charset="0"/>
+              </a:rPr>
+              <a:t>, </a:t>
+            </a:r>
+            <a:r>
+              <a:rPr lang="fr-FR" sz="1600" dirty="0" err="1">
+                <a:solidFill>
+                  <a:srgbClr val="242852">
+                    <a:lumMod val="60000"/>
+                    <a:lumOff val="40000"/>
+                  </a:srgbClr>
+                </a:solidFill>
+                <a:latin typeface="Arial Narrow" panose="020B0606020202030204" pitchFamily="34" charset="0"/>
+                <a:cs typeface="Times New Roman" panose="02020603050405020304" pitchFamily="18" charset="0"/>
+              </a:rPr>
+              <a:t>age</a:t>
+            </a:r>
+            <a:r>
+              <a:rPr lang="fr-FR" sz="1600" dirty="0">
+                <a:solidFill>
+                  <a:srgbClr val="242852">
+                    <a:lumMod val="60000"/>
+                    <a:lumOff val="40000"/>
+                  </a:srgbClr>
+                </a:solidFill>
+                <a:latin typeface="Arial Narrow" panose="020B0606020202030204" pitchFamily="34" charset="0"/>
+                <a:cs typeface="Times New Roman" panose="02020603050405020304" pitchFamily="18" charset="0"/>
+              </a:rPr>
+              <a:t> et  </a:t>
+            </a:r>
+            <a:r>
+              <a:rPr lang="fr-FR" sz="1600" dirty="0" err="1">
+                <a:solidFill>
+                  <a:srgbClr val="242852">
+                    <a:lumMod val="60000"/>
+                    <a:lumOff val="40000"/>
+                  </a:srgbClr>
+                </a:solidFill>
+                <a:latin typeface="Arial Narrow" panose="020B0606020202030204" pitchFamily="34" charset="0"/>
+                <a:cs typeface="Times New Roman" panose="02020603050405020304" pitchFamily="18" charset="0"/>
+              </a:rPr>
+              <a:t>dateOfBirth</a:t>
+            </a:r>
+            <a:r>
+              <a:rPr lang="fr-FR" sz="1600" dirty="0">
+                <a:solidFill>
+                  <a:srgbClr val="242852">
+                    <a:lumMod val="60000"/>
+                    <a:lumOff val="40000"/>
+                  </a:srgbClr>
+                </a:solidFill>
+                <a:latin typeface="Arial Narrow" panose="020B0606020202030204" pitchFamily="34" charset="0"/>
+                <a:cs typeface="Times New Roman" panose="02020603050405020304" pitchFamily="18" charset="0"/>
+              </a:rPr>
+              <a:t> (String)</a:t>
+            </a:r>
+          </a:p>
+          <a:p>
+            <a:pPr defTabSz="457200"/>
+            <a:endParaRPr lang="fr-FR" sz="1600" dirty="0">
+              <a:solidFill>
+                <a:srgbClr val="242852">
+                  <a:lumMod val="60000"/>
+                  <a:lumOff val="40000"/>
+                </a:srgbClr>
+              </a:solidFill>
+              <a:latin typeface="Arial Narrow" panose="020B0606020202030204" pitchFamily="34" charset="0"/>
+              <a:cs typeface="Times New Roman" panose="02020603050405020304" pitchFamily="18" charset="0"/>
+            </a:endParaRPr>
+          </a:p>
+          <a:p>
+            <a:pPr defTabSz="457200"/>
+            <a:endParaRPr lang="fr-FR" sz="1600" dirty="0">
+              <a:solidFill>
+                <a:srgbClr val="242852">
+                  <a:lumMod val="60000"/>
+                  <a:lumOff val="40000"/>
+                </a:srgbClr>
+              </a:solidFill>
+              <a:latin typeface="Arial Narrow" panose="020B0606020202030204" pitchFamily="34" charset="0"/>
+              <a:cs typeface="Times New Roman" panose="02020603050405020304" pitchFamily="18" charset="0"/>
+            </a:endParaRPr>
+          </a:p>
+          <a:p>
+            <a:pPr lvl="1" defTabSz="457200"/>
+            <a:endParaRPr kumimoji="0" lang="fr-FR" sz="1600" i="0" u="none" strike="noStrike" kern="1200" cap="none" spc="0" normalizeH="0" baseline="0" noProof="0" dirty="0">
+              <a:ln>
+                <a:noFill/>
+              </a:ln>
+              <a:solidFill>
+                <a:srgbClr val="242852">
+                  <a:lumMod val="60000"/>
+                  <a:lumOff val="40000"/>
+                </a:srgbClr>
+              </a:solidFill>
+              <a:effectLst/>
+              <a:uLnTx/>
+              <a:uFillTx/>
+              <a:latin typeface="Arial Narrow" panose="020B0606020202030204" pitchFamily="34" charset="0"/>
+              <a:ea typeface="+mn-ea"/>
+              <a:cs typeface="Times New Roman" panose="02020603050405020304" pitchFamily="18" charset="0"/>
+            </a:endParaRPr>
+          </a:p>
+          <a:p>
+            <a:pPr lvl="1" defTabSz="457200"/>
+            <a:endParaRPr kumimoji="0" lang="fr-FR" sz="1600" i="0" u="none" strike="noStrike" kern="1200" cap="none" spc="0" normalizeH="0" baseline="0" noProof="0" dirty="0">
+              <a:ln>
+                <a:noFill/>
+              </a:ln>
+              <a:solidFill>
+                <a:srgbClr val="242852">
+                  <a:lumMod val="60000"/>
+                  <a:lumOff val="40000"/>
+                </a:srgbClr>
+              </a:solidFill>
+              <a:effectLst/>
+              <a:uLnTx/>
+              <a:uFillTx/>
+              <a:latin typeface="Arial Narrow" panose="020B0606020202030204" pitchFamily="34" charset="0"/>
+              <a:ea typeface="+mn-ea"/>
+              <a:cs typeface="Times New Roman" panose="02020603050405020304" pitchFamily="18" charset="0"/>
+            </a:endParaRPr>
+          </a:p>
+        </p:txBody>
+      </p:sp>
+    </p:spTree>
+    <p:extLst>
+      <p:ext uri="{BB962C8B-B14F-4D97-AF65-F5344CB8AC3E}">
+        <p14:creationId xmlns:p14="http://schemas.microsoft.com/office/powerpoint/2010/main" val="854890741"/>
+      </p:ext>
+    </p:extLst>
+  </p:cSld>
+  <p:clrMapOvr>
+    <a:masterClrMapping/>
+  </p:clrMapOvr>
+</p:sld>
+</file>
+
+<file path=ppt/slides/slide11.xml><?xml version="1.0" encoding="utf-8"?>
+<p:sld xmlns:a="http://schemas.openxmlformats.org/drawingml/2006/main" xmlns:r="http://schemas.openxmlformats.org/officeDocument/2006/relationships" xmlns:p="http://schemas.openxmlformats.org/presentationml/2006/main">
+  <p:cSld>
+    <p:spTree>
+      <p:nvGrpSpPr>
+        <p:cNvPr id="1" name=""/>
+        <p:cNvGrpSpPr/>
+        <p:nvPr/>
+      </p:nvGrpSpPr>
+      <p:grpSpPr>
+        <a:xfrm>
+          <a:off x="0" y="0"/>
+          <a:ext cx="0" cy="0"/>
+          <a:chOff x="0" y="0"/>
+          <a:chExt cx="0" cy="0"/>
+        </a:xfrm>
+      </p:grpSpPr>
+      <p:sp>
+        <p:nvSpPr>
+          <p:cNvPr id="2" name="ZoneTexte 1">
+            <a:extLst>
+              <a:ext uri="{FF2B5EF4-FFF2-40B4-BE49-F238E27FC236}">
+                <a16:creationId xmlns:a16="http://schemas.microsoft.com/office/drawing/2014/main" id="{CF73B686-CEAA-4E22-B092-7D32A0BD53A1}"/>
+              </a:ext>
+            </a:extLst>
+          </p:cNvPr>
+          <p:cNvSpPr txBox="1"/>
+          <p:nvPr/>
+        </p:nvSpPr>
+        <p:spPr>
+          <a:xfrm>
+            <a:off x="764330" y="1072061"/>
+            <a:ext cx="7624661" cy="480131"/>
+          </a:xfrm>
+          <a:prstGeom prst="rect">
+            <a:avLst/>
+          </a:prstGeom>
+          <a:noFill/>
+        </p:spPr>
+        <p:txBody>
+          <a:bodyPr wrap="square">
+            <a:spAutoFit/>
+          </a:bodyPr>
+          <a:lstStyle/>
+          <a:p>
+            <a:pPr marL="0" marR="0" lvl="0" indent="0" algn="l" defTabSz="914400" rtl="0" eaLnBrk="1" fontAlgn="auto" latinLnBrk="0" hangingPunct="1">
+              <a:lnSpc>
+                <a:spcPct val="90000"/>
+              </a:lnSpc>
+              <a:spcBef>
+                <a:spcPts val="1000"/>
+              </a:spcBef>
+              <a:spcAft>
+                <a:spcPts val="0"/>
+              </a:spcAft>
+              <a:buClrTx/>
+              <a:buSzTx/>
+              <a:buFont typeface="Arial" panose="020B0604020202020204" pitchFamily="34" charset="0"/>
+              <a:buNone/>
+              <a:tabLst/>
+              <a:defRPr/>
+            </a:pPr>
+            <a:r>
+              <a:rPr kumimoji="0" lang="fr-FR" sz="2800" b="1" i="0" u="none" strike="noStrike" kern="1200" cap="none" spc="0" normalizeH="0" baseline="0" noProof="0" dirty="0">
+                <a:ln>
+                  <a:noFill/>
+                </a:ln>
+                <a:solidFill>
+                  <a:srgbClr val="242852">
+                    <a:lumMod val="60000"/>
+                    <a:lumOff val="40000"/>
+                  </a:srgbClr>
+                </a:solidFill>
+                <a:effectLst/>
+                <a:uLnTx/>
+                <a:uFillTx/>
+                <a:latin typeface="Arial Narrow" panose="020B0606020202030204" pitchFamily="34" charset="0"/>
+                <a:ea typeface="Calibri" panose="020F0502020204030204" pitchFamily="34" charset="0"/>
+                <a:cs typeface="Times New Roman" panose="02020603050405020304" pitchFamily="18" charset="0"/>
+              </a:rPr>
+              <a:t>Les océans : Modifier les attributs d’un objet</a:t>
+            </a:r>
+          </a:p>
+        </p:txBody>
+      </p:sp>
+      <p:sp>
+        <p:nvSpPr>
+          <p:cNvPr id="3" name="ZoneTexte 2">
+            <a:extLst>
+              <a:ext uri="{FF2B5EF4-FFF2-40B4-BE49-F238E27FC236}">
+                <a16:creationId xmlns:a16="http://schemas.microsoft.com/office/drawing/2014/main" id="{BA6AFF15-FFFA-430D-A3EC-5D7AAD3931F0}"/>
+              </a:ext>
+            </a:extLst>
+          </p:cNvPr>
+          <p:cNvSpPr txBox="1"/>
+          <p:nvPr/>
+        </p:nvSpPr>
+        <p:spPr>
+          <a:xfrm>
+            <a:off x="771525" y="1976923"/>
+            <a:ext cx="6446960" cy="1111715"/>
+          </a:xfrm>
+          <a:prstGeom prst="rect">
+            <a:avLst/>
+          </a:prstGeom>
+          <a:noFill/>
+        </p:spPr>
+        <p:txBody>
+          <a:bodyPr wrap="square">
+            <a:spAutoFit/>
+          </a:bodyPr>
+          <a:lstStyle/>
+          <a:p>
+            <a:pPr marL="742950" indent="-285750">
+              <a:lnSpc>
+                <a:spcPct val="107000"/>
+              </a:lnSpc>
+              <a:buFont typeface="Arial" panose="020B0604020202020204" pitchFamily="34" charset="0"/>
+              <a:buChar char="•"/>
+            </a:pPr>
+            <a:r>
+              <a:rPr lang="fr-FR" sz="1600" dirty="0">
+                <a:solidFill>
+                  <a:srgbClr val="242852">
+                    <a:lumMod val="60000"/>
+                    <a:lumOff val="40000"/>
+                  </a:srgbClr>
+                </a:solidFill>
+                <a:latin typeface="Arial Narrow" panose="020B0606020202030204" pitchFamily="34" charset="0"/>
+                <a:cs typeface="Times New Roman" panose="02020603050405020304" pitchFamily="18" charset="0"/>
+              </a:rPr>
+              <a:t>Dans la classe main, instanciez 2 clients (type Person), </a:t>
+            </a:r>
+            <a:r>
+              <a:rPr lang="fr-FR" sz="1600" dirty="0" err="1">
+                <a:solidFill>
+                  <a:srgbClr val="242852">
+                    <a:lumMod val="60000"/>
+                    <a:lumOff val="40000"/>
+                  </a:srgbClr>
+                </a:solidFill>
+                <a:latin typeface="Arial Narrow" panose="020B0606020202030204" pitchFamily="34" charset="0"/>
+                <a:cs typeface="Times New Roman" panose="02020603050405020304" pitchFamily="18" charset="0"/>
+              </a:rPr>
+              <a:t>clientDupont</a:t>
+            </a:r>
+            <a:r>
+              <a:rPr lang="fr-FR" sz="1600" dirty="0">
+                <a:solidFill>
+                  <a:srgbClr val="242852">
+                    <a:lumMod val="60000"/>
+                    <a:lumOff val="40000"/>
+                  </a:srgbClr>
+                </a:solidFill>
+                <a:latin typeface="Arial Narrow" panose="020B0606020202030204" pitchFamily="34" charset="0"/>
+                <a:cs typeface="Times New Roman" panose="02020603050405020304" pitchFamily="18" charset="0"/>
+              </a:rPr>
+              <a:t> et </a:t>
+            </a:r>
+            <a:r>
+              <a:rPr lang="fr-FR" sz="1600" dirty="0" err="1">
+                <a:solidFill>
+                  <a:srgbClr val="242852">
+                    <a:lumMod val="60000"/>
+                    <a:lumOff val="40000"/>
+                  </a:srgbClr>
+                </a:solidFill>
+                <a:latin typeface="Arial Narrow" panose="020B0606020202030204" pitchFamily="34" charset="0"/>
+                <a:cs typeface="Times New Roman" panose="02020603050405020304" pitchFamily="18" charset="0"/>
+              </a:rPr>
+              <a:t>clientDurand</a:t>
+            </a:r>
+            <a:r>
+              <a:rPr lang="fr-FR" sz="1600" dirty="0">
+                <a:solidFill>
+                  <a:srgbClr val="242852">
+                    <a:lumMod val="60000"/>
+                    <a:lumOff val="40000"/>
+                  </a:srgbClr>
+                </a:solidFill>
+                <a:latin typeface="Arial Narrow" panose="020B0606020202030204" pitchFamily="34" charset="0"/>
+                <a:cs typeface="Times New Roman" panose="02020603050405020304" pitchFamily="18" charset="0"/>
+              </a:rPr>
+              <a:t> et attribuez des valeurs à leur propriété.</a:t>
+            </a:r>
+          </a:p>
+          <a:p>
+            <a:pPr marL="285750" indent="-285750" defTabSz="457200">
+              <a:buFont typeface="Arial" panose="020B0604020202020204" pitchFamily="34" charset="0"/>
+              <a:buChar char="•"/>
+            </a:pPr>
+            <a:endParaRPr lang="fr-FR" sz="1600" dirty="0">
+              <a:solidFill>
+                <a:srgbClr val="242852">
+                  <a:lumMod val="60000"/>
+                  <a:lumOff val="40000"/>
+                </a:srgbClr>
+              </a:solidFill>
+              <a:latin typeface="Arial Narrow" panose="020B0606020202030204" pitchFamily="34" charset="0"/>
+              <a:cs typeface="Times New Roman" panose="02020603050405020304" pitchFamily="18" charset="0"/>
+            </a:endParaRPr>
+          </a:p>
+          <a:p>
+            <a:pPr marL="742950" lvl="1" indent="-285750" defTabSz="457200">
+              <a:buFont typeface="Arial" panose="020B0604020202020204" pitchFamily="34" charset="0"/>
+              <a:buChar char="•"/>
+            </a:pPr>
+            <a:r>
+              <a:rPr lang="fr-FR" sz="1600" dirty="0">
+                <a:solidFill>
+                  <a:srgbClr val="242852">
+                    <a:lumMod val="60000"/>
+                    <a:lumOff val="40000"/>
+                  </a:srgbClr>
+                </a:solidFill>
+                <a:latin typeface="Arial Narrow" panose="020B0606020202030204" pitchFamily="34" charset="0"/>
+                <a:cs typeface="Times New Roman" panose="02020603050405020304" pitchFamily="18" charset="0"/>
+              </a:rPr>
+              <a:t>Utilisez un </a:t>
+            </a:r>
+            <a:r>
+              <a:rPr lang="fr-FR" sz="1600" dirty="0" err="1">
+                <a:solidFill>
+                  <a:srgbClr val="242852">
+                    <a:lumMod val="60000"/>
+                    <a:lumOff val="40000"/>
+                  </a:srgbClr>
+                </a:solidFill>
+                <a:latin typeface="Arial Narrow" panose="020B0606020202030204" pitchFamily="34" charset="0"/>
+                <a:cs typeface="Times New Roman" panose="02020603050405020304" pitchFamily="18" charset="0"/>
+              </a:rPr>
+              <a:t>println</a:t>
+            </a:r>
+            <a:r>
+              <a:rPr lang="fr-FR" sz="1600" dirty="0">
+                <a:solidFill>
+                  <a:srgbClr val="242852">
+                    <a:lumMod val="60000"/>
+                    <a:lumOff val="40000"/>
+                  </a:srgbClr>
+                </a:solidFill>
+                <a:latin typeface="Arial Narrow" panose="020B0606020202030204" pitchFamily="34" charset="0"/>
+                <a:cs typeface="Times New Roman" panose="02020603050405020304" pitchFamily="18" charset="0"/>
+              </a:rPr>
+              <a:t> pour afficher les détails des 2 clients (</a:t>
+            </a:r>
+            <a:r>
+              <a:rPr lang="fr-FR" sz="1600" dirty="0" err="1">
+                <a:solidFill>
+                  <a:srgbClr val="242852">
+                    <a:lumMod val="60000"/>
+                    <a:lumOff val="40000"/>
+                  </a:srgbClr>
+                </a:solidFill>
+                <a:latin typeface="Arial Narrow" panose="020B0606020202030204" pitchFamily="34" charset="0"/>
+                <a:cs typeface="Times New Roman" panose="02020603050405020304" pitchFamily="18" charset="0"/>
+              </a:rPr>
+              <a:t>concaténétion</a:t>
+            </a:r>
+            <a:r>
+              <a:rPr lang="fr-FR" sz="1600" dirty="0">
+                <a:solidFill>
+                  <a:srgbClr val="242852">
+                    <a:lumMod val="60000"/>
+                    <a:lumOff val="40000"/>
+                  </a:srgbClr>
+                </a:solidFill>
+                <a:latin typeface="Arial Narrow" panose="020B0606020202030204" pitchFamily="34" charset="0"/>
+                <a:cs typeface="Times New Roman" panose="02020603050405020304" pitchFamily="18" charset="0"/>
+              </a:rPr>
+              <a:t>)</a:t>
+            </a:r>
+          </a:p>
+        </p:txBody>
+      </p:sp>
+    </p:spTree>
+    <p:extLst>
+      <p:ext uri="{BB962C8B-B14F-4D97-AF65-F5344CB8AC3E}">
+        <p14:creationId xmlns:p14="http://schemas.microsoft.com/office/powerpoint/2010/main" val="1734828366"/>
+      </p:ext>
+    </p:extLst>
+  </p:cSld>
+  <p:clrMapOvr>
+    <a:masterClrMapping/>
+  </p:clrMapOvr>
+</p:sld>
+</file>
+
+<file path=ppt/slides/slide12.xml><?xml version="1.0" encoding="utf-8"?>
+<p:sld xmlns:a="http://schemas.openxmlformats.org/drawingml/2006/main" xmlns:r="http://schemas.openxmlformats.org/officeDocument/2006/relationships" xmlns:p="http://schemas.openxmlformats.org/presentationml/2006/main">
+  <p:cSld>
+    <p:spTree>
+      <p:nvGrpSpPr>
+        <p:cNvPr id="1" name=""/>
+        <p:cNvGrpSpPr/>
+        <p:nvPr/>
+      </p:nvGrpSpPr>
+      <p:grpSpPr>
+        <a:xfrm>
+          <a:off x="0" y="0"/>
+          <a:ext cx="0" cy="0"/>
+          <a:chOff x="0" y="0"/>
+          <a:chExt cx="0" cy="0"/>
+        </a:xfrm>
+      </p:grpSpPr>
+      <p:sp>
+        <p:nvSpPr>
+          <p:cNvPr id="2" name="ZoneTexte 1">
+            <a:extLst>
+              <a:ext uri="{FF2B5EF4-FFF2-40B4-BE49-F238E27FC236}">
+                <a16:creationId xmlns:a16="http://schemas.microsoft.com/office/drawing/2014/main" id="{CF73B686-CEAA-4E22-B092-7D32A0BD53A1}"/>
+              </a:ext>
+            </a:extLst>
+          </p:cNvPr>
+          <p:cNvSpPr txBox="1"/>
+          <p:nvPr/>
+        </p:nvSpPr>
+        <p:spPr>
+          <a:xfrm>
+            <a:off x="764330" y="1072061"/>
+            <a:ext cx="7624661" cy="480131"/>
+          </a:xfrm>
+          <a:prstGeom prst="rect">
+            <a:avLst/>
+          </a:prstGeom>
+          <a:noFill/>
+        </p:spPr>
+        <p:txBody>
+          <a:bodyPr wrap="square">
+            <a:spAutoFit/>
+          </a:bodyPr>
+          <a:lstStyle/>
+          <a:p>
+            <a:pPr marL="0" marR="0" lvl="0" indent="0" algn="l" defTabSz="914400" rtl="0" eaLnBrk="1" fontAlgn="auto" latinLnBrk="0" hangingPunct="1">
+              <a:lnSpc>
+                <a:spcPct val="90000"/>
+              </a:lnSpc>
+              <a:spcBef>
+                <a:spcPts val="1000"/>
+              </a:spcBef>
+              <a:spcAft>
+                <a:spcPts val="0"/>
+              </a:spcAft>
+              <a:buClrTx/>
+              <a:buSzTx/>
+              <a:buFont typeface="Arial" panose="020B0604020202020204" pitchFamily="34" charset="0"/>
+              <a:buNone/>
+              <a:tabLst/>
+              <a:defRPr/>
+            </a:pPr>
+            <a:r>
+              <a:rPr kumimoji="0" lang="fr-FR" sz="2800" b="1" i="0" u="none" strike="noStrike" kern="1200" cap="none" spc="0" normalizeH="0" baseline="0" noProof="0" dirty="0">
+                <a:ln>
+                  <a:noFill/>
+                </a:ln>
+                <a:solidFill>
+                  <a:srgbClr val="242852">
+                    <a:lumMod val="60000"/>
+                    <a:lumOff val="40000"/>
+                  </a:srgbClr>
+                </a:solidFill>
+                <a:effectLst/>
+                <a:uLnTx/>
+                <a:uFillTx/>
+                <a:latin typeface="Arial Narrow" panose="020B0606020202030204" pitchFamily="34" charset="0"/>
+                <a:ea typeface="Calibri" panose="020F0502020204030204" pitchFamily="34" charset="0"/>
+                <a:cs typeface="Times New Roman" panose="02020603050405020304" pitchFamily="18" charset="0"/>
+              </a:rPr>
+              <a:t>Les océans : les méthodes</a:t>
+            </a:r>
+          </a:p>
+        </p:txBody>
+      </p:sp>
+      <p:sp>
+        <p:nvSpPr>
+          <p:cNvPr id="3" name="ZoneTexte 2">
+            <a:extLst>
+              <a:ext uri="{FF2B5EF4-FFF2-40B4-BE49-F238E27FC236}">
+                <a16:creationId xmlns:a16="http://schemas.microsoft.com/office/drawing/2014/main" id="{BA6AFF15-FFFA-430D-A3EC-5D7AAD3931F0}"/>
+              </a:ext>
+            </a:extLst>
+          </p:cNvPr>
+          <p:cNvSpPr txBox="1"/>
+          <p:nvPr/>
+        </p:nvSpPr>
+        <p:spPr>
+          <a:xfrm>
+            <a:off x="771525" y="1976923"/>
+            <a:ext cx="6446960" cy="1569660"/>
+          </a:xfrm>
+          <a:prstGeom prst="rect">
+            <a:avLst/>
+          </a:prstGeom>
+          <a:noFill/>
+        </p:spPr>
+        <p:txBody>
+          <a:bodyPr wrap="square">
+            <a:spAutoFit/>
+          </a:bodyPr>
+          <a:lstStyle/>
+          <a:p>
+            <a:pPr marL="285750" indent="-285750" defTabSz="457200">
+              <a:buFont typeface="Arial" panose="020B0604020202020204" pitchFamily="34" charset="0"/>
+              <a:buChar char="•"/>
+            </a:pPr>
+            <a:r>
+              <a:rPr lang="fr-FR" sz="1600" dirty="0">
+                <a:solidFill>
+                  <a:srgbClr val="242852">
+                    <a:lumMod val="60000"/>
+                    <a:lumOff val="40000"/>
+                  </a:srgbClr>
+                </a:solidFill>
+                <a:latin typeface="Arial Narrow" panose="020B0606020202030204" pitchFamily="34" charset="0"/>
+                <a:cs typeface="Times New Roman" panose="02020603050405020304" pitchFamily="18" charset="0"/>
+              </a:rPr>
+              <a:t>Dans la classe personne, ajouter une méthode ‘</a:t>
+            </a:r>
+            <a:r>
+              <a:rPr lang="fr-FR" sz="1600" dirty="0" err="1">
+                <a:solidFill>
+                  <a:srgbClr val="242852">
+                    <a:lumMod val="60000"/>
+                    <a:lumOff val="40000"/>
+                  </a:srgbClr>
+                </a:solidFill>
+                <a:latin typeface="Arial Narrow" panose="020B0606020202030204" pitchFamily="34" charset="0"/>
+                <a:cs typeface="Times New Roman" panose="02020603050405020304" pitchFamily="18" charset="0"/>
+              </a:rPr>
+              <a:t>sePresenter</a:t>
+            </a:r>
+            <a:r>
+              <a:rPr lang="fr-FR" sz="1600" dirty="0">
+                <a:solidFill>
+                  <a:srgbClr val="242852">
+                    <a:lumMod val="60000"/>
+                    <a:lumOff val="40000"/>
+                  </a:srgbClr>
+                </a:solidFill>
+                <a:latin typeface="Arial Narrow" panose="020B0606020202030204" pitchFamily="34" charset="0"/>
+                <a:cs typeface="Times New Roman" panose="02020603050405020304" pitchFamily="18" charset="0"/>
+              </a:rPr>
+              <a:t>’ qui affiche</a:t>
+            </a:r>
+          </a:p>
+          <a:p>
+            <a:pPr marL="285750" indent="-285750" defTabSz="457200">
+              <a:buFont typeface="Arial" panose="020B0604020202020204" pitchFamily="34" charset="0"/>
+              <a:buChar char="•"/>
+            </a:pPr>
+            <a:endParaRPr lang="fr-FR" sz="1600" dirty="0">
+              <a:solidFill>
+                <a:srgbClr val="242852">
+                  <a:lumMod val="60000"/>
+                  <a:lumOff val="40000"/>
+                </a:srgbClr>
+              </a:solidFill>
+              <a:latin typeface="Arial Narrow" panose="020B0606020202030204" pitchFamily="34" charset="0"/>
+              <a:cs typeface="Times New Roman" panose="02020603050405020304" pitchFamily="18" charset="0"/>
+            </a:endParaRPr>
+          </a:p>
+          <a:p>
+            <a:pPr defTabSz="457200"/>
+            <a:r>
+              <a:rPr lang="fr-FR" sz="1600" dirty="0">
+                <a:solidFill>
+                  <a:srgbClr val="242852">
+                    <a:lumMod val="60000"/>
+                    <a:lumOff val="40000"/>
+                  </a:srgbClr>
+                </a:solidFill>
+                <a:latin typeface="Arial Narrow" panose="020B0606020202030204" pitchFamily="34" charset="0"/>
+                <a:cs typeface="Times New Roman" panose="02020603050405020304" pitchFamily="18" charset="0"/>
+              </a:rPr>
+              <a:t>	Dans le main, je m’appelle &lt;</a:t>
+            </a:r>
+            <a:r>
+              <a:rPr lang="fr-FR" sz="1600" dirty="0" err="1">
+                <a:solidFill>
+                  <a:srgbClr val="242852">
+                    <a:lumMod val="60000"/>
+                    <a:lumOff val="40000"/>
+                  </a:srgbClr>
+                </a:solidFill>
+                <a:latin typeface="Arial Narrow" panose="020B0606020202030204" pitchFamily="34" charset="0"/>
+                <a:cs typeface="Times New Roman" panose="02020603050405020304" pitchFamily="18" charset="0"/>
+              </a:rPr>
+              <a:t>prenom</a:t>
+            </a:r>
+            <a:r>
+              <a:rPr lang="fr-FR" sz="1600" dirty="0">
+                <a:solidFill>
+                  <a:srgbClr val="242852">
+                    <a:lumMod val="60000"/>
+                    <a:lumOff val="40000"/>
+                  </a:srgbClr>
+                </a:solidFill>
+                <a:latin typeface="Arial Narrow" panose="020B0606020202030204" pitchFamily="34" charset="0"/>
+                <a:cs typeface="Times New Roman" panose="02020603050405020304" pitchFamily="18" charset="0"/>
+              </a:rPr>
+              <a:t>&gt; &lt;nom&gt; et j’ai &lt;</a:t>
+            </a:r>
+            <a:r>
+              <a:rPr lang="fr-FR" sz="1600" dirty="0" err="1">
+                <a:solidFill>
+                  <a:srgbClr val="242852">
+                    <a:lumMod val="60000"/>
+                    <a:lumOff val="40000"/>
+                  </a:srgbClr>
+                </a:solidFill>
+                <a:latin typeface="Arial Narrow" panose="020B0606020202030204" pitchFamily="34" charset="0"/>
+                <a:cs typeface="Times New Roman" panose="02020603050405020304" pitchFamily="18" charset="0"/>
+              </a:rPr>
+              <a:t>age</a:t>
+            </a:r>
+            <a:r>
+              <a:rPr lang="fr-FR" sz="1600" dirty="0">
+                <a:solidFill>
+                  <a:srgbClr val="242852">
+                    <a:lumMod val="60000"/>
+                    <a:lumOff val="40000"/>
+                  </a:srgbClr>
+                </a:solidFill>
+                <a:latin typeface="Arial Narrow" panose="020B0606020202030204" pitchFamily="34" charset="0"/>
+                <a:cs typeface="Times New Roman" panose="02020603050405020304" pitchFamily="18" charset="0"/>
+              </a:rPr>
+              <a:t>&gt; ans</a:t>
+            </a:r>
+          </a:p>
+          <a:p>
+            <a:pPr defTabSz="457200"/>
+            <a:endParaRPr lang="fr-FR" sz="1600" dirty="0">
+              <a:solidFill>
+                <a:srgbClr val="242852">
+                  <a:lumMod val="60000"/>
+                  <a:lumOff val="40000"/>
+                </a:srgbClr>
+              </a:solidFill>
+              <a:latin typeface="Arial Narrow" panose="020B0606020202030204" pitchFamily="34" charset="0"/>
+              <a:cs typeface="Times New Roman" panose="02020603050405020304" pitchFamily="18" charset="0"/>
+            </a:endParaRPr>
+          </a:p>
+          <a:p>
+            <a:pPr lvl="1" defTabSz="457200"/>
+            <a:endParaRPr kumimoji="0" lang="fr-FR" sz="1600" i="0" u="none" strike="noStrike" kern="1200" cap="none" spc="0" normalizeH="0" baseline="0" noProof="0" dirty="0">
+              <a:ln>
+                <a:noFill/>
+              </a:ln>
+              <a:solidFill>
+                <a:srgbClr val="242852">
+                  <a:lumMod val="60000"/>
+                  <a:lumOff val="40000"/>
+                </a:srgbClr>
+              </a:solidFill>
+              <a:effectLst/>
+              <a:uLnTx/>
+              <a:uFillTx/>
+              <a:latin typeface="Arial Narrow" panose="020B0606020202030204" pitchFamily="34" charset="0"/>
+              <a:ea typeface="+mn-ea"/>
+              <a:cs typeface="Times New Roman" panose="02020603050405020304" pitchFamily="18" charset="0"/>
+            </a:endParaRPr>
+          </a:p>
+          <a:p>
+            <a:pPr lvl="1" defTabSz="457200"/>
+            <a:endParaRPr kumimoji="0" lang="fr-FR" sz="1600" i="0" u="none" strike="noStrike" kern="1200" cap="none" spc="0" normalizeH="0" baseline="0" noProof="0" dirty="0">
+              <a:ln>
+                <a:noFill/>
+              </a:ln>
+              <a:solidFill>
+                <a:srgbClr val="242852">
+                  <a:lumMod val="60000"/>
+                  <a:lumOff val="40000"/>
+                </a:srgbClr>
+              </a:solidFill>
+              <a:effectLst/>
+              <a:uLnTx/>
+              <a:uFillTx/>
+              <a:latin typeface="Arial Narrow" panose="020B0606020202030204" pitchFamily="34" charset="0"/>
+              <a:ea typeface="+mn-ea"/>
+              <a:cs typeface="Times New Roman" panose="02020603050405020304" pitchFamily="18" charset="0"/>
+            </a:endParaRPr>
+          </a:p>
+        </p:txBody>
+      </p:sp>
+    </p:spTree>
+    <p:extLst>
+      <p:ext uri="{BB962C8B-B14F-4D97-AF65-F5344CB8AC3E}">
+        <p14:creationId xmlns:p14="http://schemas.microsoft.com/office/powerpoint/2010/main" val="3961195074"/>
+      </p:ext>
+    </p:extLst>
+  </p:cSld>
+  <p:clrMapOvr>
+    <a:masterClrMapping/>
+  </p:clrMapOvr>
+</p:sld>
+</file>
+
+<file path=ppt/slides/slide13.xml><?xml version="1.0" encoding="utf-8"?>
+<p:sld xmlns:a="http://schemas.openxmlformats.org/drawingml/2006/main" xmlns:r="http://schemas.openxmlformats.org/officeDocument/2006/relationships" xmlns:p="http://schemas.openxmlformats.org/presentationml/2006/main">
+  <p:cSld>
+    <p:spTree>
+      <p:nvGrpSpPr>
+        <p:cNvPr id="1" name=""/>
+        <p:cNvGrpSpPr/>
+        <p:nvPr/>
+      </p:nvGrpSpPr>
+      <p:grpSpPr>
+        <a:xfrm>
+          <a:off x="0" y="0"/>
+          <a:ext cx="0" cy="0"/>
+          <a:chOff x="0" y="0"/>
+          <a:chExt cx="0" cy="0"/>
+        </a:xfrm>
+      </p:grpSpPr>
+      <p:sp>
+        <p:nvSpPr>
+          <p:cNvPr id="2" name="ZoneTexte 1">
+            <a:extLst>
+              <a:ext uri="{FF2B5EF4-FFF2-40B4-BE49-F238E27FC236}">
+                <a16:creationId xmlns:a16="http://schemas.microsoft.com/office/drawing/2014/main" id="{CF73B686-CEAA-4E22-B092-7D32A0BD53A1}"/>
+              </a:ext>
+            </a:extLst>
+          </p:cNvPr>
+          <p:cNvSpPr txBox="1"/>
+          <p:nvPr/>
+        </p:nvSpPr>
+        <p:spPr>
+          <a:xfrm>
+            <a:off x="764330" y="1072061"/>
+            <a:ext cx="7624661" cy="3999043"/>
+          </a:xfrm>
+          <a:prstGeom prst="rect">
+            <a:avLst/>
+          </a:prstGeom>
+          <a:noFill/>
+        </p:spPr>
+        <p:txBody>
+          <a:bodyPr wrap="square">
+            <a:spAutoFit/>
+          </a:bodyPr>
+          <a:lstStyle/>
+          <a:p>
+            <a:pPr marL="0" marR="0" lvl="0" indent="0" algn="l" defTabSz="914400" rtl="0" eaLnBrk="1" fontAlgn="auto" latinLnBrk="0" hangingPunct="1">
+              <a:lnSpc>
+                <a:spcPct val="90000"/>
+              </a:lnSpc>
+              <a:spcBef>
+                <a:spcPts val="1000"/>
+              </a:spcBef>
+              <a:spcAft>
+                <a:spcPts val="0"/>
+              </a:spcAft>
+              <a:buClrTx/>
+              <a:buSzTx/>
+              <a:buFont typeface="Arial" panose="020B0604020202020204" pitchFamily="34" charset="0"/>
+              <a:buNone/>
+              <a:tabLst/>
+              <a:defRPr/>
+            </a:pPr>
+            <a:r>
+              <a:rPr kumimoji="0" lang="fr-FR" sz="2800" b="1" i="0" u="none" strike="noStrike" kern="1200" cap="none" spc="0" normalizeH="0" baseline="0" noProof="0" dirty="0">
+                <a:ln>
+                  <a:noFill/>
+                </a:ln>
+                <a:solidFill>
+                  <a:srgbClr val="242852">
+                    <a:lumMod val="60000"/>
+                    <a:lumOff val="40000"/>
+                  </a:srgbClr>
+                </a:solidFill>
+                <a:effectLst/>
+                <a:uLnTx/>
+                <a:uFillTx/>
+                <a:latin typeface="Arial Narrow" panose="020B0606020202030204" pitchFamily="34" charset="0"/>
+                <a:ea typeface="Calibri" panose="020F0502020204030204" pitchFamily="34" charset="0"/>
+                <a:cs typeface="Times New Roman" panose="02020603050405020304" pitchFamily="18" charset="0"/>
+              </a:rPr>
+              <a:t>Les océans : les méthodes</a:t>
+            </a:r>
+          </a:p>
+          <a:p>
+            <a:pPr marL="0" marR="0" lvl="0" indent="0" algn="l" defTabSz="914400" rtl="0" eaLnBrk="1" fontAlgn="auto" latinLnBrk="0" hangingPunct="1">
+              <a:lnSpc>
+                <a:spcPct val="90000"/>
+              </a:lnSpc>
+              <a:spcBef>
+                <a:spcPts val="1000"/>
+              </a:spcBef>
+              <a:spcAft>
+                <a:spcPts val="0"/>
+              </a:spcAft>
+              <a:buClrTx/>
+              <a:buSzTx/>
+              <a:buFont typeface="Arial" panose="020B0604020202020204" pitchFamily="34" charset="0"/>
+              <a:buNone/>
+              <a:tabLst/>
+              <a:defRPr/>
+            </a:pPr>
+            <a:endParaRPr lang="fr-FR" b="1" dirty="0">
+              <a:solidFill>
+                <a:srgbClr val="242852">
+                  <a:lumMod val="60000"/>
+                  <a:lumOff val="40000"/>
+                </a:srgbClr>
+              </a:solidFill>
+              <a:latin typeface="Arial Narrow" panose="020B0606020202030204" pitchFamily="34" charset="0"/>
+              <a:ea typeface="Calibri" panose="020F0502020204030204" pitchFamily="34" charset="0"/>
+              <a:cs typeface="Times New Roman" panose="02020603050405020304" pitchFamily="18" charset="0"/>
+            </a:endParaRPr>
+          </a:p>
+          <a:p>
+            <a:pPr marL="0" marR="0" lvl="0" indent="0" algn="l" defTabSz="914400" rtl="0" eaLnBrk="1" fontAlgn="auto" latinLnBrk="0" hangingPunct="1">
+              <a:lnSpc>
+                <a:spcPct val="90000"/>
+              </a:lnSpc>
+              <a:spcBef>
+                <a:spcPts val="1000"/>
+              </a:spcBef>
+              <a:spcAft>
+                <a:spcPts val="0"/>
+              </a:spcAft>
+              <a:buClrTx/>
+              <a:buSzTx/>
+              <a:buFont typeface="Arial" panose="020B0604020202020204" pitchFamily="34" charset="0"/>
+              <a:buNone/>
+              <a:tabLst/>
+              <a:defRPr/>
+            </a:pPr>
+            <a:r>
+              <a:rPr lang="fr-FR" b="1" dirty="0">
+                <a:solidFill>
+                  <a:srgbClr val="242852">
+                    <a:lumMod val="60000"/>
+                    <a:lumOff val="40000"/>
+                  </a:srgbClr>
+                </a:solidFill>
+                <a:latin typeface="Arial Narrow" panose="020B0606020202030204" pitchFamily="34" charset="0"/>
+                <a:ea typeface="Calibri" panose="020F0502020204030204" pitchFamily="34" charset="0"/>
+                <a:cs typeface="Times New Roman" panose="02020603050405020304" pitchFamily="18" charset="0"/>
+              </a:rPr>
+              <a:t>Ajouter des arguments</a:t>
+            </a:r>
+          </a:p>
+          <a:p>
+            <a:pPr marL="0" marR="0" lvl="0" indent="0" algn="l" defTabSz="914400" rtl="0" eaLnBrk="1" fontAlgn="auto" latinLnBrk="0" hangingPunct="1">
+              <a:lnSpc>
+                <a:spcPct val="90000"/>
+              </a:lnSpc>
+              <a:spcBef>
+                <a:spcPts val="1000"/>
+              </a:spcBef>
+              <a:spcAft>
+                <a:spcPts val="0"/>
+              </a:spcAft>
+              <a:buClrTx/>
+              <a:buSzTx/>
+              <a:buFont typeface="Arial" panose="020B0604020202020204" pitchFamily="34" charset="0"/>
+              <a:buNone/>
+              <a:tabLst/>
+              <a:defRPr/>
+            </a:pPr>
+            <a:endParaRPr kumimoji="0" lang="fr-FR" b="1" i="0" u="none" strike="noStrike" kern="1200" cap="none" spc="0" normalizeH="0" baseline="0" noProof="0" dirty="0">
+              <a:ln>
+                <a:noFill/>
+              </a:ln>
+              <a:solidFill>
+                <a:srgbClr val="242852">
+                  <a:lumMod val="60000"/>
+                  <a:lumOff val="40000"/>
+                </a:srgbClr>
+              </a:solidFill>
+              <a:effectLst/>
+              <a:uLnTx/>
+              <a:uFillTx/>
+              <a:latin typeface="Arial Narrow" panose="020B0606020202030204" pitchFamily="34" charset="0"/>
+              <a:ea typeface="Calibri" panose="020F0502020204030204" pitchFamily="34" charset="0"/>
+              <a:cs typeface="Times New Roman" panose="02020603050405020304" pitchFamily="18" charset="0"/>
+            </a:endParaRPr>
+          </a:p>
+          <a:p>
+            <a:pPr marL="0" marR="0" lvl="0" indent="0" algn="l" defTabSz="914400" rtl="0" eaLnBrk="1" fontAlgn="auto" latinLnBrk="0" hangingPunct="1">
+              <a:lnSpc>
+                <a:spcPct val="90000"/>
+              </a:lnSpc>
+              <a:spcBef>
+                <a:spcPts val="1000"/>
+              </a:spcBef>
+              <a:spcAft>
+                <a:spcPts val="0"/>
+              </a:spcAft>
+              <a:buClrTx/>
+              <a:buSzTx/>
+              <a:buFont typeface="Arial" panose="020B0604020202020204" pitchFamily="34" charset="0"/>
+              <a:buNone/>
+              <a:tabLst/>
+              <a:defRPr/>
+            </a:pPr>
+            <a:r>
+              <a:rPr lang="fr-FR" b="1" dirty="0">
+                <a:solidFill>
+                  <a:srgbClr val="242852">
+                    <a:lumMod val="60000"/>
+                    <a:lumOff val="40000"/>
+                  </a:srgbClr>
+                </a:solidFill>
+                <a:latin typeface="Arial Narrow" panose="020B0606020202030204" pitchFamily="34" charset="0"/>
+                <a:ea typeface="Calibri" panose="020F0502020204030204" pitchFamily="34" charset="0"/>
+                <a:cs typeface="Times New Roman" panose="02020603050405020304" pitchFamily="18" charset="0"/>
+              </a:rPr>
+              <a:t>Dans la classe Personne, ajouter une méthode </a:t>
+            </a:r>
+            <a:r>
+              <a:rPr lang="fr-FR" b="1" dirty="0" err="1">
+                <a:solidFill>
+                  <a:srgbClr val="242852">
+                    <a:lumMod val="60000"/>
+                    <a:lumOff val="40000"/>
+                  </a:srgbClr>
+                </a:solidFill>
+                <a:latin typeface="Arial Narrow" panose="020B0606020202030204" pitchFamily="34" charset="0"/>
+                <a:ea typeface="Calibri" panose="020F0502020204030204" pitchFamily="34" charset="0"/>
+                <a:cs typeface="Times New Roman" panose="02020603050405020304" pitchFamily="18" charset="0"/>
+              </a:rPr>
+              <a:t>calculerAnciennete</a:t>
+            </a:r>
+            <a:r>
+              <a:rPr lang="fr-FR" b="1" dirty="0">
+                <a:solidFill>
+                  <a:srgbClr val="242852">
+                    <a:lumMod val="60000"/>
+                    <a:lumOff val="40000"/>
+                  </a:srgbClr>
+                </a:solidFill>
+                <a:latin typeface="Arial Narrow" panose="020B0606020202030204" pitchFamily="34" charset="0"/>
+                <a:ea typeface="Calibri" panose="020F0502020204030204" pitchFamily="34" charset="0"/>
+                <a:cs typeface="Times New Roman" panose="02020603050405020304" pitchFamily="18" charset="0"/>
+              </a:rPr>
+              <a:t> qui prend en arguments l’année d’arrivée dans l’entreprise et un </a:t>
+            </a:r>
+            <a:r>
+              <a:rPr lang="fr-FR" b="1" dirty="0" err="1">
+                <a:solidFill>
+                  <a:srgbClr val="242852">
+                    <a:lumMod val="60000"/>
+                    <a:lumOff val="40000"/>
+                  </a:srgbClr>
+                </a:solidFill>
+                <a:latin typeface="Arial Narrow" panose="020B0606020202030204" pitchFamily="34" charset="0"/>
+                <a:ea typeface="Calibri" panose="020F0502020204030204" pitchFamily="34" charset="0"/>
+                <a:cs typeface="Times New Roman" panose="02020603050405020304" pitchFamily="18" charset="0"/>
+              </a:rPr>
+              <a:t>booleen</a:t>
+            </a:r>
+            <a:r>
+              <a:rPr lang="fr-FR" b="1" dirty="0">
+                <a:solidFill>
+                  <a:srgbClr val="242852">
+                    <a:lumMod val="60000"/>
+                    <a:lumOff val="40000"/>
+                  </a:srgbClr>
+                </a:solidFill>
+                <a:latin typeface="Arial Narrow" panose="020B0606020202030204" pitchFamily="34" charset="0"/>
+                <a:ea typeface="Calibri" panose="020F0502020204030204" pitchFamily="34" charset="0"/>
+                <a:cs typeface="Times New Roman" panose="02020603050405020304" pitchFamily="18" charset="0"/>
+              </a:rPr>
+              <a:t> </a:t>
+            </a:r>
+            <a:r>
+              <a:rPr lang="fr-FR" b="1" dirty="0" err="1">
+                <a:solidFill>
+                  <a:srgbClr val="242852">
+                    <a:lumMod val="60000"/>
+                    <a:lumOff val="40000"/>
+                  </a:srgbClr>
+                </a:solidFill>
+                <a:latin typeface="Arial Narrow" panose="020B0606020202030204" pitchFamily="34" charset="0"/>
+                <a:ea typeface="Calibri" panose="020F0502020204030204" pitchFamily="34" charset="0"/>
+                <a:cs typeface="Times New Roman" panose="02020603050405020304" pitchFamily="18" charset="0"/>
+              </a:rPr>
+              <a:t>cotisAJour</a:t>
+            </a:r>
+            <a:r>
+              <a:rPr lang="fr-FR" b="1" dirty="0">
+                <a:solidFill>
+                  <a:srgbClr val="242852">
+                    <a:lumMod val="60000"/>
+                    <a:lumOff val="40000"/>
+                  </a:srgbClr>
+                </a:solidFill>
+                <a:latin typeface="Arial Narrow" panose="020B0606020202030204" pitchFamily="34" charset="0"/>
+                <a:ea typeface="Calibri" panose="020F0502020204030204" pitchFamily="34" charset="0"/>
+                <a:cs typeface="Times New Roman" panose="02020603050405020304" pitchFamily="18" charset="0"/>
+              </a:rPr>
+              <a:t>.</a:t>
+            </a:r>
+          </a:p>
+          <a:p>
+            <a:pPr marL="0" marR="0" lvl="0" indent="0" algn="l" defTabSz="914400" rtl="0" eaLnBrk="1" fontAlgn="auto" latinLnBrk="0" hangingPunct="1">
+              <a:lnSpc>
+                <a:spcPct val="90000"/>
+              </a:lnSpc>
+              <a:spcBef>
+                <a:spcPts val="1000"/>
+              </a:spcBef>
+              <a:spcAft>
+                <a:spcPts val="0"/>
+              </a:spcAft>
+              <a:buClrTx/>
+              <a:buSzTx/>
+              <a:buFont typeface="Arial" panose="020B0604020202020204" pitchFamily="34" charset="0"/>
+              <a:buNone/>
+              <a:tabLst/>
+              <a:defRPr/>
+            </a:pPr>
+            <a:r>
+              <a:rPr kumimoji="0" lang="fr-FR" b="1" i="0" u="none" strike="noStrike" kern="1200" cap="none" spc="0" normalizeH="0" baseline="0" noProof="0" dirty="0">
+                <a:ln>
+                  <a:noFill/>
+                </a:ln>
+                <a:solidFill>
+                  <a:srgbClr val="242852">
+                    <a:lumMod val="60000"/>
+                    <a:lumOff val="40000"/>
+                  </a:srgbClr>
+                </a:solidFill>
+                <a:effectLst/>
+                <a:uLnTx/>
+                <a:uFillTx/>
+                <a:latin typeface="Arial Narrow" panose="020B0606020202030204" pitchFamily="34" charset="0"/>
+                <a:ea typeface="Calibri" panose="020F0502020204030204" pitchFamily="34" charset="0"/>
+                <a:cs typeface="Times New Roman" panose="02020603050405020304" pitchFamily="18" charset="0"/>
+              </a:rPr>
+              <a:t>Cette méthode affiche selon le cas ‘Mes cotisations sont à jour’ ou ‘Mes cotisations ne sont pas à jour’ et renvoie l’ancienneté de la personne.</a:t>
+            </a:r>
+          </a:p>
+          <a:p>
+            <a:pPr marL="0" marR="0" lvl="0" indent="0" algn="l" defTabSz="914400" rtl="0" eaLnBrk="1" fontAlgn="auto" latinLnBrk="0" hangingPunct="1">
+              <a:lnSpc>
+                <a:spcPct val="90000"/>
+              </a:lnSpc>
+              <a:spcBef>
+                <a:spcPts val="1000"/>
+              </a:spcBef>
+              <a:spcAft>
+                <a:spcPts val="0"/>
+              </a:spcAft>
+              <a:buClrTx/>
+              <a:buSzTx/>
+              <a:buFont typeface="Arial" panose="020B0604020202020204" pitchFamily="34" charset="0"/>
+              <a:buNone/>
+              <a:tabLst/>
+              <a:defRPr/>
+            </a:pPr>
+            <a:endParaRPr lang="fr-FR" b="1" dirty="0">
+              <a:solidFill>
+                <a:srgbClr val="242852">
+                  <a:lumMod val="60000"/>
+                  <a:lumOff val="40000"/>
+                </a:srgbClr>
+              </a:solidFill>
+              <a:latin typeface="Arial Narrow" panose="020B0606020202030204" pitchFamily="34" charset="0"/>
+              <a:ea typeface="Calibri" panose="020F0502020204030204" pitchFamily="34" charset="0"/>
+              <a:cs typeface="Times New Roman" panose="02020603050405020304" pitchFamily="18" charset="0"/>
+            </a:endParaRPr>
+          </a:p>
+          <a:p>
+            <a:pPr marL="0" marR="0" lvl="0" indent="0" algn="l" defTabSz="914400" rtl="0" eaLnBrk="1" fontAlgn="auto" latinLnBrk="0" hangingPunct="1">
+              <a:lnSpc>
+                <a:spcPct val="90000"/>
+              </a:lnSpc>
+              <a:spcBef>
+                <a:spcPts val="1000"/>
+              </a:spcBef>
+              <a:spcAft>
+                <a:spcPts val="0"/>
+              </a:spcAft>
+              <a:buClrTx/>
+              <a:buSzTx/>
+              <a:buFont typeface="Arial" panose="020B0604020202020204" pitchFamily="34" charset="0"/>
+              <a:buNone/>
+              <a:tabLst/>
+              <a:defRPr/>
+            </a:pPr>
+            <a:r>
+              <a:rPr kumimoji="0" lang="fr-FR" b="1" i="0" u="none" strike="noStrike" kern="1200" cap="none" spc="0" normalizeH="0" baseline="0" noProof="0" dirty="0">
+                <a:ln>
+                  <a:noFill/>
+                </a:ln>
+                <a:solidFill>
+                  <a:srgbClr val="242852">
+                    <a:lumMod val="60000"/>
+                    <a:lumOff val="40000"/>
+                  </a:srgbClr>
+                </a:solidFill>
+                <a:effectLst/>
+                <a:uLnTx/>
+                <a:uFillTx/>
+                <a:latin typeface="Arial Narrow" panose="020B0606020202030204" pitchFamily="34" charset="0"/>
+                <a:ea typeface="Calibri" panose="020F0502020204030204" pitchFamily="34" charset="0"/>
+                <a:cs typeface="Times New Roman" panose="02020603050405020304" pitchFamily="18" charset="0"/>
+              </a:rPr>
+              <a:t>La classe main affiche :</a:t>
+            </a:r>
+          </a:p>
+          <a:p>
+            <a:pPr marL="0" marR="0" lvl="0" indent="0" algn="l" defTabSz="914400" rtl="0" eaLnBrk="1" fontAlgn="auto" latinLnBrk="0" hangingPunct="1">
+              <a:lnSpc>
+                <a:spcPct val="90000"/>
+              </a:lnSpc>
+              <a:spcBef>
+                <a:spcPts val="1000"/>
+              </a:spcBef>
+              <a:spcAft>
+                <a:spcPts val="0"/>
+              </a:spcAft>
+              <a:buClrTx/>
+              <a:buSzTx/>
+              <a:buFont typeface="Arial" panose="020B0604020202020204" pitchFamily="34" charset="0"/>
+              <a:buNone/>
+              <a:tabLst/>
+              <a:defRPr/>
+            </a:pPr>
+            <a:r>
+              <a:rPr kumimoji="0" lang="fr-FR" b="1" i="0" u="none" strike="noStrike" kern="1200" cap="none" spc="0" normalizeH="0" baseline="0" noProof="0" dirty="0">
+                <a:ln>
+                  <a:noFill/>
+                </a:ln>
+                <a:solidFill>
+                  <a:srgbClr val="242852">
+                    <a:lumMod val="60000"/>
+                    <a:lumOff val="40000"/>
+                  </a:srgbClr>
+                </a:solidFill>
+                <a:effectLst/>
+                <a:uLnTx/>
+                <a:uFillTx/>
+                <a:latin typeface="Arial Narrow" panose="020B0606020202030204" pitchFamily="34" charset="0"/>
+                <a:ea typeface="Calibri" panose="020F0502020204030204" pitchFamily="34" charset="0"/>
+                <a:cs typeface="Times New Roman" panose="02020603050405020304" pitchFamily="18" charset="0"/>
+              </a:rPr>
+              <a:t>Monsieur &lt;nom&gt; &lt;</a:t>
+            </a:r>
+            <a:r>
+              <a:rPr kumimoji="0" lang="fr-FR" b="1" i="0" u="none" strike="noStrike" kern="1200" cap="none" spc="0" normalizeH="0" baseline="0" noProof="0" dirty="0" err="1">
+                <a:ln>
+                  <a:noFill/>
+                </a:ln>
+                <a:solidFill>
+                  <a:srgbClr val="242852">
+                    <a:lumMod val="60000"/>
+                    <a:lumOff val="40000"/>
+                  </a:srgbClr>
+                </a:solidFill>
+                <a:effectLst/>
+                <a:uLnTx/>
+                <a:uFillTx/>
+                <a:latin typeface="Arial Narrow" panose="020B0606020202030204" pitchFamily="34" charset="0"/>
+                <a:ea typeface="Calibri" panose="020F0502020204030204" pitchFamily="34" charset="0"/>
+                <a:cs typeface="Times New Roman" panose="02020603050405020304" pitchFamily="18" charset="0"/>
+              </a:rPr>
+              <a:t>prenom</a:t>
+            </a:r>
+            <a:r>
+              <a:rPr kumimoji="0" lang="fr-FR" b="1" i="0" u="none" strike="noStrike" kern="1200" cap="none" spc="0" normalizeH="0" baseline="0" noProof="0" dirty="0">
+                <a:ln>
+                  <a:noFill/>
+                </a:ln>
+                <a:solidFill>
+                  <a:srgbClr val="242852">
+                    <a:lumMod val="60000"/>
+                    <a:lumOff val="40000"/>
+                  </a:srgbClr>
+                </a:solidFill>
+                <a:effectLst/>
+                <a:uLnTx/>
+                <a:uFillTx/>
+                <a:latin typeface="Arial Narrow" panose="020B0606020202030204" pitchFamily="34" charset="0"/>
+                <a:ea typeface="Calibri" panose="020F0502020204030204" pitchFamily="34" charset="0"/>
+                <a:cs typeface="Times New Roman" panose="02020603050405020304" pitchFamily="18" charset="0"/>
+              </a:rPr>
+              <a:t>&gt;  a &lt;</a:t>
+            </a:r>
+            <a:r>
+              <a:rPr kumimoji="0" lang="fr-FR" b="1" i="0" u="none" strike="noStrike" kern="1200" cap="none" spc="0" normalizeH="0" baseline="0" noProof="0" dirty="0" err="1">
+                <a:ln>
+                  <a:noFill/>
+                </a:ln>
+                <a:solidFill>
+                  <a:srgbClr val="242852">
+                    <a:lumMod val="60000"/>
+                    <a:lumOff val="40000"/>
+                  </a:srgbClr>
+                </a:solidFill>
+                <a:effectLst/>
+                <a:uLnTx/>
+                <a:uFillTx/>
+                <a:latin typeface="Arial Narrow" panose="020B0606020202030204" pitchFamily="34" charset="0"/>
+                <a:ea typeface="Calibri" panose="020F0502020204030204" pitchFamily="34" charset="0"/>
+                <a:cs typeface="Times New Roman" panose="02020603050405020304" pitchFamily="18" charset="0"/>
+              </a:rPr>
+              <a:t>anciennete</a:t>
+            </a:r>
+            <a:r>
+              <a:rPr kumimoji="0" lang="fr-FR" b="1" i="0" u="none" strike="noStrike" kern="1200" cap="none" spc="0" normalizeH="0" baseline="0" noProof="0" dirty="0">
+                <a:ln>
+                  <a:noFill/>
+                </a:ln>
+                <a:solidFill>
+                  <a:srgbClr val="242852">
+                    <a:lumMod val="60000"/>
+                    <a:lumOff val="40000"/>
+                  </a:srgbClr>
+                </a:solidFill>
+                <a:effectLst/>
+                <a:uLnTx/>
+                <a:uFillTx/>
+                <a:latin typeface="Arial Narrow" panose="020B0606020202030204" pitchFamily="34" charset="0"/>
+                <a:ea typeface="Calibri" panose="020F0502020204030204" pitchFamily="34" charset="0"/>
+                <a:cs typeface="Times New Roman" panose="02020603050405020304" pitchFamily="18" charset="0"/>
+              </a:rPr>
+              <a:t>&gt; " ans d'ancienneté</a:t>
+            </a:r>
+          </a:p>
+        </p:txBody>
+      </p:sp>
+    </p:spTree>
+    <p:extLst>
+      <p:ext uri="{BB962C8B-B14F-4D97-AF65-F5344CB8AC3E}">
+        <p14:creationId xmlns:p14="http://schemas.microsoft.com/office/powerpoint/2010/main" val="646938874"/>
+      </p:ext>
+    </p:extLst>
+  </p:cSld>
+  <p:clrMapOvr>
+    <a:masterClrMapping/>
+  </p:clrMapOvr>
+</p:sld>
+</file>
+
 <file path=ppt/slides/slide2.xml><?xml version="1.0" encoding="utf-8"?>
 <p:sld xmlns:a="http://schemas.openxmlformats.org/drawingml/2006/main" xmlns:r="http://schemas.openxmlformats.org/officeDocument/2006/relationships" xmlns:p="http://schemas.openxmlformats.org/presentationml/2006/main">
   <p:cSld>
@@ -10206,6 +12294,354 @@
     <p:extLst>
       <p:ext uri="{BB962C8B-B14F-4D97-AF65-F5344CB8AC3E}">
         <p14:creationId xmlns:p14="http://schemas.microsoft.com/office/powerpoint/2010/main" val="616964224"/>
+      </p:ext>
+    </p:extLst>
+  </p:cSld>
+  <p:clrMapOvr>
+    <a:masterClrMapping/>
+  </p:clrMapOvr>
+</p:sld>
+</file>
+
+<file path=ppt/slides/slide9.xml><?xml version="1.0" encoding="utf-8"?>
+<p:sld xmlns:a="http://schemas.openxmlformats.org/drawingml/2006/main" xmlns:r="http://schemas.openxmlformats.org/officeDocument/2006/relationships" xmlns:p="http://schemas.openxmlformats.org/presentationml/2006/main">
+  <p:cSld>
+    <p:spTree>
+      <p:nvGrpSpPr>
+        <p:cNvPr id="1" name=""/>
+        <p:cNvGrpSpPr/>
+        <p:nvPr/>
+      </p:nvGrpSpPr>
+      <p:grpSpPr>
+        <a:xfrm>
+          <a:off x="0" y="0"/>
+          <a:ext cx="0" cy="0"/>
+          <a:chOff x="0" y="0"/>
+          <a:chExt cx="0" cy="0"/>
+        </a:xfrm>
+      </p:grpSpPr>
+      <p:sp>
+        <p:nvSpPr>
+          <p:cNvPr id="2" name="ZoneTexte 1">
+            <a:extLst>
+              <a:ext uri="{FF2B5EF4-FFF2-40B4-BE49-F238E27FC236}">
+                <a16:creationId xmlns:a16="http://schemas.microsoft.com/office/drawing/2014/main" id="{CF73B686-CEAA-4E22-B092-7D32A0BD53A1}"/>
+              </a:ext>
+            </a:extLst>
+          </p:cNvPr>
+          <p:cNvSpPr txBox="1"/>
+          <p:nvPr/>
+        </p:nvSpPr>
+        <p:spPr>
+          <a:xfrm>
+            <a:off x="764330" y="1072061"/>
+            <a:ext cx="7624661" cy="480131"/>
+          </a:xfrm>
+          <a:prstGeom prst="rect">
+            <a:avLst/>
+          </a:prstGeom>
+          <a:noFill/>
+        </p:spPr>
+        <p:txBody>
+          <a:bodyPr wrap="square">
+            <a:spAutoFit/>
+          </a:bodyPr>
+          <a:lstStyle/>
+          <a:p>
+            <a:pPr marL="0" marR="0" lvl="0" indent="0" algn="l" defTabSz="914400" rtl="0" eaLnBrk="1" fontAlgn="auto" latinLnBrk="0" hangingPunct="1">
+              <a:lnSpc>
+                <a:spcPct val="90000"/>
+              </a:lnSpc>
+              <a:spcBef>
+                <a:spcPts val="1000"/>
+              </a:spcBef>
+              <a:spcAft>
+                <a:spcPts val="0"/>
+              </a:spcAft>
+              <a:buClrTx/>
+              <a:buSzTx/>
+              <a:buFont typeface="Arial" panose="020B0604020202020204" pitchFamily="34" charset="0"/>
+              <a:buNone/>
+              <a:tabLst/>
+              <a:defRPr/>
+            </a:pPr>
+            <a:r>
+              <a:rPr kumimoji="0" lang="fr-FR" sz="2800" b="1" i="0" u="none" strike="noStrike" kern="1200" cap="none" spc="0" normalizeH="0" baseline="0" noProof="0" dirty="0">
+                <a:ln>
+                  <a:noFill/>
+                </a:ln>
+                <a:solidFill>
+                  <a:srgbClr val="242852">
+                    <a:lumMod val="60000"/>
+                    <a:lumOff val="40000"/>
+                  </a:srgbClr>
+                </a:solidFill>
+                <a:effectLst/>
+                <a:uLnTx/>
+                <a:uFillTx/>
+                <a:latin typeface="Arial Narrow" panose="020B0606020202030204" pitchFamily="34" charset="0"/>
+                <a:ea typeface="Calibri" panose="020F0502020204030204" pitchFamily="34" charset="0"/>
+                <a:cs typeface="Times New Roman" panose="02020603050405020304" pitchFamily="18" charset="0"/>
+              </a:rPr>
+              <a:t>Les océans : les classes</a:t>
+            </a:r>
+          </a:p>
+        </p:txBody>
+      </p:sp>
+      <p:sp>
+        <p:nvSpPr>
+          <p:cNvPr id="3" name="ZoneTexte 2">
+            <a:extLst>
+              <a:ext uri="{FF2B5EF4-FFF2-40B4-BE49-F238E27FC236}">
+                <a16:creationId xmlns:a16="http://schemas.microsoft.com/office/drawing/2014/main" id="{BA6AFF15-FFFA-430D-A3EC-5D7AAD3931F0}"/>
+              </a:ext>
+            </a:extLst>
+          </p:cNvPr>
+          <p:cNvSpPr txBox="1"/>
+          <p:nvPr/>
+        </p:nvSpPr>
+        <p:spPr>
+          <a:xfrm>
+            <a:off x="771525" y="1976923"/>
+            <a:ext cx="6446960" cy="2800767"/>
+          </a:xfrm>
+          <a:prstGeom prst="rect">
+            <a:avLst/>
+          </a:prstGeom>
+          <a:noFill/>
+        </p:spPr>
+        <p:txBody>
+          <a:bodyPr wrap="square">
+            <a:spAutoFit/>
+          </a:bodyPr>
+          <a:lstStyle/>
+          <a:p>
+            <a:pPr marR="0" lvl="0" algn="l" defTabSz="457200" rtl="0" eaLnBrk="1" fontAlgn="auto" latinLnBrk="0" hangingPunct="1">
+              <a:lnSpc>
+                <a:spcPct val="100000"/>
+              </a:lnSpc>
+              <a:spcBef>
+                <a:spcPts val="0"/>
+              </a:spcBef>
+              <a:spcAft>
+                <a:spcPts val="0"/>
+              </a:spcAft>
+              <a:buClrTx/>
+              <a:buSzTx/>
+              <a:tabLst/>
+              <a:defRPr/>
+            </a:pPr>
+            <a:r>
+              <a:rPr lang="fr-FR" sz="1600" dirty="0">
+                <a:solidFill>
+                  <a:srgbClr val="242852">
+                    <a:lumMod val="60000"/>
+                    <a:lumOff val="40000"/>
+                  </a:srgbClr>
+                </a:solidFill>
+                <a:latin typeface="Arial Narrow" panose="020B0606020202030204" pitchFamily="34" charset="0"/>
+                <a:cs typeface="Times New Roman" panose="02020603050405020304" pitchFamily="18" charset="0"/>
+              </a:rPr>
+              <a:t>La concession Boat &amp; Co qui fabrique et vent des bateaux souhaite centraliser</a:t>
+            </a:r>
+          </a:p>
+          <a:p>
+            <a:pPr defTabSz="457200"/>
+            <a:r>
+              <a:rPr lang="fr-FR" sz="1600" dirty="0">
+                <a:solidFill>
+                  <a:srgbClr val="242852">
+                    <a:lumMod val="60000"/>
+                    <a:lumOff val="40000"/>
+                  </a:srgbClr>
+                </a:solidFill>
+                <a:latin typeface="Arial Narrow" panose="020B0606020202030204" pitchFamily="34" charset="0"/>
+                <a:cs typeface="Times New Roman" panose="02020603050405020304" pitchFamily="18" charset="0"/>
+              </a:rPr>
+              <a:t>La gestion de ses effectifs et de son activité dans une seule application.</a:t>
+            </a:r>
+          </a:p>
+          <a:p>
+            <a:pPr defTabSz="457200"/>
+            <a:endParaRPr lang="fr-FR" sz="1600" dirty="0">
+              <a:solidFill>
+                <a:srgbClr val="242852">
+                  <a:lumMod val="60000"/>
+                  <a:lumOff val="40000"/>
+                </a:srgbClr>
+              </a:solidFill>
+              <a:latin typeface="Arial Narrow" panose="020B0606020202030204" pitchFamily="34" charset="0"/>
+              <a:cs typeface="Times New Roman" panose="02020603050405020304" pitchFamily="18" charset="0"/>
+            </a:endParaRPr>
+          </a:p>
+          <a:p>
+            <a:pPr defTabSz="457200"/>
+            <a:r>
+              <a:rPr lang="fr-FR" sz="1600" dirty="0">
+                <a:solidFill>
+                  <a:srgbClr val="242852">
+                    <a:lumMod val="60000"/>
+                    <a:lumOff val="40000"/>
+                  </a:srgbClr>
+                </a:solidFill>
+                <a:latin typeface="Arial Narrow" panose="020B0606020202030204" pitchFamily="34" charset="0"/>
+                <a:cs typeface="Times New Roman" panose="02020603050405020304" pitchFamily="18" charset="0"/>
+              </a:rPr>
+              <a:t>Nous allons ajouter le concept de personnes dans notre application.</a:t>
+            </a:r>
+          </a:p>
+          <a:p>
+            <a:pPr marL="285750" indent="-285750" defTabSz="457200">
+              <a:buFont typeface="Arial" panose="020B0604020202020204" pitchFamily="34" charset="0"/>
+              <a:buChar char="•"/>
+            </a:pPr>
+            <a:r>
+              <a:rPr lang="fr-FR" sz="1600" dirty="0">
+                <a:solidFill>
+                  <a:srgbClr val="242852">
+                    <a:lumMod val="60000"/>
+                    <a:lumOff val="40000"/>
+                  </a:srgbClr>
+                </a:solidFill>
+                <a:latin typeface="Arial Narrow" panose="020B0606020202030204" pitchFamily="34" charset="0"/>
+                <a:cs typeface="Times New Roman" panose="02020603050405020304" pitchFamily="18" charset="0"/>
+              </a:rPr>
+              <a:t>Créer le package </a:t>
+            </a:r>
+            <a:r>
+              <a:rPr lang="fr-FR" sz="1600" dirty="0" err="1">
+                <a:solidFill>
+                  <a:srgbClr val="242852">
+                    <a:lumMod val="60000"/>
+                    <a:lumOff val="40000"/>
+                  </a:srgbClr>
+                </a:solidFill>
+                <a:latin typeface="Arial Narrow" panose="020B0606020202030204" pitchFamily="34" charset="0"/>
+                <a:cs typeface="Times New Roman" panose="02020603050405020304" pitchFamily="18" charset="0"/>
+              </a:rPr>
+              <a:t>boatAndCo</a:t>
+            </a:r>
+            <a:r>
+              <a:rPr lang="fr-FR" sz="1600" dirty="0">
+                <a:solidFill>
+                  <a:srgbClr val="242852">
+                    <a:lumMod val="60000"/>
+                    <a:lumOff val="40000"/>
+                  </a:srgbClr>
+                </a:solidFill>
+                <a:latin typeface="Arial Narrow" panose="020B0606020202030204" pitchFamily="34" charset="0"/>
+                <a:cs typeface="Times New Roman" panose="02020603050405020304" pitchFamily="18" charset="0"/>
+              </a:rPr>
+              <a:t>,</a:t>
+            </a:r>
+          </a:p>
+          <a:p>
+            <a:pPr marL="285750" indent="-285750" defTabSz="457200">
+              <a:buFont typeface="Arial" panose="020B0604020202020204" pitchFamily="34" charset="0"/>
+              <a:buChar char="•"/>
+            </a:pPr>
+            <a:r>
+              <a:rPr lang="fr-FR" sz="1600" dirty="0">
+                <a:solidFill>
+                  <a:srgbClr val="242852">
+                    <a:lumMod val="60000"/>
+                    <a:lumOff val="40000"/>
+                  </a:srgbClr>
+                </a:solidFill>
+                <a:latin typeface="Arial Narrow" panose="020B0606020202030204" pitchFamily="34" charset="0"/>
+                <a:cs typeface="Times New Roman" panose="02020603050405020304" pitchFamily="18" charset="0"/>
+              </a:rPr>
+              <a:t>Créer une classe ‘Personne’</a:t>
+            </a:r>
+          </a:p>
+          <a:p>
+            <a:pPr marL="285750" indent="-285750" defTabSz="457200">
+              <a:buFont typeface="Arial" panose="020B0604020202020204" pitchFamily="34" charset="0"/>
+              <a:buChar char="•"/>
+            </a:pPr>
+            <a:endParaRPr lang="fr-FR" sz="1600" dirty="0">
+              <a:solidFill>
+                <a:srgbClr val="242852">
+                  <a:lumMod val="60000"/>
+                  <a:lumOff val="40000"/>
+                </a:srgbClr>
+              </a:solidFill>
+              <a:latin typeface="Arial Narrow" panose="020B0606020202030204" pitchFamily="34" charset="0"/>
+              <a:cs typeface="Times New Roman" panose="02020603050405020304" pitchFamily="18" charset="0"/>
+            </a:endParaRPr>
+          </a:p>
+          <a:p>
+            <a:pPr defTabSz="457200"/>
+            <a:endParaRPr lang="fr-FR" sz="1600" dirty="0">
+              <a:solidFill>
+                <a:srgbClr val="242852">
+                  <a:lumMod val="60000"/>
+                  <a:lumOff val="40000"/>
+                </a:srgbClr>
+              </a:solidFill>
+              <a:latin typeface="Arial Narrow" panose="020B0606020202030204" pitchFamily="34" charset="0"/>
+              <a:cs typeface="Times New Roman" panose="02020603050405020304" pitchFamily="18" charset="0"/>
+            </a:endParaRPr>
+          </a:p>
+          <a:p>
+            <a:pPr defTabSz="457200"/>
+            <a:endParaRPr lang="fr-FR" sz="1600" dirty="0">
+              <a:solidFill>
+                <a:srgbClr val="242852">
+                  <a:lumMod val="60000"/>
+                  <a:lumOff val="40000"/>
+                </a:srgbClr>
+              </a:solidFill>
+              <a:latin typeface="Arial Narrow" panose="020B0606020202030204" pitchFamily="34" charset="0"/>
+              <a:cs typeface="Times New Roman" panose="02020603050405020304" pitchFamily="18" charset="0"/>
+            </a:endParaRPr>
+          </a:p>
+          <a:p>
+            <a:pPr lvl="1" defTabSz="457200"/>
+            <a:endParaRPr kumimoji="0" lang="fr-FR" sz="1600" i="0" u="none" strike="noStrike" kern="1200" cap="none" spc="0" normalizeH="0" baseline="0" noProof="0" dirty="0">
+              <a:ln>
+                <a:noFill/>
+              </a:ln>
+              <a:solidFill>
+                <a:srgbClr val="242852">
+                  <a:lumMod val="60000"/>
+                  <a:lumOff val="40000"/>
+                </a:srgbClr>
+              </a:solidFill>
+              <a:effectLst/>
+              <a:uLnTx/>
+              <a:uFillTx/>
+              <a:latin typeface="Arial Narrow" panose="020B0606020202030204" pitchFamily="34" charset="0"/>
+              <a:ea typeface="+mn-ea"/>
+              <a:cs typeface="Times New Roman" panose="02020603050405020304" pitchFamily="18" charset="0"/>
+            </a:endParaRPr>
+          </a:p>
+          <a:p>
+            <a:pPr lvl="1" defTabSz="457200"/>
+            <a:endParaRPr kumimoji="0" lang="fr-FR" sz="1600" i="0" u="none" strike="noStrike" kern="1200" cap="none" spc="0" normalizeH="0" baseline="0" noProof="0" dirty="0">
+              <a:ln>
+                <a:noFill/>
+              </a:ln>
+              <a:solidFill>
+                <a:srgbClr val="242852">
+                  <a:lumMod val="60000"/>
+                  <a:lumOff val="40000"/>
+                </a:srgbClr>
+              </a:solidFill>
+              <a:effectLst/>
+              <a:uLnTx/>
+              <a:uFillTx/>
+              <a:latin typeface="Arial Narrow" panose="020B0606020202030204" pitchFamily="34" charset="0"/>
+              <a:ea typeface="+mn-ea"/>
+              <a:cs typeface="Times New Roman" panose="02020603050405020304" pitchFamily="18" charset="0"/>
+            </a:endParaRPr>
+          </a:p>
+        </p:txBody>
+      </p:sp>
+    </p:spTree>
+    <p:extLst>
+      <p:ext uri="{BB962C8B-B14F-4D97-AF65-F5344CB8AC3E}">
+        <p14:creationId xmlns:p14="http://schemas.microsoft.com/office/powerpoint/2010/main" val="2394218506"/>
       </p:ext>
     </p:extLst>
   </p:cSld>

--- a/cours/Proget oceans_Exercices.pptx
+++ b/cours/Proget oceans_Exercices.pptx
@@ -5,7 +5,7 @@
     <p:sldMasterId id="2147483660" r:id="rId1"/>
   </p:sldMasterIdLst>
   <p:notesMasterIdLst>
-    <p:notesMasterId r:id="rId15"/>
+    <p:notesMasterId r:id="rId26"/>
   </p:notesMasterIdLst>
   <p:sldIdLst>
     <p:sldId id="266" r:id="rId2"/>
@@ -21,6 +21,17 @@
     <p:sldId id="277" r:id="rId12"/>
     <p:sldId id="278" r:id="rId13"/>
     <p:sldId id="279" r:id="rId14"/>
+    <p:sldId id="281" r:id="rId15"/>
+    <p:sldId id="280" r:id="rId16"/>
+    <p:sldId id="282" r:id="rId17"/>
+    <p:sldId id="283" r:id="rId18"/>
+    <p:sldId id="284" r:id="rId19"/>
+    <p:sldId id="285" r:id="rId20"/>
+    <p:sldId id="286" r:id="rId21"/>
+    <p:sldId id="287" r:id="rId22"/>
+    <p:sldId id="288" r:id="rId23"/>
+    <p:sldId id="290" r:id="rId24"/>
+    <p:sldId id="289" r:id="rId25"/>
   </p:sldIdLst>
   <p:sldSz cx="12192000" cy="6858000"/>
   <p:notesSz cx="6858000" cy="9144000"/>
@@ -127,6 +138,245 @@
 </p:presentation>
 </file>
 
+<file path=ppt/changesInfos/changesInfo1.xml><?xml version="1.0" encoding="utf-8"?>
+<pc:chgInfo xmlns:a="http://schemas.openxmlformats.org/drawingml/2006/main" xmlns:r="http://schemas.openxmlformats.org/officeDocument/2006/relationships" xmlns:ac="http://schemas.microsoft.com/office/drawing/2013/main/command" xmlns:pc="http://schemas.microsoft.com/office/powerpoint/2013/main/command">
+  <pc:docChgLst>
+    <pc:chgData name="fred gsn" userId="2ad06c6d4c2bd280" providerId="LiveId" clId="{C69DF8A6-389E-4E43-BA83-542ACECFFBB2}"/>
+    <pc:docChg chg="custSel modSld">
+      <pc:chgData name="fred gsn" userId="2ad06c6d4c2bd280" providerId="LiveId" clId="{C69DF8A6-389E-4E43-BA83-542ACECFFBB2}" dt="2022-02-22T22:22:40.573" v="967" actId="20577"/>
+      <pc:docMkLst>
+        <pc:docMk/>
+      </pc:docMkLst>
+      <pc:sldChg chg="modSp mod">
+        <pc:chgData name="fred gsn" userId="2ad06c6d4c2bd280" providerId="LiveId" clId="{C69DF8A6-389E-4E43-BA83-542ACECFFBB2}" dt="2022-02-18T15:38:30.217" v="177" actId="20577"/>
+        <pc:sldMkLst>
+          <pc:docMk/>
+          <pc:sldMk cId="2394218506" sldId="275"/>
+        </pc:sldMkLst>
+        <pc:spChg chg="mod">
+          <ac:chgData name="fred gsn" userId="2ad06c6d4c2bd280" providerId="LiveId" clId="{C69DF8A6-389E-4E43-BA83-542ACECFFBB2}" dt="2022-02-18T15:37:01.413" v="21" actId="20577"/>
+          <ac:spMkLst>
+            <pc:docMk/>
+            <pc:sldMk cId="2394218506" sldId="275"/>
+            <ac:spMk id="2" creationId="{CF73B686-CEAA-4E22-B092-7D32A0BD53A1}"/>
+          </ac:spMkLst>
+        </pc:spChg>
+        <pc:spChg chg="mod">
+          <ac:chgData name="fred gsn" userId="2ad06c6d4c2bd280" providerId="LiveId" clId="{C69DF8A6-389E-4E43-BA83-542ACECFFBB2}" dt="2022-02-18T15:38:30.217" v="177" actId="20577"/>
+          <ac:spMkLst>
+            <pc:docMk/>
+            <pc:sldMk cId="2394218506" sldId="275"/>
+            <ac:spMk id="3" creationId="{BA6AFF15-FFFA-430D-A3EC-5D7AAD3931F0}"/>
+          </ac:spMkLst>
+        </pc:spChg>
+      </pc:sldChg>
+      <pc:sldChg chg="modSp mod">
+        <pc:chgData name="fred gsn" userId="2ad06c6d4c2bd280" providerId="LiveId" clId="{C69DF8A6-389E-4E43-BA83-542ACECFFBB2}" dt="2022-02-19T01:17:07.317" v="206" actId="20577"/>
+        <pc:sldMkLst>
+          <pc:docMk/>
+          <pc:sldMk cId="1734828366" sldId="277"/>
+        </pc:sldMkLst>
+        <pc:spChg chg="mod">
+          <ac:chgData name="fred gsn" userId="2ad06c6d4c2bd280" providerId="LiveId" clId="{C69DF8A6-389E-4E43-BA83-542ACECFFBB2}" dt="2022-02-19T01:17:07.317" v="206" actId="20577"/>
+          <ac:spMkLst>
+            <pc:docMk/>
+            <pc:sldMk cId="1734828366" sldId="277"/>
+            <ac:spMk id="3" creationId="{BA6AFF15-FFFA-430D-A3EC-5D7AAD3931F0}"/>
+          </ac:spMkLst>
+        </pc:spChg>
+      </pc:sldChg>
+      <pc:sldChg chg="modSp mod">
+        <pc:chgData name="fred gsn" userId="2ad06c6d4c2bd280" providerId="LiveId" clId="{C69DF8A6-389E-4E43-BA83-542ACECFFBB2}" dt="2022-02-22T21:36:30.642" v="686" actId="12"/>
+        <pc:sldMkLst>
+          <pc:docMk/>
+          <pc:sldMk cId="2998124167" sldId="283"/>
+        </pc:sldMkLst>
+        <pc:spChg chg="mod">
+          <ac:chgData name="fred gsn" userId="2ad06c6d4c2bd280" providerId="LiveId" clId="{C69DF8A6-389E-4E43-BA83-542ACECFFBB2}" dt="2022-02-22T21:27:38.691" v="231" actId="313"/>
+          <ac:spMkLst>
+            <pc:docMk/>
+            <pc:sldMk cId="2998124167" sldId="283"/>
+            <ac:spMk id="2" creationId="{CF73B686-CEAA-4E22-B092-7D32A0BD53A1}"/>
+          </ac:spMkLst>
+        </pc:spChg>
+        <pc:spChg chg="mod">
+          <ac:chgData name="fred gsn" userId="2ad06c6d4c2bd280" providerId="LiveId" clId="{C69DF8A6-389E-4E43-BA83-542ACECFFBB2}" dt="2022-02-22T21:36:30.642" v="686" actId="12"/>
+          <ac:spMkLst>
+            <pc:docMk/>
+            <pc:sldMk cId="2998124167" sldId="283"/>
+            <ac:spMk id="3" creationId="{BA6AFF15-FFFA-430D-A3EC-5D7AAD3931F0}"/>
+          </ac:spMkLst>
+        </pc:spChg>
+      </pc:sldChg>
+      <pc:sldChg chg="modSp mod">
+        <pc:chgData name="fred gsn" userId="2ad06c6d4c2bd280" providerId="LiveId" clId="{C69DF8A6-389E-4E43-BA83-542ACECFFBB2}" dt="2022-02-22T22:22:40.573" v="967" actId="20577"/>
+        <pc:sldMkLst>
+          <pc:docMk/>
+          <pc:sldMk cId="4172882179" sldId="284"/>
+        </pc:sldMkLst>
+        <pc:spChg chg="mod">
+          <ac:chgData name="fred gsn" userId="2ad06c6d4c2bd280" providerId="LiveId" clId="{C69DF8A6-389E-4E43-BA83-542ACECFFBB2}" dt="2022-02-22T22:20:39.920" v="720" actId="20577"/>
+          <ac:spMkLst>
+            <pc:docMk/>
+            <pc:sldMk cId="4172882179" sldId="284"/>
+            <ac:spMk id="2" creationId="{CF73B686-CEAA-4E22-B092-7D32A0BD53A1}"/>
+          </ac:spMkLst>
+        </pc:spChg>
+        <pc:spChg chg="mod">
+          <ac:chgData name="fred gsn" userId="2ad06c6d4c2bd280" providerId="LiveId" clId="{C69DF8A6-389E-4E43-BA83-542ACECFFBB2}" dt="2022-02-22T22:22:40.573" v="967" actId="20577"/>
+          <ac:spMkLst>
+            <pc:docMk/>
+            <pc:sldMk cId="4172882179" sldId="284"/>
+            <ac:spMk id="3" creationId="{BA6AFF15-FFFA-430D-A3EC-5D7AAD3931F0}"/>
+          </ac:spMkLst>
+        </pc:spChg>
+      </pc:sldChg>
+    </pc:docChg>
+  </pc:docChgLst>
+  <pc:docChgLst>
+    <pc:chgData name="fred gsn" userId="2ad06c6d4c2bd280" providerId="LiveId" clId="{A2C169CF-FB5F-455D-8AD0-2B508BC694BB}"/>
+    <pc:docChg chg="custSel modSld">
+      <pc:chgData name="fred gsn" userId="2ad06c6d4c2bd280" providerId="LiveId" clId="{A2C169CF-FB5F-455D-8AD0-2B508BC694BB}" dt="2022-02-23T20:23:31.704" v="547" actId="20577"/>
+      <pc:docMkLst>
+        <pc:docMk/>
+      </pc:docMkLst>
+      <pc:sldChg chg="modSp mod">
+        <pc:chgData name="fred gsn" userId="2ad06c6d4c2bd280" providerId="LiveId" clId="{A2C169CF-FB5F-455D-8AD0-2B508BC694BB}" dt="2022-02-23T20:23:31.704" v="547" actId="20577"/>
+        <pc:sldMkLst>
+          <pc:docMk/>
+          <pc:sldMk cId="1980838692" sldId="289"/>
+        </pc:sldMkLst>
+        <pc:spChg chg="mod">
+          <ac:chgData name="fred gsn" userId="2ad06c6d4c2bd280" providerId="LiveId" clId="{A2C169CF-FB5F-455D-8AD0-2B508BC694BB}" dt="2022-02-23T20:11:46.666" v="21" actId="20577"/>
+          <ac:spMkLst>
+            <pc:docMk/>
+            <pc:sldMk cId="1980838692" sldId="289"/>
+            <ac:spMk id="2" creationId="{CF73B686-CEAA-4E22-B092-7D32A0BD53A1}"/>
+          </ac:spMkLst>
+        </pc:spChg>
+        <pc:spChg chg="mod">
+          <ac:chgData name="fred gsn" userId="2ad06c6d4c2bd280" providerId="LiveId" clId="{A2C169CF-FB5F-455D-8AD0-2B508BC694BB}" dt="2022-02-23T20:23:31.704" v="547" actId="20577"/>
+          <ac:spMkLst>
+            <pc:docMk/>
+            <pc:sldMk cId="1980838692" sldId="289"/>
+            <ac:spMk id="3" creationId="{BA6AFF15-FFFA-430D-A3EC-5D7AAD3931F0}"/>
+          </ac:spMkLst>
+        </pc:spChg>
+      </pc:sldChg>
+      <pc:sldChg chg="modSp mod">
+        <pc:chgData name="fred gsn" userId="2ad06c6d4c2bd280" providerId="LiveId" clId="{A2C169CF-FB5F-455D-8AD0-2B508BC694BB}" dt="2022-02-23T20:16:37.358" v="256" actId="20577"/>
+        <pc:sldMkLst>
+          <pc:docMk/>
+          <pc:sldMk cId="1094401283" sldId="290"/>
+        </pc:sldMkLst>
+        <pc:spChg chg="mod">
+          <ac:chgData name="fred gsn" userId="2ad06c6d4c2bd280" providerId="LiveId" clId="{A2C169CF-FB5F-455D-8AD0-2B508BC694BB}" dt="2022-02-23T20:15:50.723" v="147" actId="20577"/>
+          <ac:spMkLst>
+            <pc:docMk/>
+            <pc:sldMk cId="1094401283" sldId="290"/>
+            <ac:spMk id="2" creationId="{CF73B686-CEAA-4E22-B092-7D32A0BD53A1}"/>
+          </ac:spMkLst>
+        </pc:spChg>
+        <pc:spChg chg="mod">
+          <ac:chgData name="fred gsn" userId="2ad06c6d4c2bd280" providerId="LiveId" clId="{A2C169CF-FB5F-455D-8AD0-2B508BC694BB}" dt="2022-02-23T20:16:37.358" v="256" actId="20577"/>
+          <ac:spMkLst>
+            <pc:docMk/>
+            <pc:sldMk cId="1094401283" sldId="290"/>
+            <ac:spMk id="3" creationId="{BA6AFF15-FFFA-430D-A3EC-5D7AAD3931F0}"/>
+          </ac:spMkLst>
+        </pc:spChg>
+      </pc:sldChg>
+    </pc:docChg>
+  </pc:docChgLst>
+  <pc:docChgLst>
+    <pc:chgData name="fred gsn" userId="2ad06c6d4c2bd280" providerId="LiveId" clId="{FCCB8B86-B966-4A1A-ABFA-A1C2985AB58A}"/>
+    <pc:docChg chg="undo custSel modSld">
+      <pc:chgData name="fred gsn" userId="2ad06c6d4c2bd280" providerId="LiveId" clId="{FCCB8B86-B966-4A1A-ABFA-A1C2985AB58A}" dt="2022-02-15T21:58:18.172" v="1009" actId="20577"/>
+      <pc:docMkLst>
+        <pc:docMk/>
+      </pc:docMkLst>
+      <pc:sldChg chg="delSp modSp mod">
+        <pc:chgData name="fred gsn" userId="2ad06c6d4c2bd280" providerId="LiveId" clId="{FCCB8B86-B966-4A1A-ABFA-A1C2985AB58A}" dt="2022-02-15T15:51:09.132" v="619" actId="20577"/>
+        <pc:sldMkLst>
+          <pc:docMk/>
+          <pc:sldMk cId="1805611608" sldId="266"/>
+        </pc:sldMkLst>
+        <pc:spChg chg="mod">
+          <ac:chgData name="fred gsn" userId="2ad06c6d4c2bd280" providerId="LiveId" clId="{FCCB8B86-B966-4A1A-ABFA-A1C2985AB58A}" dt="2022-02-15T15:51:09.132" v="619" actId="20577"/>
+          <ac:spMkLst>
+            <pc:docMk/>
+            <pc:sldMk cId="1805611608" sldId="266"/>
+            <ac:spMk id="3" creationId="{BA6AFF15-FFFA-430D-A3EC-5D7AAD3931F0}"/>
+          </ac:spMkLst>
+        </pc:spChg>
+        <pc:spChg chg="del">
+          <ac:chgData name="fred gsn" userId="2ad06c6d4c2bd280" providerId="LiveId" clId="{FCCB8B86-B966-4A1A-ABFA-A1C2985AB58A}" dt="2022-02-15T15:40:58.321" v="227" actId="478"/>
+          <ac:spMkLst>
+            <pc:docMk/>
+            <pc:sldMk cId="1805611608" sldId="266"/>
+            <ac:spMk id="7" creationId="{B93B30FD-E57C-4321-B5F8-30743A858960}"/>
+          </ac:spMkLst>
+        </pc:spChg>
+        <pc:spChg chg="del">
+          <ac:chgData name="fred gsn" userId="2ad06c6d4c2bd280" providerId="LiveId" clId="{FCCB8B86-B966-4A1A-ABFA-A1C2985AB58A}" dt="2022-02-15T15:41:00.381" v="228" actId="478"/>
+          <ac:spMkLst>
+            <pc:docMk/>
+            <pc:sldMk cId="1805611608" sldId="266"/>
+            <ac:spMk id="8" creationId="{C5EF9C33-A363-4058-A878-7E9434AC4C9B}"/>
+          </ac:spMkLst>
+        </pc:spChg>
+      </pc:sldChg>
+      <pc:sldChg chg="modSp mod">
+        <pc:chgData name="fred gsn" userId="2ad06c6d4c2bd280" providerId="LiveId" clId="{FCCB8B86-B966-4A1A-ABFA-A1C2985AB58A}" dt="2022-02-15T20:00:17.552" v="746" actId="14100"/>
+        <pc:sldMkLst>
+          <pc:docMk/>
+          <pc:sldMk cId="108304653" sldId="267"/>
+        </pc:sldMkLst>
+        <pc:spChg chg="mod">
+          <ac:chgData name="fred gsn" userId="2ad06c6d4c2bd280" providerId="LiveId" clId="{FCCB8B86-B966-4A1A-ABFA-A1C2985AB58A}" dt="2022-02-15T20:00:17.552" v="746" actId="14100"/>
+          <ac:spMkLst>
+            <pc:docMk/>
+            <pc:sldMk cId="108304653" sldId="267"/>
+            <ac:spMk id="2" creationId="{CF73B686-CEAA-4E22-B092-7D32A0BD53A1}"/>
+          </ac:spMkLst>
+        </pc:spChg>
+        <pc:spChg chg="mod">
+          <ac:chgData name="fred gsn" userId="2ad06c6d4c2bd280" providerId="LiveId" clId="{FCCB8B86-B966-4A1A-ABFA-A1C2985AB58A}" dt="2022-02-15T19:59:39.082" v="728" actId="20577"/>
+          <ac:spMkLst>
+            <pc:docMk/>
+            <pc:sldMk cId="108304653" sldId="267"/>
+            <ac:spMk id="3" creationId="{BA6AFF15-FFFA-430D-A3EC-5D7AAD3931F0}"/>
+          </ac:spMkLst>
+        </pc:spChg>
+      </pc:sldChg>
+      <pc:sldChg chg="modSp mod">
+        <pc:chgData name="fred gsn" userId="2ad06c6d4c2bd280" providerId="LiveId" clId="{FCCB8B86-B966-4A1A-ABFA-A1C2985AB58A}" dt="2022-02-15T21:58:18.172" v="1009" actId="20577"/>
+        <pc:sldMkLst>
+          <pc:docMk/>
+          <pc:sldMk cId="1932236279" sldId="268"/>
+        </pc:sldMkLst>
+        <pc:spChg chg="mod">
+          <ac:chgData name="fred gsn" userId="2ad06c6d4c2bd280" providerId="LiveId" clId="{FCCB8B86-B966-4A1A-ABFA-A1C2985AB58A}" dt="2022-02-15T21:52:13.147" v="786" actId="14100"/>
+          <ac:spMkLst>
+            <pc:docMk/>
+            <pc:sldMk cId="1932236279" sldId="268"/>
+            <ac:spMk id="2" creationId="{CF73B686-CEAA-4E22-B092-7D32A0BD53A1}"/>
+          </ac:spMkLst>
+        </pc:spChg>
+        <pc:spChg chg="mod">
+          <ac:chgData name="fred gsn" userId="2ad06c6d4c2bd280" providerId="LiveId" clId="{FCCB8B86-B966-4A1A-ABFA-A1C2985AB58A}" dt="2022-02-15T21:58:18.172" v="1009" actId="20577"/>
+          <ac:spMkLst>
+            <pc:docMk/>
+            <pc:sldMk cId="1932236279" sldId="268"/>
+            <ac:spMk id="3" creationId="{BA6AFF15-FFFA-430D-A3EC-5D7AAD3931F0}"/>
+          </ac:spMkLst>
+        </pc:spChg>
+      </pc:sldChg>
+    </pc:docChg>
+  </pc:docChgLst>
+</pc:chgInfo>
+</file>
+
 <file path=ppt/notesMasters/notesMaster1.xml><?xml version="1.0" encoding="utf-8"?>
 <p:notesMaster xmlns:a="http://schemas.openxmlformats.org/drawingml/2006/main" xmlns:r="http://schemas.openxmlformats.org/officeDocument/2006/relationships" xmlns:p="http://schemas.openxmlformats.org/presentationml/2006/main">
   <p:cSld>
@@ -209,7 +459,7 @@
           <a:p>
             <a:fld id="{412F75C7-5C41-4FAB-AA9B-BE750F2BDB07}" type="datetimeFigureOut">
               <a:rPr lang="fr-FR" smtClean="0"/>
-              <a:t>21/02/2022</a:t>
+              <a:t>23/02/2022</a:t>
             </a:fld>
             <a:endParaRPr lang="fr-FR"/>
           </a:p>
@@ -1196,6 +1446,870 @@
 </p:notes>
 </file>
 
+<file path=ppt/notesSlides/notesSlide14.xml><?xml version="1.0" encoding="utf-8"?>
+<p:notes xmlns:a="http://schemas.openxmlformats.org/drawingml/2006/main" xmlns:r="http://schemas.openxmlformats.org/officeDocument/2006/relationships" xmlns:p="http://schemas.openxmlformats.org/presentationml/2006/main">
+  <p:cSld>
+    <p:spTree>
+      <p:nvGrpSpPr>
+        <p:cNvPr id="1" name=""/>
+        <p:cNvGrpSpPr/>
+        <p:nvPr/>
+      </p:nvGrpSpPr>
+      <p:grpSpPr>
+        <a:xfrm>
+          <a:off x="0" y="0"/>
+          <a:ext cx="0" cy="0"/>
+          <a:chOff x="0" y="0"/>
+          <a:chExt cx="0" cy="0"/>
+        </a:xfrm>
+      </p:grpSpPr>
+      <p:sp>
+        <p:nvSpPr>
+          <p:cNvPr id="2" name="Espace réservé de l'image des diapositives 1"/>
+          <p:cNvSpPr>
+            <a:spLocks noGrp="1" noRot="1" noChangeAspect="1"/>
+          </p:cNvSpPr>
+          <p:nvPr>
+            <p:ph type="sldImg"/>
+          </p:nvPr>
+        </p:nvSpPr>
+        <p:spPr/>
+      </p:sp>
+      <p:sp>
+        <p:nvSpPr>
+          <p:cNvPr id="3" name="Espace réservé des notes 2"/>
+          <p:cNvSpPr>
+            <a:spLocks noGrp="1"/>
+          </p:cNvSpPr>
+          <p:nvPr>
+            <p:ph type="body" idx="1"/>
+          </p:nvPr>
+        </p:nvSpPr>
+        <p:spPr/>
+        <p:txBody>
+          <a:bodyPr/>
+          <a:lstStyle/>
+          <a:p>
+            <a:endParaRPr lang="fr-FR" dirty="0"/>
+          </a:p>
+        </p:txBody>
+      </p:sp>
+      <p:sp>
+        <p:nvSpPr>
+          <p:cNvPr id="4" name="Espace réservé du numéro de diapositive 3"/>
+          <p:cNvSpPr>
+            <a:spLocks noGrp="1"/>
+          </p:cNvSpPr>
+          <p:nvPr>
+            <p:ph type="sldNum" sz="quarter" idx="5"/>
+          </p:nvPr>
+        </p:nvSpPr>
+        <p:spPr/>
+        <p:txBody>
+          <a:bodyPr/>
+          <a:lstStyle/>
+          <a:p>
+            <a:pPr marL="0" marR="0" lvl="0" indent="0" algn="r" defTabSz="457200" rtl="0" eaLnBrk="1" fontAlgn="auto" latinLnBrk="0" hangingPunct="1">
+              <a:lnSpc>
+                <a:spcPct val="100000"/>
+              </a:lnSpc>
+              <a:spcBef>
+                <a:spcPts val="0"/>
+              </a:spcBef>
+              <a:spcAft>
+                <a:spcPts val="0"/>
+              </a:spcAft>
+              <a:buClrTx/>
+              <a:buSzTx/>
+              <a:buFontTx/>
+              <a:buNone/>
+              <a:tabLst/>
+              <a:defRPr/>
+            </a:pPr>
+            <a:fld id="{530D6BE4-1F8E-45DA-842B-B9DC1B5EF25C}" type="slidenum">
+              <a:rPr kumimoji="0" lang="fr-FR" sz="1200" b="0" i="0" u="none" strike="noStrike" kern="1200" cap="none" spc="0" normalizeH="0" baseline="0" noProof="0" smtClean="0">
+                <a:ln>
+                  <a:noFill/>
+                </a:ln>
+                <a:solidFill>
+                  <a:prstClr val="black"/>
+                </a:solidFill>
+                <a:effectLst/>
+                <a:uLnTx/>
+                <a:uFillTx/>
+                <a:latin typeface="Calibri" panose="020F0502020204030204"/>
+                <a:ea typeface="+mn-ea"/>
+                <a:cs typeface="+mn-cs"/>
+              </a:rPr>
+              <a:pPr marL="0" marR="0" lvl="0" indent="0" algn="r" defTabSz="457200" rtl="0" eaLnBrk="1" fontAlgn="auto" latinLnBrk="0" hangingPunct="1">
+                <a:lnSpc>
+                  <a:spcPct val="100000"/>
+                </a:lnSpc>
+                <a:spcBef>
+                  <a:spcPts val="0"/>
+                </a:spcBef>
+                <a:spcAft>
+                  <a:spcPts val="0"/>
+                </a:spcAft>
+                <a:buClrTx/>
+                <a:buSzTx/>
+                <a:buFontTx/>
+                <a:buNone/>
+                <a:tabLst/>
+                <a:defRPr/>
+              </a:pPr>
+              <a:t>14</a:t>
+            </a:fld>
+            <a:endParaRPr kumimoji="0" lang="fr-FR" sz="1200" b="0" i="0" u="none" strike="noStrike" kern="1200" cap="none" spc="0" normalizeH="0" baseline="0" noProof="0">
+              <a:ln>
+                <a:noFill/>
+              </a:ln>
+              <a:solidFill>
+                <a:prstClr val="black"/>
+              </a:solidFill>
+              <a:effectLst/>
+              <a:uLnTx/>
+              <a:uFillTx/>
+              <a:latin typeface="Calibri" panose="020F0502020204030204"/>
+              <a:ea typeface="+mn-ea"/>
+              <a:cs typeface="+mn-cs"/>
+            </a:endParaRPr>
+          </a:p>
+        </p:txBody>
+      </p:sp>
+    </p:spTree>
+    <p:extLst>
+      <p:ext uri="{BB962C8B-B14F-4D97-AF65-F5344CB8AC3E}">
+        <p14:creationId xmlns:p14="http://schemas.microsoft.com/office/powerpoint/2010/main" val="1957543766"/>
+      </p:ext>
+    </p:extLst>
+  </p:cSld>
+  <p:clrMapOvr>
+    <a:masterClrMapping/>
+  </p:clrMapOvr>
+</p:notes>
+</file>
+
+<file path=ppt/notesSlides/notesSlide15.xml><?xml version="1.0" encoding="utf-8"?>
+<p:notes xmlns:a="http://schemas.openxmlformats.org/drawingml/2006/main" xmlns:r="http://schemas.openxmlformats.org/officeDocument/2006/relationships" xmlns:p="http://schemas.openxmlformats.org/presentationml/2006/main">
+  <p:cSld>
+    <p:spTree>
+      <p:nvGrpSpPr>
+        <p:cNvPr id="1" name=""/>
+        <p:cNvGrpSpPr/>
+        <p:nvPr/>
+      </p:nvGrpSpPr>
+      <p:grpSpPr>
+        <a:xfrm>
+          <a:off x="0" y="0"/>
+          <a:ext cx="0" cy="0"/>
+          <a:chOff x="0" y="0"/>
+          <a:chExt cx="0" cy="0"/>
+        </a:xfrm>
+      </p:grpSpPr>
+      <p:sp>
+        <p:nvSpPr>
+          <p:cNvPr id="2" name="Espace réservé de l'image des diapositives 1"/>
+          <p:cNvSpPr>
+            <a:spLocks noGrp="1" noRot="1" noChangeAspect="1"/>
+          </p:cNvSpPr>
+          <p:nvPr>
+            <p:ph type="sldImg"/>
+          </p:nvPr>
+        </p:nvSpPr>
+        <p:spPr/>
+      </p:sp>
+      <p:sp>
+        <p:nvSpPr>
+          <p:cNvPr id="3" name="Espace réservé des notes 2"/>
+          <p:cNvSpPr>
+            <a:spLocks noGrp="1"/>
+          </p:cNvSpPr>
+          <p:nvPr>
+            <p:ph type="body" idx="1"/>
+          </p:nvPr>
+        </p:nvSpPr>
+        <p:spPr/>
+        <p:txBody>
+          <a:bodyPr/>
+          <a:lstStyle/>
+          <a:p>
+            <a:endParaRPr lang="fr-FR" dirty="0"/>
+          </a:p>
+        </p:txBody>
+      </p:sp>
+      <p:sp>
+        <p:nvSpPr>
+          <p:cNvPr id="4" name="Espace réservé du numéro de diapositive 3"/>
+          <p:cNvSpPr>
+            <a:spLocks noGrp="1"/>
+          </p:cNvSpPr>
+          <p:nvPr>
+            <p:ph type="sldNum" sz="quarter" idx="5"/>
+          </p:nvPr>
+        </p:nvSpPr>
+        <p:spPr/>
+        <p:txBody>
+          <a:bodyPr/>
+          <a:lstStyle/>
+          <a:p>
+            <a:pPr marL="0" marR="0" lvl="0" indent="0" algn="r" defTabSz="457200" rtl="0" eaLnBrk="1" fontAlgn="auto" latinLnBrk="0" hangingPunct="1">
+              <a:lnSpc>
+                <a:spcPct val="100000"/>
+              </a:lnSpc>
+              <a:spcBef>
+                <a:spcPts val="0"/>
+              </a:spcBef>
+              <a:spcAft>
+                <a:spcPts val="0"/>
+              </a:spcAft>
+              <a:buClrTx/>
+              <a:buSzTx/>
+              <a:buFontTx/>
+              <a:buNone/>
+              <a:tabLst/>
+              <a:defRPr/>
+            </a:pPr>
+            <a:fld id="{530D6BE4-1F8E-45DA-842B-B9DC1B5EF25C}" type="slidenum">
+              <a:rPr kumimoji="0" lang="fr-FR" sz="1200" b="0" i="0" u="none" strike="noStrike" kern="1200" cap="none" spc="0" normalizeH="0" baseline="0" noProof="0" smtClean="0">
+                <a:ln>
+                  <a:noFill/>
+                </a:ln>
+                <a:solidFill>
+                  <a:prstClr val="black"/>
+                </a:solidFill>
+                <a:effectLst/>
+                <a:uLnTx/>
+                <a:uFillTx/>
+                <a:latin typeface="Calibri" panose="020F0502020204030204"/>
+                <a:ea typeface="+mn-ea"/>
+                <a:cs typeface="+mn-cs"/>
+              </a:rPr>
+              <a:pPr marL="0" marR="0" lvl="0" indent="0" algn="r" defTabSz="457200" rtl="0" eaLnBrk="1" fontAlgn="auto" latinLnBrk="0" hangingPunct="1">
+                <a:lnSpc>
+                  <a:spcPct val="100000"/>
+                </a:lnSpc>
+                <a:spcBef>
+                  <a:spcPts val="0"/>
+                </a:spcBef>
+                <a:spcAft>
+                  <a:spcPts val="0"/>
+                </a:spcAft>
+                <a:buClrTx/>
+                <a:buSzTx/>
+                <a:buFontTx/>
+                <a:buNone/>
+                <a:tabLst/>
+                <a:defRPr/>
+              </a:pPr>
+              <a:t>15</a:t>
+            </a:fld>
+            <a:endParaRPr kumimoji="0" lang="fr-FR" sz="1200" b="0" i="0" u="none" strike="noStrike" kern="1200" cap="none" spc="0" normalizeH="0" baseline="0" noProof="0">
+              <a:ln>
+                <a:noFill/>
+              </a:ln>
+              <a:solidFill>
+                <a:prstClr val="black"/>
+              </a:solidFill>
+              <a:effectLst/>
+              <a:uLnTx/>
+              <a:uFillTx/>
+              <a:latin typeface="Calibri" panose="020F0502020204030204"/>
+              <a:ea typeface="+mn-ea"/>
+              <a:cs typeface="+mn-cs"/>
+            </a:endParaRPr>
+          </a:p>
+        </p:txBody>
+      </p:sp>
+    </p:spTree>
+    <p:extLst>
+      <p:ext uri="{BB962C8B-B14F-4D97-AF65-F5344CB8AC3E}">
+        <p14:creationId xmlns:p14="http://schemas.microsoft.com/office/powerpoint/2010/main" val="793715020"/>
+      </p:ext>
+    </p:extLst>
+  </p:cSld>
+  <p:clrMapOvr>
+    <a:masterClrMapping/>
+  </p:clrMapOvr>
+</p:notes>
+</file>
+
+<file path=ppt/notesSlides/notesSlide16.xml><?xml version="1.0" encoding="utf-8"?>
+<p:notes xmlns:a="http://schemas.openxmlformats.org/drawingml/2006/main" xmlns:r="http://schemas.openxmlformats.org/officeDocument/2006/relationships" xmlns:p="http://schemas.openxmlformats.org/presentationml/2006/main">
+  <p:cSld>
+    <p:spTree>
+      <p:nvGrpSpPr>
+        <p:cNvPr id="1" name=""/>
+        <p:cNvGrpSpPr/>
+        <p:nvPr/>
+      </p:nvGrpSpPr>
+      <p:grpSpPr>
+        <a:xfrm>
+          <a:off x="0" y="0"/>
+          <a:ext cx="0" cy="0"/>
+          <a:chOff x="0" y="0"/>
+          <a:chExt cx="0" cy="0"/>
+        </a:xfrm>
+      </p:grpSpPr>
+      <p:sp>
+        <p:nvSpPr>
+          <p:cNvPr id="2" name="Espace réservé de l'image des diapositives 1"/>
+          <p:cNvSpPr>
+            <a:spLocks noGrp="1" noRot="1" noChangeAspect="1"/>
+          </p:cNvSpPr>
+          <p:nvPr>
+            <p:ph type="sldImg"/>
+          </p:nvPr>
+        </p:nvSpPr>
+        <p:spPr/>
+      </p:sp>
+      <p:sp>
+        <p:nvSpPr>
+          <p:cNvPr id="3" name="Espace réservé des notes 2"/>
+          <p:cNvSpPr>
+            <a:spLocks noGrp="1"/>
+          </p:cNvSpPr>
+          <p:nvPr>
+            <p:ph type="body" idx="1"/>
+          </p:nvPr>
+        </p:nvSpPr>
+        <p:spPr/>
+        <p:txBody>
+          <a:bodyPr/>
+          <a:lstStyle/>
+          <a:p>
+            <a:endParaRPr lang="fr-FR" dirty="0"/>
+          </a:p>
+        </p:txBody>
+      </p:sp>
+      <p:sp>
+        <p:nvSpPr>
+          <p:cNvPr id="4" name="Espace réservé du numéro de diapositive 3"/>
+          <p:cNvSpPr>
+            <a:spLocks noGrp="1"/>
+          </p:cNvSpPr>
+          <p:nvPr>
+            <p:ph type="sldNum" sz="quarter" idx="5"/>
+          </p:nvPr>
+        </p:nvSpPr>
+        <p:spPr/>
+        <p:txBody>
+          <a:bodyPr/>
+          <a:lstStyle/>
+          <a:p>
+            <a:pPr marL="0" marR="0" lvl="0" indent="0" algn="r" defTabSz="457200" rtl="0" eaLnBrk="1" fontAlgn="auto" latinLnBrk="0" hangingPunct="1">
+              <a:lnSpc>
+                <a:spcPct val="100000"/>
+              </a:lnSpc>
+              <a:spcBef>
+                <a:spcPts val="0"/>
+              </a:spcBef>
+              <a:spcAft>
+                <a:spcPts val="0"/>
+              </a:spcAft>
+              <a:buClrTx/>
+              <a:buSzTx/>
+              <a:buFontTx/>
+              <a:buNone/>
+              <a:tabLst/>
+              <a:defRPr/>
+            </a:pPr>
+            <a:fld id="{530D6BE4-1F8E-45DA-842B-B9DC1B5EF25C}" type="slidenum">
+              <a:rPr kumimoji="0" lang="fr-FR" sz="1200" b="0" i="0" u="none" strike="noStrike" kern="1200" cap="none" spc="0" normalizeH="0" baseline="0" noProof="0" smtClean="0">
+                <a:ln>
+                  <a:noFill/>
+                </a:ln>
+                <a:solidFill>
+                  <a:prstClr val="black"/>
+                </a:solidFill>
+                <a:effectLst/>
+                <a:uLnTx/>
+                <a:uFillTx/>
+                <a:latin typeface="Calibri" panose="020F0502020204030204"/>
+                <a:ea typeface="+mn-ea"/>
+                <a:cs typeface="+mn-cs"/>
+              </a:rPr>
+              <a:pPr marL="0" marR="0" lvl="0" indent="0" algn="r" defTabSz="457200" rtl="0" eaLnBrk="1" fontAlgn="auto" latinLnBrk="0" hangingPunct="1">
+                <a:lnSpc>
+                  <a:spcPct val="100000"/>
+                </a:lnSpc>
+                <a:spcBef>
+                  <a:spcPts val="0"/>
+                </a:spcBef>
+                <a:spcAft>
+                  <a:spcPts val="0"/>
+                </a:spcAft>
+                <a:buClrTx/>
+                <a:buSzTx/>
+                <a:buFontTx/>
+                <a:buNone/>
+                <a:tabLst/>
+                <a:defRPr/>
+              </a:pPr>
+              <a:t>16</a:t>
+            </a:fld>
+            <a:endParaRPr kumimoji="0" lang="fr-FR" sz="1200" b="0" i="0" u="none" strike="noStrike" kern="1200" cap="none" spc="0" normalizeH="0" baseline="0" noProof="0">
+              <a:ln>
+                <a:noFill/>
+              </a:ln>
+              <a:solidFill>
+                <a:prstClr val="black"/>
+              </a:solidFill>
+              <a:effectLst/>
+              <a:uLnTx/>
+              <a:uFillTx/>
+              <a:latin typeface="Calibri" panose="020F0502020204030204"/>
+              <a:ea typeface="+mn-ea"/>
+              <a:cs typeface="+mn-cs"/>
+            </a:endParaRPr>
+          </a:p>
+        </p:txBody>
+      </p:sp>
+    </p:spTree>
+    <p:extLst>
+      <p:ext uri="{BB962C8B-B14F-4D97-AF65-F5344CB8AC3E}">
+        <p14:creationId xmlns:p14="http://schemas.microsoft.com/office/powerpoint/2010/main" val="1663565983"/>
+      </p:ext>
+    </p:extLst>
+  </p:cSld>
+  <p:clrMapOvr>
+    <a:masterClrMapping/>
+  </p:clrMapOvr>
+</p:notes>
+</file>
+
+<file path=ppt/notesSlides/notesSlide17.xml><?xml version="1.0" encoding="utf-8"?>
+<p:notes xmlns:a="http://schemas.openxmlformats.org/drawingml/2006/main" xmlns:r="http://schemas.openxmlformats.org/officeDocument/2006/relationships" xmlns:p="http://schemas.openxmlformats.org/presentationml/2006/main">
+  <p:cSld>
+    <p:spTree>
+      <p:nvGrpSpPr>
+        <p:cNvPr id="1" name=""/>
+        <p:cNvGrpSpPr/>
+        <p:nvPr/>
+      </p:nvGrpSpPr>
+      <p:grpSpPr>
+        <a:xfrm>
+          <a:off x="0" y="0"/>
+          <a:ext cx="0" cy="0"/>
+          <a:chOff x="0" y="0"/>
+          <a:chExt cx="0" cy="0"/>
+        </a:xfrm>
+      </p:grpSpPr>
+      <p:sp>
+        <p:nvSpPr>
+          <p:cNvPr id="2" name="Espace réservé de l'image des diapositives 1"/>
+          <p:cNvSpPr>
+            <a:spLocks noGrp="1" noRot="1" noChangeAspect="1"/>
+          </p:cNvSpPr>
+          <p:nvPr>
+            <p:ph type="sldImg"/>
+          </p:nvPr>
+        </p:nvSpPr>
+        <p:spPr/>
+      </p:sp>
+      <p:sp>
+        <p:nvSpPr>
+          <p:cNvPr id="3" name="Espace réservé des notes 2"/>
+          <p:cNvSpPr>
+            <a:spLocks noGrp="1"/>
+          </p:cNvSpPr>
+          <p:nvPr>
+            <p:ph type="body" idx="1"/>
+          </p:nvPr>
+        </p:nvSpPr>
+        <p:spPr/>
+        <p:txBody>
+          <a:bodyPr/>
+          <a:lstStyle/>
+          <a:p>
+            <a:endParaRPr lang="fr-FR" dirty="0"/>
+          </a:p>
+        </p:txBody>
+      </p:sp>
+      <p:sp>
+        <p:nvSpPr>
+          <p:cNvPr id="4" name="Espace réservé du numéro de diapositive 3"/>
+          <p:cNvSpPr>
+            <a:spLocks noGrp="1"/>
+          </p:cNvSpPr>
+          <p:nvPr>
+            <p:ph type="sldNum" sz="quarter" idx="5"/>
+          </p:nvPr>
+        </p:nvSpPr>
+        <p:spPr/>
+        <p:txBody>
+          <a:bodyPr/>
+          <a:lstStyle/>
+          <a:p>
+            <a:pPr marL="0" marR="0" lvl="0" indent="0" algn="r" defTabSz="457200" rtl="0" eaLnBrk="1" fontAlgn="auto" latinLnBrk="0" hangingPunct="1">
+              <a:lnSpc>
+                <a:spcPct val="100000"/>
+              </a:lnSpc>
+              <a:spcBef>
+                <a:spcPts val="0"/>
+              </a:spcBef>
+              <a:spcAft>
+                <a:spcPts val="0"/>
+              </a:spcAft>
+              <a:buClrTx/>
+              <a:buSzTx/>
+              <a:buFontTx/>
+              <a:buNone/>
+              <a:tabLst/>
+              <a:defRPr/>
+            </a:pPr>
+            <a:fld id="{530D6BE4-1F8E-45DA-842B-B9DC1B5EF25C}" type="slidenum">
+              <a:rPr kumimoji="0" lang="fr-FR" sz="1200" b="0" i="0" u="none" strike="noStrike" kern="1200" cap="none" spc="0" normalizeH="0" baseline="0" noProof="0" smtClean="0">
+                <a:ln>
+                  <a:noFill/>
+                </a:ln>
+                <a:solidFill>
+                  <a:prstClr val="black"/>
+                </a:solidFill>
+                <a:effectLst/>
+                <a:uLnTx/>
+                <a:uFillTx/>
+                <a:latin typeface="Calibri" panose="020F0502020204030204"/>
+                <a:ea typeface="+mn-ea"/>
+                <a:cs typeface="+mn-cs"/>
+              </a:rPr>
+              <a:pPr marL="0" marR="0" lvl="0" indent="0" algn="r" defTabSz="457200" rtl="0" eaLnBrk="1" fontAlgn="auto" latinLnBrk="0" hangingPunct="1">
+                <a:lnSpc>
+                  <a:spcPct val="100000"/>
+                </a:lnSpc>
+                <a:spcBef>
+                  <a:spcPts val="0"/>
+                </a:spcBef>
+                <a:spcAft>
+                  <a:spcPts val="0"/>
+                </a:spcAft>
+                <a:buClrTx/>
+                <a:buSzTx/>
+                <a:buFontTx/>
+                <a:buNone/>
+                <a:tabLst/>
+                <a:defRPr/>
+              </a:pPr>
+              <a:t>17</a:t>
+            </a:fld>
+            <a:endParaRPr kumimoji="0" lang="fr-FR" sz="1200" b="0" i="0" u="none" strike="noStrike" kern="1200" cap="none" spc="0" normalizeH="0" baseline="0" noProof="0">
+              <a:ln>
+                <a:noFill/>
+              </a:ln>
+              <a:solidFill>
+                <a:prstClr val="black"/>
+              </a:solidFill>
+              <a:effectLst/>
+              <a:uLnTx/>
+              <a:uFillTx/>
+              <a:latin typeface="Calibri" panose="020F0502020204030204"/>
+              <a:ea typeface="+mn-ea"/>
+              <a:cs typeface="+mn-cs"/>
+            </a:endParaRPr>
+          </a:p>
+        </p:txBody>
+      </p:sp>
+    </p:spTree>
+    <p:extLst>
+      <p:ext uri="{BB962C8B-B14F-4D97-AF65-F5344CB8AC3E}">
+        <p14:creationId xmlns:p14="http://schemas.microsoft.com/office/powerpoint/2010/main" val="155259787"/>
+      </p:ext>
+    </p:extLst>
+  </p:cSld>
+  <p:clrMapOvr>
+    <a:masterClrMapping/>
+  </p:clrMapOvr>
+</p:notes>
+</file>
+
+<file path=ppt/notesSlides/notesSlide18.xml><?xml version="1.0" encoding="utf-8"?>
+<p:notes xmlns:a="http://schemas.openxmlformats.org/drawingml/2006/main" xmlns:r="http://schemas.openxmlformats.org/officeDocument/2006/relationships" xmlns:p="http://schemas.openxmlformats.org/presentationml/2006/main">
+  <p:cSld>
+    <p:spTree>
+      <p:nvGrpSpPr>
+        <p:cNvPr id="1" name=""/>
+        <p:cNvGrpSpPr/>
+        <p:nvPr/>
+      </p:nvGrpSpPr>
+      <p:grpSpPr>
+        <a:xfrm>
+          <a:off x="0" y="0"/>
+          <a:ext cx="0" cy="0"/>
+          <a:chOff x="0" y="0"/>
+          <a:chExt cx="0" cy="0"/>
+        </a:xfrm>
+      </p:grpSpPr>
+      <p:sp>
+        <p:nvSpPr>
+          <p:cNvPr id="2" name="Espace réservé de l'image des diapositives 1"/>
+          <p:cNvSpPr>
+            <a:spLocks noGrp="1" noRot="1" noChangeAspect="1"/>
+          </p:cNvSpPr>
+          <p:nvPr>
+            <p:ph type="sldImg"/>
+          </p:nvPr>
+        </p:nvSpPr>
+        <p:spPr/>
+      </p:sp>
+      <p:sp>
+        <p:nvSpPr>
+          <p:cNvPr id="3" name="Espace réservé des notes 2"/>
+          <p:cNvSpPr>
+            <a:spLocks noGrp="1"/>
+          </p:cNvSpPr>
+          <p:nvPr>
+            <p:ph type="body" idx="1"/>
+          </p:nvPr>
+        </p:nvSpPr>
+        <p:spPr/>
+        <p:txBody>
+          <a:bodyPr/>
+          <a:lstStyle/>
+          <a:p>
+            <a:endParaRPr lang="fr-FR" dirty="0"/>
+          </a:p>
+        </p:txBody>
+      </p:sp>
+      <p:sp>
+        <p:nvSpPr>
+          <p:cNvPr id="4" name="Espace réservé du numéro de diapositive 3"/>
+          <p:cNvSpPr>
+            <a:spLocks noGrp="1"/>
+          </p:cNvSpPr>
+          <p:nvPr>
+            <p:ph type="sldNum" sz="quarter" idx="5"/>
+          </p:nvPr>
+        </p:nvSpPr>
+        <p:spPr/>
+        <p:txBody>
+          <a:bodyPr/>
+          <a:lstStyle/>
+          <a:p>
+            <a:pPr marL="0" marR="0" lvl="0" indent="0" algn="r" defTabSz="457200" rtl="0" eaLnBrk="1" fontAlgn="auto" latinLnBrk="0" hangingPunct="1">
+              <a:lnSpc>
+                <a:spcPct val="100000"/>
+              </a:lnSpc>
+              <a:spcBef>
+                <a:spcPts val="0"/>
+              </a:spcBef>
+              <a:spcAft>
+                <a:spcPts val="0"/>
+              </a:spcAft>
+              <a:buClrTx/>
+              <a:buSzTx/>
+              <a:buFontTx/>
+              <a:buNone/>
+              <a:tabLst/>
+              <a:defRPr/>
+            </a:pPr>
+            <a:fld id="{530D6BE4-1F8E-45DA-842B-B9DC1B5EF25C}" type="slidenum">
+              <a:rPr kumimoji="0" lang="fr-FR" sz="1200" b="0" i="0" u="none" strike="noStrike" kern="1200" cap="none" spc="0" normalizeH="0" baseline="0" noProof="0" smtClean="0">
+                <a:ln>
+                  <a:noFill/>
+                </a:ln>
+                <a:solidFill>
+                  <a:prstClr val="black"/>
+                </a:solidFill>
+                <a:effectLst/>
+                <a:uLnTx/>
+                <a:uFillTx/>
+                <a:latin typeface="Calibri" panose="020F0502020204030204"/>
+                <a:ea typeface="+mn-ea"/>
+                <a:cs typeface="+mn-cs"/>
+              </a:rPr>
+              <a:pPr marL="0" marR="0" lvl="0" indent="0" algn="r" defTabSz="457200" rtl="0" eaLnBrk="1" fontAlgn="auto" latinLnBrk="0" hangingPunct="1">
+                <a:lnSpc>
+                  <a:spcPct val="100000"/>
+                </a:lnSpc>
+                <a:spcBef>
+                  <a:spcPts val="0"/>
+                </a:spcBef>
+                <a:spcAft>
+                  <a:spcPts val="0"/>
+                </a:spcAft>
+                <a:buClrTx/>
+                <a:buSzTx/>
+                <a:buFontTx/>
+                <a:buNone/>
+                <a:tabLst/>
+                <a:defRPr/>
+              </a:pPr>
+              <a:t>18</a:t>
+            </a:fld>
+            <a:endParaRPr kumimoji="0" lang="fr-FR" sz="1200" b="0" i="0" u="none" strike="noStrike" kern="1200" cap="none" spc="0" normalizeH="0" baseline="0" noProof="0">
+              <a:ln>
+                <a:noFill/>
+              </a:ln>
+              <a:solidFill>
+                <a:prstClr val="black"/>
+              </a:solidFill>
+              <a:effectLst/>
+              <a:uLnTx/>
+              <a:uFillTx/>
+              <a:latin typeface="Calibri" panose="020F0502020204030204"/>
+              <a:ea typeface="+mn-ea"/>
+              <a:cs typeface="+mn-cs"/>
+            </a:endParaRPr>
+          </a:p>
+        </p:txBody>
+      </p:sp>
+    </p:spTree>
+    <p:extLst>
+      <p:ext uri="{BB962C8B-B14F-4D97-AF65-F5344CB8AC3E}">
+        <p14:creationId xmlns:p14="http://schemas.microsoft.com/office/powerpoint/2010/main" val="2545348487"/>
+      </p:ext>
+    </p:extLst>
+  </p:cSld>
+  <p:clrMapOvr>
+    <a:masterClrMapping/>
+  </p:clrMapOvr>
+</p:notes>
+</file>
+
+<file path=ppt/notesSlides/notesSlide19.xml><?xml version="1.0" encoding="utf-8"?>
+<p:notes xmlns:a="http://schemas.openxmlformats.org/drawingml/2006/main" xmlns:r="http://schemas.openxmlformats.org/officeDocument/2006/relationships" xmlns:p="http://schemas.openxmlformats.org/presentationml/2006/main">
+  <p:cSld>
+    <p:spTree>
+      <p:nvGrpSpPr>
+        <p:cNvPr id="1" name=""/>
+        <p:cNvGrpSpPr/>
+        <p:nvPr/>
+      </p:nvGrpSpPr>
+      <p:grpSpPr>
+        <a:xfrm>
+          <a:off x="0" y="0"/>
+          <a:ext cx="0" cy="0"/>
+          <a:chOff x="0" y="0"/>
+          <a:chExt cx="0" cy="0"/>
+        </a:xfrm>
+      </p:grpSpPr>
+      <p:sp>
+        <p:nvSpPr>
+          <p:cNvPr id="2" name="Espace réservé de l'image des diapositives 1"/>
+          <p:cNvSpPr>
+            <a:spLocks noGrp="1" noRot="1" noChangeAspect="1"/>
+          </p:cNvSpPr>
+          <p:nvPr>
+            <p:ph type="sldImg"/>
+          </p:nvPr>
+        </p:nvSpPr>
+        <p:spPr/>
+      </p:sp>
+      <p:sp>
+        <p:nvSpPr>
+          <p:cNvPr id="3" name="Espace réservé des notes 2"/>
+          <p:cNvSpPr>
+            <a:spLocks noGrp="1"/>
+          </p:cNvSpPr>
+          <p:nvPr>
+            <p:ph type="body" idx="1"/>
+          </p:nvPr>
+        </p:nvSpPr>
+        <p:spPr/>
+        <p:txBody>
+          <a:bodyPr/>
+          <a:lstStyle/>
+          <a:p>
+            <a:endParaRPr lang="fr-FR" dirty="0"/>
+          </a:p>
+        </p:txBody>
+      </p:sp>
+      <p:sp>
+        <p:nvSpPr>
+          <p:cNvPr id="4" name="Espace réservé du numéro de diapositive 3"/>
+          <p:cNvSpPr>
+            <a:spLocks noGrp="1"/>
+          </p:cNvSpPr>
+          <p:nvPr>
+            <p:ph type="sldNum" sz="quarter" idx="5"/>
+          </p:nvPr>
+        </p:nvSpPr>
+        <p:spPr/>
+        <p:txBody>
+          <a:bodyPr/>
+          <a:lstStyle/>
+          <a:p>
+            <a:pPr marL="0" marR="0" lvl="0" indent="0" algn="r" defTabSz="457200" rtl="0" eaLnBrk="1" fontAlgn="auto" latinLnBrk="0" hangingPunct="1">
+              <a:lnSpc>
+                <a:spcPct val="100000"/>
+              </a:lnSpc>
+              <a:spcBef>
+                <a:spcPts val="0"/>
+              </a:spcBef>
+              <a:spcAft>
+                <a:spcPts val="0"/>
+              </a:spcAft>
+              <a:buClrTx/>
+              <a:buSzTx/>
+              <a:buFontTx/>
+              <a:buNone/>
+              <a:tabLst/>
+              <a:defRPr/>
+            </a:pPr>
+            <a:fld id="{530D6BE4-1F8E-45DA-842B-B9DC1B5EF25C}" type="slidenum">
+              <a:rPr kumimoji="0" lang="fr-FR" sz="1200" b="0" i="0" u="none" strike="noStrike" kern="1200" cap="none" spc="0" normalizeH="0" baseline="0" noProof="0" smtClean="0">
+                <a:ln>
+                  <a:noFill/>
+                </a:ln>
+                <a:solidFill>
+                  <a:prstClr val="black"/>
+                </a:solidFill>
+                <a:effectLst/>
+                <a:uLnTx/>
+                <a:uFillTx/>
+                <a:latin typeface="Calibri" panose="020F0502020204030204"/>
+                <a:ea typeface="+mn-ea"/>
+                <a:cs typeface="+mn-cs"/>
+              </a:rPr>
+              <a:pPr marL="0" marR="0" lvl="0" indent="0" algn="r" defTabSz="457200" rtl="0" eaLnBrk="1" fontAlgn="auto" latinLnBrk="0" hangingPunct="1">
+                <a:lnSpc>
+                  <a:spcPct val="100000"/>
+                </a:lnSpc>
+                <a:spcBef>
+                  <a:spcPts val="0"/>
+                </a:spcBef>
+                <a:spcAft>
+                  <a:spcPts val="0"/>
+                </a:spcAft>
+                <a:buClrTx/>
+                <a:buSzTx/>
+                <a:buFontTx/>
+                <a:buNone/>
+                <a:tabLst/>
+                <a:defRPr/>
+              </a:pPr>
+              <a:t>19</a:t>
+            </a:fld>
+            <a:endParaRPr kumimoji="0" lang="fr-FR" sz="1200" b="0" i="0" u="none" strike="noStrike" kern="1200" cap="none" spc="0" normalizeH="0" baseline="0" noProof="0">
+              <a:ln>
+                <a:noFill/>
+              </a:ln>
+              <a:solidFill>
+                <a:prstClr val="black"/>
+              </a:solidFill>
+              <a:effectLst/>
+              <a:uLnTx/>
+              <a:uFillTx/>
+              <a:latin typeface="Calibri" panose="020F0502020204030204"/>
+              <a:ea typeface="+mn-ea"/>
+              <a:cs typeface="+mn-cs"/>
+            </a:endParaRPr>
+          </a:p>
+        </p:txBody>
+      </p:sp>
+    </p:spTree>
+    <p:extLst>
+      <p:ext uri="{BB962C8B-B14F-4D97-AF65-F5344CB8AC3E}">
+        <p14:creationId xmlns:p14="http://schemas.microsoft.com/office/powerpoint/2010/main" val="3698234660"/>
+      </p:ext>
+    </p:extLst>
+  </p:cSld>
+  <p:clrMapOvr>
+    <a:masterClrMapping/>
+  </p:clrMapOvr>
+</p:notes>
+</file>
+
 <file path=ppt/notesSlides/notesSlide2.xml><?xml version="1.0" encoding="utf-8"?>
 <p:notes xmlns:a="http://schemas.openxmlformats.org/drawingml/2006/main" xmlns:r="http://schemas.openxmlformats.org/officeDocument/2006/relationships" xmlns:p="http://schemas.openxmlformats.org/presentationml/2006/main">
   <p:cSld>
@@ -1331,6 +2445,726 @@
     <p:extLst>
       <p:ext uri="{BB962C8B-B14F-4D97-AF65-F5344CB8AC3E}">
         <p14:creationId xmlns:p14="http://schemas.microsoft.com/office/powerpoint/2010/main" val="2428154321"/>
+      </p:ext>
+    </p:extLst>
+  </p:cSld>
+  <p:clrMapOvr>
+    <a:masterClrMapping/>
+  </p:clrMapOvr>
+</p:notes>
+</file>
+
+<file path=ppt/notesSlides/notesSlide20.xml><?xml version="1.0" encoding="utf-8"?>
+<p:notes xmlns:a="http://schemas.openxmlformats.org/drawingml/2006/main" xmlns:r="http://schemas.openxmlformats.org/officeDocument/2006/relationships" xmlns:p="http://schemas.openxmlformats.org/presentationml/2006/main">
+  <p:cSld>
+    <p:spTree>
+      <p:nvGrpSpPr>
+        <p:cNvPr id="1" name=""/>
+        <p:cNvGrpSpPr/>
+        <p:nvPr/>
+      </p:nvGrpSpPr>
+      <p:grpSpPr>
+        <a:xfrm>
+          <a:off x="0" y="0"/>
+          <a:ext cx="0" cy="0"/>
+          <a:chOff x="0" y="0"/>
+          <a:chExt cx="0" cy="0"/>
+        </a:xfrm>
+      </p:grpSpPr>
+      <p:sp>
+        <p:nvSpPr>
+          <p:cNvPr id="2" name="Espace réservé de l'image des diapositives 1"/>
+          <p:cNvSpPr>
+            <a:spLocks noGrp="1" noRot="1" noChangeAspect="1"/>
+          </p:cNvSpPr>
+          <p:nvPr>
+            <p:ph type="sldImg"/>
+          </p:nvPr>
+        </p:nvSpPr>
+        <p:spPr/>
+      </p:sp>
+      <p:sp>
+        <p:nvSpPr>
+          <p:cNvPr id="3" name="Espace réservé des notes 2"/>
+          <p:cNvSpPr>
+            <a:spLocks noGrp="1"/>
+          </p:cNvSpPr>
+          <p:nvPr>
+            <p:ph type="body" idx="1"/>
+          </p:nvPr>
+        </p:nvSpPr>
+        <p:spPr/>
+        <p:txBody>
+          <a:bodyPr/>
+          <a:lstStyle/>
+          <a:p>
+            <a:endParaRPr lang="fr-FR" dirty="0"/>
+          </a:p>
+        </p:txBody>
+      </p:sp>
+      <p:sp>
+        <p:nvSpPr>
+          <p:cNvPr id="4" name="Espace réservé du numéro de diapositive 3"/>
+          <p:cNvSpPr>
+            <a:spLocks noGrp="1"/>
+          </p:cNvSpPr>
+          <p:nvPr>
+            <p:ph type="sldNum" sz="quarter" idx="5"/>
+          </p:nvPr>
+        </p:nvSpPr>
+        <p:spPr/>
+        <p:txBody>
+          <a:bodyPr/>
+          <a:lstStyle/>
+          <a:p>
+            <a:pPr marL="0" marR="0" lvl="0" indent="0" algn="r" defTabSz="457200" rtl="0" eaLnBrk="1" fontAlgn="auto" latinLnBrk="0" hangingPunct="1">
+              <a:lnSpc>
+                <a:spcPct val="100000"/>
+              </a:lnSpc>
+              <a:spcBef>
+                <a:spcPts val="0"/>
+              </a:spcBef>
+              <a:spcAft>
+                <a:spcPts val="0"/>
+              </a:spcAft>
+              <a:buClrTx/>
+              <a:buSzTx/>
+              <a:buFontTx/>
+              <a:buNone/>
+              <a:tabLst/>
+              <a:defRPr/>
+            </a:pPr>
+            <a:fld id="{530D6BE4-1F8E-45DA-842B-B9DC1B5EF25C}" type="slidenum">
+              <a:rPr kumimoji="0" lang="fr-FR" sz="1200" b="0" i="0" u="none" strike="noStrike" kern="1200" cap="none" spc="0" normalizeH="0" baseline="0" noProof="0" smtClean="0">
+                <a:ln>
+                  <a:noFill/>
+                </a:ln>
+                <a:solidFill>
+                  <a:prstClr val="black"/>
+                </a:solidFill>
+                <a:effectLst/>
+                <a:uLnTx/>
+                <a:uFillTx/>
+                <a:latin typeface="Calibri" panose="020F0502020204030204"/>
+                <a:ea typeface="+mn-ea"/>
+                <a:cs typeface="+mn-cs"/>
+              </a:rPr>
+              <a:pPr marL="0" marR="0" lvl="0" indent="0" algn="r" defTabSz="457200" rtl="0" eaLnBrk="1" fontAlgn="auto" latinLnBrk="0" hangingPunct="1">
+                <a:lnSpc>
+                  <a:spcPct val="100000"/>
+                </a:lnSpc>
+                <a:spcBef>
+                  <a:spcPts val="0"/>
+                </a:spcBef>
+                <a:spcAft>
+                  <a:spcPts val="0"/>
+                </a:spcAft>
+                <a:buClrTx/>
+                <a:buSzTx/>
+                <a:buFontTx/>
+                <a:buNone/>
+                <a:tabLst/>
+                <a:defRPr/>
+              </a:pPr>
+              <a:t>20</a:t>
+            </a:fld>
+            <a:endParaRPr kumimoji="0" lang="fr-FR" sz="1200" b="0" i="0" u="none" strike="noStrike" kern="1200" cap="none" spc="0" normalizeH="0" baseline="0" noProof="0">
+              <a:ln>
+                <a:noFill/>
+              </a:ln>
+              <a:solidFill>
+                <a:prstClr val="black"/>
+              </a:solidFill>
+              <a:effectLst/>
+              <a:uLnTx/>
+              <a:uFillTx/>
+              <a:latin typeface="Calibri" panose="020F0502020204030204"/>
+              <a:ea typeface="+mn-ea"/>
+              <a:cs typeface="+mn-cs"/>
+            </a:endParaRPr>
+          </a:p>
+        </p:txBody>
+      </p:sp>
+    </p:spTree>
+    <p:extLst>
+      <p:ext uri="{BB962C8B-B14F-4D97-AF65-F5344CB8AC3E}">
+        <p14:creationId xmlns:p14="http://schemas.microsoft.com/office/powerpoint/2010/main" val="2871859215"/>
+      </p:ext>
+    </p:extLst>
+  </p:cSld>
+  <p:clrMapOvr>
+    <a:masterClrMapping/>
+  </p:clrMapOvr>
+</p:notes>
+</file>
+
+<file path=ppt/notesSlides/notesSlide21.xml><?xml version="1.0" encoding="utf-8"?>
+<p:notes xmlns:a="http://schemas.openxmlformats.org/drawingml/2006/main" xmlns:r="http://schemas.openxmlformats.org/officeDocument/2006/relationships" xmlns:p="http://schemas.openxmlformats.org/presentationml/2006/main">
+  <p:cSld>
+    <p:spTree>
+      <p:nvGrpSpPr>
+        <p:cNvPr id="1" name=""/>
+        <p:cNvGrpSpPr/>
+        <p:nvPr/>
+      </p:nvGrpSpPr>
+      <p:grpSpPr>
+        <a:xfrm>
+          <a:off x="0" y="0"/>
+          <a:ext cx="0" cy="0"/>
+          <a:chOff x="0" y="0"/>
+          <a:chExt cx="0" cy="0"/>
+        </a:xfrm>
+      </p:grpSpPr>
+      <p:sp>
+        <p:nvSpPr>
+          <p:cNvPr id="2" name="Espace réservé de l'image des diapositives 1"/>
+          <p:cNvSpPr>
+            <a:spLocks noGrp="1" noRot="1" noChangeAspect="1"/>
+          </p:cNvSpPr>
+          <p:nvPr>
+            <p:ph type="sldImg"/>
+          </p:nvPr>
+        </p:nvSpPr>
+        <p:spPr/>
+      </p:sp>
+      <p:sp>
+        <p:nvSpPr>
+          <p:cNvPr id="3" name="Espace réservé des notes 2"/>
+          <p:cNvSpPr>
+            <a:spLocks noGrp="1"/>
+          </p:cNvSpPr>
+          <p:nvPr>
+            <p:ph type="body" idx="1"/>
+          </p:nvPr>
+        </p:nvSpPr>
+        <p:spPr/>
+        <p:txBody>
+          <a:bodyPr/>
+          <a:lstStyle/>
+          <a:p>
+            <a:endParaRPr lang="fr-FR" dirty="0"/>
+          </a:p>
+        </p:txBody>
+      </p:sp>
+      <p:sp>
+        <p:nvSpPr>
+          <p:cNvPr id="4" name="Espace réservé du numéro de diapositive 3"/>
+          <p:cNvSpPr>
+            <a:spLocks noGrp="1"/>
+          </p:cNvSpPr>
+          <p:nvPr>
+            <p:ph type="sldNum" sz="quarter" idx="5"/>
+          </p:nvPr>
+        </p:nvSpPr>
+        <p:spPr/>
+        <p:txBody>
+          <a:bodyPr/>
+          <a:lstStyle/>
+          <a:p>
+            <a:pPr marL="0" marR="0" lvl="0" indent="0" algn="r" defTabSz="457200" rtl="0" eaLnBrk="1" fontAlgn="auto" latinLnBrk="0" hangingPunct="1">
+              <a:lnSpc>
+                <a:spcPct val="100000"/>
+              </a:lnSpc>
+              <a:spcBef>
+                <a:spcPts val="0"/>
+              </a:spcBef>
+              <a:spcAft>
+                <a:spcPts val="0"/>
+              </a:spcAft>
+              <a:buClrTx/>
+              <a:buSzTx/>
+              <a:buFontTx/>
+              <a:buNone/>
+              <a:tabLst/>
+              <a:defRPr/>
+            </a:pPr>
+            <a:fld id="{530D6BE4-1F8E-45DA-842B-B9DC1B5EF25C}" type="slidenum">
+              <a:rPr kumimoji="0" lang="fr-FR" sz="1200" b="0" i="0" u="none" strike="noStrike" kern="1200" cap="none" spc="0" normalizeH="0" baseline="0" noProof="0" smtClean="0">
+                <a:ln>
+                  <a:noFill/>
+                </a:ln>
+                <a:solidFill>
+                  <a:prstClr val="black"/>
+                </a:solidFill>
+                <a:effectLst/>
+                <a:uLnTx/>
+                <a:uFillTx/>
+                <a:latin typeface="Calibri" panose="020F0502020204030204"/>
+                <a:ea typeface="+mn-ea"/>
+                <a:cs typeface="+mn-cs"/>
+              </a:rPr>
+              <a:pPr marL="0" marR="0" lvl="0" indent="0" algn="r" defTabSz="457200" rtl="0" eaLnBrk="1" fontAlgn="auto" latinLnBrk="0" hangingPunct="1">
+                <a:lnSpc>
+                  <a:spcPct val="100000"/>
+                </a:lnSpc>
+                <a:spcBef>
+                  <a:spcPts val="0"/>
+                </a:spcBef>
+                <a:spcAft>
+                  <a:spcPts val="0"/>
+                </a:spcAft>
+                <a:buClrTx/>
+                <a:buSzTx/>
+                <a:buFontTx/>
+                <a:buNone/>
+                <a:tabLst/>
+                <a:defRPr/>
+              </a:pPr>
+              <a:t>21</a:t>
+            </a:fld>
+            <a:endParaRPr kumimoji="0" lang="fr-FR" sz="1200" b="0" i="0" u="none" strike="noStrike" kern="1200" cap="none" spc="0" normalizeH="0" baseline="0" noProof="0">
+              <a:ln>
+                <a:noFill/>
+              </a:ln>
+              <a:solidFill>
+                <a:prstClr val="black"/>
+              </a:solidFill>
+              <a:effectLst/>
+              <a:uLnTx/>
+              <a:uFillTx/>
+              <a:latin typeface="Calibri" panose="020F0502020204030204"/>
+              <a:ea typeface="+mn-ea"/>
+              <a:cs typeface="+mn-cs"/>
+            </a:endParaRPr>
+          </a:p>
+        </p:txBody>
+      </p:sp>
+    </p:spTree>
+    <p:extLst>
+      <p:ext uri="{BB962C8B-B14F-4D97-AF65-F5344CB8AC3E}">
+        <p14:creationId xmlns:p14="http://schemas.microsoft.com/office/powerpoint/2010/main" val="4154454295"/>
+      </p:ext>
+    </p:extLst>
+  </p:cSld>
+  <p:clrMapOvr>
+    <a:masterClrMapping/>
+  </p:clrMapOvr>
+</p:notes>
+</file>
+
+<file path=ppt/notesSlides/notesSlide22.xml><?xml version="1.0" encoding="utf-8"?>
+<p:notes xmlns:a="http://schemas.openxmlformats.org/drawingml/2006/main" xmlns:r="http://schemas.openxmlformats.org/officeDocument/2006/relationships" xmlns:p="http://schemas.openxmlformats.org/presentationml/2006/main">
+  <p:cSld>
+    <p:spTree>
+      <p:nvGrpSpPr>
+        <p:cNvPr id="1" name=""/>
+        <p:cNvGrpSpPr/>
+        <p:nvPr/>
+      </p:nvGrpSpPr>
+      <p:grpSpPr>
+        <a:xfrm>
+          <a:off x="0" y="0"/>
+          <a:ext cx="0" cy="0"/>
+          <a:chOff x="0" y="0"/>
+          <a:chExt cx="0" cy="0"/>
+        </a:xfrm>
+      </p:grpSpPr>
+      <p:sp>
+        <p:nvSpPr>
+          <p:cNvPr id="2" name="Espace réservé de l'image des diapositives 1"/>
+          <p:cNvSpPr>
+            <a:spLocks noGrp="1" noRot="1" noChangeAspect="1"/>
+          </p:cNvSpPr>
+          <p:nvPr>
+            <p:ph type="sldImg"/>
+          </p:nvPr>
+        </p:nvSpPr>
+        <p:spPr/>
+      </p:sp>
+      <p:sp>
+        <p:nvSpPr>
+          <p:cNvPr id="3" name="Espace réservé des notes 2"/>
+          <p:cNvSpPr>
+            <a:spLocks noGrp="1"/>
+          </p:cNvSpPr>
+          <p:nvPr>
+            <p:ph type="body" idx="1"/>
+          </p:nvPr>
+        </p:nvSpPr>
+        <p:spPr/>
+        <p:txBody>
+          <a:bodyPr/>
+          <a:lstStyle/>
+          <a:p>
+            <a:endParaRPr lang="fr-FR" dirty="0"/>
+          </a:p>
+        </p:txBody>
+      </p:sp>
+      <p:sp>
+        <p:nvSpPr>
+          <p:cNvPr id="4" name="Espace réservé du numéro de diapositive 3"/>
+          <p:cNvSpPr>
+            <a:spLocks noGrp="1"/>
+          </p:cNvSpPr>
+          <p:nvPr>
+            <p:ph type="sldNum" sz="quarter" idx="5"/>
+          </p:nvPr>
+        </p:nvSpPr>
+        <p:spPr/>
+        <p:txBody>
+          <a:bodyPr/>
+          <a:lstStyle/>
+          <a:p>
+            <a:pPr marL="0" marR="0" lvl="0" indent="0" algn="r" defTabSz="457200" rtl="0" eaLnBrk="1" fontAlgn="auto" latinLnBrk="0" hangingPunct="1">
+              <a:lnSpc>
+                <a:spcPct val="100000"/>
+              </a:lnSpc>
+              <a:spcBef>
+                <a:spcPts val="0"/>
+              </a:spcBef>
+              <a:spcAft>
+                <a:spcPts val="0"/>
+              </a:spcAft>
+              <a:buClrTx/>
+              <a:buSzTx/>
+              <a:buFontTx/>
+              <a:buNone/>
+              <a:tabLst/>
+              <a:defRPr/>
+            </a:pPr>
+            <a:fld id="{530D6BE4-1F8E-45DA-842B-B9DC1B5EF25C}" type="slidenum">
+              <a:rPr kumimoji="0" lang="fr-FR" sz="1200" b="0" i="0" u="none" strike="noStrike" kern="1200" cap="none" spc="0" normalizeH="0" baseline="0" noProof="0" smtClean="0">
+                <a:ln>
+                  <a:noFill/>
+                </a:ln>
+                <a:solidFill>
+                  <a:prstClr val="black"/>
+                </a:solidFill>
+                <a:effectLst/>
+                <a:uLnTx/>
+                <a:uFillTx/>
+                <a:latin typeface="Calibri" panose="020F0502020204030204"/>
+                <a:ea typeface="+mn-ea"/>
+                <a:cs typeface="+mn-cs"/>
+              </a:rPr>
+              <a:pPr marL="0" marR="0" lvl="0" indent="0" algn="r" defTabSz="457200" rtl="0" eaLnBrk="1" fontAlgn="auto" latinLnBrk="0" hangingPunct="1">
+                <a:lnSpc>
+                  <a:spcPct val="100000"/>
+                </a:lnSpc>
+                <a:spcBef>
+                  <a:spcPts val="0"/>
+                </a:spcBef>
+                <a:spcAft>
+                  <a:spcPts val="0"/>
+                </a:spcAft>
+                <a:buClrTx/>
+                <a:buSzTx/>
+                <a:buFontTx/>
+                <a:buNone/>
+                <a:tabLst/>
+                <a:defRPr/>
+              </a:pPr>
+              <a:t>22</a:t>
+            </a:fld>
+            <a:endParaRPr kumimoji="0" lang="fr-FR" sz="1200" b="0" i="0" u="none" strike="noStrike" kern="1200" cap="none" spc="0" normalizeH="0" baseline="0" noProof="0">
+              <a:ln>
+                <a:noFill/>
+              </a:ln>
+              <a:solidFill>
+                <a:prstClr val="black"/>
+              </a:solidFill>
+              <a:effectLst/>
+              <a:uLnTx/>
+              <a:uFillTx/>
+              <a:latin typeface="Calibri" panose="020F0502020204030204"/>
+              <a:ea typeface="+mn-ea"/>
+              <a:cs typeface="+mn-cs"/>
+            </a:endParaRPr>
+          </a:p>
+        </p:txBody>
+      </p:sp>
+    </p:spTree>
+    <p:extLst>
+      <p:ext uri="{BB962C8B-B14F-4D97-AF65-F5344CB8AC3E}">
+        <p14:creationId xmlns:p14="http://schemas.microsoft.com/office/powerpoint/2010/main" val="110731128"/>
+      </p:ext>
+    </p:extLst>
+  </p:cSld>
+  <p:clrMapOvr>
+    <a:masterClrMapping/>
+  </p:clrMapOvr>
+</p:notes>
+</file>
+
+<file path=ppt/notesSlides/notesSlide23.xml><?xml version="1.0" encoding="utf-8"?>
+<p:notes xmlns:a="http://schemas.openxmlformats.org/drawingml/2006/main" xmlns:r="http://schemas.openxmlformats.org/officeDocument/2006/relationships" xmlns:p="http://schemas.openxmlformats.org/presentationml/2006/main">
+  <p:cSld>
+    <p:spTree>
+      <p:nvGrpSpPr>
+        <p:cNvPr id="1" name=""/>
+        <p:cNvGrpSpPr/>
+        <p:nvPr/>
+      </p:nvGrpSpPr>
+      <p:grpSpPr>
+        <a:xfrm>
+          <a:off x="0" y="0"/>
+          <a:ext cx="0" cy="0"/>
+          <a:chOff x="0" y="0"/>
+          <a:chExt cx="0" cy="0"/>
+        </a:xfrm>
+      </p:grpSpPr>
+      <p:sp>
+        <p:nvSpPr>
+          <p:cNvPr id="2" name="Espace réservé de l'image des diapositives 1"/>
+          <p:cNvSpPr>
+            <a:spLocks noGrp="1" noRot="1" noChangeAspect="1"/>
+          </p:cNvSpPr>
+          <p:nvPr>
+            <p:ph type="sldImg"/>
+          </p:nvPr>
+        </p:nvSpPr>
+        <p:spPr/>
+      </p:sp>
+      <p:sp>
+        <p:nvSpPr>
+          <p:cNvPr id="3" name="Espace réservé des notes 2"/>
+          <p:cNvSpPr>
+            <a:spLocks noGrp="1"/>
+          </p:cNvSpPr>
+          <p:nvPr>
+            <p:ph type="body" idx="1"/>
+          </p:nvPr>
+        </p:nvSpPr>
+        <p:spPr/>
+        <p:txBody>
+          <a:bodyPr/>
+          <a:lstStyle/>
+          <a:p>
+            <a:endParaRPr lang="fr-FR" dirty="0"/>
+          </a:p>
+        </p:txBody>
+      </p:sp>
+      <p:sp>
+        <p:nvSpPr>
+          <p:cNvPr id="4" name="Espace réservé du numéro de diapositive 3"/>
+          <p:cNvSpPr>
+            <a:spLocks noGrp="1"/>
+          </p:cNvSpPr>
+          <p:nvPr>
+            <p:ph type="sldNum" sz="quarter" idx="5"/>
+          </p:nvPr>
+        </p:nvSpPr>
+        <p:spPr/>
+        <p:txBody>
+          <a:bodyPr/>
+          <a:lstStyle/>
+          <a:p>
+            <a:pPr marL="0" marR="0" lvl="0" indent="0" algn="r" defTabSz="457200" rtl="0" eaLnBrk="1" fontAlgn="auto" latinLnBrk="0" hangingPunct="1">
+              <a:lnSpc>
+                <a:spcPct val="100000"/>
+              </a:lnSpc>
+              <a:spcBef>
+                <a:spcPts val="0"/>
+              </a:spcBef>
+              <a:spcAft>
+                <a:spcPts val="0"/>
+              </a:spcAft>
+              <a:buClrTx/>
+              <a:buSzTx/>
+              <a:buFontTx/>
+              <a:buNone/>
+              <a:tabLst/>
+              <a:defRPr/>
+            </a:pPr>
+            <a:fld id="{530D6BE4-1F8E-45DA-842B-B9DC1B5EF25C}" type="slidenum">
+              <a:rPr kumimoji="0" lang="fr-FR" sz="1200" b="0" i="0" u="none" strike="noStrike" kern="1200" cap="none" spc="0" normalizeH="0" baseline="0" noProof="0" smtClean="0">
+                <a:ln>
+                  <a:noFill/>
+                </a:ln>
+                <a:solidFill>
+                  <a:prstClr val="black"/>
+                </a:solidFill>
+                <a:effectLst/>
+                <a:uLnTx/>
+                <a:uFillTx/>
+                <a:latin typeface="Calibri" panose="020F0502020204030204"/>
+                <a:ea typeface="+mn-ea"/>
+                <a:cs typeface="+mn-cs"/>
+              </a:rPr>
+              <a:pPr marL="0" marR="0" lvl="0" indent="0" algn="r" defTabSz="457200" rtl="0" eaLnBrk="1" fontAlgn="auto" latinLnBrk="0" hangingPunct="1">
+                <a:lnSpc>
+                  <a:spcPct val="100000"/>
+                </a:lnSpc>
+                <a:spcBef>
+                  <a:spcPts val="0"/>
+                </a:spcBef>
+                <a:spcAft>
+                  <a:spcPts val="0"/>
+                </a:spcAft>
+                <a:buClrTx/>
+                <a:buSzTx/>
+                <a:buFontTx/>
+                <a:buNone/>
+                <a:tabLst/>
+                <a:defRPr/>
+              </a:pPr>
+              <a:t>23</a:t>
+            </a:fld>
+            <a:endParaRPr kumimoji="0" lang="fr-FR" sz="1200" b="0" i="0" u="none" strike="noStrike" kern="1200" cap="none" spc="0" normalizeH="0" baseline="0" noProof="0">
+              <a:ln>
+                <a:noFill/>
+              </a:ln>
+              <a:solidFill>
+                <a:prstClr val="black"/>
+              </a:solidFill>
+              <a:effectLst/>
+              <a:uLnTx/>
+              <a:uFillTx/>
+              <a:latin typeface="Calibri" panose="020F0502020204030204"/>
+              <a:ea typeface="+mn-ea"/>
+              <a:cs typeface="+mn-cs"/>
+            </a:endParaRPr>
+          </a:p>
+        </p:txBody>
+      </p:sp>
+    </p:spTree>
+    <p:extLst>
+      <p:ext uri="{BB962C8B-B14F-4D97-AF65-F5344CB8AC3E}">
+        <p14:creationId xmlns:p14="http://schemas.microsoft.com/office/powerpoint/2010/main" val="1623915640"/>
+      </p:ext>
+    </p:extLst>
+  </p:cSld>
+  <p:clrMapOvr>
+    <a:masterClrMapping/>
+  </p:clrMapOvr>
+</p:notes>
+</file>
+
+<file path=ppt/notesSlides/notesSlide24.xml><?xml version="1.0" encoding="utf-8"?>
+<p:notes xmlns:a="http://schemas.openxmlformats.org/drawingml/2006/main" xmlns:r="http://schemas.openxmlformats.org/officeDocument/2006/relationships" xmlns:p="http://schemas.openxmlformats.org/presentationml/2006/main">
+  <p:cSld>
+    <p:spTree>
+      <p:nvGrpSpPr>
+        <p:cNvPr id="1" name=""/>
+        <p:cNvGrpSpPr/>
+        <p:nvPr/>
+      </p:nvGrpSpPr>
+      <p:grpSpPr>
+        <a:xfrm>
+          <a:off x="0" y="0"/>
+          <a:ext cx="0" cy="0"/>
+          <a:chOff x="0" y="0"/>
+          <a:chExt cx="0" cy="0"/>
+        </a:xfrm>
+      </p:grpSpPr>
+      <p:sp>
+        <p:nvSpPr>
+          <p:cNvPr id="2" name="Espace réservé de l'image des diapositives 1"/>
+          <p:cNvSpPr>
+            <a:spLocks noGrp="1" noRot="1" noChangeAspect="1"/>
+          </p:cNvSpPr>
+          <p:nvPr>
+            <p:ph type="sldImg"/>
+          </p:nvPr>
+        </p:nvSpPr>
+        <p:spPr/>
+      </p:sp>
+      <p:sp>
+        <p:nvSpPr>
+          <p:cNvPr id="3" name="Espace réservé des notes 2"/>
+          <p:cNvSpPr>
+            <a:spLocks noGrp="1"/>
+          </p:cNvSpPr>
+          <p:nvPr>
+            <p:ph type="body" idx="1"/>
+          </p:nvPr>
+        </p:nvSpPr>
+        <p:spPr/>
+        <p:txBody>
+          <a:bodyPr/>
+          <a:lstStyle/>
+          <a:p>
+            <a:endParaRPr lang="fr-FR" dirty="0"/>
+          </a:p>
+        </p:txBody>
+      </p:sp>
+      <p:sp>
+        <p:nvSpPr>
+          <p:cNvPr id="4" name="Espace réservé du numéro de diapositive 3"/>
+          <p:cNvSpPr>
+            <a:spLocks noGrp="1"/>
+          </p:cNvSpPr>
+          <p:nvPr>
+            <p:ph type="sldNum" sz="quarter" idx="5"/>
+          </p:nvPr>
+        </p:nvSpPr>
+        <p:spPr/>
+        <p:txBody>
+          <a:bodyPr/>
+          <a:lstStyle/>
+          <a:p>
+            <a:pPr marL="0" marR="0" lvl="0" indent="0" algn="r" defTabSz="457200" rtl="0" eaLnBrk="1" fontAlgn="auto" latinLnBrk="0" hangingPunct="1">
+              <a:lnSpc>
+                <a:spcPct val="100000"/>
+              </a:lnSpc>
+              <a:spcBef>
+                <a:spcPts val="0"/>
+              </a:spcBef>
+              <a:spcAft>
+                <a:spcPts val="0"/>
+              </a:spcAft>
+              <a:buClrTx/>
+              <a:buSzTx/>
+              <a:buFontTx/>
+              <a:buNone/>
+              <a:tabLst/>
+              <a:defRPr/>
+            </a:pPr>
+            <a:fld id="{530D6BE4-1F8E-45DA-842B-B9DC1B5EF25C}" type="slidenum">
+              <a:rPr kumimoji="0" lang="fr-FR" sz="1200" b="0" i="0" u="none" strike="noStrike" kern="1200" cap="none" spc="0" normalizeH="0" baseline="0" noProof="0" smtClean="0">
+                <a:ln>
+                  <a:noFill/>
+                </a:ln>
+                <a:solidFill>
+                  <a:prstClr val="black"/>
+                </a:solidFill>
+                <a:effectLst/>
+                <a:uLnTx/>
+                <a:uFillTx/>
+                <a:latin typeface="Calibri" panose="020F0502020204030204"/>
+                <a:ea typeface="+mn-ea"/>
+                <a:cs typeface="+mn-cs"/>
+              </a:rPr>
+              <a:pPr marL="0" marR="0" lvl="0" indent="0" algn="r" defTabSz="457200" rtl="0" eaLnBrk="1" fontAlgn="auto" latinLnBrk="0" hangingPunct="1">
+                <a:lnSpc>
+                  <a:spcPct val="100000"/>
+                </a:lnSpc>
+                <a:spcBef>
+                  <a:spcPts val="0"/>
+                </a:spcBef>
+                <a:spcAft>
+                  <a:spcPts val="0"/>
+                </a:spcAft>
+                <a:buClrTx/>
+                <a:buSzTx/>
+                <a:buFontTx/>
+                <a:buNone/>
+                <a:tabLst/>
+                <a:defRPr/>
+              </a:pPr>
+              <a:t>24</a:t>
+            </a:fld>
+            <a:endParaRPr kumimoji="0" lang="fr-FR" sz="1200" b="0" i="0" u="none" strike="noStrike" kern="1200" cap="none" spc="0" normalizeH="0" baseline="0" noProof="0">
+              <a:ln>
+                <a:noFill/>
+              </a:ln>
+              <a:solidFill>
+                <a:prstClr val="black"/>
+              </a:solidFill>
+              <a:effectLst/>
+              <a:uLnTx/>
+              <a:uFillTx/>
+              <a:latin typeface="Calibri" panose="020F0502020204030204"/>
+              <a:ea typeface="+mn-ea"/>
+              <a:cs typeface="+mn-cs"/>
+            </a:endParaRPr>
+          </a:p>
+        </p:txBody>
+      </p:sp>
+    </p:spTree>
+    <p:extLst>
+      <p:ext uri="{BB962C8B-B14F-4D97-AF65-F5344CB8AC3E}">
+        <p14:creationId xmlns:p14="http://schemas.microsoft.com/office/powerpoint/2010/main" val="3516908755"/>
       </p:ext>
     </p:extLst>
   </p:cSld>
@@ -3070,7 +4904,7 @@
           <a:p>
             <a:fld id="{68AA2F7D-4A48-42B4-8BEA-B9039AC65ED3}" type="datetimeFigureOut">
               <a:rPr lang="fr-FR" smtClean="0"/>
-              <a:t>21/02/2022</a:t>
+              <a:t>23/02/2022</a:t>
             </a:fld>
             <a:endParaRPr lang="fr-FR"/>
           </a:p>
@@ -3321,7 +5155,7 @@
           <a:p>
             <a:fld id="{68AA2F7D-4A48-42B4-8BEA-B9039AC65ED3}" type="datetimeFigureOut">
               <a:rPr lang="fr-FR" smtClean="0"/>
-              <a:t>21/02/2022</a:t>
+              <a:t>23/02/2022</a:t>
             </a:fld>
             <a:endParaRPr lang="fr-FR"/>
           </a:p>
@@ -3635,7 +5469,7 @@
           <a:p>
             <a:fld id="{68AA2F7D-4A48-42B4-8BEA-B9039AC65ED3}" type="datetimeFigureOut">
               <a:rPr lang="fr-FR" smtClean="0"/>
-              <a:t>21/02/2022</a:t>
+              <a:t>23/02/2022</a:t>
             </a:fld>
             <a:endParaRPr lang="fr-FR"/>
           </a:p>
@@ -3976,7 +5810,7 @@
           <a:p>
             <a:fld id="{68AA2F7D-4A48-42B4-8BEA-B9039AC65ED3}" type="datetimeFigureOut">
               <a:rPr lang="fr-FR" smtClean="0"/>
-              <a:t>21/02/2022</a:t>
+              <a:t>23/02/2022</a:t>
             </a:fld>
             <a:endParaRPr lang="fr-FR"/>
           </a:p>
@@ -4290,7 +6124,7 @@
           <a:p>
             <a:fld id="{68AA2F7D-4A48-42B4-8BEA-B9039AC65ED3}" type="datetimeFigureOut">
               <a:rPr lang="fr-FR" smtClean="0"/>
-              <a:t>21/02/2022</a:t>
+              <a:t>23/02/2022</a:t>
             </a:fld>
             <a:endParaRPr lang="fr-FR"/>
           </a:p>
@@ -4683,7 +6517,7 @@
           <a:p>
             <a:fld id="{68AA2F7D-4A48-42B4-8BEA-B9039AC65ED3}" type="datetimeFigureOut">
               <a:rPr lang="fr-FR" smtClean="0"/>
-              <a:t>21/02/2022</a:t>
+              <a:t>23/02/2022</a:t>
             </a:fld>
             <a:endParaRPr lang="fr-FR"/>
           </a:p>
@@ -4853,7 +6687,7 @@
           <a:p>
             <a:fld id="{68AA2F7D-4A48-42B4-8BEA-B9039AC65ED3}" type="datetimeFigureOut">
               <a:rPr lang="fr-FR" smtClean="0"/>
-              <a:t>21/02/2022</a:t>
+              <a:t>23/02/2022</a:t>
             </a:fld>
             <a:endParaRPr lang="fr-FR"/>
           </a:p>
@@ -5033,7 +6867,7 @@
           <a:p>
             <a:fld id="{68AA2F7D-4A48-42B4-8BEA-B9039AC65ED3}" type="datetimeFigureOut">
               <a:rPr lang="fr-FR" smtClean="0"/>
-              <a:t>21/02/2022</a:t>
+              <a:t>23/02/2022</a:t>
             </a:fld>
             <a:endParaRPr lang="fr-FR"/>
           </a:p>
@@ -5209,7 +7043,7 @@
           <a:p>
             <a:fld id="{68AA2F7D-4A48-42B4-8BEA-B9039AC65ED3}" type="datetimeFigureOut">
               <a:rPr lang="fr-FR" smtClean="0"/>
-              <a:t>21/02/2022</a:t>
+              <a:t>23/02/2022</a:t>
             </a:fld>
             <a:endParaRPr lang="fr-FR"/>
           </a:p>
@@ -5456,7 +7290,7 @@
           <a:p>
             <a:fld id="{68AA2F7D-4A48-42B4-8BEA-B9039AC65ED3}" type="datetimeFigureOut">
               <a:rPr lang="fr-FR" smtClean="0"/>
-              <a:t>21/02/2022</a:t>
+              <a:t>23/02/2022</a:t>
             </a:fld>
             <a:endParaRPr lang="fr-FR"/>
           </a:p>
@@ -5688,7 +7522,7 @@
           <a:p>
             <a:fld id="{68AA2F7D-4A48-42B4-8BEA-B9039AC65ED3}" type="datetimeFigureOut">
               <a:rPr lang="fr-FR" smtClean="0"/>
-              <a:t>21/02/2022</a:t>
+              <a:t>23/02/2022</a:t>
             </a:fld>
             <a:endParaRPr lang="fr-FR"/>
           </a:p>
@@ -6062,7 +7896,7 @@
           <a:p>
             <a:fld id="{68AA2F7D-4A48-42B4-8BEA-B9039AC65ED3}" type="datetimeFigureOut">
               <a:rPr lang="fr-FR" smtClean="0"/>
-              <a:t>21/02/2022</a:t>
+              <a:t>23/02/2022</a:t>
             </a:fld>
             <a:endParaRPr lang="fr-FR"/>
           </a:p>
@@ -6185,7 +8019,7 @@
           <a:p>
             <a:fld id="{68AA2F7D-4A48-42B4-8BEA-B9039AC65ED3}" type="datetimeFigureOut">
               <a:rPr lang="fr-FR" smtClean="0"/>
-              <a:t>21/02/2022</a:t>
+              <a:t>23/02/2022</a:t>
             </a:fld>
             <a:endParaRPr lang="fr-FR"/>
           </a:p>
@@ -6280,7 +8114,7 @@
           <a:p>
             <a:fld id="{68AA2F7D-4A48-42B4-8BEA-B9039AC65ED3}" type="datetimeFigureOut">
               <a:rPr lang="fr-FR" smtClean="0"/>
-              <a:t>21/02/2022</a:t>
+              <a:t>23/02/2022</a:t>
             </a:fld>
             <a:endParaRPr lang="fr-FR"/>
           </a:p>
@@ -6535,7 +8369,7 @@
           <a:p>
             <a:fld id="{68AA2F7D-4A48-42B4-8BEA-B9039AC65ED3}" type="datetimeFigureOut">
               <a:rPr lang="fr-FR" smtClean="0"/>
-              <a:t>21/02/2022</a:t>
+              <a:t>23/02/2022</a:t>
             </a:fld>
             <a:endParaRPr lang="fr-FR"/>
           </a:p>
@@ -6798,7 +8632,7 @@
           <a:p>
             <a:fld id="{68AA2F7D-4A48-42B4-8BEA-B9039AC65ED3}" type="datetimeFigureOut">
               <a:rPr lang="fr-FR" smtClean="0"/>
-              <a:t>21/02/2022</a:t>
+              <a:t>23/02/2022</a:t>
             </a:fld>
             <a:endParaRPr lang="fr-FR"/>
           </a:p>
@@ -7541,7 +9375,7 @@
           <a:p>
             <a:fld id="{68AA2F7D-4A48-42B4-8BEA-B9039AC65ED3}" type="datetimeFigureOut">
               <a:rPr lang="fr-FR" smtClean="0"/>
-              <a:t>21/02/2022</a:t>
+              <a:t>23/02/2022</a:t>
             </a:fld>
             <a:endParaRPr lang="fr-FR"/>
           </a:p>
@@ -8745,7 +10579,7 @@
         <p:spPr>
           <a:xfrm>
             <a:off x="771525" y="1976923"/>
-            <a:ext cx="6446960" cy="1569660"/>
+            <a:ext cx="6446960" cy="1323439"/>
           </a:xfrm>
           <a:prstGeom prst="rect">
             <a:avLst/>
@@ -8773,7 +10607,7 @@
                 <a:latin typeface="Arial Narrow" panose="020B0606020202030204" pitchFamily="34" charset="0"/>
                 <a:cs typeface="Times New Roman" panose="02020603050405020304" pitchFamily="18" charset="0"/>
               </a:rPr>
-              <a:t>Dans la classe Person, ajouter les propriétés </a:t>
+              <a:t>Ajouter les propriétés </a:t>
             </a:r>
             <a:r>
               <a:rPr lang="fr-FR" sz="1600" dirty="0" err="1">
@@ -9092,7 +10926,7 @@
                 <a:latin typeface="Arial Narrow" panose="020B0606020202030204" pitchFamily="34" charset="0"/>
                 <a:cs typeface="Times New Roman" panose="02020603050405020304" pitchFamily="18" charset="0"/>
               </a:rPr>
-              <a:t>Dans la classe main, instanciez 2 clients (type Person), </a:t>
+              <a:t>Dans la classe main, instanciez 2 clients (type Personne), </a:t>
             </a:r>
             <a:r>
               <a:rPr lang="fr-FR" sz="1600" dirty="0" err="1">
@@ -9425,6 +11259,19 @@
           <a:p>
             <a:pPr defTabSz="457200"/>
             <a:r>
+              <a:rPr lang="fr-FR" sz="1600">
+                <a:solidFill>
+                  <a:srgbClr val="242852">
+                    <a:lumMod val="60000"/>
+                    <a:lumOff val="40000"/>
+                  </a:srgbClr>
+                </a:solidFill>
+                <a:latin typeface="Arial Narrow" panose="020B0606020202030204" pitchFamily="34" charset="0"/>
+                <a:cs typeface="Times New Roman" panose="02020603050405020304" pitchFamily="18" charset="0"/>
+              </a:rPr>
+              <a:t>	Je </a:t>
+            </a:r>
+            <a:r>
               <a:rPr lang="fr-FR" sz="1600" dirty="0">
                 <a:solidFill>
                   <a:srgbClr val="242852">
@@ -9435,7 +11282,7 @@
                 <a:latin typeface="Arial Narrow" panose="020B0606020202030204" pitchFamily="34" charset="0"/>
                 <a:cs typeface="Times New Roman" panose="02020603050405020304" pitchFamily="18" charset="0"/>
               </a:rPr>
-              <a:t>	Dans le main, je m’appelle &lt;</a:t>
+              <a:t>m’appelle &lt;</a:t>
             </a:r>
             <a:r>
               <a:rPr lang="fr-FR" sz="1600" dirty="0" err="1">
@@ -10099,7 +11946,7 @@
 </p:sld>
 </file>
 
-<file path=ppt/slides/slide2.xml><?xml version="1.0" encoding="utf-8"?>
+<file path=ppt/slides/slide14.xml><?xml version="1.0" encoding="utf-8"?>
 <p:sld xmlns:a="http://schemas.openxmlformats.org/drawingml/2006/main" xmlns:r="http://schemas.openxmlformats.org/officeDocument/2006/relationships" xmlns:p="http://schemas.openxmlformats.org/presentationml/2006/main">
   <p:cSld>
     <p:spTree>
@@ -10131,7 +11978,7 @@
         <p:spPr>
           <a:xfrm>
             <a:off x="764330" y="1072061"/>
-            <a:ext cx="6601203" cy="480131"/>
+            <a:ext cx="7624661" cy="480131"/>
           </a:xfrm>
           <a:prstGeom prst="rect">
             <a:avLst/>
@@ -10179,7 +12026,7 @@
                 <a:ea typeface="Calibri" panose="020F0502020204030204" pitchFamily="34" charset="0"/>
                 <a:cs typeface="Times New Roman" panose="02020603050405020304" pitchFamily="18" charset="0"/>
               </a:rPr>
-              <a:t>Les océans : première variable de type String</a:t>
+              <a:t>Les océans : Surcharge de méthode</a:t>
             </a:r>
           </a:p>
         </p:txBody>
@@ -10199,7 +12046,7 @@
         <p:spPr>
           <a:xfrm>
             <a:off x="771525" y="1976923"/>
-            <a:ext cx="6446960" cy="1323439"/>
+            <a:ext cx="6446960" cy="2554545"/>
           </a:xfrm>
           <a:prstGeom prst="rect">
             <a:avLst/>
@@ -10212,20 +12059,9 @@
           </a:bodyPr>
           <a:lstStyle/>
           <a:p>
-            <a:pPr marR="0" lvl="0" algn="l" defTabSz="457200" rtl="0" eaLnBrk="1" fontAlgn="auto" latinLnBrk="0" hangingPunct="1">
-              <a:lnSpc>
-                <a:spcPct val="100000"/>
-              </a:lnSpc>
-              <a:spcBef>
-                <a:spcPts val="0"/>
-              </a:spcBef>
-              <a:spcAft>
-                <a:spcPts val="0"/>
-              </a:spcAft>
-              <a:buClrTx/>
-              <a:buSzTx/>
-              <a:tabLst/>
-              <a:defRPr/>
+            <a:pPr marL="285750" indent="-285750" defTabSz="457200">
+              <a:buFont typeface="Arial" panose="020B0604020202020204" pitchFamily="34" charset="0"/>
+              <a:buChar char="•"/>
             </a:pPr>
             <a:r>
               <a:rPr lang="fr-FR" sz="1600" dirty="0">
@@ -10238,8 +12074,238 @@
                 <a:latin typeface="Arial Narrow" panose="020B0606020202030204" pitchFamily="34" charset="0"/>
                 <a:cs typeface="Times New Roman" panose="02020603050405020304" pitchFamily="18" charset="0"/>
               </a:rPr>
-              <a:t>Modifier l’exercice précédent en utilisant une variable qui contiendra successivement le code à afficher</a:t>
-            </a:r>
+              <a:t>Surcharger la méthode </a:t>
+            </a:r>
+            <a:r>
+              <a:rPr lang="fr-FR" sz="1600" dirty="0" err="1">
+                <a:solidFill>
+                  <a:srgbClr val="242852">
+                    <a:lumMod val="60000"/>
+                    <a:lumOff val="40000"/>
+                  </a:srgbClr>
+                </a:solidFill>
+                <a:latin typeface="Arial Narrow" panose="020B0606020202030204" pitchFamily="34" charset="0"/>
+                <a:cs typeface="Times New Roman" panose="02020603050405020304" pitchFamily="18" charset="0"/>
+              </a:rPr>
+              <a:t>sePresenter</a:t>
+            </a:r>
+            <a:r>
+              <a:rPr lang="fr-FR" sz="1600" dirty="0">
+                <a:solidFill>
+                  <a:srgbClr val="242852">
+                    <a:lumMod val="60000"/>
+                    <a:lumOff val="40000"/>
+                  </a:srgbClr>
+                </a:solidFill>
+                <a:latin typeface="Arial Narrow" panose="020B0606020202030204" pitchFamily="34" charset="0"/>
+                <a:cs typeface="Times New Roman" panose="02020603050405020304" pitchFamily="18" charset="0"/>
+              </a:rPr>
+              <a:t> en ajoutant un paramètre </a:t>
+            </a:r>
+            <a:r>
+              <a:rPr lang="fr-FR" sz="1600" dirty="0" err="1">
+                <a:solidFill>
+                  <a:srgbClr val="242852">
+                    <a:lumMod val="60000"/>
+                    <a:lumOff val="40000"/>
+                  </a:srgbClr>
+                </a:solidFill>
+                <a:latin typeface="Arial Narrow" panose="020B0606020202030204" pitchFamily="34" charset="0"/>
+                <a:cs typeface="Times New Roman" panose="02020603050405020304" pitchFamily="18" charset="0"/>
+              </a:rPr>
+              <a:t>booleen</a:t>
+            </a:r>
+            <a:r>
+              <a:rPr lang="fr-FR" sz="1600" dirty="0">
+                <a:solidFill>
+                  <a:srgbClr val="242852">
+                    <a:lumMod val="60000"/>
+                    <a:lumOff val="40000"/>
+                  </a:srgbClr>
+                </a:solidFill>
+                <a:latin typeface="Arial Narrow" panose="020B0606020202030204" pitchFamily="34" charset="0"/>
+                <a:cs typeface="Times New Roman" panose="02020603050405020304" pitchFamily="18" charset="0"/>
+              </a:rPr>
+              <a:t> </a:t>
+            </a:r>
+            <a:r>
+              <a:rPr lang="fr-FR" sz="1600" dirty="0" err="1">
+                <a:solidFill>
+                  <a:srgbClr val="242852">
+                    <a:lumMod val="60000"/>
+                    <a:lumOff val="40000"/>
+                  </a:srgbClr>
+                </a:solidFill>
+                <a:latin typeface="Arial Narrow" panose="020B0606020202030204" pitchFamily="34" charset="0"/>
+                <a:cs typeface="Times New Roman" panose="02020603050405020304" pitchFamily="18" charset="0"/>
+              </a:rPr>
+              <a:t>cotisAJour</a:t>
+            </a:r>
+            <a:r>
+              <a:rPr lang="fr-FR" sz="1600" dirty="0">
+                <a:solidFill>
+                  <a:srgbClr val="242852">
+                    <a:lumMod val="60000"/>
+                    <a:lumOff val="40000"/>
+                  </a:srgbClr>
+                </a:solidFill>
+                <a:latin typeface="Arial Narrow" panose="020B0606020202030204" pitchFamily="34" charset="0"/>
+                <a:cs typeface="Times New Roman" panose="02020603050405020304" pitchFamily="18" charset="0"/>
+              </a:rPr>
+              <a:t> et afficher selon le cas :</a:t>
+            </a:r>
+          </a:p>
+          <a:p>
+            <a:pPr marL="285750" indent="-285750" defTabSz="457200">
+              <a:buFont typeface="Arial" panose="020B0604020202020204" pitchFamily="34" charset="0"/>
+              <a:buChar char="•"/>
+            </a:pPr>
+            <a:endParaRPr lang="fr-FR" sz="1600" dirty="0">
+              <a:solidFill>
+                <a:srgbClr val="242852">
+                  <a:lumMod val="60000"/>
+                  <a:lumOff val="40000"/>
+                </a:srgbClr>
+              </a:solidFill>
+              <a:latin typeface="Arial Narrow" panose="020B0606020202030204" pitchFamily="34" charset="0"/>
+              <a:cs typeface="Times New Roman" panose="02020603050405020304" pitchFamily="18" charset="0"/>
+            </a:endParaRPr>
+          </a:p>
+          <a:p>
+            <a:pPr defTabSz="457200"/>
+            <a:r>
+              <a:rPr lang="fr-FR" sz="1600" dirty="0">
+                <a:solidFill>
+                  <a:srgbClr val="242852">
+                    <a:lumMod val="60000"/>
+                    <a:lumOff val="40000"/>
+                  </a:srgbClr>
+                </a:solidFill>
+                <a:latin typeface="Arial Narrow" panose="020B0606020202030204" pitchFamily="34" charset="0"/>
+                <a:cs typeface="Times New Roman" panose="02020603050405020304" pitchFamily="18" charset="0"/>
+              </a:rPr>
+              <a:t>	Mes cotisations sont à jour ou Mes cotisations ne sont pas à jour.</a:t>
+            </a:r>
+          </a:p>
+          <a:p>
+            <a:pPr defTabSz="457200"/>
+            <a:endParaRPr lang="fr-FR" sz="1600" dirty="0">
+              <a:solidFill>
+                <a:srgbClr val="242852">
+                  <a:lumMod val="60000"/>
+                  <a:lumOff val="40000"/>
+                </a:srgbClr>
+              </a:solidFill>
+              <a:latin typeface="Arial Narrow" panose="020B0606020202030204" pitchFamily="34" charset="0"/>
+              <a:cs typeface="Times New Roman" panose="02020603050405020304" pitchFamily="18" charset="0"/>
+            </a:endParaRPr>
+          </a:p>
+          <a:p>
+            <a:pPr marL="285750" indent="-285750" defTabSz="457200">
+              <a:buFont typeface="Arial" panose="020B0604020202020204" pitchFamily="34" charset="0"/>
+              <a:buChar char="•"/>
+            </a:pPr>
+            <a:r>
+              <a:rPr lang="fr-FR" sz="1600" dirty="0">
+                <a:solidFill>
+                  <a:srgbClr val="242852">
+                    <a:lumMod val="60000"/>
+                    <a:lumOff val="40000"/>
+                  </a:srgbClr>
+                </a:solidFill>
+                <a:latin typeface="Arial Narrow" panose="020B0606020202030204" pitchFamily="34" charset="0"/>
+                <a:cs typeface="Times New Roman" panose="02020603050405020304" pitchFamily="18" charset="0"/>
+              </a:rPr>
+              <a:t>Ajouter une deuxième surcharge avec un </a:t>
+            </a:r>
+            <a:r>
+              <a:rPr lang="fr-FR" sz="1600" dirty="0" err="1">
+                <a:solidFill>
+                  <a:srgbClr val="242852">
+                    <a:lumMod val="60000"/>
+                    <a:lumOff val="40000"/>
+                  </a:srgbClr>
+                </a:solidFill>
+                <a:latin typeface="Arial Narrow" panose="020B0606020202030204" pitchFamily="34" charset="0"/>
+                <a:cs typeface="Times New Roman" panose="02020603050405020304" pitchFamily="18" charset="0"/>
+              </a:rPr>
+              <a:t>parametre</a:t>
+            </a:r>
+            <a:r>
+              <a:rPr lang="fr-FR" sz="1600" dirty="0">
+                <a:solidFill>
+                  <a:srgbClr val="242852">
+                    <a:lumMod val="60000"/>
+                    <a:lumOff val="40000"/>
+                  </a:srgbClr>
+                </a:solidFill>
+                <a:latin typeface="Arial Narrow" panose="020B0606020202030204" pitchFamily="34" charset="0"/>
+                <a:cs typeface="Times New Roman" panose="02020603050405020304" pitchFamily="18" charset="0"/>
+              </a:rPr>
+              <a:t> de type String « </a:t>
+            </a:r>
+            <a:r>
+              <a:rPr lang="fr-FR" sz="1600" dirty="0" err="1">
+                <a:solidFill>
+                  <a:srgbClr val="242852">
+                    <a:lumMod val="60000"/>
+                    <a:lumOff val="40000"/>
+                  </a:srgbClr>
+                </a:solidFill>
+                <a:latin typeface="Arial Narrow" panose="020B0606020202030204" pitchFamily="34" charset="0"/>
+                <a:cs typeface="Times New Roman" panose="02020603050405020304" pitchFamily="18" charset="0"/>
+              </a:rPr>
+              <a:t>cotisAJour</a:t>
+            </a:r>
+            <a:r>
+              <a:rPr lang="fr-FR" sz="1600" dirty="0">
+                <a:solidFill>
+                  <a:srgbClr val="242852">
+                    <a:lumMod val="60000"/>
+                    <a:lumOff val="40000"/>
+                  </a:srgbClr>
+                </a:solidFill>
+                <a:latin typeface="Arial Narrow" panose="020B0606020202030204" pitchFamily="34" charset="0"/>
+                <a:cs typeface="Times New Roman" panose="02020603050405020304" pitchFamily="18" charset="0"/>
+              </a:rPr>
+              <a:t> », « </a:t>
+            </a:r>
+            <a:r>
+              <a:rPr lang="fr-FR" sz="1600" dirty="0" err="1">
+                <a:solidFill>
+                  <a:srgbClr val="242852">
+                    <a:lumMod val="60000"/>
+                    <a:lumOff val="40000"/>
+                  </a:srgbClr>
+                </a:solidFill>
+                <a:latin typeface="Arial Narrow" panose="020B0606020202030204" pitchFamily="34" charset="0"/>
+                <a:cs typeface="Times New Roman" panose="02020603050405020304" pitchFamily="18" charset="0"/>
+              </a:rPr>
+              <a:t>cotisPasAJour</a:t>
+            </a:r>
+            <a:r>
+              <a:rPr lang="fr-FR" sz="1600">
+                <a:solidFill>
+                  <a:srgbClr val="242852">
+                    <a:lumMod val="60000"/>
+                    <a:lumOff val="40000"/>
+                  </a:srgbClr>
+                </a:solidFill>
+                <a:latin typeface="Arial Narrow" panose="020B0606020202030204" pitchFamily="34" charset="0"/>
+                <a:cs typeface="Times New Roman" panose="02020603050405020304" pitchFamily="18" charset="0"/>
+              </a:rPr>
+              <a:t> »</a:t>
+            </a:r>
+            <a:endParaRPr lang="fr-FR" sz="1600" dirty="0">
+              <a:solidFill>
+                <a:srgbClr val="242852">
+                  <a:lumMod val="60000"/>
+                  <a:lumOff val="40000"/>
+                </a:srgbClr>
+              </a:solidFill>
+              <a:latin typeface="Arial Narrow" panose="020B0606020202030204" pitchFamily="34" charset="0"/>
+              <a:cs typeface="Times New Roman" panose="02020603050405020304" pitchFamily="18" charset="0"/>
+            </a:endParaRPr>
           </a:p>
           <a:p>
             <a:pPr defTabSz="457200"/>
@@ -10299,7 +12365,3464 @@
     </p:spTree>
     <p:extLst>
       <p:ext uri="{BB962C8B-B14F-4D97-AF65-F5344CB8AC3E}">
+        <p14:creationId xmlns:p14="http://schemas.microsoft.com/office/powerpoint/2010/main" val="2968209760"/>
+      </p:ext>
+    </p:extLst>
+  </p:cSld>
+  <p:clrMapOvr>
+    <a:masterClrMapping/>
+  </p:clrMapOvr>
+</p:sld>
+</file>
+
+<file path=ppt/slides/slide15.xml><?xml version="1.0" encoding="utf-8"?>
+<p:sld xmlns:a="http://schemas.openxmlformats.org/drawingml/2006/main" xmlns:r="http://schemas.openxmlformats.org/officeDocument/2006/relationships" xmlns:p="http://schemas.openxmlformats.org/presentationml/2006/main">
+  <p:cSld>
+    <p:spTree>
+      <p:nvGrpSpPr>
+        <p:cNvPr id="1" name=""/>
+        <p:cNvGrpSpPr/>
+        <p:nvPr/>
+      </p:nvGrpSpPr>
+      <p:grpSpPr>
+        <a:xfrm>
+          <a:off x="0" y="0"/>
+          <a:ext cx="0" cy="0"/>
+          <a:chOff x="0" y="0"/>
+          <a:chExt cx="0" cy="0"/>
+        </a:xfrm>
+      </p:grpSpPr>
+      <p:sp>
+        <p:nvSpPr>
+          <p:cNvPr id="2" name="ZoneTexte 1">
+            <a:extLst>
+              <a:ext uri="{FF2B5EF4-FFF2-40B4-BE49-F238E27FC236}">
+                <a16:creationId xmlns:a16="http://schemas.microsoft.com/office/drawing/2014/main" id="{CF73B686-CEAA-4E22-B092-7D32A0BD53A1}"/>
+              </a:ext>
+            </a:extLst>
+          </p:cNvPr>
+          <p:cNvSpPr txBox="1"/>
+          <p:nvPr/>
+        </p:nvSpPr>
+        <p:spPr>
+          <a:xfrm>
+            <a:off x="764330" y="1072061"/>
+            <a:ext cx="7624661" cy="480131"/>
+          </a:xfrm>
+          <a:prstGeom prst="rect">
+            <a:avLst/>
+          </a:prstGeom>
+          <a:noFill/>
+        </p:spPr>
+        <p:txBody>
+          <a:bodyPr wrap="square">
+            <a:spAutoFit/>
+          </a:bodyPr>
+          <a:lstStyle/>
+          <a:p>
+            <a:pPr marL="0" marR="0" lvl="0" indent="0" algn="l" defTabSz="914400" rtl="0" eaLnBrk="1" fontAlgn="auto" latinLnBrk="0" hangingPunct="1">
+              <a:lnSpc>
+                <a:spcPct val="90000"/>
+              </a:lnSpc>
+              <a:spcBef>
+                <a:spcPts val="1000"/>
+              </a:spcBef>
+              <a:spcAft>
+                <a:spcPts val="0"/>
+              </a:spcAft>
+              <a:buClrTx/>
+              <a:buSzTx/>
+              <a:buFont typeface="Arial" panose="020B0604020202020204" pitchFamily="34" charset="0"/>
+              <a:buNone/>
+              <a:tabLst/>
+              <a:defRPr/>
+            </a:pPr>
+            <a:r>
+              <a:rPr kumimoji="0" lang="fr-FR" sz="2800" b="1" i="0" u="none" strike="noStrike" kern="1200" cap="none" spc="0" normalizeH="0" baseline="0" noProof="0" dirty="0">
+                <a:ln>
+                  <a:noFill/>
+                </a:ln>
+                <a:solidFill>
+                  <a:srgbClr val="242852">
+                    <a:lumMod val="60000"/>
+                    <a:lumOff val="40000"/>
+                  </a:srgbClr>
+                </a:solidFill>
+                <a:effectLst/>
+                <a:uLnTx/>
+                <a:uFillTx/>
+                <a:latin typeface="Arial Narrow" panose="020B0606020202030204" pitchFamily="34" charset="0"/>
+                <a:ea typeface="Calibri" panose="020F0502020204030204" pitchFamily="34" charset="0"/>
+                <a:cs typeface="Times New Roman" panose="02020603050405020304" pitchFamily="18" charset="0"/>
+              </a:rPr>
+              <a:t>Les océans : les </a:t>
+            </a:r>
+            <a:r>
+              <a:rPr kumimoji="0" lang="fr-FR" sz="2800" b="1" i="0" u="none" strike="noStrike" kern="1200" cap="none" spc="0" normalizeH="0" baseline="0" noProof="0" dirty="0" err="1">
+                <a:ln>
+                  <a:noFill/>
+                </a:ln>
+                <a:solidFill>
+                  <a:srgbClr val="242852">
+                    <a:lumMod val="60000"/>
+                    <a:lumOff val="40000"/>
+                  </a:srgbClr>
+                </a:solidFill>
+                <a:effectLst/>
+                <a:uLnTx/>
+                <a:uFillTx/>
+                <a:latin typeface="Arial Narrow" panose="020B0606020202030204" pitchFamily="34" charset="0"/>
+                <a:ea typeface="Calibri" panose="020F0502020204030204" pitchFamily="34" charset="0"/>
+                <a:cs typeface="Times New Roman" panose="02020603050405020304" pitchFamily="18" charset="0"/>
+              </a:rPr>
+              <a:t>ArrayList</a:t>
+            </a:r>
+            <a:endParaRPr kumimoji="0" lang="fr-FR" sz="2800" b="1" i="0" u="none" strike="noStrike" kern="1200" cap="none" spc="0" normalizeH="0" baseline="0" noProof="0" dirty="0">
+              <a:ln>
+                <a:noFill/>
+              </a:ln>
+              <a:solidFill>
+                <a:srgbClr val="242852">
+                  <a:lumMod val="60000"/>
+                  <a:lumOff val="40000"/>
+                </a:srgbClr>
+              </a:solidFill>
+              <a:effectLst/>
+              <a:uLnTx/>
+              <a:uFillTx/>
+              <a:latin typeface="Arial Narrow" panose="020B0606020202030204" pitchFamily="34" charset="0"/>
+              <a:ea typeface="Calibri" panose="020F0502020204030204" pitchFamily="34" charset="0"/>
+              <a:cs typeface="Times New Roman" panose="02020603050405020304" pitchFamily="18" charset="0"/>
+            </a:endParaRPr>
+          </a:p>
+        </p:txBody>
+      </p:sp>
+      <p:sp>
+        <p:nvSpPr>
+          <p:cNvPr id="3" name="ZoneTexte 2">
+            <a:extLst>
+              <a:ext uri="{FF2B5EF4-FFF2-40B4-BE49-F238E27FC236}">
+                <a16:creationId xmlns:a16="http://schemas.microsoft.com/office/drawing/2014/main" id="{BA6AFF15-FFFA-430D-A3EC-5D7AAD3931F0}"/>
+              </a:ext>
+            </a:extLst>
+          </p:cNvPr>
+          <p:cNvSpPr txBox="1"/>
+          <p:nvPr/>
+        </p:nvSpPr>
+        <p:spPr>
+          <a:xfrm>
+            <a:off x="771525" y="1976923"/>
+            <a:ext cx="6446960" cy="6494085"/>
+          </a:xfrm>
+          <a:prstGeom prst="rect">
+            <a:avLst/>
+          </a:prstGeom>
+          <a:noFill/>
+        </p:spPr>
+        <p:txBody>
+          <a:bodyPr wrap="square">
+            <a:spAutoFit/>
+          </a:bodyPr>
+          <a:lstStyle/>
+          <a:p>
+            <a:pPr marL="285750" indent="-285750" defTabSz="457200">
+              <a:buFont typeface="Arial" panose="020B0604020202020204" pitchFamily="34" charset="0"/>
+              <a:buChar char="•"/>
+            </a:pPr>
+            <a:r>
+              <a:rPr lang="fr-FR" sz="1600" dirty="0">
+                <a:solidFill>
+                  <a:srgbClr val="242852">
+                    <a:lumMod val="60000"/>
+                    <a:lumOff val="40000"/>
+                  </a:srgbClr>
+                </a:solidFill>
+                <a:latin typeface="Arial Narrow" panose="020B0606020202030204" pitchFamily="34" charset="0"/>
+                <a:cs typeface="Times New Roman" panose="02020603050405020304" pitchFamily="18" charset="0"/>
+              </a:rPr>
+              <a:t>Les bateaux ont la possibilité de s’</a:t>
+            </a:r>
+            <a:r>
+              <a:rPr lang="fr-FR" sz="1600" dirty="0" err="1">
+                <a:solidFill>
+                  <a:srgbClr val="242852">
+                    <a:lumMod val="60000"/>
+                    <a:lumOff val="40000"/>
+                  </a:srgbClr>
+                </a:solidFill>
+                <a:latin typeface="Arial Narrow" panose="020B0606020202030204" pitchFamily="34" charset="0"/>
+                <a:cs typeface="Times New Roman" panose="02020603050405020304" pitchFamily="18" charset="0"/>
+              </a:rPr>
+              <a:t>amarer</a:t>
+            </a:r>
+            <a:r>
+              <a:rPr lang="fr-FR" sz="1600" dirty="0">
+                <a:solidFill>
+                  <a:srgbClr val="242852">
+                    <a:lumMod val="60000"/>
+                    <a:lumOff val="40000"/>
+                  </a:srgbClr>
+                </a:solidFill>
+                <a:latin typeface="Arial Narrow" panose="020B0606020202030204" pitchFamily="34" charset="0"/>
+                <a:cs typeface="Times New Roman" panose="02020603050405020304" pitchFamily="18" charset="0"/>
+              </a:rPr>
+              <a:t> au port.</a:t>
+            </a:r>
+          </a:p>
+          <a:p>
+            <a:pPr defTabSz="457200"/>
+            <a:endParaRPr lang="fr-FR" sz="1600" dirty="0">
+              <a:solidFill>
+                <a:srgbClr val="242852">
+                  <a:lumMod val="60000"/>
+                  <a:lumOff val="40000"/>
+                </a:srgbClr>
+              </a:solidFill>
+              <a:latin typeface="Arial Narrow" panose="020B0606020202030204" pitchFamily="34" charset="0"/>
+              <a:cs typeface="Times New Roman" panose="02020603050405020304" pitchFamily="18" charset="0"/>
+            </a:endParaRPr>
+          </a:p>
+          <a:p>
+            <a:pPr marL="285750" indent="-285750" defTabSz="457200">
+              <a:buFont typeface="Arial" panose="020B0604020202020204" pitchFamily="34" charset="0"/>
+              <a:buChar char="•"/>
+            </a:pPr>
+            <a:r>
+              <a:rPr lang="fr-FR" sz="1600" dirty="0">
+                <a:solidFill>
+                  <a:srgbClr val="242852">
+                    <a:lumMod val="60000"/>
+                    <a:lumOff val="40000"/>
+                  </a:srgbClr>
+                </a:solidFill>
+                <a:latin typeface="Arial Narrow" panose="020B0606020202030204" pitchFamily="34" charset="0"/>
+                <a:cs typeface="Times New Roman" panose="02020603050405020304" pitchFamily="18" charset="0"/>
+              </a:rPr>
+              <a:t>Créer une classe Port avec un attribut </a:t>
+            </a:r>
+            <a:r>
+              <a:rPr lang="fr-FR" sz="1600" dirty="0" err="1">
+                <a:solidFill>
+                  <a:srgbClr val="242852">
+                    <a:lumMod val="60000"/>
+                    <a:lumOff val="40000"/>
+                  </a:srgbClr>
+                </a:solidFill>
+                <a:latin typeface="Arial Narrow" panose="020B0606020202030204" pitchFamily="34" charset="0"/>
+                <a:cs typeface="Times New Roman" panose="02020603050405020304" pitchFamily="18" charset="0"/>
+              </a:rPr>
+              <a:t>nbEmplacements</a:t>
+            </a:r>
+            <a:r>
+              <a:rPr lang="fr-FR" sz="1600" dirty="0">
+                <a:solidFill>
+                  <a:srgbClr val="242852">
+                    <a:lumMod val="60000"/>
+                    <a:lumOff val="40000"/>
+                  </a:srgbClr>
+                </a:solidFill>
+                <a:latin typeface="Arial Narrow" panose="020B0606020202030204" pitchFamily="34" charset="0"/>
+                <a:cs typeface="Times New Roman" panose="02020603050405020304" pitchFamily="18" charset="0"/>
+              </a:rPr>
+              <a:t> et un attribut ‘emplacements’ qui est un tableau de ‘Bateau’ pour matérialiser les emplacement des bateaux. Le nombre de places disponibles sera donc différent pour chaque port.</a:t>
+            </a:r>
+          </a:p>
+          <a:p>
+            <a:pPr marL="285750" indent="-285750" defTabSz="457200">
+              <a:buFont typeface="Arial" panose="020B0604020202020204" pitchFamily="34" charset="0"/>
+              <a:buChar char="•"/>
+            </a:pPr>
+            <a:endParaRPr lang="fr-FR" sz="1600" dirty="0">
+              <a:solidFill>
+                <a:srgbClr val="242852">
+                  <a:lumMod val="60000"/>
+                  <a:lumOff val="40000"/>
+                </a:srgbClr>
+              </a:solidFill>
+              <a:latin typeface="Arial Narrow" panose="020B0606020202030204" pitchFamily="34" charset="0"/>
+              <a:cs typeface="Times New Roman" panose="02020603050405020304" pitchFamily="18" charset="0"/>
+            </a:endParaRPr>
+          </a:p>
+          <a:p>
+            <a:pPr marL="285750" indent="-285750" defTabSz="457200">
+              <a:buFont typeface="Arial" panose="020B0604020202020204" pitchFamily="34" charset="0"/>
+              <a:buChar char="•"/>
+            </a:pPr>
+            <a:r>
+              <a:rPr lang="fr-FR" sz="1600" dirty="0">
+                <a:solidFill>
+                  <a:srgbClr val="242852">
+                    <a:lumMod val="60000"/>
+                    <a:lumOff val="40000"/>
+                  </a:srgbClr>
+                </a:solidFill>
+                <a:latin typeface="Arial Narrow" panose="020B0606020202030204" pitchFamily="34" charset="0"/>
+                <a:cs typeface="Times New Roman" panose="02020603050405020304" pitchFamily="18" charset="0"/>
+              </a:rPr>
+              <a:t>Instancier le port de Calais avec 5 places disponibles (créer ‘emplacements’  et l’affecter au port.</a:t>
+            </a:r>
+          </a:p>
+          <a:p>
+            <a:pPr defTabSz="457200"/>
+            <a:endParaRPr lang="fr-FR" sz="1600" dirty="0">
+              <a:solidFill>
+                <a:srgbClr val="242852">
+                  <a:lumMod val="60000"/>
+                  <a:lumOff val="40000"/>
+                </a:srgbClr>
+              </a:solidFill>
+              <a:latin typeface="Arial Narrow" panose="020B0606020202030204" pitchFamily="34" charset="0"/>
+              <a:cs typeface="Times New Roman" panose="02020603050405020304" pitchFamily="18" charset="0"/>
+            </a:endParaRPr>
+          </a:p>
+          <a:p>
+            <a:pPr marL="285750" indent="-285750" defTabSz="457200">
+              <a:buFont typeface="Arial" panose="020B0604020202020204" pitchFamily="34" charset="0"/>
+              <a:buChar char="•"/>
+            </a:pPr>
+            <a:r>
+              <a:rPr lang="fr-FR" sz="1600" dirty="0">
+                <a:solidFill>
+                  <a:srgbClr val="242852">
+                    <a:lumMod val="60000"/>
+                    <a:lumOff val="40000"/>
+                  </a:srgbClr>
+                </a:solidFill>
+                <a:latin typeface="Arial Narrow" panose="020B0606020202030204" pitchFamily="34" charset="0"/>
+                <a:cs typeface="Times New Roman" panose="02020603050405020304" pitchFamily="18" charset="0"/>
+              </a:rPr>
+              <a:t>Dans la classe Bateau, créez une méthode </a:t>
+            </a:r>
+            <a:r>
+              <a:rPr lang="fr-FR" sz="1600" dirty="0" err="1">
+                <a:solidFill>
+                  <a:srgbClr val="242852">
+                    <a:lumMod val="60000"/>
+                    <a:lumOff val="40000"/>
+                  </a:srgbClr>
+                </a:solidFill>
+                <a:latin typeface="Arial Narrow" panose="020B0606020202030204" pitchFamily="34" charset="0"/>
+                <a:cs typeface="Times New Roman" panose="02020603050405020304" pitchFamily="18" charset="0"/>
+              </a:rPr>
+              <a:t>rentrerAuPort</a:t>
+            </a:r>
+            <a:r>
+              <a:rPr lang="fr-FR" sz="1600" dirty="0">
+                <a:solidFill>
+                  <a:srgbClr val="242852">
+                    <a:lumMod val="60000"/>
+                    <a:lumOff val="40000"/>
+                  </a:srgbClr>
+                </a:solidFill>
+                <a:latin typeface="Arial Narrow" panose="020B0606020202030204" pitchFamily="34" charset="0"/>
+                <a:cs typeface="Times New Roman" panose="02020603050405020304" pitchFamily="18" charset="0"/>
+              </a:rPr>
+              <a:t>, qui prend en paramètre le port dans lequel le bateau veut rentrer et qui vérifie qu’il reste une place libre. Pour cela, ajouter une méthode </a:t>
+            </a:r>
+            <a:r>
+              <a:rPr lang="fr-FR" sz="1600" dirty="0" err="1">
+                <a:solidFill>
+                  <a:srgbClr val="242852">
+                    <a:lumMod val="60000"/>
+                    <a:lumOff val="40000"/>
+                  </a:srgbClr>
+                </a:solidFill>
+                <a:latin typeface="Arial Narrow" panose="020B0606020202030204" pitchFamily="34" charset="0"/>
+                <a:cs typeface="Times New Roman" panose="02020603050405020304" pitchFamily="18" charset="0"/>
+              </a:rPr>
+              <a:t>restePlaceDisponible</a:t>
+            </a:r>
+            <a:r>
+              <a:rPr lang="fr-FR" sz="1600" dirty="0">
+                <a:solidFill>
+                  <a:srgbClr val="242852">
+                    <a:lumMod val="60000"/>
+                    <a:lumOff val="40000"/>
+                  </a:srgbClr>
+                </a:solidFill>
+                <a:latin typeface="Arial Narrow" panose="020B0606020202030204" pitchFamily="34" charset="0"/>
+                <a:cs typeface="Times New Roman" panose="02020603050405020304" pitchFamily="18" charset="0"/>
+              </a:rPr>
+              <a:t> à Port qui renvoie un Booléen (un emplacement vide de tableau = </a:t>
+            </a:r>
+            <a:r>
+              <a:rPr lang="fr-FR" sz="1600" dirty="0" err="1">
+                <a:solidFill>
+                  <a:srgbClr val="242852">
+                    <a:lumMod val="60000"/>
+                    <a:lumOff val="40000"/>
+                  </a:srgbClr>
+                </a:solidFill>
+                <a:latin typeface="Arial Narrow" panose="020B0606020202030204" pitchFamily="34" charset="0"/>
+                <a:cs typeface="Times New Roman" panose="02020603050405020304" pitchFamily="18" charset="0"/>
+              </a:rPr>
+              <a:t>null</a:t>
+            </a:r>
+            <a:r>
+              <a:rPr lang="fr-FR" sz="1600" dirty="0">
+                <a:solidFill>
+                  <a:srgbClr val="242852">
+                    <a:lumMod val="60000"/>
+                    <a:lumOff val="40000"/>
+                  </a:srgbClr>
+                </a:solidFill>
+                <a:latin typeface="Arial Narrow" panose="020B0606020202030204" pitchFamily="34" charset="0"/>
+                <a:cs typeface="Times New Roman" panose="02020603050405020304" pitchFamily="18" charset="0"/>
+              </a:rPr>
+              <a:t>).</a:t>
+            </a:r>
+          </a:p>
+          <a:p>
+            <a:pPr marL="285750" indent="-285750" defTabSz="457200">
+              <a:buFont typeface="Arial" panose="020B0604020202020204" pitchFamily="34" charset="0"/>
+              <a:buChar char="•"/>
+            </a:pPr>
+            <a:endParaRPr lang="fr-FR" sz="1600" dirty="0">
+              <a:solidFill>
+                <a:srgbClr val="242852">
+                  <a:lumMod val="60000"/>
+                  <a:lumOff val="40000"/>
+                </a:srgbClr>
+              </a:solidFill>
+              <a:latin typeface="Arial Narrow" panose="020B0606020202030204" pitchFamily="34" charset="0"/>
+              <a:cs typeface="Times New Roman" panose="02020603050405020304" pitchFamily="18" charset="0"/>
+            </a:endParaRPr>
+          </a:p>
+          <a:p>
+            <a:pPr marL="285750" indent="-285750" defTabSz="457200">
+              <a:buFont typeface="Arial" panose="020B0604020202020204" pitchFamily="34" charset="0"/>
+              <a:buChar char="•"/>
+            </a:pPr>
+            <a:r>
+              <a:rPr lang="fr-FR" sz="1600" dirty="0">
+                <a:solidFill>
+                  <a:srgbClr val="242852">
+                    <a:lumMod val="60000"/>
+                    <a:lumOff val="40000"/>
+                  </a:srgbClr>
+                </a:solidFill>
+                <a:latin typeface="Arial Narrow" panose="020B0606020202030204" pitchFamily="34" charset="0"/>
+                <a:cs typeface="Times New Roman" panose="02020603050405020304" pitchFamily="18" charset="0"/>
+              </a:rPr>
+              <a:t>Si il ne reste plus de place disponible, écrivez « Il n’y a plus de place, je ne peux pas rentrer au port », sinon afficher « Je rentre au port ».</a:t>
+            </a:r>
+          </a:p>
+          <a:p>
+            <a:pPr marL="285750" indent="-285750" defTabSz="457200">
+              <a:buFont typeface="Arial" panose="020B0604020202020204" pitchFamily="34" charset="0"/>
+              <a:buChar char="•"/>
+            </a:pPr>
+            <a:endParaRPr lang="fr-FR" sz="1600" dirty="0">
+              <a:solidFill>
+                <a:srgbClr val="242852">
+                  <a:lumMod val="60000"/>
+                  <a:lumOff val="40000"/>
+                </a:srgbClr>
+              </a:solidFill>
+              <a:latin typeface="Arial Narrow" panose="020B0606020202030204" pitchFamily="34" charset="0"/>
+              <a:cs typeface="Times New Roman" panose="02020603050405020304" pitchFamily="18" charset="0"/>
+            </a:endParaRPr>
+          </a:p>
+          <a:p>
+            <a:pPr defTabSz="457200"/>
+            <a:endParaRPr lang="fr-FR" sz="1600" dirty="0">
+              <a:solidFill>
+                <a:srgbClr val="242852">
+                  <a:lumMod val="60000"/>
+                  <a:lumOff val="40000"/>
+                </a:srgbClr>
+              </a:solidFill>
+              <a:latin typeface="Arial Narrow" panose="020B0606020202030204" pitchFamily="34" charset="0"/>
+              <a:cs typeface="Times New Roman" panose="02020603050405020304" pitchFamily="18" charset="0"/>
+            </a:endParaRPr>
+          </a:p>
+          <a:p>
+            <a:pPr marL="285750" indent="-285750" defTabSz="457200">
+              <a:buFont typeface="Arial" panose="020B0604020202020204" pitchFamily="34" charset="0"/>
+              <a:buChar char="•"/>
+            </a:pPr>
+            <a:endParaRPr lang="fr-FR" sz="1600" dirty="0">
+              <a:solidFill>
+                <a:srgbClr val="242852">
+                  <a:lumMod val="60000"/>
+                  <a:lumOff val="40000"/>
+                </a:srgbClr>
+              </a:solidFill>
+              <a:latin typeface="Arial Narrow" panose="020B0606020202030204" pitchFamily="34" charset="0"/>
+              <a:cs typeface="Times New Roman" panose="02020603050405020304" pitchFamily="18" charset="0"/>
+            </a:endParaRPr>
+          </a:p>
+          <a:p>
+            <a:pPr marL="285750" indent="-285750" defTabSz="457200">
+              <a:buFont typeface="Arial" panose="020B0604020202020204" pitchFamily="34" charset="0"/>
+              <a:buChar char="•"/>
+            </a:pPr>
+            <a:endParaRPr lang="fr-FR" sz="1600" dirty="0">
+              <a:solidFill>
+                <a:srgbClr val="242852">
+                  <a:lumMod val="60000"/>
+                  <a:lumOff val="40000"/>
+                </a:srgbClr>
+              </a:solidFill>
+              <a:latin typeface="Arial Narrow" panose="020B0606020202030204" pitchFamily="34" charset="0"/>
+              <a:cs typeface="Times New Roman" panose="02020603050405020304" pitchFamily="18" charset="0"/>
+            </a:endParaRPr>
+          </a:p>
+          <a:p>
+            <a:pPr marL="285750" indent="-285750" defTabSz="457200">
+              <a:buFont typeface="Arial" panose="020B0604020202020204" pitchFamily="34" charset="0"/>
+              <a:buChar char="•"/>
+            </a:pPr>
+            <a:endParaRPr lang="fr-FR" sz="1600" dirty="0">
+              <a:solidFill>
+                <a:srgbClr val="242852">
+                  <a:lumMod val="60000"/>
+                  <a:lumOff val="40000"/>
+                </a:srgbClr>
+              </a:solidFill>
+              <a:latin typeface="Arial Narrow" panose="020B0606020202030204" pitchFamily="34" charset="0"/>
+              <a:cs typeface="Times New Roman" panose="02020603050405020304" pitchFamily="18" charset="0"/>
+            </a:endParaRPr>
+          </a:p>
+          <a:p>
+            <a:pPr marL="285750" indent="-285750" defTabSz="457200">
+              <a:buFont typeface="Arial" panose="020B0604020202020204" pitchFamily="34" charset="0"/>
+              <a:buChar char="•"/>
+            </a:pPr>
+            <a:endParaRPr lang="fr-FR" sz="1600" dirty="0">
+              <a:solidFill>
+                <a:srgbClr val="242852">
+                  <a:lumMod val="60000"/>
+                  <a:lumOff val="40000"/>
+                </a:srgbClr>
+              </a:solidFill>
+              <a:latin typeface="Arial Narrow" panose="020B0606020202030204" pitchFamily="34" charset="0"/>
+              <a:cs typeface="Times New Roman" panose="02020603050405020304" pitchFamily="18" charset="0"/>
+            </a:endParaRPr>
+          </a:p>
+          <a:p>
+            <a:pPr lvl="1" defTabSz="457200"/>
+            <a:endParaRPr kumimoji="0" lang="fr-FR" sz="1600" i="0" u="none" strike="noStrike" kern="1200" cap="none" spc="0" normalizeH="0" baseline="0" noProof="0" dirty="0">
+              <a:ln>
+                <a:noFill/>
+              </a:ln>
+              <a:solidFill>
+                <a:srgbClr val="242852">
+                  <a:lumMod val="60000"/>
+                  <a:lumOff val="40000"/>
+                </a:srgbClr>
+              </a:solidFill>
+              <a:effectLst/>
+              <a:uLnTx/>
+              <a:uFillTx/>
+              <a:latin typeface="Arial Narrow" panose="020B0606020202030204" pitchFamily="34" charset="0"/>
+              <a:ea typeface="+mn-ea"/>
+              <a:cs typeface="Times New Roman" panose="02020603050405020304" pitchFamily="18" charset="0"/>
+            </a:endParaRPr>
+          </a:p>
+          <a:p>
+            <a:pPr lvl="1" defTabSz="457200"/>
+            <a:endParaRPr kumimoji="0" lang="fr-FR" sz="1600" i="0" u="none" strike="noStrike" kern="1200" cap="none" spc="0" normalizeH="0" baseline="0" noProof="0" dirty="0">
+              <a:ln>
+                <a:noFill/>
+              </a:ln>
+              <a:solidFill>
+                <a:srgbClr val="242852">
+                  <a:lumMod val="60000"/>
+                  <a:lumOff val="40000"/>
+                </a:srgbClr>
+              </a:solidFill>
+              <a:effectLst/>
+              <a:uLnTx/>
+              <a:uFillTx/>
+              <a:latin typeface="Arial Narrow" panose="020B0606020202030204" pitchFamily="34" charset="0"/>
+              <a:ea typeface="+mn-ea"/>
+              <a:cs typeface="Times New Roman" panose="02020603050405020304" pitchFamily="18" charset="0"/>
+            </a:endParaRPr>
+          </a:p>
+        </p:txBody>
+      </p:sp>
+    </p:spTree>
+    <p:extLst>
+      <p:ext uri="{BB962C8B-B14F-4D97-AF65-F5344CB8AC3E}">
+        <p14:creationId xmlns:p14="http://schemas.microsoft.com/office/powerpoint/2010/main" val="1538425926"/>
+      </p:ext>
+    </p:extLst>
+  </p:cSld>
+  <p:clrMapOvr>
+    <a:masterClrMapping/>
+  </p:clrMapOvr>
+</p:sld>
+</file>
+
+<file path=ppt/slides/slide16.xml><?xml version="1.0" encoding="utf-8"?>
+<p:sld xmlns:a="http://schemas.openxmlformats.org/drawingml/2006/main" xmlns:r="http://schemas.openxmlformats.org/officeDocument/2006/relationships" xmlns:p="http://schemas.openxmlformats.org/presentationml/2006/main">
+  <p:cSld>
+    <p:spTree>
+      <p:nvGrpSpPr>
+        <p:cNvPr id="1" name=""/>
+        <p:cNvGrpSpPr/>
+        <p:nvPr/>
+      </p:nvGrpSpPr>
+      <p:grpSpPr>
+        <a:xfrm>
+          <a:off x="0" y="0"/>
+          <a:ext cx="0" cy="0"/>
+          <a:chOff x="0" y="0"/>
+          <a:chExt cx="0" cy="0"/>
+        </a:xfrm>
+      </p:grpSpPr>
+      <p:sp>
+        <p:nvSpPr>
+          <p:cNvPr id="2" name="ZoneTexte 1">
+            <a:extLst>
+              <a:ext uri="{FF2B5EF4-FFF2-40B4-BE49-F238E27FC236}">
+                <a16:creationId xmlns:a16="http://schemas.microsoft.com/office/drawing/2014/main" id="{CF73B686-CEAA-4E22-B092-7D32A0BD53A1}"/>
+              </a:ext>
+            </a:extLst>
+          </p:cNvPr>
+          <p:cNvSpPr txBox="1"/>
+          <p:nvPr/>
+        </p:nvSpPr>
+        <p:spPr>
+          <a:xfrm>
+            <a:off x="764330" y="1072061"/>
+            <a:ext cx="7624661" cy="480131"/>
+          </a:xfrm>
+          <a:prstGeom prst="rect">
+            <a:avLst/>
+          </a:prstGeom>
+          <a:noFill/>
+        </p:spPr>
+        <p:txBody>
+          <a:bodyPr wrap="square">
+            <a:spAutoFit/>
+          </a:bodyPr>
+          <a:lstStyle/>
+          <a:p>
+            <a:pPr marL="0" marR="0" lvl="0" indent="0" algn="l" defTabSz="914400" rtl="0" eaLnBrk="1" fontAlgn="auto" latinLnBrk="0" hangingPunct="1">
+              <a:lnSpc>
+                <a:spcPct val="90000"/>
+              </a:lnSpc>
+              <a:spcBef>
+                <a:spcPts val="1000"/>
+              </a:spcBef>
+              <a:spcAft>
+                <a:spcPts val="0"/>
+              </a:spcAft>
+              <a:buClrTx/>
+              <a:buSzTx/>
+              <a:buFont typeface="Arial" panose="020B0604020202020204" pitchFamily="34" charset="0"/>
+              <a:buNone/>
+              <a:tabLst/>
+              <a:defRPr/>
+            </a:pPr>
+            <a:r>
+              <a:rPr kumimoji="0" lang="fr-FR" sz="2800" b="1" i="0" u="none" strike="noStrike" kern="1200" cap="none" spc="0" normalizeH="0" baseline="0" noProof="0" dirty="0">
+                <a:ln>
+                  <a:noFill/>
+                </a:ln>
+                <a:solidFill>
+                  <a:srgbClr val="242852">
+                    <a:lumMod val="60000"/>
+                    <a:lumOff val="40000"/>
+                  </a:srgbClr>
+                </a:solidFill>
+                <a:effectLst/>
+                <a:uLnTx/>
+                <a:uFillTx/>
+                <a:latin typeface="Arial Narrow" panose="020B0606020202030204" pitchFamily="34" charset="0"/>
+                <a:ea typeface="Calibri" panose="020F0502020204030204" pitchFamily="34" charset="0"/>
+                <a:cs typeface="Times New Roman" panose="02020603050405020304" pitchFamily="18" charset="0"/>
+              </a:rPr>
+              <a:t>Les océans : Surcharge de méthode</a:t>
+            </a:r>
+          </a:p>
+        </p:txBody>
+      </p:sp>
+      <p:sp>
+        <p:nvSpPr>
+          <p:cNvPr id="3" name="ZoneTexte 2">
+            <a:extLst>
+              <a:ext uri="{FF2B5EF4-FFF2-40B4-BE49-F238E27FC236}">
+                <a16:creationId xmlns:a16="http://schemas.microsoft.com/office/drawing/2014/main" id="{BA6AFF15-FFFA-430D-A3EC-5D7AAD3931F0}"/>
+              </a:ext>
+            </a:extLst>
+          </p:cNvPr>
+          <p:cNvSpPr txBox="1"/>
+          <p:nvPr/>
+        </p:nvSpPr>
+        <p:spPr>
+          <a:xfrm>
+            <a:off x="771525" y="1976923"/>
+            <a:ext cx="6446960" cy="1323439"/>
+          </a:xfrm>
+          <a:prstGeom prst="rect">
+            <a:avLst/>
+          </a:prstGeom>
+          <a:noFill/>
+        </p:spPr>
+        <p:txBody>
+          <a:bodyPr wrap="square">
+            <a:spAutoFit/>
+          </a:bodyPr>
+          <a:lstStyle/>
+          <a:p>
+            <a:pPr defTabSz="457200"/>
+            <a:r>
+              <a:rPr lang="fr-FR" sz="1600" dirty="0">
+                <a:solidFill>
+                  <a:srgbClr val="242852">
+                    <a:lumMod val="60000"/>
+                    <a:lumOff val="40000"/>
+                  </a:srgbClr>
+                </a:solidFill>
+                <a:latin typeface="Arial Narrow" panose="020B0606020202030204" pitchFamily="34" charset="0"/>
+                <a:cs typeface="Times New Roman" panose="02020603050405020304" pitchFamily="18" charset="0"/>
+              </a:rPr>
+              <a:t>Exercice 1 </a:t>
+            </a:r>
+          </a:p>
+          <a:p>
+            <a:pPr defTabSz="457200"/>
+            <a:r>
+              <a:rPr lang="fr-FR" sz="1600" dirty="0">
+                <a:solidFill>
+                  <a:srgbClr val="242852">
+                    <a:lumMod val="60000"/>
+                    <a:lumOff val="40000"/>
+                  </a:srgbClr>
+                </a:solidFill>
+                <a:latin typeface="Arial Narrow" panose="020B0606020202030204" pitchFamily="34" charset="0"/>
+                <a:cs typeface="Times New Roman" panose="02020603050405020304" pitchFamily="18" charset="0"/>
+              </a:rPr>
+              <a:t>Dans le projet Océan, surcharger la méthode démarrer de la classe Moteur  pour qu'elle puisse prendre un argument de type </a:t>
+            </a:r>
+            <a:r>
+              <a:rPr lang="fr-FR" sz="1600" dirty="0" err="1">
+                <a:solidFill>
+                  <a:srgbClr val="242852">
+                    <a:lumMod val="60000"/>
+                    <a:lumOff val="40000"/>
+                  </a:srgbClr>
+                </a:solidFill>
+                <a:latin typeface="Arial Narrow" panose="020B0606020202030204" pitchFamily="34" charset="0"/>
+                <a:cs typeface="Times New Roman" panose="02020603050405020304" pitchFamily="18" charset="0"/>
+              </a:rPr>
+              <a:t>int</a:t>
+            </a:r>
+            <a:r>
+              <a:rPr lang="fr-FR" sz="1600" dirty="0">
+                <a:solidFill>
+                  <a:srgbClr val="242852">
+                    <a:lumMod val="60000"/>
+                    <a:lumOff val="40000"/>
+                  </a:srgbClr>
+                </a:solidFill>
+                <a:latin typeface="Arial Narrow" panose="020B0606020202030204" pitchFamily="34" charset="0"/>
+                <a:cs typeface="Times New Roman" panose="02020603050405020304" pitchFamily="18" charset="0"/>
+              </a:rPr>
+              <a:t> représentant la durée pendant laquelle le moteur doit tourner. Cette méthode retournera le message « Mon moteur tourne depuis &lt;duree&gt; minutes, ça chauffe »</a:t>
+            </a:r>
+            <a:endParaRPr kumimoji="0" lang="fr-FR" sz="1600" i="0" u="none" strike="noStrike" kern="1200" cap="none" spc="0" normalizeH="0" baseline="0" noProof="0" dirty="0">
+              <a:ln>
+                <a:noFill/>
+              </a:ln>
+              <a:solidFill>
+                <a:srgbClr val="242852">
+                  <a:lumMod val="60000"/>
+                  <a:lumOff val="40000"/>
+                </a:srgbClr>
+              </a:solidFill>
+              <a:effectLst/>
+              <a:uLnTx/>
+              <a:uFillTx/>
+              <a:latin typeface="Arial Narrow" panose="020B0606020202030204" pitchFamily="34" charset="0"/>
+              <a:ea typeface="+mn-ea"/>
+              <a:cs typeface="Times New Roman" panose="02020603050405020304" pitchFamily="18" charset="0"/>
+            </a:endParaRPr>
+          </a:p>
+        </p:txBody>
+      </p:sp>
+      <p:sp>
+        <p:nvSpPr>
+          <p:cNvPr id="5" name="ZoneTexte 4">
+            <a:extLst>
+              <a:ext uri="{FF2B5EF4-FFF2-40B4-BE49-F238E27FC236}">
+                <a16:creationId xmlns:a16="http://schemas.microsoft.com/office/drawing/2014/main" id="{0443B839-D9E1-4088-AE4C-FEA8594D89CC}"/>
+              </a:ext>
+            </a:extLst>
+          </p:cNvPr>
+          <p:cNvSpPr txBox="1"/>
+          <p:nvPr/>
+        </p:nvSpPr>
+        <p:spPr>
+          <a:xfrm>
+            <a:off x="771525" y="3647975"/>
+            <a:ext cx="7624660" cy="1477328"/>
+          </a:xfrm>
+          <a:prstGeom prst="rect">
+            <a:avLst/>
+          </a:prstGeom>
+          <a:noFill/>
+        </p:spPr>
+        <p:txBody>
+          <a:bodyPr wrap="square" rtlCol="0">
+            <a:spAutoFit/>
+          </a:bodyPr>
+          <a:lstStyle/>
+          <a:p>
+            <a:pPr defTabSz="457200"/>
+            <a:r>
+              <a:rPr lang="fr-FR" sz="1800" dirty="0">
+                <a:solidFill>
+                  <a:srgbClr val="242852">
+                    <a:lumMod val="60000"/>
+                    <a:lumOff val="40000"/>
+                  </a:srgbClr>
+                </a:solidFill>
+                <a:latin typeface="Arial Narrow" panose="020B0606020202030204" pitchFamily="34" charset="0"/>
+                <a:cs typeface="Times New Roman" panose="02020603050405020304" pitchFamily="18" charset="0"/>
+              </a:rPr>
+              <a:t>Exercice 2</a:t>
+            </a:r>
+          </a:p>
+          <a:p>
+            <a:pPr defTabSz="457200"/>
+            <a:r>
+              <a:rPr lang="fr-FR" sz="1800" dirty="0">
+                <a:solidFill>
+                  <a:srgbClr val="242852">
+                    <a:lumMod val="60000"/>
+                    <a:lumOff val="40000"/>
+                  </a:srgbClr>
+                </a:solidFill>
+                <a:latin typeface="Arial Narrow" panose="020B0606020202030204" pitchFamily="34" charset="0"/>
+                <a:cs typeface="Times New Roman" panose="02020603050405020304" pitchFamily="18" charset="0"/>
+              </a:rPr>
+              <a:t> Créer une classe </a:t>
+            </a:r>
+            <a:r>
+              <a:rPr lang="fr-FR" sz="1800" dirty="0" err="1">
+                <a:solidFill>
+                  <a:srgbClr val="242852">
+                    <a:lumMod val="60000"/>
+                    <a:lumOff val="40000"/>
+                  </a:srgbClr>
+                </a:solidFill>
+                <a:latin typeface="Arial Narrow" panose="020B0606020202030204" pitchFamily="34" charset="0"/>
+                <a:cs typeface="Times New Roman" panose="02020603050405020304" pitchFamily="18" charset="0"/>
+              </a:rPr>
+              <a:t>adress</a:t>
+            </a:r>
+            <a:r>
+              <a:rPr lang="fr-FR" sz="1800" dirty="0">
+                <a:solidFill>
+                  <a:srgbClr val="242852">
+                    <a:lumMod val="60000"/>
+                    <a:lumOff val="40000"/>
+                  </a:srgbClr>
+                </a:solidFill>
+                <a:latin typeface="Arial Narrow" panose="020B0606020202030204" pitchFamily="34" charset="0"/>
+                <a:cs typeface="Times New Roman" panose="02020603050405020304" pitchFamily="18" charset="0"/>
+              </a:rPr>
+              <a:t> avec les propriétés numéro, rue, </a:t>
+            </a:r>
+            <a:r>
+              <a:rPr lang="fr-FR" sz="1800" dirty="0" err="1">
+                <a:solidFill>
+                  <a:srgbClr val="242852">
+                    <a:lumMod val="60000"/>
+                    <a:lumOff val="40000"/>
+                  </a:srgbClr>
+                </a:solidFill>
+                <a:latin typeface="Arial Narrow" panose="020B0606020202030204" pitchFamily="34" charset="0"/>
+                <a:cs typeface="Times New Roman" panose="02020603050405020304" pitchFamily="18" charset="0"/>
+              </a:rPr>
+              <a:t>cp</a:t>
+            </a:r>
+            <a:r>
+              <a:rPr lang="fr-FR" sz="1800" dirty="0">
+                <a:solidFill>
+                  <a:srgbClr val="242852">
+                    <a:lumMod val="60000"/>
+                    <a:lumOff val="40000"/>
+                  </a:srgbClr>
+                </a:solidFill>
+                <a:latin typeface="Arial Narrow" panose="020B0606020202030204" pitchFamily="34" charset="0"/>
+                <a:cs typeface="Times New Roman" panose="02020603050405020304" pitchFamily="18" charset="0"/>
+              </a:rPr>
+              <a:t> et ville. ajouter à la classe Person une propriété de type </a:t>
+            </a:r>
+            <a:r>
+              <a:rPr lang="fr-FR" sz="1800" dirty="0" err="1">
+                <a:solidFill>
+                  <a:srgbClr val="242852">
+                    <a:lumMod val="60000"/>
+                    <a:lumOff val="40000"/>
+                  </a:srgbClr>
+                </a:solidFill>
+                <a:latin typeface="Arial Narrow" panose="020B0606020202030204" pitchFamily="34" charset="0"/>
+                <a:cs typeface="Times New Roman" panose="02020603050405020304" pitchFamily="18" charset="0"/>
+              </a:rPr>
+              <a:t>Adress</a:t>
+            </a:r>
+            <a:r>
+              <a:rPr lang="fr-FR" sz="1800" dirty="0">
+                <a:solidFill>
+                  <a:srgbClr val="242852">
+                    <a:lumMod val="60000"/>
+                    <a:lumOff val="40000"/>
+                  </a:srgbClr>
+                </a:solidFill>
+                <a:latin typeface="Arial Narrow" panose="020B0606020202030204" pitchFamily="34" charset="0"/>
+                <a:cs typeface="Times New Roman" panose="02020603050405020304" pitchFamily="18" charset="0"/>
+              </a:rPr>
+              <a:t>. Dans la classe main, instancier un objet de type Adresse et affecter ses propriétés. Affecter cette adresse à </a:t>
+            </a:r>
+            <a:r>
+              <a:rPr lang="fr-FR" sz="1800" dirty="0" err="1">
+                <a:solidFill>
+                  <a:srgbClr val="242852">
+                    <a:lumMod val="60000"/>
+                    <a:lumOff val="40000"/>
+                  </a:srgbClr>
+                </a:solidFill>
+                <a:latin typeface="Arial Narrow" panose="020B0606020202030204" pitchFamily="34" charset="0"/>
+                <a:cs typeface="Times New Roman" panose="02020603050405020304" pitchFamily="18" charset="0"/>
+              </a:rPr>
+              <a:t>clientDurand</a:t>
+            </a:r>
+            <a:r>
+              <a:rPr lang="fr-FR" sz="1800" dirty="0">
+                <a:solidFill>
+                  <a:srgbClr val="242852">
+                    <a:lumMod val="60000"/>
+                    <a:lumOff val="40000"/>
+                  </a:srgbClr>
+                </a:solidFill>
+                <a:latin typeface="Arial Narrow" panose="020B0606020202030204" pitchFamily="34" charset="0"/>
+                <a:cs typeface="Times New Roman" panose="02020603050405020304" pitchFamily="18" charset="0"/>
+              </a:rPr>
+              <a:t> et afficher toutes la propriétés de </a:t>
+            </a:r>
+            <a:r>
+              <a:rPr lang="fr-FR" sz="1800" dirty="0" err="1">
+                <a:solidFill>
+                  <a:srgbClr val="242852">
+                    <a:lumMod val="60000"/>
+                    <a:lumOff val="40000"/>
+                  </a:srgbClr>
+                </a:solidFill>
+                <a:latin typeface="Arial Narrow" panose="020B0606020202030204" pitchFamily="34" charset="0"/>
+                <a:cs typeface="Times New Roman" panose="02020603050405020304" pitchFamily="18" charset="0"/>
+              </a:rPr>
+              <a:t>clientDurand</a:t>
+            </a:r>
+            <a:r>
+              <a:rPr lang="fr-FR" sz="1800" dirty="0">
+                <a:solidFill>
+                  <a:srgbClr val="242852">
+                    <a:lumMod val="60000"/>
+                    <a:lumOff val="40000"/>
+                  </a:srgbClr>
+                </a:solidFill>
+                <a:latin typeface="Arial Narrow" panose="020B0606020202030204" pitchFamily="34" charset="0"/>
+                <a:cs typeface="Times New Roman" panose="02020603050405020304" pitchFamily="18" charset="0"/>
+              </a:rPr>
+              <a:t>.</a:t>
+            </a:r>
+          </a:p>
+        </p:txBody>
+      </p:sp>
+    </p:spTree>
+    <p:extLst>
+      <p:ext uri="{BB962C8B-B14F-4D97-AF65-F5344CB8AC3E}">
+        <p14:creationId xmlns:p14="http://schemas.microsoft.com/office/powerpoint/2010/main" val="3062057914"/>
+      </p:ext>
+    </p:extLst>
+  </p:cSld>
+  <p:clrMapOvr>
+    <a:masterClrMapping/>
+  </p:clrMapOvr>
+</p:sld>
+</file>
+
+<file path=ppt/slides/slide17.xml><?xml version="1.0" encoding="utf-8"?>
+<p:sld xmlns:a="http://schemas.openxmlformats.org/drawingml/2006/main" xmlns:r="http://schemas.openxmlformats.org/officeDocument/2006/relationships" xmlns:p="http://schemas.openxmlformats.org/presentationml/2006/main">
+  <p:cSld>
+    <p:spTree>
+      <p:nvGrpSpPr>
+        <p:cNvPr id="1" name=""/>
+        <p:cNvGrpSpPr/>
+        <p:nvPr/>
+      </p:nvGrpSpPr>
+      <p:grpSpPr>
+        <a:xfrm>
+          <a:off x="0" y="0"/>
+          <a:ext cx="0" cy="0"/>
+          <a:chOff x="0" y="0"/>
+          <a:chExt cx="0" cy="0"/>
+        </a:xfrm>
+      </p:grpSpPr>
+      <p:sp>
+        <p:nvSpPr>
+          <p:cNvPr id="2" name="ZoneTexte 1">
+            <a:extLst>
+              <a:ext uri="{FF2B5EF4-FFF2-40B4-BE49-F238E27FC236}">
+                <a16:creationId xmlns:a16="http://schemas.microsoft.com/office/drawing/2014/main" id="{CF73B686-CEAA-4E22-B092-7D32A0BD53A1}"/>
+              </a:ext>
+            </a:extLst>
+          </p:cNvPr>
+          <p:cNvSpPr txBox="1"/>
+          <p:nvPr/>
+        </p:nvSpPr>
+        <p:spPr>
+          <a:xfrm>
+            <a:off x="764330" y="1072061"/>
+            <a:ext cx="7624661" cy="480131"/>
+          </a:xfrm>
+          <a:prstGeom prst="rect">
+            <a:avLst/>
+          </a:prstGeom>
+          <a:noFill/>
+        </p:spPr>
+        <p:txBody>
+          <a:bodyPr wrap="square">
+            <a:spAutoFit/>
+          </a:bodyPr>
+          <a:lstStyle/>
+          <a:p>
+            <a:pPr marL="0" marR="0" lvl="0" indent="0" algn="l" defTabSz="914400" rtl="0" eaLnBrk="1" fontAlgn="auto" latinLnBrk="0" hangingPunct="1">
+              <a:lnSpc>
+                <a:spcPct val="90000"/>
+              </a:lnSpc>
+              <a:spcBef>
+                <a:spcPts val="1000"/>
+              </a:spcBef>
+              <a:spcAft>
+                <a:spcPts val="0"/>
+              </a:spcAft>
+              <a:buClrTx/>
+              <a:buSzTx/>
+              <a:buFont typeface="Arial" panose="020B0604020202020204" pitchFamily="34" charset="0"/>
+              <a:buNone/>
+              <a:tabLst/>
+              <a:defRPr/>
+            </a:pPr>
+            <a:r>
+              <a:rPr kumimoji="0" lang="fr-FR" sz="2800" b="1" i="0" u="none" strike="noStrike" kern="1200" cap="none" spc="0" normalizeH="0" baseline="0" noProof="0" dirty="0">
+                <a:ln>
+                  <a:noFill/>
+                </a:ln>
+                <a:solidFill>
+                  <a:srgbClr val="242852">
+                    <a:lumMod val="60000"/>
+                    <a:lumOff val="40000"/>
+                  </a:srgbClr>
+                </a:solidFill>
+                <a:effectLst/>
+                <a:uLnTx/>
+                <a:uFillTx/>
+                <a:latin typeface="Arial Narrow" panose="020B0606020202030204" pitchFamily="34" charset="0"/>
+                <a:ea typeface="Calibri" panose="020F0502020204030204" pitchFamily="34" charset="0"/>
+                <a:cs typeface="Times New Roman" panose="02020603050405020304" pitchFamily="18" charset="0"/>
+              </a:rPr>
+              <a:t>Les océans : les méthodes et les paramètres Objet</a:t>
+            </a:r>
+          </a:p>
+        </p:txBody>
+      </p:sp>
+      <p:sp>
+        <p:nvSpPr>
+          <p:cNvPr id="3" name="ZoneTexte 2">
+            <a:extLst>
+              <a:ext uri="{FF2B5EF4-FFF2-40B4-BE49-F238E27FC236}">
+                <a16:creationId xmlns:a16="http://schemas.microsoft.com/office/drawing/2014/main" id="{BA6AFF15-FFFA-430D-A3EC-5D7AAD3931F0}"/>
+              </a:ext>
+            </a:extLst>
+          </p:cNvPr>
+          <p:cNvSpPr txBox="1"/>
+          <p:nvPr/>
+        </p:nvSpPr>
+        <p:spPr>
+          <a:xfrm>
+            <a:off x="771525" y="1976923"/>
+            <a:ext cx="6446960" cy="3046988"/>
+          </a:xfrm>
+          <a:prstGeom prst="rect">
+            <a:avLst/>
+          </a:prstGeom>
+          <a:noFill/>
+        </p:spPr>
+        <p:txBody>
+          <a:bodyPr wrap="square">
+            <a:spAutoFit/>
+          </a:bodyPr>
+          <a:lstStyle/>
+          <a:p>
+            <a:pPr marL="285750" indent="-285750" defTabSz="457200">
+              <a:buFont typeface="Arial" panose="020B0604020202020204" pitchFamily="34" charset="0"/>
+              <a:buChar char="•"/>
+            </a:pPr>
+            <a:r>
+              <a:rPr lang="fr-FR" sz="1600" dirty="0">
+                <a:solidFill>
+                  <a:srgbClr val="242852">
+                    <a:lumMod val="60000"/>
+                    <a:lumOff val="40000"/>
+                  </a:srgbClr>
+                </a:solidFill>
+                <a:latin typeface="Arial Narrow" panose="020B0606020202030204" pitchFamily="34" charset="0"/>
+                <a:cs typeface="Times New Roman" panose="02020603050405020304" pitchFamily="18" charset="0"/>
+              </a:rPr>
+              <a:t>Dans la classe Bateau, ajouter une méthode transporter qui prend en paramètre un passager (Person) et une ville de départ. (créer la classe Ville)</a:t>
+            </a:r>
+          </a:p>
+          <a:p>
+            <a:pPr marL="285750" indent="-285750" defTabSz="457200">
+              <a:buFont typeface="Arial" panose="020B0604020202020204" pitchFamily="34" charset="0"/>
+              <a:buChar char="•"/>
+            </a:pPr>
+            <a:endParaRPr lang="fr-FR" sz="1600" dirty="0">
+              <a:solidFill>
+                <a:srgbClr val="242852">
+                  <a:lumMod val="60000"/>
+                  <a:lumOff val="40000"/>
+                </a:srgbClr>
+              </a:solidFill>
+              <a:latin typeface="Arial Narrow" panose="020B0606020202030204" pitchFamily="34" charset="0"/>
+              <a:cs typeface="Times New Roman" panose="02020603050405020304" pitchFamily="18" charset="0"/>
+            </a:endParaRPr>
+          </a:p>
+          <a:p>
+            <a:pPr marL="285750" indent="-285750" defTabSz="457200">
+              <a:buFont typeface="Arial" panose="020B0604020202020204" pitchFamily="34" charset="0"/>
+              <a:buChar char="•"/>
+            </a:pPr>
+            <a:r>
+              <a:rPr lang="fr-FR" sz="1600" dirty="0">
+                <a:solidFill>
+                  <a:srgbClr val="242852">
+                    <a:lumMod val="60000"/>
+                    <a:lumOff val="40000"/>
+                  </a:srgbClr>
+                </a:solidFill>
+                <a:latin typeface="Arial Narrow" panose="020B0606020202030204" pitchFamily="34" charset="0"/>
+                <a:cs typeface="Times New Roman" panose="02020603050405020304" pitchFamily="18" charset="0"/>
+              </a:rPr>
+              <a:t>Cette méthode retourne le nom du capitaine du bateau (Person)</a:t>
+            </a:r>
+          </a:p>
+          <a:p>
+            <a:pPr defTabSz="457200"/>
+            <a:endParaRPr lang="fr-FR" sz="1600" dirty="0">
+              <a:solidFill>
+                <a:srgbClr val="242852">
+                  <a:lumMod val="60000"/>
+                  <a:lumOff val="40000"/>
+                </a:srgbClr>
+              </a:solidFill>
+              <a:latin typeface="Arial Narrow" panose="020B0606020202030204" pitchFamily="34" charset="0"/>
+              <a:cs typeface="Times New Roman" panose="02020603050405020304" pitchFamily="18" charset="0"/>
+            </a:endParaRPr>
+          </a:p>
+          <a:p>
+            <a:pPr marL="285750" indent="-285750" defTabSz="457200">
+              <a:buFont typeface="Arial" panose="020B0604020202020204" pitchFamily="34" charset="0"/>
+              <a:buChar char="•"/>
+            </a:pPr>
+            <a:r>
+              <a:rPr lang="fr-FR" sz="1600" dirty="0">
+                <a:solidFill>
+                  <a:srgbClr val="242852">
+                    <a:lumMod val="60000"/>
+                    <a:lumOff val="40000"/>
+                  </a:srgbClr>
+                </a:solidFill>
+                <a:latin typeface="Arial Narrow" panose="020B0606020202030204" pitchFamily="34" charset="0"/>
+                <a:cs typeface="Times New Roman" panose="02020603050405020304" pitchFamily="18" charset="0"/>
+              </a:rPr>
+              <a:t>La classe main affiche « M. &lt;passager&gt; part de &lt;ville de départ&gt; dans un bateau piloté par le capitaine &lt;nom du capitaine&gt;</a:t>
+            </a:r>
+          </a:p>
+          <a:p>
+            <a:pPr marL="285750" indent="-285750" defTabSz="457200">
+              <a:buFont typeface="Arial" panose="020B0604020202020204" pitchFamily="34" charset="0"/>
+              <a:buChar char="•"/>
+            </a:pPr>
+            <a:endParaRPr lang="fr-FR" sz="1600" dirty="0">
+              <a:solidFill>
+                <a:srgbClr val="242852">
+                  <a:lumMod val="60000"/>
+                  <a:lumOff val="40000"/>
+                </a:srgbClr>
+              </a:solidFill>
+              <a:latin typeface="Arial Narrow" panose="020B0606020202030204" pitchFamily="34" charset="0"/>
+              <a:cs typeface="Times New Roman" panose="02020603050405020304" pitchFamily="18" charset="0"/>
+            </a:endParaRPr>
+          </a:p>
+          <a:p>
+            <a:pPr marL="742950" lvl="1" indent="-285750" defTabSz="457200">
+              <a:buFont typeface="Arial" panose="020B0604020202020204" pitchFamily="34" charset="0"/>
+              <a:buChar char="•"/>
+            </a:pPr>
+            <a:r>
+              <a:rPr lang="fr-FR" sz="1600" dirty="0">
+                <a:solidFill>
+                  <a:srgbClr val="242852">
+                    <a:lumMod val="60000"/>
+                    <a:lumOff val="40000"/>
+                  </a:srgbClr>
+                </a:solidFill>
+                <a:latin typeface="Arial Narrow" panose="020B0606020202030204" pitchFamily="34" charset="0"/>
+                <a:cs typeface="Times New Roman" panose="02020603050405020304" pitchFamily="18" charset="0"/>
+              </a:rPr>
+              <a:t>Ex : Monsieur Robert part de Calais et le capitaine du bateau s’appelle René Martin.</a:t>
+            </a:r>
+          </a:p>
+          <a:p>
+            <a:pPr lvl="1" defTabSz="457200"/>
+            <a:endParaRPr kumimoji="0" lang="fr-FR" sz="1600" i="0" u="none" strike="noStrike" kern="1200" cap="none" spc="0" normalizeH="0" baseline="0" noProof="0" dirty="0">
+              <a:ln>
+                <a:noFill/>
+              </a:ln>
+              <a:solidFill>
+                <a:srgbClr val="242852">
+                  <a:lumMod val="60000"/>
+                  <a:lumOff val="40000"/>
+                </a:srgbClr>
+              </a:solidFill>
+              <a:effectLst/>
+              <a:uLnTx/>
+              <a:uFillTx/>
+              <a:latin typeface="Arial Narrow" panose="020B0606020202030204" pitchFamily="34" charset="0"/>
+              <a:ea typeface="+mn-ea"/>
+              <a:cs typeface="Times New Roman" panose="02020603050405020304" pitchFamily="18" charset="0"/>
+            </a:endParaRPr>
+          </a:p>
+          <a:p>
+            <a:pPr lvl="1" defTabSz="457200"/>
+            <a:endParaRPr kumimoji="0" lang="fr-FR" sz="1600" i="0" u="none" strike="noStrike" kern="1200" cap="none" spc="0" normalizeH="0" baseline="0" noProof="0" dirty="0">
+              <a:ln>
+                <a:noFill/>
+              </a:ln>
+              <a:solidFill>
+                <a:srgbClr val="242852">
+                  <a:lumMod val="60000"/>
+                  <a:lumOff val="40000"/>
+                </a:srgbClr>
+              </a:solidFill>
+              <a:effectLst/>
+              <a:uLnTx/>
+              <a:uFillTx/>
+              <a:latin typeface="Arial Narrow" panose="020B0606020202030204" pitchFamily="34" charset="0"/>
+              <a:ea typeface="+mn-ea"/>
+              <a:cs typeface="Times New Roman" panose="02020603050405020304" pitchFamily="18" charset="0"/>
+            </a:endParaRPr>
+          </a:p>
+        </p:txBody>
+      </p:sp>
+    </p:spTree>
+    <p:extLst>
+      <p:ext uri="{BB962C8B-B14F-4D97-AF65-F5344CB8AC3E}">
+        <p14:creationId xmlns:p14="http://schemas.microsoft.com/office/powerpoint/2010/main" val="2998124167"/>
+      </p:ext>
+    </p:extLst>
+  </p:cSld>
+  <p:clrMapOvr>
+    <a:masterClrMapping/>
+  </p:clrMapOvr>
+</p:sld>
+</file>
+
+<file path=ppt/slides/slide18.xml><?xml version="1.0" encoding="utf-8"?>
+<p:sld xmlns:a="http://schemas.openxmlformats.org/drawingml/2006/main" xmlns:r="http://schemas.openxmlformats.org/officeDocument/2006/relationships" xmlns:p="http://schemas.openxmlformats.org/presentationml/2006/main">
+  <p:cSld>
+    <p:spTree>
+      <p:nvGrpSpPr>
+        <p:cNvPr id="1" name=""/>
+        <p:cNvGrpSpPr/>
+        <p:nvPr/>
+      </p:nvGrpSpPr>
+      <p:grpSpPr>
+        <a:xfrm>
+          <a:off x="0" y="0"/>
+          <a:ext cx="0" cy="0"/>
+          <a:chOff x="0" y="0"/>
+          <a:chExt cx="0" cy="0"/>
+        </a:xfrm>
+      </p:grpSpPr>
+      <p:sp>
+        <p:nvSpPr>
+          <p:cNvPr id="2" name="ZoneTexte 1">
+            <a:extLst>
+              <a:ext uri="{FF2B5EF4-FFF2-40B4-BE49-F238E27FC236}">
+                <a16:creationId xmlns:a16="http://schemas.microsoft.com/office/drawing/2014/main" id="{CF73B686-CEAA-4E22-B092-7D32A0BD53A1}"/>
+              </a:ext>
+            </a:extLst>
+          </p:cNvPr>
+          <p:cNvSpPr txBox="1"/>
+          <p:nvPr/>
+        </p:nvSpPr>
+        <p:spPr>
+          <a:xfrm>
+            <a:off x="764330" y="1072061"/>
+            <a:ext cx="7624661" cy="480131"/>
+          </a:xfrm>
+          <a:prstGeom prst="rect">
+            <a:avLst/>
+          </a:prstGeom>
+          <a:noFill/>
+        </p:spPr>
+        <p:txBody>
+          <a:bodyPr wrap="square">
+            <a:spAutoFit/>
+          </a:bodyPr>
+          <a:lstStyle/>
+          <a:p>
+            <a:pPr marL="0" marR="0" lvl="0" indent="0" algn="l" defTabSz="914400" rtl="0" eaLnBrk="1" fontAlgn="auto" latinLnBrk="0" hangingPunct="1">
+              <a:lnSpc>
+                <a:spcPct val="90000"/>
+              </a:lnSpc>
+              <a:spcBef>
+                <a:spcPts val="1000"/>
+              </a:spcBef>
+              <a:spcAft>
+                <a:spcPts val="0"/>
+              </a:spcAft>
+              <a:buClrTx/>
+              <a:buSzTx/>
+              <a:buFont typeface="Arial" panose="020B0604020202020204" pitchFamily="34" charset="0"/>
+              <a:buNone/>
+              <a:tabLst/>
+              <a:defRPr/>
+            </a:pPr>
+            <a:r>
+              <a:rPr kumimoji="0" lang="fr-FR" sz="2800" b="1" i="0" u="none" strike="noStrike" kern="1200" cap="none" spc="0" normalizeH="0" baseline="0" noProof="0" dirty="0">
+                <a:ln>
+                  <a:noFill/>
+                </a:ln>
+                <a:solidFill>
+                  <a:srgbClr val="242852">
+                    <a:lumMod val="60000"/>
+                    <a:lumOff val="40000"/>
+                  </a:srgbClr>
+                </a:solidFill>
+                <a:effectLst/>
+                <a:uLnTx/>
+                <a:uFillTx/>
+                <a:latin typeface="Arial Narrow" panose="020B0606020202030204" pitchFamily="34" charset="0"/>
+                <a:ea typeface="Calibri" panose="020F0502020204030204" pitchFamily="34" charset="0"/>
+                <a:cs typeface="Times New Roman" panose="02020603050405020304" pitchFamily="18" charset="0"/>
+              </a:rPr>
+              <a:t>Les océans : Propriétés / attributs statiques</a:t>
+            </a:r>
+          </a:p>
+        </p:txBody>
+      </p:sp>
+      <p:sp>
+        <p:nvSpPr>
+          <p:cNvPr id="3" name="ZoneTexte 2">
+            <a:extLst>
+              <a:ext uri="{FF2B5EF4-FFF2-40B4-BE49-F238E27FC236}">
+                <a16:creationId xmlns:a16="http://schemas.microsoft.com/office/drawing/2014/main" id="{BA6AFF15-FFFA-430D-A3EC-5D7AAD3931F0}"/>
+              </a:ext>
+            </a:extLst>
+          </p:cNvPr>
+          <p:cNvSpPr txBox="1"/>
+          <p:nvPr/>
+        </p:nvSpPr>
+        <p:spPr>
+          <a:xfrm>
+            <a:off x="771525" y="1976923"/>
+            <a:ext cx="6446960" cy="2062103"/>
+          </a:xfrm>
+          <a:prstGeom prst="rect">
+            <a:avLst/>
+          </a:prstGeom>
+          <a:noFill/>
+        </p:spPr>
+        <p:txBody>
+          <a:bodyPr wrap="square">
+            <a:spAutoFit/>
+          </a:bodyPr>
+          <a:lstStyle/>
+          <a:p>
+            <a:pPr marL="285750" indent="-285750" defTabSz="457200">
+              <a:buFont typeface="Arial" panose="020B0604020202020204" pitchFamily="34" charset="0"/>
+              <a:buChar char="•"/>
+            </a:pPr>
+            <a:r>
+              <a:rPr lang="fr-FR" sz="1600" dirty="0">
+                <a:solidFill>
+                  <a:srgbClr val="242852">
+                    <a:lumMod val="60000"/>
+                    <a:lumOff val="40000"/>
+                  </a:srgbClr>
+                </a:solidFill>
+                <a:latin typeface="Arial Narrow" panose="020B0606020202030204" pitchFamily="34" charset="0"/>
+                <a:cs typeface="Times New Roman" panose="02020603050405020304" pitchFamily="18" charset="0"/>
+              </a:rPr>
+              <a:t>On considère que tous les bateaux ont des moteurs diesel.</a:t>
+            </a:r>
+          </a:p>
+          <a:p>
+            <a:pPr marL="285750" indent="-285750" defTabSz="457200">
+              <a:buFont typeface="Arial" panose="020B0604020202020204" pitchFamily="34" charset="0"/>
+              <a:buChar char="•"/>
+            </a:pPr>
+            <a:endParaRPr lang="fr-FR" sz="1600" dirty="0">
+              <a:solidFill>
+                <a:srgbClr val="242852">
+                  <a:lumMod val="60000"/>
+                  <a:lumOff val="40000"/>
+                </a:srgbClr>
+              </a:solidFill>
+              <a:latin typeface="Arial Narrow" panose="020B0606020202030204" pitchFamily="34" charset="0"/>
+              <a:cs typeface="Times New Roman" panose="02020603050405020304" pitchFamily="18" charset="0"/>
+            </a:endParaRPr>
+          </a:p>
+          <a:p>
+            <a:pPr marL="285750" indent="-285750" defTabSz="457200">
+              <a:buFont typeface="Arial" panose="020B0604020202020204" pitchFamily="34" charset="0"/>
+              <a:buChar char="•"/>
+            </a:pPr>
+            <a:r>
+              <a:rPr lang="fr-FR" sz="1600" dirty="0">
+                <a:solidFill>
+                  <a:srgbClr val="242852">
+                    <a:lumMod val="60000"/>
+                    <a:lumOff val="40000"/>
+                  </a:srgbClr>
+                </a:solidFill>
+                <a:latin typeface="Arial Narrow" panose="020B0606020202030204" pitchFamily="34" charset="0"/>
+                <a:cs typeface="Times New Roman" panose="02020603050405020304" pitchFamily="18" charset="0"/>
+              </a:rPr>
+              <a:t>Modifiez votre code en conséquence.</a:t>
+            </a:r>
+          </a:p>
+          <a:p>
+            <a:pPr marL="285750" indent="-285750" defTabSz="457200">
+              <a:buFont typeface="Arial" panose="020B0604020202020204" pitchFamily="34" charset="0"/>
+              <a:buChar char="•"/>
+            </a:pPr>
+            <a:endParaRPr lang="fr-FR" sz="1600" dirty="0">
+              <a:solidFill>
+                <a:srgbClr val="242852">
+                  <a:lumMod val="60000"/>
+                  <a:lumOff val="40000"/>
+                </a:srgbClr>
+              </a:solidFill>
+              <a:latin typeface="Arial Narrow" panose="020B0606020202030204" pitchFamily="34" charset="0"/>
+              <a:cs typeface="Times New Roman" panose="02020603050405020304" pitchFamily="18" charset="0"/>
+            </a:endParaRPr>
+          </a:p>
+          <a:p>
+            <a:pPr marL="285750" indent="-285750" defTabSz="457200">
+              <a:buFont typeface="Arial" panose="020B0604020202020204" pitchFamily="34" charset="0"/>
+              <a:buChar char="•"/>
+            </a:pPr>
+            <a:r>
+              <a:rPr lang="fr-FR" sz="1600" dirty="0">
+                <a:solidFill>
+                  <a:srgbClr val="242852">
+                    <a:lumMod val="60000"/>
+                    <a:lumOff val="40000"/>
+                  </a:srgbClr>
+                </a:solidFill>
+                <a:latin typeface="Arial Narrow" panose="020B0606020202030204" pitchFamily="34" charset="0"/>
+                <a:cs typeface="Times New Roman" panose="02020603050405020304" pitchFamily="18" charset="0"/>
+              </a:rPr>
+              <a:t>Dans le main, vérifiez que tous les bateaux en général on cette propriété puis </a:t>
+            </a:r>
+          </a:p>
+          <a:p>
+            <a:pPr defTabSz="457200"/>
+            <a:endParaRPr lang="fr-FR" sz="1600" dirty="0">
+              <a:solidFill>
+                <a:srgbClr val="242852">
+                  <a:lumMod val="60000"/>
+                  <a:lumOff val="40000"/>
+                </a:srgbClr>
+              </a:solidFill>
+              <a:latin typeface="Arial Narrow" panose="020B0606020202030204" pitchFamily="34" charset="0"/>
+              <a:cs typeface="Times New Roman" panose="02020603050405020304" pitchFamily="18" charset="0"/>
+            </a:endParaRPr>
+          </a:p>
+          <a:p>
+            <a:pPr lvl="1" defTabSz="457200"/>
+            <a:r>
+              <a:rPr kumimoji="0" lang="fr-FR" sz="1600" i="0" u="none" strike="noStrike" kern="1200" cap="none" spc="0" normalizeH="0" baseline="0" noProof="0" dirty="0">
+                <a:ln>
+                  <a:noFill/>
+                </a:ln>
+                <a:solidFill>
+                  <a:srgbClr val="242852">
+                    <a:lumMod val="60000"/>
+                    <a:lumOff val="40000"/>
+                  </a:srgbClr>
+                </a:solidFill>
+                <a:effectLst/>
+                <a:uLnTx/>
+                <a:uFillTx/>
+                <a:latin typeface="Arial Narrow" panose="020B0606020202030204" pitchFamily="34" charset="0"/>
+                <a:ea typeface="+mn-ea"/>
+                <a:cs typeface="Times New Roman" panose="02020603050405020304" pitchFamily="18" charset="0"/>
+              </a:rPr>
+              <a:t>Effectuez la même vérification pour un bateau en particulier</a:t>
+            </a:r>
+          </a:p>
+          <a:p>
+            <a:pPr lvl="1" defTabSz="457200"/>
+            <a:endParaRPr kumimoji="0" lang="fr-FR" sz="1600" i="0" u="none" strike="noStrike" kern="1200" cap="none" spc="0" normalizeH="0" baseline="0" noProof="0" dirty="0">
+              <a:ln>
+                <a:noFill/>
+              </a:ln>
+              <a:solidFill>
+                <a:srgbClr val="242852">
+                  <a:lumMod val="60000"/>
+                  <a:lumOff val="40000"/>
+                </a:srgbClr>
+              </a:solidFill>
+              <a:effectLst/>
+              <a:uLnTx/>
+              <a:uFillTx/>
+              <a:latin typeface="Arial Narrow" panose="020B0606020202030204" pitchFamily="34" charset="0"/>
+              <a:ea typeface="+mn-ea"/>
+              <a:cs typeface="Times New Roman" panose="02020603050405020304" pitchFamily="18" charset="0"/>
+            </a:endParaRPr>
+          </a:p>
+        </p:txBody>
+      </p:sp>
+    </p:spTree>
+    <p:extLst>
+      <p:ext uri="{BB962C8B-B14F-4D97-AF65-F5344CB8AC3E}">
+        <p14:creationId xmlns:p14="http://schemas.microsoft.com/office/powerpoint/2010/main" val="4172882179"/>
+      </p:ext>
+    </p:extLst>
+  </p:cSld>
+  <p:clrMapOvr>
+    <a:masterClrMapping/>
+  </p:clrMapOvr>
+</p:sld>
+</file>
+
+<file path=ppt/slides/slide19.xml><?xml version="1.0" encoding="utf-8"?>
+<p:sld xmlns:a="http://schemas.openxmlformats.org/drawingml/2006/main" xmlns:r="http://schemas.openxmlformats.org/officeDocument/2006/relationships" xmlns:p="http://schemas.openxmlformats.org/presentationml/2006/main">
+  <p:cSld>
+    <p:spTree>
+      <p:nvGrpSpPr>
+        <p:cNvPr id="1" name=""/>
+        <p:cNvGrpSpPr/>
+        <p:nvPr/>
+      </p:nvGrpSpPr>
+      <p:grpSpPr>
+        <a:xfrm>
+          <a:off x="0" y="0"/>
+          <a:ext cx="0" cy="0"/>
+          <a:chOff x="0" y="0"/>
+          <a:chExt cx="0" cy="0"/>
+        </a:xfrm>
+      </p:grpSpPr>
+      <p:sp>
+        <p:nvSpPr>
+          <p:cNvPr id="2" name="ZoneTexte 1">
+            <a:extLst>
+              <a:ext uri="{FF2B5EF4-FFF2-40B4-BE49-F238E27FC236}">
+                <a16:creationId xmlns:a16="http://schemas.microsoft.com/office/drawing/2014/main" id="{CF73B686-CEAA-4E22-B092-7D32A0BD53A1}"/>
+              </a:ext>
+            </a:extLst>
+          </p:cNvPr>
+          <p:cNvSpPr txBox="1"/>
+          <p:nvPr/>
+        </p:nvSpPr>
+        <p:spPr>
+          <a:xfrm>
+            <a:off x="764330" y="1072061"/>
+            <a:ext cx="7624661" cy="480131"/>
+          </a:xfrm>
+          <a:prstGeom prst="rect">
+            <a:avLst/>
+          </a:prstGeom>
+          <a:noFill/>
+        </p:spPr>
+        <p:txBody>
+          <a:bodyPr wrap="square">
+            <a:spAutoFit/>
+          </a:bodyPr>
+          <a:lstStyle/>
+          <a:p>
+            <a:pPr marL="0" marR="0" lvl="0" indent="0" algn="l" defTabSz="914400" rtl="0" eaLnBrk="1" fontAlgn="auto" latinLnBrk="0" hangingPunct="1">
+              <a:lnSpc>
+                <a:spcPct val="90000"/>
+              </a:lnSpc>
+              <a:spcBef>
+                <a:spcPts val="1000"/>
+              </a:spcBef>
+              <a:spcAft>
+                <a:spcPts val="0"/>
+              </a:spcAft>
+              <a:buClrTx/>
+              <a:buSzTx/>
+              <a:buFont typeface="Arial" panose="020B0604020202020204" pitchFamily="34" charset="0"/>
+              <a:buNone/>
+              <a:tabLst/>
+              <a:defRPr/>
+            </a:pPr>
+            <a:r>
+              <a:rPr kumimoji="0" lang="fr-FR" sz="2800" b="1" i="0" u="none" strike="noStrike" kern="1200" cap="none" spc="0" normalizeH="0" baseline="0" noProof="0" dirty="0">
+                <a:ln>
+                  <a:noFill/>
+                </a:ln>
+                <a:solidFill>
+                  <a:srgbClr val="242852">
+                    <a:lumMod val="60000"/>
+                    <a:lumOff val="40000"/>
+                  </a:srgbClr>
+                </a:solidFill>
+                <a:effectLst/>
+                <a:uLnTx/>
+                <a:uFillTx/>
+                <a:latin typeface="Arial Narrow" panose="020B0606020202030204" pitchFamily="34" charset="0"/>
+                <a:ea typeface="Calibri" panose="020F0502020204030204" pitchFamily="34" charset="0"/>
+                <a:cs typeface="Times New Roman" panose="02020603050405020304" pitchFamily="18" charset="0"/>
+              </a:rPr>
+              <a:t>Les océans : Méthodes statiques</a:t>
+            </a:r>
+          </a:p>
+        </p:txBody>
+      </p:sp>
+      <p:sp>
+        <p:nvSpPr>
+          <p:cNvPr id="3" name="ZoneTexte 2">
+            <a:extLst>
+              <a:ext uri="{FF2B5EF4-FFF2-40B4-BE49-F238E27FC236}">
+                <a16:creationId xmlns:a16="http://schemas.microsoft.com/office/drawing/2014/main" id="{BA6AFF15-FFFA-430D-A3EC-5D7AAD3931F0}"/>
+              </a:ext>
+            </a:extLst>
+          </p:cNvPr>
+          <p:cNvSpPr txBox="1"/>
+          <p:nvPr/>
+        </p:nvSpPr>
+        <p:spPr>
+          <a:xfrm>
+            <a:off x="771525" y="1976923"/>
+            <a:ext cx="6446960" cy="1323439"/>
+          </a:xfrm>
+          <a:prstGeom prst="rect">
+            <a:avLst/>
+          </a:prstGeom>
+          <a:noFill/>
+        </p:spPr>
+        <p:txBody>
+          <a:bodyPr wrap="square">
+            <a:spAutoFit/>
+          </a:bodyPr>
+          <a:lstStyle/>
+          <a:p>
+            <a:pPr marL="742950" lvl="1" indent="-285750" defTabSz="457200">
+              <a:buFont typeface="Arial" panose="020B0604020202020204" pitchFamily="34" charset="0"/>
+              <a:buChar char="•"/>
+            </a:pPr>
+            <a:r>
+              <a:rPr kumimoji="0" lang="fr-FR" sz="1600" i="0" u="none" strike="noStrike" kern="1200" cap="none" spc="0" normalizeH="0" baseline="0" noProof="0" dirty="0">
+                <a:ln>
+                  <a:noFill/>
+                </a:ln>
+                <a:solidFill>
+                  <a:srgbClr val="242852">
+                    <a:lumMod val="60000"/>
+                    <a:lumOff val="40000"/>
+                  </a:srgbClr>
+                </a:solidFill>
+                <a:effectLst/>
+                <a:uLnTx/>
+                <a:uFillTx/>
+                <a:latin typeface="Arial Narrow" panose="020B0606020202030204" pitchFamily="34" charset="0"/>
+                <a:ea typeface="+mn-ea"/>
+                <a:cs typeface="Times New Roman" panose="02020603050405020304" pitchFamily="18" charset="0"/>
+              </a:rPr>
+              <a:t>Dans la classe Bateau, écrivez une méthode statique qui prend en paramètre la durée de navigation et la vitesse du bateau, et qui retourne la distance parcourue depuis le départ.</a:t>
+            </a:r>
+          </a:p>
+          <a:p>
+            <a:pPr marL="742950" lvl="1" indent="-285750" defTabSz="457200">
+              <a:buFont typeface="Arial" panose="020B0604020202020204" pitchFamily="34" charset="0"/>
+              <a:buChar char="•"/>
+            </a:pPr>
+            <a:r>
+              <a:rPr lang="fr-FR" sz="1600" dirty="0">
+                <a:solidFill>
+                  <a:srgbClr val="242852">
+                    <a:lumMod val="60000"/>
+                    <a:lumOff val="40000"/>
+                  </a:srgbClr>
+                </a:solidFill>
+                <a:latin typeface="Arial Narrow" panose="020B0606020202030204" pitchFamily="34" charset="0"/>
+                <a:cs typeface="Times New Roman" panose="02020603050405020304" pitchFamily="18" charset="0"/>
+              </a:rPr>
+              <a:t>Dans main, affichez « Nous avons parcouru &lt;nombre&gt; kilomètres grâce au moteur &lt;carburation&gt; du bateau.</a:t>
+            </a:r>
+            <a:endParaRPr kumimoji="0" lang="fr-FR" sz="1600" i="0" u="none" strike="noStrike" kern="1200" cap="none" spc="0" normalizeH="0" baseline="0" noProof="0" dirty="0">
+              <a:ln>
+                <a:noFill/>
+              </a:ln>
+              <a:solidFill>
+                <a:srgbClr val="242852">
+                  <a:lumMod val="60000"/>
+                  <a:lumOff val="40000"/>
+                </a:srgbClr>
+              </a:solidFill>
+              <a:effectLst/>
+              <a:uLnTx/>
+              <a:uFillTx/>
+              <a:latin typeface="Arial Narrow" panose="020B0606020202030204" pitchFamily="34" charset="0"/>
+              <a:ea typeface="+mn-ea"/>
+              <a:cs typeface="Times New Roman" panose="02020603050405020304" pitchFamily="18" charset="0"/>
+            </a:endParaRPr>
+          </a:p>
+        </p:txBody>
+      </p:sp>
+    </p:spTree>
+    <p:extLst>
+      <p:ext uri="{BB962C8B-B14F-4D97-AF65-F5344CB8AC3E}">
+        <p14:creationId xmlns:p14="http://schemas.microsoft.com/office/powerpoint/2010/main" val="2766238934"/>
+      </p:ext>
+    </p:extLst>
+  </p:cSld>
+  <p:clrMapOvr>
+    <a:masterClrMapping/>
+  </p:clrMapOvr>
+</p:sld>
+</file>
+
+<file path=ppt/slides/slide2.xml><?xml version="1.0" encoding="utf-8"?>
+<p:sld xmlns:a="http://schemas.openxmlformats.org/drawingml/2006/main" xmlns:r="http://schemas.openxmlformats.org/officeDocument/2006/relationships" xmlns:p="http://schemas.openxmlformats.org/presentationml/2006/main">
+  <p:cSld>
+    <p:spTree>
+      <p:nvGrpSpPr>
+        <p:cNvPr id="1" name=""/>
+        <p:cNvGrpSpPr/>
+        <p:nvPr/>
+      </p:nvGrpSpPr>
+      <p:grpSpPr>
+        <a:xfrm>
+          <a:off x="0" y="0"/>
+          <a:ext cx="0" cy="0"/>
+          <a:chOff x="0" y="0"/>
+          <a:chExt cx="0" cy="0"/>
+        </a:xfrm>
+      </p:grpSpPr>
+      <p:sp>
+        <p:nvSpPr>
+          <p:cNvPr id="2" name="ZoneTexte 1">
+            <a:extLst>
+              <a:ext uri="{FF2B5EF4-FFF2-40B4-BE49-F238E27FC236}">
+                <a16:creationId xmlns:a16="http://schemas.microsoft.com/office/drawing/2014/main" id="{CF73B686-CEAA-4E22-B092-7D32A0BD53A1}"/>
+              </a:ext>
+            </a:extLst>
+          </p:cNvPr>
+          <p:cNvSpPr txBox="1"/>
+          <p:nvPr/>
+        </p:nvSpPr>
+        <p:spPr>
+          <a:xfrm>
+            <a:off x="764330" y="1072061"/>
+            <a:ext cx="6601203" cy="480131"/>
+          </a:xfrm>
+          <a:prstGeom prst="rect">
+            <a:avLst/>
+          </a:prstGeom>
+          <a:noFill/>
+        </p:spPr>
+        <p:txBody>
+          <a:bodyPr wrap="square">
+            <a:spAutoFit/>
+          </a:bodyPr>
+          <a:lstStyle/>
+          <a:p>
+            <a:pPr marL="0" marR="0" lvl="0" indent="0" algn="l" defTabSz="914400" rtl="0" eaLnBrk="1" fontAlgn="auto" latinLnBrk="0" hangingPunct="1">
+              <a:lnSpc>
+                <a:spcPct val="90000"/>
+              </a:lnSpc>
+              <a:spcBef>
+                <a:spcPts val="1000"/>
+              </a:spcBef>
+              <a:spcAft>
+                <a:spcPts val="0"/>
+              </a:spcAft>
+              <a:buClrTx/>
+              <a:buSzTx/>
+              <a:buFont typeface="Arial" panose="020B0604020202020204" pitchFamily="34" charset="0"/>
+              <a:buNone/>
+              <a:tabLst/>
+              <a:defRPr/>
+            </a:pPr>
+            <a:r>
+              <a:rPr kumimoji="0" lang="fr-FR" sz="2800" b="1" i="0" u="none" strike="noStrike" kern="1200" cap="none" spc="0" normalizeH="0" baseline="0" noProof="0" dirty="0">
+                <a:ln>
+                  <a:noFill/>
+                </a:ln>
+                <a:solidFill>
+                  <a:srgbClr val="242852">
+                    <a:lumMod val="60000"/>
+                    <a:lumOff val="40000"/>
+                  </a:srgbClr>
+                </a:solidFill>
+                <a:effectLst/>
+                <a:uLnTx/>
+                <a:uFillTx/>
+                <a:latin typeface="Arial Narrow" panose="020B0606020202030204" pitchFamily="34" charset="0"/>
+                <a:ea typeface="Calibri" panose="020F0502020204030204" pitchFamily="34" charset="0"/>
+                <a:cs typeface="Times New Roman" panose="02020603050405020304" pitchFamily="18" charset="0"/>
+              </a:rPr>
+              <a:t>Les océans : première variable de type String</a:t>
+            </a:r>
+          </a:p>
+        </p:txBody>
+      </p:sp>
+      <p:sp>
+        <p:nvSpPr>
+          <p:cNvPr id="3" name="ZoneTexte 2">
+            <a:extLst>
+              <a:ext uri="{FF2B5EF4-FFF2-40B4-BE49-F238E27FC236}">
+                <a16:creationId xmlns:a16="http://schemas.microsoft.com/office/drawing/2014/main" id="{BA6AFF15-FFFA-430D-A3EC-5D7AAD3931F0}"/>
+              </a:ext>
+            </a:extLst>
+          </p:cNvPr>
+          <p:cNvSpPr txBox="1"/>
+          <p:nvPr/>
+        </p:nvSpPr>
+        <p:spPr>
+          <a:xfrm>
+            <a:off x="771525" y="1976923"/>
+            <a:ext cx="6446960" cy="1323439"/>
+          </a:xfrm>
+          <a:prstGeom prst="rect">
+            <a:avLst/>
+          </a:prstGeom>
+          <a:noFill/>
+        </p:spPr>
+        <p:txBody>
+          <a:bodyPr wrap="square">
+            <a:spAutoFit/>
+          </a:bodyPr>
+          <a:lstStyle/>
+          <a:p>
+            <a:pPr marR="0" lvl="0" algn="l" defTabSz="457200" rtl="0" eaLnBrk="1" fontAlgn="auto" latinLnBrk="0" hangingPunct="1">
+              <a:lnSpc>
+                <a:spcPct val="100000"/>
+              </a:lnSpc>
+              <a:spcBef>
+                <a:spcPts val="0"/>
+              </a:spcBef>
+              <a:spcAft>
+                <a:spcPts val="0"/>
+              </a:spcAft>
+              <a:buClrTx/>
+              <a:buSzTx/>
+              <a:tabLst/>
+              <a:defRPr/>
+            </a:pPr>
+            <a:r>
+              <a:rPr lang="fr-FR" sz="1600" dirty="0">
+                <a:solidFill>
+                  <a:srgbClr val="242852">
+                    <a:lumMod val="60000"/>
+                    <a:lumOff val="40000"/>
+                  </a:srgbClr>
+                </a:solidFill>
+                <a:latin typeface="Arial Narrow" panose="020B0606020202030204" pitchFamily="34" charset="0"/>
+                <a:cs typeface="Times New Roman" panose="02020603050405020304" pitchFamily="18" charset="0"/>
+              </a:rPr>
+              <a:t>Modifier l’exercice précédent en utilisant une variable qui contiendra successivement le code à afficher</a:t>
+            </a:r>
+          </a:p>
+          <a:p>
+            <a:pPr defTabSz="457200"/>
+            <a:endParaRPr lang="fr-FR" sz="1600" dirty="0">
+              <a:solidFill>
+                <a:srgbClr val="242852">
+                  <a:lumMod val="60000"/>
+                  <a:lumOff val="40000"/>
+                </a:srgbClr>
+              </a:solidFill>
+              <a:latin typeface="Arial Narrow" panose="020B0606020202030204" pitchFamily="34" charset="0"/>
+              <a:cs typeface="Times New Roman" panose="02020603050405020304" pitchFamily="18" charset="0"/>
+            </a:endParaRPr>
+          </a:p>
+          <a:p>
+            <a:pPr lvl="1" defTabSz="457200"/>
+            <a:endParaRPr kumimoji="0" lang="fr-FR" sz="1600" i="0" u="none" strike="noStrike" kern="1200" cap="none" spc="0" normalizeH="0" baseline="0" noProof="0" dirty="0">
+              <a:ln>
+                <a:noFill/>
+              </a:ln>
+              <a:solidFill>
+                <a:srgbClr val="242852">
+                  <a:lumMod val="60000"/>
+                  <a:lumOff val="40000"/>
+                </a:srgbClr>
+              </a:solidFill>
+              <a:effectLst/>
+              <a:uLnTx/>
+              <a:uFillTx/>
+              <a:latin typeface="Arial Narrow" panose="020B0606020202030204" pitchFamily="34" charset="0"/>
+              <a:ea typeface="+mn-ea"/>
+              <a:cs typeface="Times New Roman" panose="02020603050405020304" pitchFamily="18" charset="0"/>
+            </a:endParaRPr>
+          </a:p>
+          <a:p>
+            <a:pPr lvl="1" defTabSz="457200"/>
+            <a:endParaRPr kumimoji="0" lang="fr-FR" sz="1600" i="0" u="none" strike="noStrike" kern="1200" cap="none" spc="0" normalizeH="0" baseline="0" noProof="0" dirty="0">
+              <a:ln>
+                <a:noFill/>
+              </a:ln>
+              <a:solidFill>
+                <a:srgbClr val="242852">
+                  <a:lumMod val="60000"/>
+                  <a:lumOff val="40000"/>
+                </a:srgbClr>
+              </a:solidFill>
+              <a:effectLst/>
+              <a:uLnTx/>
+              <a:uFillTx/>
+              <a:latin typeface="Arial Narrow" panose="020B0606020202030204" pitchFamily="34" charset="0"/>
+              <a:ea typeface="+mn-ea"/>
+              <a:cs typeface="Times New Roman" panose="02020603050405020304" pitchFamily="18" charset="0"/>
+            </a:endParaRPr>
+          </a:p>
+        </p:txBody>
+      </p:sp>
+    </p:spTree>
+    <p:extLst>
+      <p:ext uri="{BB962C8B-B14F-4D97-AF65-F5344CB8AC3E}">
         <p14:creationId xmlns:p14="http://schemas.microsoft.com/office/powerpoint/2010/main" val="108304653"/>
+      </p:ext>
+    </p:extLst>
+  </p:cSld>
+  <p:clrMapOvr>
+    <a:masterClrMapping/>
+  </p:clrMapOvr>
+</p:sld>
+</file>
+
+<file path=ppt/slides/slide20.xml><?xml version="1.0" encoding="utf-8"?>
+<p:sld xmlns:a="http://schemas.openxmlformats.org/drawingml/2006/main" xmlns:r="http://schemas.openxmlformats.org/officeDocument/2006/relationships" xmlns:p="http://schemas.openxmlformats.org/presentationml/2006/main">
+  <p:cSld>
+    <p:spTree>
+      <p:nvGrpSpPr>
+        <p:cNvPr id="1" name=""/>
+        <p:cNvGrpSpPr/>
+        <p:nvPr/>
+      </p:nvGrpSpPr>
+      <p:grpSpPr>
+        <a:xfrm>
+          <a:off x="0" y="0"/>
+          <a:ext cx="0" cy="0"/>
+          <a:chOff x="0" y="0"/>
+          <a:chExt cx="0" cy="0"/>
+        </a:xfrm>
+      </p:grpSpPr>
+      <p:sp>
+        <p:nvSpPr>
+          <p:cNvPr id="2" name="ZoneTexte 1">
+            <a:extLst>
+              <a:ext uri="{FF2B5EF4-FFF2-40B4-BE49-F238E27FC236}">
+                <a16:creationId xmlns:a16="http://schemas.microsoft.com/office/drawing/2014/main" id="{CF73B686-CEAA-4E22-B092-7D32A0BD53A1}"/>
+              </a:ext>
+            </a:extLst>
+          </p:cNvPr>
+          <p:cNvSpPr txBox="1"/>
+          <p:nvPr/>
+        </p:nvSpPr>
+        <p:spPr>
+          <a:xfrm>
+            <a:off x="764330" y="1072061"/>
+            <a:ext cx="7624661" cy="480131"/>
+          </a:xfrm>
+          <a:prstGeom prst="rect">
+            <a:avLst/>
+          </a:prstGeom>
+          <a:noFill/>
+        </p:spPr>
+        <p:txBody>
+          <a:bodyPr wrap="square">
+            <a:spAutoFit/>
+          </a:bodyPr>
+          <a:lstStyle/>
+          <a:p>
+            <a:pPr marL="0" marR="0" lvl="0" indent="0" algn="l" defTabSz="914400" rtl="0" eaLnBrk="1" fontAlgn="auto" latinLnBrk="0" hangingPunct="1">
+              <a:lnSpc>
+                <a:spcPct val="90000"/>
+              </a:lnSpc>
+              <a:spcBef>
+                <a:spcPts val="1000"/>
+              </a:spcBef>
+              <a:spcAft>
+                <a:spcPts val="0"/>
+              </a:spcAft>
+              <a:buClrTx/>
+              <a:buSzTx/>
+              <a:buFont typeface="Arial" panose="020B0604020202020204" pitchFamily="34" charset="0"/>
+              <a:buNone/>
+              <a:tabLst/>
+              <a:defRPr/>
+            </a:pPr>
+            <a:r>
+              <a:rPr kumimoji="0" lang="fr-FR" sz="2800" b="1" i="0" u="none" strike="noStrike" kern="1200" cap="none" spc="0" normalizeH="0" baseline="0" noProof="0" dirty="0">
+                <a:ln>
+                  <a:noFill/>
+                </a:ln>
+                <a:solidFill>
+                  <a:srgbClr val="242852">
+                    <a:lumMod val="60000"/>
+                    <a:lumOff val="40000"/>
+                  </a:srgbClr>
+                </a:solidFill>
+                <a:effectLst/>
+                <a:uLnTx/>
+                <a:uFillTx/>
+                <a:latin typeface="Arial Narrow" panose="020B0606020202030204" pitchFamily="34" charset="0"/>
+                <a:ea typeface="Calibri" panose="020F0502020204030204" pitchFamily="34" charset="0"/>
+                <a:cs typeface="Times New Roman" panose="02020603050405020304" pitchFamily="18" charset="0"/>
+              </a:rPr>
+              <a:t>Les océans : Les constructeurs (1)</a:t>
+            </a:r>
+          </a:p>
+        </p:txBody>
+      </p:sp>
+      <p:sp>
+        <p:nvSpPr>
+          <p:cNvPr id="3" name="ZoneTexte 2">
+            <a:extLst>
+              <a:ext uri="{FF2B5EF4-FFF2-40B4-BE49-F238E27FC236}">
+                <a16:creationId xmlns:a16="http://schemas.microsoft.com/office/drawing/2014/main" id="{BA6AFF15-FFFA-430D-A3EC-5D7AAD3931F0}"/>
+              </a:ext>
+            </a:extLst>
+          </p:cNvPr>
+          <p:cNvSpPr txBox="1"/>
+          <p:nvPr/>
+        </p:nvSpPr>
+        <p:spPr>
+          <a:xfrm>
+            <a:off x="771525" y="1976923"/>
+            <a:ext cx="6446960" cy="2800767"/>
+          </a:xfrm>
+          <a:prstGeom prst="rect">
+            <a:avLst/>
+          </a:prstGeom>
+          <a:noFill/>
+        </p:spPr>
+        <p:txBody>
+          <a:bodyPr wrap="square">
+            <a:spAutoFit/>
+          </a:bodyPr>
+          <a:lstStyle/>
+          <a:p>
+            <a:pPr marL="742950" lvl="1" indent="-285750" defTabSz="457200">
+              <a:buFont typeface="Arial" panose="020B0604020202020204" pitchFamily="34" charset="0"/>
+              <a:buChar char="•"/>
+            </a:pPr>
+            <a:r>
+              <a:rPr lang="fr-FR" sz="1600" dirty="0">
+                <a:solidFill>
+                  <a:srgbClr val="242852">
+                    <a:lumMod val="60000"/>
+                    <a:lumOff val="40000"/>
+                  </a:srgbClr>
+                </a:solidFill>
+                <a:latin typeface="Arial Narrow" panose="020B0606020202030204" pitchFamily="34" charset="0"/>
+                <a:cs typeface="Times New Roman" panose="02020603050405020304" pitchFamily="18" charset="0"/>
+              </a:rPr>
+              <a:t>Nous souhaitons que notre logiciel compte le nombre de Bateaux instanciées.</a:t>
+            </a:r>
+          </a:p>
+          <a:p>
+            <a:pPr marL="742950" lvl="1" indent="-285750" defTabSz="457200">
+              <a:buFont typeface="Arial" panose="020B0604020202020204" pitchFamily="34" charset="0"/>
+              <a:buChar char="•"/>
+            </a:pPr>
+            <a:endParaRPr kumimoji="0" lang="fr-FR" sz="1600" i="0" u="none" strike="noStrike" kern="1200" cap="none" spc="0" normalizeH="0" baseline="0" noProof="0" dirty="0">
+              <a:ln>
+                <a:noFill/>
+              </a:ln>
+              <a:solidFill>
+                <a:srgbClr val="242852">
+                  <a:lumMod val="60000"/>
+                  <a:lumOff val="40000"/>
+                </a:srgbClr>
+              </a:solidFill>
+              <a:effectLst/>
+              <a:uLnTx/>
+              <a:uFillTx/>
+              <a:latin typeface="Arial Narrow" panose="020B0606020202030204" pitchFamily="34" charset="0"/>
+              <a:ea typeface="+mn-ea"/>
+              <a:cs typeface="Times New Roman" panose="02020603050405020304" pitchFamily="18" charset="0"/>
+            </a:endParaRPr>
+          </a:p>
+          <a:p>
+            <a:pPr marL="742950" lvl="1" indent="-285750" defTabSz="457200">
+              <a:buFont typeface="Arial" panose="020B0604020202020204" pitchFamily="34" charset="0"/>
+              <a:buChar char="•"/>
+            </a:pPr>
+            <a:endParaRPr kumimoji="0" lang="fr-FR" sz="1600" i="0" u="none" strike="noStrike" kern="1200" cap="none" spc="0" normalizeH="0" baseline="0" noProof="0" dirty="0">
+              <a:ln>
+                <a:noFill/>
+              </a:ln>
+              <a:solidFill>
+                <a:srgbClr val="242852">
+                  <a:lumMod val="60000"/>
+                  <a:lumOff val="40000"/>
+                </a:srgbClr>
+              </a:solidFill>
+              <a:effectLst/>
+              <a:uLnTx/>
+              <a:uFillTx/>
+              <a:latin typeface="Arial Narrow" panose="020B0606020202030204" pitchFamily="34" charset="0"/>
+              <a:ea typeface="+mn-ea"/>
+              <a:cs typeface="Times New Roman" panose="02020603050405020304" pitchFamily="18" charset="0"/>
+            </a:endParaRPr>
+          </a:p>
+          <a:p>
+            <a:pPr marL="742950" lvl="1" indent="-285750" defTabSz="457200">
+              <a:buFont typeface="Arial" panose="020B0604020202020204" pitchFamily="34" charset="0"/>
+              <a:buChar char="•"/>
+            </a:pPr>
+            <a:r>
+              <a:rPr lang="fr-FR" sz="1600" dirty="0">
+                <a:solidFill>
+                  <a:srgbClr val="242852">
+                    <a:lumMod val="60000"/>
+                    <a:lumOff val="40000"/>
+                  </a:srgbClr>
+                </a:solidFill>
+                <a:latin typeface="Arial Narrow" panose="020B0606020202030204" pitchFamily="34" charset="0"/>
+                <a:cs typeface="Times New Roman" panose="02020603050405020304" pitchFamily="18" charset="0"/>
+              </a:rPr>
+              <a:t>Dans la classe Bateau, ajouter une propriété statique </a:t>
+            </a:r>
+            <a:r>
+              <a:rPr lang="fr-FR" sz="1600" dirty="0" err="1">
+                <a:solidFill>
+                  <a:srgbClr val="242852">
+                    <a:lumMod val="60000"/>
+                    <a:lumOff val="40000"/>
+                  </a:srgbClr>
+                </a:solidFill>
+                <a:latin typeface="Arial Narrow" panose="020B0606020202030204" pitchFamily="34" charset="0"/>
+                <a:cs typeface="Times New Roman" panose="02020603050405020304" pitchFamily="18" charset="0"/>
+              </a:rPr>
+              <a:t>nbBateauxCrees</a:t>
+            </a:r>
+            <a:r>
+              <a:rPr lang="fr-FR" sz="1600" dirty="0">
+                <a:solidFill>
+                  <a:srgbClr val="242852">
+                    <a:lumMod val="60000"/>
+                    <a:lumOff val="40000"/>
+                  </a:srgbClr>
+                </a:solidFill>
+                <a:latin typeface="Arial Narrow" panose="020B0606020202030204" pitchFamily="34" charset="0"/>
+                <a:cs typeface="Times New Roman" panose="02020603050405020304" pitchFamily="18" charset="0"/>
+              </a:rPr>
+              <a:t>, valeur 0 au départ.</a:t>
+            </a:r>
+          </a:p>
+          <a:p>
+            <a:pPr marL="742950" lvl="1" indent="-285750" defTabSz="457200">
+              <a:buFont typeface="Arial" panose="020B0604020202020204" pitchFamily="34" charset="0"/>
+              <a:buChar char="•"/>
+            </a:pPr>
+            <a:endParaRPr lang="fr-FR" sz="1600" dirty="0">
+              <a:solidFill>
+                <a:srgbClr val="242852">
+                  <a:lumMod val="60000"/>
+                  <a:lumOff val="40000"/>
+                </a:srgbClr>
+              </a:solidFill>
+              <a:latin typeface="Arial Narrow" panose="020B0606020202030204" pitchFamily="34" charset="0"/>
+              <a:cs typeface="Times New Roman" panose="02020603050405020304" pitchFamily="18" charset="0"/>
+            </a:endParaRPr>
+          </a:p>
+          <a:p>
+            <a:pPr marL="742950" lvl="1" indent="-285750" defTabSz="457200">
+              <a:buFont typeface="Arial" panose="020B0604020202020204" pitchFamily="34" charset="0"/>
+              <a:buChar char="•"/>
+            </a:pPr>
+            <a:r>
+              <a:rPr lang="fr-FR" sz="1600" dirty="0">
+                <a:solidFill>
+                  <a:srgbClr val="242852">
+                    <a:lumMod val="60000"/>
+                    <a:lumOff val="40000"/>
+                  </a:srgbClr>
+                </a:solidFill>
+                <a:latin typeface="Arial Narrow" panose="020B0606020202030204" pitchFamily="34" charset="0"/>
+                <a:cs typeface="Times New Roman" panose="02020603050405020304" pitchFamily="18" charset="0"/>
+              </a:rPr>
+              <a:t>Créer un constructeur qui incrémente un compteur à chaque instanciation.</a:t>
+            </a:r>
+          </a:p>
+          <a:p>
+            <a:pPr marL="742950" lvl="1" indent="-285750" defTabSz="457200">
+              <a:buFont typeface="Arial" panose="020B0604020202020204" pitchFamily="34" charset="0"/>
+              <a:buChar char="•"/>
+            </a:pPr>
+            <a:endParaRPr lang="fr-FR" sz="1600" dirty="0">
+              <a:solidFill>
+                <a:srgbClr val="242852">
+                  <a:lumMod val="60000"/>
+                  <a:lumOff val="40000"/>
+                </a:srgbClr>
+              </a:solidFill>
+              <a:latin typeface="Arial Narrow" panose="020B0606020202030204" pitchFamily="34" charset="0"/>
+              <a:cs typeface="Times New Roman" panose="02020603050405020304" pitchFamily="18" charset="0"/>
+            </a:endParaRPr>
+          </a:p>
+          <a:p>
+            <a:pPr marL="742950" lvl="1" indent="-285750" defTabSz="457200">
+              <a:buFont typeface="Arial" panose="020B0604020202020204" pitchFamily="34" charset="0"/>
+              <a:buChar char="•"/>
+            </a:pPr>
+            <a:endParaRPr lang="fr-FR" sz="1600" dirty="0">
+              <a:solidFill>
+                <a:srgbClr val="242852">
+                  <a:lumMod val="60000"/>
+                  <a:lumOff val="40000"/>
+                </a:srgbClr>
+              </a:solidFill>
+              <a:latin typeface="Arial Narrow" panose="020B0606020202030204" pitchFamily="34" charset="0"/>
+              <a:cs typeface="Times New Roman" panose="02020603050405020304" pitchFamily="18" charset="0"/>
+            </a:endParaRPr>
+          </a:p>
+          <a:p>
+            <a:pPr lvl="1" defTabSz="457200"/>
+            <a:r>
+              <a:rPr lang="fr-FR" sz="1600" dirty="0">
+                <a:solidFill>
+                  <a:srgbClr val="242852">
+                    <a:lumMod val="60000"/>
+                    <a:lumOff val="40000"/>
+                  </a:srgbClr>
+                </a:solidFill>
+                <a:latin typeface="Arial Narrow" panose="020B0606020202030204" pitchFamily="34" charset="0"/>
+                <a:cs typeface="Times New Roman" panose="02020603050405020304" pitchFamily="18" charset="0"/>
+              </a:rPr>
+              <a:t> </a:t>
+            </a:r>
+            <a:endParaRPr kumimoji="0" lang="fr-FR" sz="1600" i="0" u="none" strike="noStrike" kern="1200" cap="none" spc="0" normalizeH="0" baseline="0" noProof="0" dirty="0">
+              <a:ln>
+                <a:noFill/>
+              </a:ln>
+              <a:solidFill>
+                <a:srgbClr val="242852">
+                  <a:lumMod val="60000"/>
+                  <a:lumOff val="40000"/>
+                </a:srgbClr>
+              </a:solidFill>
+              <a:effectLst/>
+              <a:uLnTx/>
+              <a:uFillTx/>
+              <a:latin typeface="Arial Narrow" panose="020B0606020202030204" pitchFamily="34" charset="0"/>
+              <a:ea typeface="+mn-ea"/>
+              <a:cs typeface="Times New Roman" panose="02020603050405020304" pitchFamily="18" charset="0"/>
+            </a:endParaRPr>
+          </a:p>
+        </p:txBody>
+      </p:sp>
+    </p:spTree>
+    <p:extLst>
+      <p:ext uri="{BB962C8B-B14F-4D97-AF65-F5344CB8AC3E}">
+        <p14:creationId xmlns:p14="http://schemas.microsoft.com/office/powerpoint/2010/main" val="3198741819"/>
+      </p:ext>
+    </p:extLst>
+  </p:cSld>
+  <p:clrMapOvr>
+    <a:masterClrMapping/>
+  </p:clrMapOvr>
+</p:sld>
+</file>
+
+<file path=ppt/slides/slide21.xml><?xml version="1.0" encoding="utf-8"?>
+<p:sld xmlns:a="http://schemas.openxmlformats.org/drawingml/2006/main" xmlns:r="http://schemas.openxmlformats.org/officeDocument/2006/relationships" xmlns:p="http://schemas.openxmlformats.org/presentationml/2006/main">
+  <p:cSld>
+    <p:spTree>
+      <p:nvGrpSpPr>
+        <p:cNvPr id="1" name=""/>
+        <p:cNvGrpSpPr/>
+        <p:nvPr/>
+      </p:nvGrpSpPr>
+      <p:grpSpPr>
+        <a:xfrm>
+          <a:off x="0" y="0"/>
+          <a:ext cx="0" cy="0"/>
+          <a:chOff x="0" y="0"/>
+          <a:chExt cx="0" cy="0"/>
+        </a:xfrm>
+      </p:grpSpPr>
+      <p:sp>
+        <p:nvSpPr>
+          <p:cNvPr id="2" name="ZoneTexte 1">
+            <a:extLst>
+              <a:ext uri="{FF2B5EF4-FFF2-40B4-BE49-F238E27FC236}">
+                <a16:creationId xmlns:a16="http://schemas.microsoft.com/office/drawing/2014/main" id="{CF73B686-CEAA-4E22-B092-7D32A0BD53A1}"/>
+              </a:ext>
+            </a:extLst>
+          </p:cNvPr>
+          <p:cNvSpPr txBox="1"/>
+          <p:nvPr/>
+        </p:nvSpPr>
+        <p:spPr>
+          <a:xfrm>
+            <a:off x="764330" y="1072061"/>
+            <a:ext cx="7624661" cy="480131"/>
+          </a:xfrm>
+          <a:prstGeom prst="rect">
+            <a:avLst/>
+          </a:prstGeom>
+          <a:noFill/>
+        </p:spPr>
+        <p:txBody>
+          <a:bodyPr wrap="square">
+            <a:spAutoFit/>
+          </a:bodyPr>
+          <a:lstStyle/>
+          <a:p>
+            <a:pPr marL="0" marR="0" lvl="0" indent="0" algn="l" defTabSz="914400" rtl="0" eaLnBrk="1" fontAlgn="auto" latinLnBrk="0" hangingPunct="1">
+              <a:lnSpc>
+                <a:spcPct val="90000"/>
+              </a:lnSpc>
+              <a:spcBef>
+                <a:spcPts val="1000"/>
+              </a:spcBef>
+              <a:spcAft>
+                <a:spcPts val="0"/>
+              </a:spcAft>
+              <a:buClrTx/>
+              <a:buSzTx/>
+              <a:buFont typeface="Arial" panose="020B0604020202020204" pitchFamily="34" charset="0"/>
+              <a:buNone/>
+              <a:tabLst/>
+              <a:defRPr/>
+            </a:pPr>
+            <a:r>
+              <a:rPr kumimoji="0" lang="fr-FR" sz="2800" b="1" i="0" u="none" strike="noStrike" kern="1200" cap="none" spc="0" normalizeH="0" baseline="0" noProof="0" dirty="0">
+                <a:ln>
+                  <a:noFill/>
+                </a:ln>
+                <a:solidFill>
+                  <a:srgbClr val="242852">
+                    <a:lumMod val="60000"/>
+                    <a:lumOff val="40000"/>
+                  </a:srgbClr>
+                </a:solidFill>
+                <a:effectLst/>
+                <a:uLnTx/>
+                <a:uFillTx/>
+                <a:latin typeface="Arial Narrow" panose="020B0606020202030204" pitchFamily="34" charset="0"/>
+                <a:ea typeface="Calibri" panose="020F0502020204030204" pitchFamily="34" charset="0"/>
+                <a:cs typeface="Times New Roman" panose="02020603050405020304" pitchFamily="18" charset="0"/>
+              </a:rPr>
+              <a:t>Les océans : Les constructeurs (2)</a:t>
+            </a:r>
+          </a:p>
+        </p:txBody>
+      </p:sp>
+      <p:sp>
+        <p:nvSpPr>
+          <p:cNvPr id="3" name="ZoneTexte 2">
+            <a:extLst>
+              <a:ext uri="{FF2B5EF4-FFF2-40B4-BE49-F238E27FC236}">
+                <a16:creationId xmlns:a16="http://schemas.microsoft.com/office/drawing/2014/main" id="{BA6AFF15-FFFA-430D-A3EC-5D7AAD3931F0}"/>
+              </a:ext>
+            </a:extLst>
+          </p:cNvPr>
+          <p:cNvSpPr txBox="1"/>
+          <p:nvPr/>
+        </p:nvSpPr>
+        <p:spPr>
+          <a:xfrm>
+            <a:off x="771525" y="1976923"/>
+            <a:ext cx="6446960" cy="2800767"/>
+          </a:xfrm>
+          <a:prstGeom prst="rect">
+            <a:avLst/>
+          </a:prstGeom>
+          <a:noFill/>
+        </p:spPr>
+        <p:txBody>
+          <a:bodyPr wrap="square">
+            <a:spAutoFit/>
+          </a:bodyPr>
+          <a:lstStyle/>
+          <a:p>
+            <a:pPr marL="742950" lvl="1" indent="-285750" defTabSz="457200">
+              <a:buFont typeface="Arial" panose="020B0604020202020204" pitchFamily="34" charset="0"/>
+              <a:buChar char="•"/>
+            </a:pPr>
+            <a:r>
+              <a:rPr lang="fr-FR" sz="1600" dirty="0">
+                <a:solidFill>
+                  <a:srgbClr val="242852">
+                    <a:lumMod val="60000"/>
+                    <a:lumOff val="40000"/>
+                  </a:srgbClr>
+                </a:solidFill>
+                <a:latin typeface="Arial Narrow" panose="020B0606020202030204" pitchFamily="34" charset="0"/>
+                <a:cs typeface="Times New Roman" panose="02020603050405020304" pitchFamily="18" charset="0"/>
+              </a:rPr>
+              <a:t>Dans la classe Port ajoutez les propriétés ville et </a:t>
+            </a:r>
+            <a:r>
+              <a:rPr lang="fr-FR" sz="1600" dirty="0" err="1">
+                <a:solidFill>
+                  <a:srgbClr val="242852">
+                    <a:lumMod val="60000"/>
+                    <a:lumOff val="40000"/>
+                  </a:srgbClr>
+                </a:solidFill>
+                <a:latin typeface="Arial Narrow" panose="020B0606020202030204" pitchFamily="34" charset="0"/>
+                <a:cs typeface="Times New Roman" panose="02020603050405020304" pitchFamily="18" charset="0"/>
+              </a:rPr>
+              <a:t>nbEmplacements</a:t>
+            </a:r>
+            <a:r>
+              <a:rPr lang="fr-FR" sz="1600" dirty="0">
+                <a:solidFill>
+                  <a:srgbClr val="242852">
+                    <a:lumMod val="60000"/>
+                    <a:lumOff val="40000"/>
+                  </a:srgbClr>
+                </a:solidFill>
+                <a:latin typeface="Arial Narrow" panose="020B0606020202030204" pitchFamily="34" charset="0"/>
+                <a:cs typeface="Times New Roman" panose="02020603050405020304" pitchFamily="18" charset="0"/>
+              </a:rPr>
+              <a:t> puis ajoutez un constructeur qui valorise ces propriétés.</a:t>
+            </a:r>
+          </a:p>
+          <a:p>
+            <a:pPr marL="742950" lvl="1" indent="-285750" defTabSz="457200">
+              <a:buFont typeface="Arial" panose="020B0604020202020204" pitchFamily="34" charset="0"/>
+              <a:buChar char="•"/>
+            </a:pPr>
+            <a:endParaRPr lang="fr-FR" sz="1600" dirty="0">
+              <a:solidFill>
+                <a:srgbClr val="242852">
+                  <a:lumMod val="60000"/>
+                  <a:lumOff val="40000"/>
+                </a:srgbClr>
+              </a:solidFill>
+              <a:latin typeface="Arial Narrow" panose="020B0606020202030204" pitchFamily="34" charset="0"/>
+              <a:cs typeface="Times New Roman" panose="02020603050405020304" pitchFamily="18" charset="0"/>
+            </a:endParaRPr>
+          </a:p>
+          <a:p>
+            <a:pPr marL="742950" lvl="1" indent="-285750" defTabSz="457200">
+              <a:buFont typeface="Arial" panose="020B0604020202020204" pitchFamily="34" charset="0"/>
+              <a:buChar char="•"/>
+            </a:pPr>
+            <a:r>
+              <a:rPr lang="fr-FR" sz="1600" dirty="0">
+                <a:solidFill>
+                  <a:srgbClr val="242852">
+                    <a:lumMod val="60000"/>
+                    <a:lumOff val="40000"/>
+                  </a:srgbClr>
+                </a:solidFill>
+                <a:latin typeface="Arial Narrow" panose="020B0606020202030204" pitchFamily="34" charset="0"/>
+                <a:cs typeface="Times New Roman" panose="02020603050405020304" pitchFamily="18" charset="0"/>
+              </a:rPr>
+              <a:t>Ajoutez une classe Ville avec un attribut nom et un attribut de type Port</a:t>
+            </a:r>
+          </a:p>
+          <a:p>
+            <a:pPr marL="742950" lvl="1" indent="-285750" defTabSz="457200">
+              <a:buFont typeface="Arial" panose="020B0604020202020204" pitchFamily="34" charset="0"/>
+              <a:buChar char="•"/>
+            </a:pPr>
+            <a:endParaRPr lang="fr-FR" sz="1600" dirty="0">
+              <a:solidFill>
+                <a:srgbClr val="242852">
+                  <a:lumMod val="60000"/>
+                  <a:lumOff val="40000"/>
+                </a:srgbClr>
+              </a:solidFill>
+              <a:latin typeface="Arial Narrow" panose="020B0606020202030204" pitchFamily="34" charset="0"/>
+              <a:cs typeface="Times New Roman" panose="02020603050405020304" pitchFamily="18" charset="0"/>
+            </a:endParaRPr>
+          </a:p>
+          <a:p>
+            <a:pPr marL="742950" lvl="1" indent="-285750" defTabSz="457200">
+              <a:buFont typeface="Arial" panose="020B0604020202020204" pitchFamily="34" charset="0"/>
+              <a:buChar char="•"/>
+            </a:pPr>
+            <a:r>
+              <a:rPr lang="fr-FR" sz="1600" dirty="0">
+                <a:solidFill>
+                  <a:srgbClr val="242852">
+                    <a:lumMod val="60000"/>
+                    <a:lumOff val="40000"/>
+                  </a:srgbClr>
+                </a:solidFill>
+                <a:latin typeface="Arial Narrow" panose="020B0606020202030204" pitchFamily="34" charset="0"/>
+                <a:cs typeface="Times New Roman" panose="02020603050405020304" pitchFamily="18" charset="0"/>
+              </a:rPr>
+              <a:t>Ajoutez un constructeur qui prend en paramètre un Port, puis un autre qui prend en paramètre le nom de la ville et le nombre d’emplacements.</a:t>
+            </a:r>
+          </a:p>
+          <a:p>
+            <a:pPr marL="742950" lvl="1" indent="-285750" defTabSz="457200">
+              <a:buFont typeface="Arial" panose="020B0604020202020204" pitchFamily="34" charset="0"/>
+              <a:buChar char="•"/>
+            </a:pPr>
+            <a:endParaRPr lang="fr-FR" sz="1600" dirty="0">
+              <a:solidFill>
+                <a:srgbClr val="242852">
+                  <a:lumMod val="60000"/>
+                  <a:lumOff val="40000"/>
+                </a:srgbClr>
+              </a:solidFill>
+              <a:latin typeface="Arial Narrow" panose="020B0606020202030204" pitchFamily="34" charset="0"/>
+              <a:cs typeface="Times New Roman" panose="02020603050405020304" pitchFamily="18" charset="0"/>
+            </a:endParaRPr>
+          </a:p>
+          <a:p>
+            <a:pPr marL="742950" lvl="1" indent="-285750" defTabSz="457200">
+              <a:buFont typeface="Arial" panose="020B0604020202020204" pitchFamily="34" charset="0"/>
+              <a:buChar char="•"/>
+            </a:pPr>
+            <a:endParaRPr lang="fr-FR" sz="1600" dirty="0">
+              <a:solidFill>
+                <a:srgbClr val="242852">
+                  <a:lumMod val="60000"/>
+                  <a:lumOff val="40000"/>
+                </a:srgbClr>
+              </a:solidFill>
+              <a:latin typeface="Arial Narrow" panose="020B0606020202030204" pitchFamily="34" charset="0"/>
+              <a:cs typeface="Times New Roman" panose="02020603050405020304" pitchFamily="18" charset="0"/>
+            </a:endParaRPr>
+          </a:p>
+          <a:p>
+            <a:pPr marL="742950" lvl="1" indent="-285750" defTabSz="457200">
+              <a:buFont typeface="Arial" panose="020B0604020202020204" pitchFamily="34" charset="0"/>
+              <a:buChar char="•"/>
+            </a:pPr>
+            <a:endParaRPr lang="fr-FR" sz="1600" dirty="0">
+              <a:solidFill>
+                <a:srgbClr val="242852">
+                  <a:lumMod val="60000"/>
+                  <a:lumOff val="40000"/>
+                </a:srgbClr>
+              </a:solidFill>
+              <a:latin typeface="Arial Narrow" panose="020B0606020202030204" pitchFamily="34" charset="0"/>
+              <a:cs typeface="Times New Roman" panose="02020603050405020304" pitchFamily="18" charset="0"/>
+            </a:endParaRPr>
+          </a:p>
+          <a:p>
+            <a:pPr lvl="1" defTabSz="457200"/>
+            <a:r>
+              <a:rPr lang="fr-FR" sz="1600" dirty="0">
+                <a:solidFill>
+                  <a:srgbClr val="242852">
+                    <a:lumMod val="60000"/>
+                    <a:lumOff val="40000"/>
+                  </a:srgbClr>
+                </a:solidFill>
+                <a:latin typeface="Arial Narrow" panose="020B0606020202030204" pitchFamily="34" charset="0"/>
+                <a:cs typeface="Times New Roman" panose="02020603050405020304" pitchFamily="18" charset="0"/>
+              </a:rPr>
+              <a:t> </a:t>
+            </a:r>
+            <a:endParaRPr kumimoji="0" lang="fr-FR" sz="1600" i="0" u="none" strike="noStrike" kern="1200" cap="none" spc="0" normalizeH="0" baseline="0" noProof="0" dirty="0">
+              <a:ln>
+                <a:noFill/>
+              </a:ln>
+              <a:solidFill>
+                <a:srgbClr val="242852">
+                  <a:lumMod val="60000"/>
+                  <a:lumOff val="40000"/>
+                </a:srgbClr>
+              </a:solidFill>
+              <a:effectLst/>
+              <a:uLnTx/>
+              <a:uFillTx/>
+              <a:latin typeface="Arial Narrow" panose="020B0606020202030204" pitchFamily="34" charset="0"/>
+              <a:ea typeface="+mn-ea"/>
+              <a:cs typeface="Times New Roman" panose="02020603050405020304" pitchFamily="18" charset="0"/>
+            </a:endParaRPr>
+          </a:p>
+        </p:txBody>
+      </p:sp>
+    </p:spTree>
+    <p:extLst>
+      <p:ext uri="{BB962C8B-B14F-4D97-AF65-F5344CB8AC3E}">
+        <p14:creationId xmlns:p14="http://schemas.microsoft.com/office/powerpoint/2010/main" val="3054937392"/>
+      </p:ext>
+    </p:extLst>
+  </p:cSld>
+  <p:clrMapOvr>
+    <a:masterClrMapping/>
+  </p:clrMapOvr>
+</p:sld>
+</file>
+
+<file path=ppt/slides/slide22.xml><?xml version="1.0" encoding="utf-8"?>
+<p:sld xmlns:a="http://schemas.openxmlformats.org/drawingml/2006/main" xmlns:r="http://schemas.openxmlformats.org/officeDocument/2006/relationships" xmlns:p="http://schemas.openxmlformats.org/presentationml/2006/main">
+  <p:cSld>
+    <p:spTree>
+      <p:nvGrpSpPr>
+        <p:cNvPr id="1" name=""/>
+        <p:cNvGrpSpPr/>
+        <p:nvPr/>
+      </p:nvGrpSpPr>
+      <p:grpSpPr>
+        <a:xfrm>
+          <a:off x="0" y="0"/>
+          <a:ext cx="0" cy="0"/>
+          <a:chOff x="0" y="0"/>
+          <a:chExt cx="0" cy="0"/>
+        </a:xfrm>
+      </p:grpSpPr>
+      <p:sp>
+        <p:nvSpPr>
+          <p:cNvPr id="2" name="ZoneTexte 1">
+            <a:extLst>
+              <a:ext uri="{FF2B5EF4-FFF2-40B4-BE49-F238E27FC236}">
+                <a16:creationId xmlns:a16="http://schemas.microsoft.com/office/drawing/2014/main" id="{CF73B686-CEAA-4E22-B092-7D32A0BD53A1}"/>
+              </a:ext>
+            </a:extLst>
+          </p:cNvPr>
+          <p:cNvSpPr txBox="1"/>
+          <p:nvPr/>
+        </p:nvSpPr>
+        <p:spPr>
+          <a:xfrm>
+            <a:off x="764330" y="1072061"/>
+            <a:ext cx="7624661" cy="480131"/>
+          </a:xfrm>
+          <a:prstGeom prst="rect">
+            <a:avLst/>
+          </a:prstGeom>
+          <a:noFill/>
+        </p:spPr>
+        <p:txBody>
+          <a:bodyPr wrap="square">
+            <a:spAutoFit/>
+          </a:bodyPr>
+          <a:lstStyle/>
+          <a:p>
+            <a:pPr marL="0" marR="0" lvl="0" indent="0" algn="l" defTabSz="914400" rtl="0" eaLnBrk="1" fontAlgn="auto" latinLnBrk="0" hangingPunct="1">
+              <a:lnSpc>
+                <a:spcPct val="90000"/>
+              </a:lnSpc>
+              <a:spcBef>
+                <a:spcPts val="1000"/>
+              </a:spcBef>
+              <a:spcAft>
+                <a:spcPts val="0"/>
+              </a:spcAft>
+              <a:buClrTx/>
+              <a:buSzTx/>
+              <a:buFont typeface="Arial" panose="020B0604020202020204" pitchFamily="34" charset="0"/>
+              <a:buNone/>
+              <a:tabLst/>
+              <a:defRPr/>
+            </a:pPr>
+            <a:r>
+              <a:rPr kumimoji="0" lang="fr-FR" sz="2800" b="1" i="0" u="none" strike="noStrike" kern="1200" cap="none" spc="0" normalizeH="0" baseline="0" noProof="0" dirty="0">
+                <a:ln>
+                  <a:noFill/>
+                </a:ln>
+                <a:solidFill>
+                  <a:srgbClr val="242852">
+                    <a:lumMod val="60000"/>
+                    <a:lumOff val="40000"/>
+                  </a:srgbClr>
+                </a:solidFill>
+                <a:effectLst/>
+                <a:uLnTx/>
+                <a:uFillTx/>
+                <a:latin typeface="Arial Narrow" panose="020B0606020202030204" pitchFamily="34" charset="0"/>
+                <a:ea typeface="Calibri" panose="020F0502020204030204" pitchFamily="34" charset="0"/>
+                <a:cs typeface="Times New Roman" panose="02020603050405020304" pitchFamily="18" charset="0"/>
+              </a:rPr>
+              <a:t>Les océans : Visibilité</a:t>
+            </a:r>
+          </a:p>
+        </p:txBody>
+      </p:sp>
+      <p:sp>
+        <p:nvSpPr>
+          <p:cNvPr id="3" name="ZoneTexte 2">
+            <a:extLst>
+              <a:ext uri="{FF2B5EF4-FFF2-40B4-BE49-F238E27FC236}">
+                <a16:creationId xmlns:a16="http://schemas.microsoft.com/office/drawing/2014/main" id="{BA6AFF15-FFFA-430D-A3EC-5D7AAD3931F0}"/>
+              </a:ext>
+            </a:extLst>
+          </p:cNvPr>
+          <p:cNvSpPr txBox="1"/>
+          <p:nvPr/>
+        </p:nvSpPr>
+        <p:spPr>
+          <a:xfrm>
+            <a:off x="771525" y="1976923"/>
+            <a:ext cx="6446960" cy="2062103"/>
+          </a:xfrm>
+          <a:prstGeom prst="rect">
+            <a:avLst/>
+          </a:prstGeom>
+          <a:noFill/>
+        </p:spPr>
+        <p:txBody>
+          <a:bodyPr wrap="square">
+            <a:spAutoFit/>
+          </a:bodyPr>
+          <a:lstStyle/>
+          <a:p>
+            <a:pPr marL="742950" lvl="1" indent="-285750" defTabSz="457200">
+              <a:buFont typeface="Arial" panose="020B0604020202020204" pitchFamily="34" charset="0"/>
+              <a:buChar char="•"/>
+            </a:pPr>
+            <a:r>
+              <a:rPr lang="fr-FR" sz="1600" dirty="0">
+                <a:solidFill>
+                  <a:srgbClr val="242852">
+                    <a:lumMod val="60000"/>
+                    <a:lumOff val="40000"/>
+                  </a:srgbClr>
+                </a:solidFill>
+                <a:latin typeface="Arial Narrow" panose="020B0606020202030204" pitchFamily="34" charset="0"/>
+                <a:cs typeface="Times New Roman" panose="02020603050405020304" pitchFamily="18" charset="0"/>
+              </a:rPr>
+              <a:t>Dans la classe Port, une propriété </a:t>
+            </a:r>
+            <a:r>
+              <a:rPr lang="fr-FR" sz="1600" dirty="0" err="1">
+                <a:solidFill>
+                  <a:srgbClr val="242852">
+                    <a:lumMod val="60000"/>
+                    <a:lumOff val="40000"/>
+                  </a:srgbClr>
+                </a:solidFill>
+                <a:latin typeface="Arial Narrow" panose="020B0606020202030204" pitchFamily="34" charset="0"/>
+                <a:cs typeface="Times New Roman" panose="02020603050405020304" pitchFamily="18" charset="0"/>
+              </a:rPr>
+              <a:t>nbEmplacementsLibres</a:t>
+            </a:r>
+            <a:r>
+              <a:rPr lang="fr-FR" sz="1600" dirty="0">
+                <a:solidFill>
+                  <a:srgbClr val="242852">
+                    <a:lumMod val="60000"/>
+                    <a:lumOff val="40000"/>
+                  </a:srgbClr>
+                </a:solidFill>
+                <a:latin typeface="Arial Narrow" panose="020B0606020202030204" pitchFamily="34" charset="0"/>
+                <a:cs typeface="Times New Roman" panose="02020603050405020304" pitchFamily="18" charset="0"/>
+              </a:rPr>
+              <a:t> pourrait être utilisée par la méthode </a:t>
+            </a:r>
+            <a:r>
+              <a:rPr lang="fr-FR" sz="1600" dirty="0" err="1">
+                <a:solidFill>
+                  <a:srgbClr val="242852">
+                    <a:lumMod val="60000"/>
+                    <a:lumOff val="40000"/>
+                  </a:srgbClr>
+                </a:solidFill>
+                <a:latin typeface="Arial Narrow" panose="020B0606020202030204" pitchFamily="34" charset="0"/>
+                <a:cs typeface="Times New Roman" panose="02020603050405020304" pitchFamily="18" charset="0"/>
+              </a:rPr>
+              <a:t>restePlaceDisponible</a:t>
+            </a:r>
+            <a:r>
+              <a:rPr lang="fr-FR" sz="1600" dirty="0">
+                <a:solidFill>
+                  <a:srgbClr val="242852">
+                    <a:lumMod val="60000"/>
+                    <a:lumOff val="40000"/>
+                  </a:srgbClr>
+                </a:solidFill>
+                <a:latin typeface="Arial Narrow" panose="020B0606020202030204" pitchFamily="34" charset="0"/>
+                <a:cs typeface="Times New Roman" panose="02020603050405020304" pitchFamily="18" charset="0"/>
+              </a:rPr>
+              <a:t> mais il serait dangereux de modifier sa valeur à l’extérieur de la classe.</a:t>
+            </a:r>
+          </a:p>
+          <a:p>
+            <a:pPr marL="742950" lvl="1" indent="-285750" defTabSz="457200">
+              <a:buFont typeface="Arial" panose="020B0604020202020204" pitchFamily="34" charset="0"/>
+              <a:buChar char="•"/>
+            </a:pPr>
+            <a:endParaRPr lang="fr-FR" sz="1600" dirty="0">
+              <a:solidFill>
+                <a:srgbClr val="242852">
+                  <a:lumMod val="60000"/>
+                  <a:lumOff val="40000"/>
+                </a:srgbClr>
+              </a:solidFill>
+              <a:latin typeface="Arial Narrow" panose="020B0606020202030204" pitchFamily="34" charset="0"/>
+              <a:cs typeface="Times New Roman" panose="02020603050405020304" pitchFamily="18" charset="0"/>
+            </a:endParaRPr>
+          </a:p>
+          <a:p>
+            <a:pPr marL="742950" lvl="1" indent="-285750" defTabSz="457200">
+              <a:buFont typeface="Arial" panose="020B0604020202020204" pitchFamily="34" charset="0"/>
+              <a:buChar char="•"/>
+            </a:pPr>
+            <a:r>
+              <a:rPr lang="fr-FR" sz="1600" dirty="0">
+                <a:solidFill>
+                  <a:srgbClr val="242852">
+                    <a:lumMod val="60000"/>
+                    <a:lumOff val="40000"/>
+                  </a:srgbClr>
+                </a:solidFill>
+                <a:latin typeface="Arial Narrow" panose="020B0606020202030204" pitchFamily="34" charset="0"/>
+                <a:cs typeface="Times New Roman" panose="02020603050405020304" pitchFamily="18" charset="0"/>
+              </a:rPr>
+              <a:t> Ajoutez cette propriété avec le bon </a:t>
+            </a:r>
+            <a:r>
+              <a:rPr lang="fr-FR" sz="1600">
+                <a:solidFill>
+                  <a:srgbClr val="242852">
+                    <a:lumMod val="60000"/>
+                    <a:lumOff val="40000"/>
+                  </a:srgbClr>
+                </a:solidFill>
+                <a:latin typeface="Arial Narrow" panose="020B0606020202030204" pitchFamily="34" charset="0"/>
+                <a:cs typeface="Times New Roman" panose="02020603050405020304" pitchFamily="18" charset="0"/>
+              </a:rPr>
+              <a:t>modificateur d’accès.</a:t>
+            </a:r>
+            <a:endParaRPr lang="fr-FR" sz="1600" dirty="0">
+              <a:solidFill>
+                <a:srgbClr val="242852">
+                  <a:lumMod val="60000"/>
+                  <a:lumOff val="40000"/>
+                </a:srgbClr>
+              </a:solidFill>
+              <a:latin typeface="Arial Narrow" panose="020B0606020202030204" pitchFamily="34" charset="0"/>
+              <a:cs typeface="Times New Roman" panose="02020603050405020304" pitchFamily="18" charset="0"/>
+            </a:endParaRPr>
+          </a:p>
+          <a:p>
+            <a:pPr marL="742950" lvl="1" indent="-285750" defTabSz="457200">
+              <a:buFont typeface="Arial" panose="020B0604020202020204" pitchFamily="34" charset="0"/>
+              <a:buChar char="•"/>
+            </a:pPr>
+            <a:endParaRPr lang="fr-FR" sz="1600" dirty="0">
+              <a:solidFill>
+                <a:srgbClr val="242852">
+                  <a:lumMod val="60000"/>
+                  <a:lumOff val="40000"/>
+                </a:srgbClr>
+              </a:solidFill>
+              <a:latin typeface="Arial Narrow" panose="020B0606020202030204" pitchFamily="34" charset="0"/>
+              <a:cs typeface="Times New Roman" panose="02020603050405020304" pitchFamily="18" charset="0"/>
+            </a:endParaRPr>
+          </a:p>
+          <a:p>
+            <a:pPr marL="742950" lvl="1" indent="-285750" defTabSz="457200">
+              <a:buFont typeface="Arial" panose="020B0604020202020204" pitchFamily="34" charset="0"/>
+              <a:buChar char="•"/>
+            </a:pPr>
+            <a:endParaRPr lang="fr-FR" sz="1600" dirty="0">
+              <a:solidFill>
+                <a:srgbClr val="242852">
+                  <a:lumMod val="60000"/>
+                  <a:lumOff val="40000"/>
+                </a:srgbClr>
+              </a:solidFill>
+              <a:latin typeface="Arial Narrow" panose="020B0606020202030204" pitchFamily="34" charset="0"/>
+              <a:cs typeface="Times New Roman" panose="02020603050405020304" pitchFamily="18" charset="0"/>
+            </a:endParaRPr>
+          </a:p>
+          <a:p>
+            <a:pPr lvl="1" defTabSz="457200"/>
+            <a:r>
+              <a:rPr lang="fr-FR" sz="1600" dirty="0">
+                <a:solidFill>
+                  <a:srgbClr val="242852">
+                    <a:lumMod val="60000"/>
+                    <a:lumOff val="40000"/>
+                  </a:srgbClr>
+                </a:solidFill>
+                <a:latin typeface="Arial Narrow" panose="020B0606020202030204" pitchFamily="34" charset="0"/>
+                <a:cs typeface="Times New Roman" panose="02020603050405020304" pitchFamily="18" charset="0"/>
+              </a:rPr>
+              <a:t> </a:t>
+            </a:r>
+            <a:endParaRPr kumimoji="0" lang="fr-FR" sz="1600" i="0" u="none" strike="noStrike" kern="1200" cap="none" spc="0" normalizeH="0" baseline="0" noProof="0" dirty="0">
+              <a:ln>
+                <a:noFill/>
+              </a:ln>
+              <a:solidFill>
+                <a:srgbClr val="242852">
+                  <a:lumMod val="60000"/>
+                  <a:lumOff val="40000"/>
+                </a:srgbClr>
+              </a:solidFill>
+              <a:effectLst/>
+              <a:uLnTx/>
+              <a:uFillTx/>
+              <a:latin typeface="Arial Narrow" panose="020B0606020202030204" pitchFamily="34" charset="0"/>
+              <a:ea typeface="+mn-ea"/>
+              <a:cs typeface="Times New Roman" panose="02020603050405020304" pitchFamily="18" charset="0"/>
+            </a:endParaRPr>
+          </a:p>
+        </p:txBody>
+      </p:sp>
+    </p:spTree>
+    <p:extLst>
+      <p:ext uri="{BB962C8B-B14F-4D97-AF65-F5344CB8AC3E}">
+        <p14:creationId xmlns:p14="http://schemas.microsoft.com/office/powerpoint/2010/main" val="1420139362"/>
+      </p:ext>
+    </p:extLst>
+  </p:cSld>
+  <p:clrMapOvr>
+    <a:masterClrMapping/>
+  </p:clrMapOvr>
+</p:sld>
+</file>
+
+<file path=ppt/slides/slide23.xml><?xml version="1.0" encoding="utf-8"?>
+<p:sld xmlns:a="http://schemas.openxmlformats.org/drawingml/2006/main" xmlns:r="http://schemas.openxmlformats.org/officeDocument/2006/relationships" xmlns:p="http://schemas.openxmlformats.org/presentationml/2006/main">
+  <p:cSld>
+    <p:spTree>
+      <p:nvGrpSpPr>
+        <p:cNvPr id="1" name=""/>
+        <p:cNvGrpSpPr/>
+        <p:nvPr/>
+      </p:nvGrpSpPr>
+      <p:grpSpPr>
+        <a:xfrm>
+          <a:off x="0" y="0"/>
+          <a:ext cx="0" cy="0"/>
+          <a:chOff x="0" y="0"/>
+          <a:chExt cx="0" cy="0"/>
+        </a:xfrm>
+      </p:grpSpPr>
+      <p:sp>
+        <p:nvSpPr>
+          <p:cNvPr id="2" name="ZoneTexte 1">
+            <a:extLst>
+              <a:ext uri="{FF2B5EF4-FFF2-40B4-BE49-F238E27FC236}">
+                <a16:creationId xmlns:a16="http://schemas.microsoft.com/office/drawing/2014/main" id="{CF73B686-CEAA-4E22-B092-7D32A0BD53A1}"/>
+              </a:ext>
+            </a:extLst>
+          </p:cNvPr>
+          <p:cNvSpPr txBox="1"/>
+          <p:nvPr/>
+        </p:nvSpPr>
+        <p:spPr>
+          <a:xfrm>
+            <a:off x="764330" y="1072061"/>
+            <a:ext cx="7624661" cy="480131"/>
+          </a:xfrm>
+          <a:prstGeom prst="rect">
+            <a:avLst/>
+          </a:prstGeom>
+          <a:noFill/>
+        </p:spPr>
+        <p:txBody>
+          <a:bodyPr wrap="square">
+            <a:spAutoFit/>
+          </a:bodyPr>
+          <a:lstStyle/>
+          <a:p>
+            <a:pPr marL="0" marR="0" lvl="0" indent="0" algn="l" defTabSz="914400" rtl="0" eaLnBrk="1" fontAlgn="auto" latinLnBrk="0" hangingPunct="1">
+              <a:lnSpc>
+                <a:spcPct val="90000"/>
+              </a:lnSpc>
+              <a:spcBef>
+                <a:spcPts val="1000"/>
+              </a:spcBef>
+              <a:spcAft>
+                <a:spcPts val="0"/>
+              </a:spcAft>
+              <a:buClrTx/>
+              <a:buSzTx/>
+              <a:buFont typeface="Arial" panose="020B0604020202020204" pitchFamily="34" charset="0"/>
+              <a:buNone/>
+              <a:tabLst/>
+              <a:defRPr/>
+            </a:pPr>
+            <a:r>
+              <a:rPr kumimoji="0" lang="fr-FR" sz="2800" b="1" i="0" u="none" strike="noStrike" kern="1200" cap="none" spc="0" normalizeH="0" baseline="0" noProof="0" dirty="0">
+                <a:ln>
+                  <a:noFill/>
+                </a:ln>
+                <a:solidFill>
+                  <a:srgbClr val="242852">
+                    <a:lumMod val="60000"/>
+                    <a:lumOff val="40000"/>
+                  </a:srgbClr>
+                </a:solidFill>
+                <a:effectLst/>
+                <a:uLnTx/>
+                <a:uFillTx/>
+                <a:latin typeface="Arial Narrow" panose="020B0606020202030204" pitchFamily="34" charset="0"/>
+                <a:ea typeface="Calibri" panose="020F0502020204030204" pitchFamily="34" charset="0"/>
+                <a:cs typeface="Times New Roman" panose="02020603050405020304" pitchFamily="18" charset="0"/>
+              </a:rPr>
+              <a:t>Les océans : Getters &amp; Setters</a:t>
+            </a:r>
+          </a:p>
+        </p:txBody>
+      </p:sp>
+      <p:sp>
+        <p:nvSpPr>
+          <p:cNvPr id="3" name="ZoneTexte 2">
+            <a:extLst>
+              <a:ext uri="{FF2B5EF4-FFF2-40B4-BE49-F238E27FC236}">
+                <a16:creationId xmlns:a16="http://schemas.microsoft.com/office/drawing/2014/main" id="{BA6AFF15-FFFA-430D-A3EC-5D7AAD3931F0}"/>
+              </a:ext>
+            </a:extLst>
+          </p:cNvPr>
+          <p:cNvSpPr txBox="1"/>
+          <p:nvPr/>
+        </p:nvSpPr>
+        <p:spPr>
+          <a:xfrm>
+            <a:off x="771525" y="1976923"/>
+            <a:ext cx="6446960" cy="1077218"/>
+          </a:xfrm>
+          <a:prstGeom prst="rect">
+            <a:avLst/>
+          </a:prstGeom>
+          <a:noFill/>
+        </p:spPr>
+        <p:txBody>
+          <a:bodyPr wrap="square">
+            <a:spAutoFit/>
+          </a:bodyPr>
+          <a:lstStyle/>
+          <a:p>
+            <a:pPr marL="742950" lvl="1" indent="-285750" defTabSz="457200">
+              <a:buFont typeface="Arial" panose="020B0604020202020204" pitchFamily="34" charset="0"/>
+              <a:buChar char="•"/>
+            </a:pPr>
+            <a:r>
+              <a:rPr lang="fr-FR" sz="1600" dirty="0">
+                <a:solidFill>
+                  <a:srgbClr val="242852">
+                    <a:lumMod val="60000"/>
+                    <a:lumOff val="40000"/>
+                  </a:srgbClr>
+                </a:solidFill>
+                <a:latin typeface="Arial Narrow" panose="020B0606020202030204" pitchFamily="34" charset="0"/>
+                <a:cs typeface="Times New Roman" panose="02020603050405020304" pitchFamily="18" charset="0"/>
+              </a:rPr>
+              <a:t>Passez les attributs de la classe Bateau à </a:t>
+            </a:r>
+            <a:r>
+              <a:rPr lang="fr-FR" sz="1600" dirty="0" err="1">
+                <a:solidFill>
+                  <a:srgbClr val="242852">
+                    <a:lumMod val="60000"/>
+                    <a:lumOff val="40000"/>
+                  </a:srgbClr>
+                </a:solidFill>
+                <a:latin typeface="Arial Narrow" panose="020B0606020202030204" pitchFamily="34" charset="0"/>
+                <a:cs typeface="Times New Roman" panose="02020603050405020304" pitchFamily="18" charset="0"/>
+              </a:rPr>
+              <a:t>private</a:t>
+            </a:r>
+            <a:r>
+              <a:rPr lang="fr-FR" sz="1600" dirty="0">
+                <a:solidFill>
+                  <a:srgbClr val="242852">
+                    <a:lumMod val="60000"/>
+                    <a:lumOff val="40000"/>
+                  </a:srgbClr>
+                </a:solidFill>
+                <a:latin typeface="Arial Narrow" panose="020B0606020202030204" pitchFamily="34" charset="0"/>
+                <a:cs typeface="Times New Roman" panose="02020603050405020304" pitchFamily="18" charset="0"/>
+              </a:rPr>
+              <a:t> et modifier le code pour que la classe main fonctionne.</a:t>
+            </a:r>
+          </a:p>
+          <a:p>
+            <a:pPr marL="742950" lvl="1" indent="-285750" defTabSz="457200">
+              <a:buFont typeface="Arial" panose="020B0604020202020204" pitchFamily="34" charset="0"/>
+              <a:buChar char="•"/>
+            </a:pPr>
+            <a:endParaRPr lang="fr-FR" sz="1600" dirty="0">
+              <a:solidFill>
+                <a:srgbClr val="242852">
+                  <a:lumMod val="60000"/>
+                  <a:lumOff val="40000"/>
+                </a:srgbClr>
+              </a:solidFill>
+              <a:latin typeface="Arial Narrow" panose="020B0606020202030204" pitchFamily="34" charset="0"/>
+              <a:cs typeface="Times New Roman" panose="02020603050405020304" pitchFamily="18" charset="0"/>
+            </a:endParaRPr>
+          </a:p>
+          <a:p>
+            <a:pPr lvl="1" defTabSz="457200"/>
+            <a:r>
+              <a:rPr lang="fr-FR" sz="1600" dirty="0">
+                <a:solidFill>
+                  <a:srgbClr val="242852">
+                    <a:lumMod val="60000"/>
+                    <a:lumOff val="40000"/>
+                  </a:srgbClr>
+                </a:solidFill>
+                <a:latin typeface="Arial Narrow" panose="020B0606020202030204" pitchFamily="34" charset="0"/>
+                <a:cs typeface="Times New Roman" panose="02020603050405020304" pitchFamily="18" charset="0"/>
+              </a:rPr>
+              <a:t> </a:t>
+            </a:r>
+            <a:endParaRPr kumimoji="0" lang="fr-FR" sz="1600" i="0" u="none" strike="noStrike" kern="1200" cap="none" spc="0" normalizeH="0" baseline="0" noProof="0" dirty="0">
+              <a:ln>
+                <a:noFill/>
+              </a:ln>
+              <a:solidFill>
+                <a:srgbClr val="242852">
+                  <a:lumMod val="60000"/>
+                  <a:lumOff val="40000"/>
+                </a:srgbClr>
+              </a:solidFill>
+              <a:effectLst/>
+              <a:uLnTx/>
+              <a:uFillTx/>
+              <a:latin typeface="Arial Narrow" panose="020B0606020202030204" pitchFamily="34" charset="0"/>
+              <a:ea typeface="+mn-ea"/>
+              <a:cs typeface="Times New Roman" panose="02020603050405020304" pitchFamily="18" charset="0"/>
+            </a:endParaRPr>
+          </a:p>
+        </p:txBody>
+      </p:sp>
+    </p:spTree>
+    <p:extLst>
+      <p:ext uri="{BB962C8B-B14F-4D97-AF65-F5344CB8AC3E}">
+        <p14:creationId xmlns:p14="http://schemas.microsoft.com/office/powerpoint/2010/main" val="1094401283"/>
+      </p:ext>
+    </p:extLst>
+  </p:cSld>
+  <p:clrMapOvr>
+    <a:masterClrMapping/>
+  </p:clrMapOvr>
+</p:sld>
+</file>
+
+<file path=ppt/slides/slide24.xml><?xml version="1.0" encoding="utf-8"?>
+<p:sld xmlns:a="http://schemas.openxmlformats.org/drawingml/2006/main" xmlns:r="http://schemas.openxmlformats.org/officeDocument/2006/relationships" xmlns:p="http://schemas.openxmlformats.org/presentationml/2006/main">
+  <p:cSld>
+    <p:spTree>
+      <p:nvGrpSpPr>
+        <p:cNvPr id="1" name=""/>
+        <p:cNvGrpSpPr/>
+        <p:nvPr/>
+      </p:nvGrpSpPr>
+      <p:grpSpPr>
+        <a:xfrm>
+          <a:off x="0" y="0"/>
+          <a:ext cx="0" cy="0"/>
+          <a:chOff x="0" y="0"/>
+          <a:chExt cx="0" cy="0"/>
+        </a:xfrm>
+      </p:grpSpPr>
+      <p:sp>
+        <p:nvSpPr>
+          <p:cNvPr id="2" name="ZoneTexte 1">
+            <a:extLst>
+              <a:ext uri="{FF2B5EF4-FFF2-40B4-BE49-F238E27FC236}">
+                <a16:creationId xmlns:a16="http://schemas.microsoft.com/office/drawing/2014/main" id="{CF73B686-CEAA-4E22-B092-7D32A0BD53A1}"/>
+              </a:ext>
+            </a:extLst>
+          </p:cNvPr>
+          <p:cNvSpPr txBox="1"/>
+          <p:nvPr/>
+        </p:nvSpPr>
+        <p:spPr>
+          <a:xfrm>
+            <a:off x="764330" y="1072061"/>
+            <a:ext cx="7624661" cy="480131"/>
+          </a:xfrm>
+          <a:prstGeom prst="rect">
+            <a:avLst/>
+          </a:prstGeom>
+          <a:noFill/>
+        </p:spPr>
+        <p:txBody>
+          <a:bodyPr wrap="square">
+            <a:spAutoFit/>
+          </a:bodyPr>
+          <a:lstStyle/>
+          <a:p>
+            <a:pPr marL="0" marR="0" lvl="0" indent="0" algn="l" defTabSz="914400" rtl="0" eaLnBrk="1" fontAlgn="auto" latinLnBrk="0" hangingPunct="1">
+              <a:lnSpc>
+                <a:spcPct val="90000"/>
+              </a:lnSpc>
+              <a:spcBef>
+                <a:spcPts val="1000"/>
+              </a:spcBef>
+              <a:spcAft>
+                <a:spcPts val="0"/>
+              </a:spcAft>
+              <a:buClrTx/>
+              <a:buSzTx/>
+              <a:buFont typeface="Arial" panose="020B0604020202020204" pitchFamily="34" charset="0"/>
+              <a:buNone/>
+              <a:tabLst/>
+              <a:defRPr/>
+            </a:pPr>
+            <a:r>
+              <a:rPr kumimoji="0" lang="fr-FR" sz="2800" b="1" i="0" u="none" strike="noStrike" kern="1200" cap="none" spc="0" normalizeH="0" baseline="0" noProof="0" dirty="0">
+                <a:ln>
+                  <a:noFill/>
+                </a:ln>
+                <a:solidFill>
+                  <a:srgbClr val="242852">
+                    <a:lumMod val="60000"/>
+                    <a:lumOff val="40000"/>
+                  </a:srgbClr>
+                </a:solidFill>
+                <a:effectLst/>
+                <a:uLnTx/>
+                <a:uFillTx/>
+                <a:latin typeface="Arial Narrow" panose="020B0606020202030204" pitchFamily="34" charset="0"/>
+                <a:ea typeface="Calibri" panose="020F0502020204030204" pitchFamily="34" charset="0"/>
+                <a:cs typeface="Times New Roman" panose="02020603050405020304" pitchFamily="18" charset="0"/>
+              </a:rPr>
+              <a:t>Les océans : </a:t>
+            </a:r>
+            <a:r>
+              <a:rPr lang="fr-FR" sz="2800" b="1" dirty="0">
+                <a:solidFill>
+                  <a:srgbClr val="242852">
+                    <a:lumMod val="60000"/>
+                    <a:lumOff val="40000"/>
+                  </a:srgbClr>
+                </a:solidFill>
+                <a:latin typeface="Arial Narrow" panose="020B0606020202030204" pitchFamily="34" charset="0"/>
+                <a:ea typeface="Calibri" panose="020F0502020204030204" pitchFamily="34" charset="0"/>
+                <a:cs typeface="Times New Roman" panose="02020603050405020304" pitchFamily="18" charset="0"/>
+              </a:rPr>
+              <a:t>Héritage</a:t>
+            </a:r>
+            <a:endParaRPr kumimoji="0" lang="fr-FR" sz="2800" b="1" i="0" u="none" strike="noStrike" kern="1200" cap="none" spc="0" normalizeH="0" baseline="0" noProof="0" dirty="0">
+              <a:ln>
+                <a:noFill/>
+              </a:ln>
+              <a:solidFill>
+                <a:srgbClr val="242852">
+                  <a:lumMod val="60000"/>
+                  <a:lumOff val="40000"/>
+                </a:srgbClr>
+              </a:solidFill>
+              <a:effectLst/>
+              <a:uLnTx/>
+              <a:uFillTx/>
+              <a:latin typeface="Arial Narrow" panose="020B0606020202030204" pitchFamily="34" charset="0"/>
+              <a:ea typeface="Calibri" panose="020F0502020204030204" pitchFamily="34" charset="0"/>
+              <a:cs typeface="Times New Roman" panose="02020603050405020304" pitchFamily="18" charset="0"/>
+            </a:endParaRPr>
+          </a:p>
+        </p:txBody>
+      </p:sp>
+      <p:sp>
+        <p:nvSpPr>
+          <p:cNvPr id="3" name="ZoneTexte 2">
+            <a:extLst>
+              <a:ext uri="{FF2B5EF4-FFF2-40B4-BE49-F238E27FC236}">
+                <a16:creationId xmlns:a16="http://schemas.microsoft.com/office/drawing/2014/main" id="{BA6AFF15-FFFA-430D-A3EC-5D7AAD3931F0}"/>
+              </a:ext>
+            </a:extLst>
+          </p:cNvPr>
+          <p:cNvSpPr txBox="1"/>
+          <p:nvPr/>
+        </p:nvSpPr>
+        <p:spPr>
+          <a:xfrm>
+            <a:off x="771525" y="1976923"/>
+            <a:ext cx="6446960" cy="1815882"/>
+          </a:xfrm>
+          <a:prstGeom prst="rect">
+            <a:avLst/>
+          </a:prstGeom>
+          <a:noFill/>
+        </p:spPr>
+        <p:txBody>
+          <a:bodyPr wrap="square">
+            <a:spAutoFit/>
+          </a:bodyPr>
+          <a:lstStyle/>
+          <a:p>
+            <a:pPr marL="742950" lvl="1" indent="-285750" defTabSz="457200">
+              <a:buFont typeface="Arial" panose="020B0604020202020204" pitchFamily="34" charset="0"/>
+              <a:buChar char="•"/>
+            </a:pPr>
+            <a:r>
+              <a:rPr lang="fr-FR" sz="1600" dirty="0">
+                <a:solidFill>
+                  <a:srgbClr val="242852">
+                    <a:lumMod val="60000"/>
+                    <a:lumOff val="40000"/>
+                  </a:srgbClr>
+                </a:solidFill>
+                <a:latin typeface="Arial Narrow" panose="020B0606020202030204" pitchFamily="34" charset="0"/>
+                <a:cs typeface="Times New Roman" panose="02020603050405020304" pitchFamily="18" charset="0"/>
+              </a:rPr>
+              <a:t>Créez une classe Cargo qui hérite de Bateau, ajoutez un attribut (privé) </a:t>
+            </a:r>
+            <a:r>
+              <a:rPr lang="fr-FR" sz="1600" dirty="0" err="1">
+                <a:solidFill>
+                  <a:srgbClr val="242852">
+                    <a:lumMod val="60000"/>
+                    <a:lumOff val="40000"/>
+                  </a:srgbClr>
+                </a:solidFill>
+                <a:latin typeface="Arial Narrow" panose="020B0606020202030204" pitchFamily="34" charset="0"/>
+                <a:cs typeface="Times New Roman" panose="02020603050405020304" pitchFamily="18" charset="0"/>
+              </a:rPr>
+              <a:t>tonnageMax</a:t>
+            </a:r>
+            <a:r>
+              <a:rPr lang="fr-FR" sz="1600" dirty="0">
+                <a:solidFill>
+                  <a:srgbClr val="242852">
+                    <a:lumMod val="60000"/>
+                    <a:lumOff val="40000"/>
+                  </a:srgbClr>
+                </a:solidFill>
+                <a:latin typeface="Arial Narrow" panose="020B0606020202030204" pitchFamily="34" charset="0"/>
+                <a:cs typeface="Times New Roman" panose="02020603050405020304" pitchFamily="18" charset="0"/>
+              </a:rPr>
+              <a:t>.</a:t>
+            </a:r>
+          </a:p>
+          <a:p>
+            <a:pPr marL="742950" lvl="1" indent="-285750" defTabSz="457200">
+              <a:buFont typeface="Arial" panose="020B0604020202020204" pitchFamily="34" charset="0"/>
+              <a:buChar char="•"/>
+            </a:pPr>
+            <a:r>
+              <a:rPr lang="fr-FR" sz="1600" dirty="0">
+                <a:solidFill>
+                  <a:srgbClr val="242852">
+                    <a:lumMod val="60000"/>
+                    <a:lumOff val="40000"/>
+                  </a:srgbClr>
+                </a:solidFill>
+                <a:latin typeface="Arial Narrow" panose="020B0606020202030204" pitchFamily="34" charset="0"/>
+                <a:cs typeface="Times New Roman" panose="02020603050405020304" pitchFamily="18" charset="0"/>
+              </a:rPr>
+              <a:t>Dans la classe main, instanciez un cargo </a:t>
+            </a:r>
+            <a:r>
+              <a:rPr lang="fr-FR" sz="1600" dirty="0" err="1">
+                <a:solidFill>
+                  <a:srgbClr val="242852">
+                    <a:lumMod val="60000"/>
+                    <a:lumOff val="40000"/>
+                  </a:srgbClr>
+                </a:solidFill>
+                <a:latin typeface="Arial Narrow" panose="020B0606020202030204" pitchFamily="34" charset="0"/>
+                <a:cs typeface="Times New Roman" panose="02020603050405020304" pitchFamily="18" charset="0"/>
+              </a:rPr>
+              <a:t>costarica</a:t>
+            </a:r>
+            <a:r>
+              <a:rPr lang="fr-FR" sz="1600" dirty="0">
+                <a:solidFill>
+                  <a:srgbClr val="242852">
+                    <a:lumMod val="60000"/>
+                    <a:lumOff val="40000"/>
+                  </a:srgbClr>
+                </a:solidFill>
+                <a:latin typeface="Arial Narrow" panose="020B0606020202030204" pitchFamily="34" charset="0"/>
+                <a:cs typeface="Times New Roman" panose="02020603050405020304" pitchFamily="18" charset="0"/>
+              </a:rPr>
+              <a:t> et valorisez toutes ses propriétés.</a:t>
+            </a:r>
+          </a:p>
+          <a:p>
+            <a:pPr marL="742950" lvl="1" indent="-285750" defTabSz="457200">
+              <a:buFont typeface="Arial" panose="020B0604020202020204" pitchFamily="34" charset="0"/>
+              <a:buChar char="•"/>
+            </a:pPr>
+            <a:r>
+              <a:rPr lang="fr-FR" sz="1600" dirty="0">
+                <a:solidFill>
+                  <a:srgbClr val="242852">
+                    <a:lumMod val="60000"/>
+                    <a:lumOff val="40000"/>
+                  </a:srgbClr>
+                </a:solidFill>
+                <a:latin typeface="Arial Narrow" panose="020B0606020202030204" pitchFamily="34" charset="0"/>
+                <a:cs typeface="Times New Roman" panose="02020603050405020304" pitchFamily="18" charset="0"/>
+              </a:rPr>
+              <a:t>Affichez une phrase  du type « Le &lt;nom&gt; est un cargo de couleur </a:t>
+            </a:r>
+            <a:r>
+              <a:rPr lang="fr-FR" sz="1600">
+                <a:solidFill>
+                  <a:srgbClr val="242852">
+                    <a:lumMod val="60000"/>
+                    <a:lumOff val="40000"/>
+                  </a:srgbClr>
+                </a:solidFill>
+                <a:latin typeface="Arial Narrow" panose="020B0606020202030204" pitchFamily="34" charset="0"/>
+                <a:cs typeface="Times New Roman" panose="02020603050405020304" pitchFamily="18" charset="0"/>
+              </a:rPr>
+              <a:t>&lt;couleur&gt; ….</a:t>
+            </a:r>
+            <a:endParaRPr lang="fr-FR" sz="1600" dirty="0">
+              <a:solidFill>
+                <a:srgbClr val="242852">
+                  <a:lumMod val="60000"/>
+                  <a:lumOff val="40000"/>
+                </a:srgbClr>
+              </a:solidFill>
+              <a:latin typeface="Arial Narrow" panose="020B0606020202030204" pitchFamily="34" charset="0"/>
+              <a:cs typeface="Times New Roman" panose="02020603050405020304" pitchFamily="18" charset="0"/>
+            </a:endParaRPr>
+          </a:p>
+          <a:p>
+            <a:pPr lvl="1" defTabSz="457200"/>
+            <a:r>
+              <a:rPr lang="fr-FR" sz="1600" dirty="0">
+                <a:solidFill>
+                  <a:srgbClr val="242852">
+                    <a:lumMod val="60000"/>
+                    <a:lumOff val="40000"/>
+                  </a:srgbClr>
+                </a:solidFill>
+                <a:latin typeface="Arial Narrow" panose="020B0606020202030204" pitchFamily="34" charset="0"/>
+                <a:cs typeface="Times New Roman" panose="02020603050405020304" pitchFamily="18" charset="0"/>
+              </a:rPr>
+              <a:t> </a:t>
+            </a:r>
+            <a:endParaRPr kumimoji="0" lang="fr-FR" sz="1600" i="0" u="none" strike="noStrike" kern="1200" cap="none" spc="0" normalizeH="0" baseline="0" noProof="0" dirty="0">
+              <a:ln>
+                <a:noFill/>
+              </a:ln>
+              <a:solidFill>
+                <a:srgbClr val="242852">
+                  <a:lumMod val="60000"/>
+                  <a:lumOff val="40000"/>
+                </a:srgbClr>
+              </a:solidFill>
+              <a:effectLst/>
+              <a:uLnTx/>
+              <a:uFillTx/>
+              <a:latin typeface="Arial Narrow" panose="020B0606020202030204" pitchFamily="34" charset="0"/>
+              <a:ea typeface="+mn-ea"/>
+              <a:cs typeface="Times New Roman" panose="02020603050405020304" pitchFamily="18" charset="0"/>
+            </a:endParaRPr>
+          </a:p>
+        </p:txBody>
+      </p:sp>
+    </p:spTree>
+    <p:extLst>
+      <p:ext uri="{BB962C8B-B14F-4D97-AF65-F5344CB8AC3E}">
+        <p14:creationId xmlns:p14="http://schemas.microsoft.com/office/powerpoint/2010/main" val="1980838692"/>
       </p:ext>
     </p:extLst>
   </p:cSld>
@@ -12519,7 +18042,7 @@
                 <a:latin typeface="Arial Narrow" panose="020B0606020202030204" pitchFamily="34" charset="0"/>
                 <a:cs typeface="Times New Roman" panose="02020603050405020304" pitchFamily="18" charset="0"/>
               </a:rPr>
-              <a:t>boatAndCo</a:t>
+              <a:t>BoatAndCo</a:t>
             </a:r>
             <a:r>
               <a:rPr lang="fr-FR" sz="1600" dirty="0">

--- a/cours/Proget oceans_Exercices.pptx
+++ b/cours/Proget oceans_Exercices.pptx
@@ -141,99 +141,6 @@
 <file path=ppt/changesInfos/changesInfo1.xml><?xml version="1.0" encoding="utf-8"?>
 <pc:chgInfo xmlns:a="http://schemas.openxmlformats.org/drawingml/2006/main" xmlns:r="http://schemas.openxmlformats.org/officeDocument/2006/relationships" xmlns:ac="http://schemas.microsoft.com/office/drawing/2013/main/command" xmlns:pc="http://schemas.microsoft.com/office/powerpoint/2013/main/command">
   <pc:docChgLst>
-    <pc:chgData name="fred gsn" userId="2ad06c6d4c2bd280" providerId="LiveId" clId="{C69DF8A6-389E-4E43-BA83-542ACECFFBB2}"/>
-    <pc:docChg chg="custSel modSld">
-      <pc:chgData name="fred gsn" userId="2ad06c6d4c2bd280" providerId="LiveId" clId="{C69DF8A6-389E-4E43-BA83-542ACECFFBB2}" dt="2022-02-22T22:22:40.573" v="967" actId="20577"/>
-      <pc:docMkLst>
-        <pc:docMk/>
-      </pc:docMkLst>
-      <pc:sldChg chg="modSp mod">
-        <pc:chgData name="fred gsn" userId="2ad06c6d4c2bd280" providerId="LiveId" clId="{C69DF8A6-389E-4E43-BA83-542ACECFFBB2}" dt="2022-02-18T15:38:30.217" v="177" actId="20577"/>
-        <pc:sldMkLst>
-          <pc:docMk/>
-          <pc:sldMk cId="2394218506" sldId="275"/>
-        </pc:sldMkLst>
-        <pc:spChg chg="mod">
-          <ac:chgData name="fred gsn" userId="2ad06c6d4c2bd280" providerId="LiveId" clId="{C69DF8A6-389E-4E43-BA83-542ACECFFBB2}" dt="2022-02-18T15:37:01.413" v="21" actId="20577"/>
-          <ac:spMkLst>
-            <pc:docMk/>
-            <pc:sldMk cId="2394218506" sldId="275"/>
-            <ac:spMk id="2" creationId="{CF73B686-CEAA-4E22-B092-7D32A0BD53A1}"/>
-          </ac:spMkLst>
-        </pc:spChg>
-        <pc:spChg chg="mod">
-          <ac:chgData name="fred gsn" userId="2ad06c6d4c2bd280" providerId="LiveId" clId="{C69DF8A6-389E-4E43-BA83-542ACECFFBB2}" dt="2022-02-18T15:38:30.217" v="177" actId="20577"/>
-          <ac:spMkLst>
-            <pc:docMk/>
-            <pc:sldMk cId="2394218506" sldId="275"/>
-            <ac:spMk id="3" creationId="{BA6AFF15-FFFA-430D-A3EC-5D7AAD3931F0}"/>
-          </ac:spMkLst>
-        </pc:spChg>
-      </pc:sldChg>
-      <pc:sldChg chg="modSp mod">
-        <pc:chgData name="fred gsn" userId="2ad06c6d4c2bd280" providerId="LiveId" clId="{C69DF8A6-389E-4E43-BA83-542ACECFFBB2}" dt="2022-02-19T01:17:07.317" v="206" actId="20577"/>
-        <pc:sldMkLst>
-          <pc:docMk/>
-          <pc:sldMk cId="1734828366" sldId="277"/>
-        </pc:sldMkLst>
-        <pc:spChg chg="mod">
-          <ac:chgData name="fred gsn" userId="2ad06c6d4c2bd280" providerId="LiveId" clId="{C69DF8A6-389E-4E43-BA83-542ACECFFBB2}" dt="2022-02-19T01:17:07.317" v="206" actId="20577"/>
-          <ac:spMkLst>
-            <pc:docMk/>
-            <pc:sldMk cId="1734828366" sldId="277"/>
-            <ac:spMk id="3" creationId="{BA6AFF15-FFFA-430D-A3EC-5D7AAD3931F0}"/>
-          </ac:spMkLst>
-        </pc:spChg>
-      </pc:sldChg>
-      <pc:sldChg chg="modSp mod">
-        <pc:chgData name="fred gsn" userId="2ad06c6d4c2bd280" providerId="LiveId" clId="{C69DF8A6-389E-4E43-BA83-542ACECFFBB2}" dt="2022-02-22T21:36:30.642" v="686" actId="12"/>
-        <pc:sldMkLst>
-          <pc:docMk/>
-          <pc:sldMk cId="2998124167" sldId="283"/>
-        </pc:sldMkLst>
-        <pc:spChg chg="mod">
-          <ac:chgData name="fred gsn" userId="2ad06c6d4c2bd280" providerId="LiveId" clId="{C69DF8A6-389E-4E43-BA83-542ACECFFBB2}" dt="2022-02-22T21:27:38.691" v="231" actId="313"/>
-          <ac:spMkLst>
-            <pc:docMk/>
-            <pc:sldMk cId="2998124167" sldId="283"/>
-            <ac:spMk id="2" creationId="{CF73B686-CEAA-4E22-B092-7D32A0BD53A1}"/>
-          </ac:spMkLst>
-        </pc:spChg>
-        <pc:spChg chg="mod">
-          <ac:chgData name="fred gsn" userId="2ad06c6d4c2bd280" providerId="LiveId" clId="{C69DF8A6-389E-4E43-BA83-542ACECFFBB2}" dt="2022-02-22T21:36:30.642" v="686" actId="12"/>
-          <ac:spMkLst>
-            <pc:docMk/>
-            <pc:sldMk cId="2998124167" sldId="283"/>
-            <ac:spMk id="3" creationId="{BA6AFF15-FFFA-430D-A3EC-5D7AAD3931F0}"/>
-          </ac:spMkLst>
-        </pc:spChg>
-      </pc:sldChg>
-      <pc:sldChg chg="modSp mod">
-        <pc:chgData name="fred gsn" userId="2ad06c6d4c2bd280" providerId="LiveId" clId="{C69DF8A6-389E-4E43-BA83-542ACECFFBB2}" dt="2022-02-22T22:22:40.573" v="967" actId="20577"/>
-        <pc:sldMkLst>
-          <pc:docMk/>
-          <pc:sldMk cId="4172882179" sldId="284"/>
-        </pc:sldMkLst>
-        <pc:spChg chg="mod">
-          <ac:chgData name="fred gsn" userId="2ad06c6d4c2bd280" providerId="LiveId" clId="{C69DF8A6-389E-4E43-BA83-542ACECFFBB2}" dt="2022-02-22T22:20:39.920" v="720" actId="20577"/>
-          <ac:spMkLst>
-            <pc:docMk/>
-            <pc:sldMk cId="4172882179" sldId="284"/>
-            <ac:spMk id="2" creationId="{CF73B686-CEAA-4E22-B092-7D32A0BD53A1}"/>
-          </ac:spMkLst>
-        </pc:spChg>
-        <pc:spChg chg="mod">
-          <ac:chgData name="fred gsn" userId="2ad06c6d4c2bd280" providerId="LiveId" clId="{C69DF8A6-389E-4E43-BA83-542ACECFFBB2}" dt="2022-02-22T22:22:40.573" v="967" actId="20577"/>
-          <ac:spMkLst>
-            <pc:docMk/>
-            <pc:sldMk cId="4172882179" sldId="284"/>
-            <ac:spMk id="3" creationId="{BA6AFF15-FFFA-430D-A3EC-5D7AAD3931F0}"/>
-          </ac:spMkLst>
-        </pc:spChg>
-      </pc:sldChg>
-    </pc:docChg>
-  </pc:docChgLst>
-  <pc:docChgLst>
     <pc:chgData name="fred gsn" userId="2ad06c6d4c2bd280" providerId="LiveId" clId="{A2C169CF-FB5F-455D-8AD0-2B508BC694BB}"/>
     <pc:docChg chg="custSel modSld">
       <pc:chgData name="fred gsn" userId="2ad06c6d4c2bd280" providerId="LiveId" clId="{A2C169CF-FB5F-455D-8AD0-2B508BC694BB}" dt="2022-02-23T20:23:31.704" v="547" actId="20577"/>
@@ -374,6 +281,99 @@
       </pc:sldChg>
     </pc:docChg>
   </pc:docChgLst>
+  <pc:docChgLst>
+    <pc:chgData name="fred gsn" userId="2ad06c6d4c2bd280" providerId="LiveId" clId="{C69DF8A6-389E-4E43-BA83-542ACECFFBB2}"/>
+    <pc:docChg chg="custSel modSld">
+      <pc:chgData name="fred gsn" userId="2ad06c6d4c2bd280" providerId="LiveId" clId="{C69DF8A6-389E-4E43-BA83-542ACECFFBB2}" dt="2022-02-22T22:22:40.573" v="967" actId="20577"/>
+      <pc:docMkLst>
+        <pc:docMk/>
+      </pc:docMkLst>
+      <pc:sldChg chg="modSp mod">
+        <pc:chgData name="fred gsn" userId="2ad06c6d4c2bd280" providerId="LiveId" clId="{C69DF8A6-389E-4E43-BA83-542ACECFFBB2}" dt="2022-02-18T15:38:30.217" v="177" actId="20577"/>
+        <pc:sldMkLst>
+          <pc:docMk/>
+          <pc:sldMk cId="2394218506" sldId="275"/>
+        </pc:sldMkLst>
+        <pc:spChg chg="mod">
+          <ac:chgData name="fred gsn" userId="2ad06c6d4c2bd280" providerId="LiveId" clId="{C69DF8A6-389E-4E43-BA83-542ACECFFBB2}" dt="2022-02-18T15:37:01.413" v="21" actId="20577"/>
+          <ac:spMkLst>
+            <pc:docMk/>
+            <pc:sldMk cId="2394218506" sldId="275"/>
+            <ac:spMk id="2" creationId="{CF73B686-CEAA-4E22-B092-7D32A0BD53A1}"/>
+          </ac:spMkLst>
+        </pc:spChg>
+        <pc:spChg chg="mod">
+          <ac:chgData name="fred gsn" userId="2ad06c6d4c2bd280" providerId="LiveId" clId="{C69DF8A6-389E-4E43-BA83-542ACECFFBB2}" dt="2022-02-18T15:38:30.217" v="177" actId="20577"/>
+          <ac:spMkLst>
+            <pc:docMk/>
+            <pc:sldMk cId="2394218506" sldId="275"/>
+            <ac:spMk id="3" creationId="{BA6AFF15-FFFA-430D-A3EC-5D7AAD3931F0}"/>
+          </ac:spMkLst>
+        </pc:spChg>
+      </pc:sldChg>
+      <pc:sldChg chg="modSp mod">
+        <pc:chgData name="fred gsn" userId="2ad06c6d4c2bd280" providerId="LiveId" clId="{C69DF8A6-389E-4E43-BA83-542ACECFFBB2}" dt="2022-02-19T01:17:07.317" v="206" actId="20577"/>
+        <pc:sldMkLst>
+          <pc:docMk/>
+          <pc:sldMk cId="1734828366" sldId="277"/>
+        </pc:sldMkLst>
+        <pc:spChg chg="mod">
+          <ac:chgData name="fred gsn" userId="2ad06c6d4c2bd280" providerId="LiveId" clId="{C69DF8A6-389E-4E43-BA83-542ACECFFBB2}" dt="2022-02-19T01:17:07.317" v="206" actId="20577"/>
+          <ac:spMkLst>
+            <pc:docMk/>
+            <pc:sldMk cId="1734828366" sldId="277"/>
+            <ac:spMk id="3" creationId="{BA6AFF15-FFFA-430D-A3EC-5D7AAD3931F0}"/>
+          </ac:spMkLst>
+        </pc:spChg>
+      </pc:sldChg>
+      <pc:sldChg chg="modSp mod">
+        <pc:chgData name="fred gsn" userId="2ad06c6d4c2bd280" providerId="LiveId" clId="{C69DF8A6-389E-4E43-BA83-542ACECFFBB2}" dt="2022-02-22T21:36:30.642" v="686" actId="12"/>
+        <pc:sldMkLst>
+          <pc:docMk/>
+          <pc:sldMk cId="2998124167" sldId="283"/>
+        </pc:sldMkLst>
+        <pc:spChg chg="mod">
+          <ac:chgData name="fred gsn" userId="2ad06c6d4c2bd280" providerId="LiveId" clId="{C69DF8A6-389E-4E43-BA83-542ACECFFBB2}" dt="2022-02-22T21:27:38.691" v="231" actId="313"/>
+          <ac:spMkLst>
+            <pc:docMk/>
+            <pc:sldMk cId="2998124167" sldId="283"/>
+            <ac:spMk id="2" creationId="{CF73B686-CEAA-4E22-B092-7D32A0BD53A1}"/>
+          </ac:spMkLst>
+        </pc:spChg>
+        <pc:spChg chg="mod">
+          <ac:chgData name="fred gsn" userId="2ad06c6d4c2bd280" providerId="LiveId" clId="{C69DF8A6-389E-4E43-BA83-542ACECFFBB2}" dt="2022-02-22T21:36:30.642" v="686" actId="12"/>
+          <ac:spMkLst>
+            <pc:docMk/>
+            <pc:sldMk cId="2998124167" sldId="283"/>
+            <ac:spMk id="3" creationId="{BA6AFF15-FFFA-430D-A3EC-5D7AAD3931F0}"/>
+          </ac:spMkLst>
+        </pc:spChg>
+      </pc:sldChg>
+      <pc:sldChg chg="modSp mod">
+        <pc:chgData name="fred gsn" userId="2ad06c6d4c2bd280" providerId="LiveId" clId="{C69DF8A6-389E-4E43-BA83-542ACECFFBB2}" dt="2022-02-22T22:22:40.573" v="967" actId="20577"/>
+        <pc:sldMkLst>
+          <pc:docMk/>
+          <pc:sldMk cId="4172882179" sldId="284"/>
+        </pc:sldMkLst>
+        <pc:spChg chg="mod">
+          <ac:chgData name="fred gsn" userId="2ad06c6d4c2bd280" providerId="LiveId" clId="{C69DF8A6-389E-4E43-BA83-542ACECFFBB2}" dt="2022-02-22T22:20:39.920" v="720" actId="20577"/>
+          <ac:spMkLst>
+            <pc:docMk/>
+            <pc:sldMk cId="4172882179" sldId="284"/>
+            <ac:spMk id="2" creationId="{CF73B686-CEAA-4E22-B092-7D32A0BD53A1}"/>
+          </ac:spMkLst>
+        </pc:spChg>
+        <pc:spChg chg="mod">
+          <ac:chgData name="fred gsn" userId="2ad06c6d4c2bd280" providerId="LiveId" clId="{C69DF8A6-389E-4E43-BA83-542ACECFFBB2}" dt="2022-02-22T22:22:40.573" v="967" actId="20577"/>
+          <ac:spMkLst>
+            <pc:docMk/>
+            <pc:sldMk cId="4172882179" sldId="284"/>
+            <ac:spMk id="3" creationId="{BA6AFF15-FFFA-430D-A3EC-5D7AAD3931F0}"/>
+          </ac:spMkLst>
+        </pc:spChg>
+      </pc:sldChg>
+    </pc:docChg>
+  </pc:docChgLst>
 </pc:chgInfo>
 </file>
 
@@ -459,7 +459,7 @@
           <a:p>
             <a:fld id="{412F75C7-5C41-4FAB-AA9B-BE750F2BDB07}" type="datetimeFigureOut">
               <a:rPr lang="fr-FR" smtClean="0"/>
-              <a:t>23/02/2022</a:t>
+              <a:t>24/02/2022</a:t>
             </a:fld>
             <a:endParaRPr lang="fr-FR"/>
           </a:p>
@@ -4904,7 +4904,7 @@
           <a:p>
             <a:fld id="{68AA2F7D-4A48-42B4-8BEA-B9039AC65ED3}" type="datetimeFigureOut">
               <a:rPr lang="fr-FR" smtClean="0"/>
-              <a:t>23/02/2022</a:t>
+              <a:t>24/02/2022</a:t>
             </a:fld>
             <a:endParaRPr lang="fr-FR"/>
           </a:p>
@@ -5155,7 +5155,7 @@
           <a:p>
             <a:fld id="{68AA2F7D-4A48-42B4-8BEA-B9039AC65ED3}" type="datetimeFigureOut">
               <a:rPr lang="fr-FR" smtClean="0"/>
-              <a:t>23/02/2022</a:t>
+              <a:t>24/02/2022</a:t>
             </a:fld>
             <a:endParaRPr lang="fr-FR"/>
           </a:p>
@@ -5469,7 +5469,7 @@
           <a:p>
             <a:fld id="{68AA2F7D-4A48-42B4-8BEA-B9039AC65ED3}" type="datetimeFigureOut">
               <a:rPr lang="fr-FR" smtClean="0"/>
-              <a:t>23/02/2022</a:t>
+              <a:t>24/02/2022</a:t>
             </a:fld>
             <a:endParaRPr lang="fr-FR"/>
           </a:p>
@@ -5810,7 +5810,7 @@
           <a:p>
             <a:fld id="{68AA2F7D-4A48-42B4-8BEA-B9039AC65ED3}" type="datetimeFigureOut">
               <a:rPr lang="fr-FR" smtClean="0"/>
-              <a:t>23/02/2022</a:t>
+              <a:t>24/02/2022</a:t>
             </a:fld>
             <a:endParaRPr lang="fr-FR"/>
           </a:p>
@@ -6124,7 +6124,7 @@
           <a:p>
             <a:fld id="{68AA2F7D-4A48-42B4-8BEA-B9039AC65ED3}" type="datetimeFigureOut">
               <a:rPr lang="fr-FR" smtClean="0"/>
-              <a:t>23/02/2022</a:t>
+              <a:t>24/02/2022</a:t>
             </a:fld>
             <a:endParaRPr lang="fr-FR"/>
           </a:p>
@@ -6517,7 +6517,7 @@
           <a:p>
             <a:fld id="{68AA2F7D-4A48-42B4-8BEA-B9039AC65ED3}" type="datetimeFigureOut">
               <a:rPr lang="fr-FR" smtClean="0"/>
-              <a:t>23/02/2022</a:t>
+              <a:t>24/02/2022</a:t>
             </a:fld>
             <a:endParaRPr lang="fr-FR"/>
           </a:p>
@@ -6687,7 +6687,7 @@
           <a:p>
             <a:fld id="{68AA2F7D-4A48-42B4-8BEA-B9039AC65ED3}" type="datetimeFigureOut">
               <a:rPr lang="fr-FR" smtClean="0"/>
-              <a:t>23/02/2022</a:t>
+              <a:t>24/02/2022</a:t>
             </a:fld>
             <a:endParaRPr lang="fr-FR"/>
           </a:p>
@@ -6867,7 +6867,7 @@
           <a:p>
             <a:fld id="{68AA2F7D-4A48-42B4-8BEA-B9039AC65ED3}" type="datetimeFigureOut">
               <a:rPr lang="fr-FR" smtClean="0"/>
-              <a:t>23/02/2022</a:t>
+              <a:t>24/02/2022</a:t>
             </a:fld>
             <a:endParaRPr lang="fr-FR"/>
           </a:p>
@@ -7043,7 +7043,7 @@
           <a:p>
             <a:fld id="{68AA2F7D-4A48-42B4-8BEA-B9039AC65ED3}" type="datetimeFigureOut">
               <a:rPr lang="fr-FR" smtClean="0"/>
-              <a:t>23/02/2022</a:t>
+              <a:t>24/02/2022</a:t>
             </a:fld>
             <a:endParaRPr lang="fr-FR"/>
           </a:p>
@@ -7290,7 +7290,7 @@
           <a:p>
             <a:fld id="{68AA2F7D-4A48-42B4-8BEA-B9039AC65ED3}" type="datetimeFigureOut">
               <a:rPr lang="fr-FR" smtClean="0"/>
-              <a:t>23/02/2022</a:t>
+              <a:t>24/02/2022</a:t>
             </a:fld>
             <a:endParaRPr lang="fr-FR"/>
           </a:p>
@@ -7522,7 +7522,7 @@
           <a:p>
             <a:fld id="{68AA2F7D-4A48-42B4-8BEA-B9039AC65ED3}" type="datetimeFigureOut">
               <a:rPr lang="fr-FR" smtClean="0"/>
-              <a:t>23/02/2022</a:t>
+              <a:t>24/02/2022</a:t>
             </a:fld>
             <a:endParaRPr lang="fr-FR"/>
           </a:p>
@@ -7896,7 +7896,7 @@
           <a:p>
             <a:fld id="{68AA2F7D-4A48-42B4-8BEA-B9039AC65ED3}" type="datetimeFigureOut">
               <a:rPr lang="fr-FR" smtClean="0"/>
-              <a:t>23/02/2022</a:t>
+              <a:t>24/02/2022</a:t>
             </a:fld>
             <a:endParaRPr lang="fr-FR"/>
           </a:p>
@@ -8019,7 +8019,7 @@
           <a:p>
             <a:fld id="{68AA2F7D-4A48-42B4-8BEA-B9039AC65ED3}" type="datetimeFigureOut">
               <a:rPr lang="fr-FR" smtClean="0"/>
-              <a:t>23/02/2022</a:t>
+              <a:t>24/02/2022</a:t>
             </a:fld>
             <a:endParaRPr lang="fr-FR"/>
           </a:p>
@@ -8114,7 +8114,7 @@
           <a:p>
             <a:fld id="{68AA2F7D-4A48-42B4-8BEA-B9039AC65ED3}" type="datetimeFigureOut">
               <a:rPr lang="fr-FR" smtClean="0"/>
-              <a:t>23/02/2022</a:t>
+              <a:t>24/02/2022</a:t>
             </a:fld>
             <a:endParaRPr lang="fr-FR"/>
           </a:p>
@@ -8369,7 +8369,7 @@
           <a:p>
             <a:fld id="{68AA2F7D-4A48-42B4-8BEA-B9039AC65ED3}" type="datetimeFigureOut">
               <a:rPr lang="fr-FR" smtClean="0"/>
-              <a:t>23/02/2022</a:t>
+              <a:t>24/02/2022</a:t>
             </a:fld>
             <a:endParaRPr lang="fr-FR"/>
           </a:p>
@@ -8632,7 +8632,7 @@
           <a:p>
             <a:fld id="{68AA2F7D-4A48-42B4-8BEA-B9039AC65ED3}" type="datetimeFigureOut">
               <a:rPr lang="fr-FR" smtClean="0"/>
-              <a:t>23/02/2022</a:t>
+              <a:t>24/02/2022</a:t>
             </a:fld>
             <a:endParaRPr lang="fr-FR"/>
           </a:p>
@@ -9375,7 +9375,7 @@
           <a:p>
             <a:fld id="{68AA2F7D-4A48-42B4-8BEA-B9039AC65ED3}" type="datetimeFigureOut">
               <a:rPr lang="fr-FR" smtClean="0"/>
-              <a:t>23/02/2022</a:t>
+              <a:t>24/02/2022</a:t>
             </a:fld>
             <a:endParaRPr lang="fr-FR"/>
           </a:p>
@@ -14008,7 +14008,7 @@
         <p:spPr>
           <a:xfrm>
             <a:off x="771525" y="1976923"/>
-            <a:ext cx="6446960" cy="1323439"/>
+            <a:ext cx="6446960" cy="1569660"/>
           </a:xfrm>
           <a:prstGeom prst="rect">
             <a:avLst/>
@@ -14043,7 +14043,47 @@
                 <a:ea typeface="+mn-ea"/>
                 <a:cs typeface="Times New Roman" panose="02020603050405020304" pitchFamily="18" charset="0"/>
               </a:rPr>
-              <a:t>Dans la classe Bateau, écrivez une méthode statique qui prend en paramètre la durée de navigation et la vitesse du bateau, et qui retourne la distance parcourue depuis le départ.</a:t>
+              <a:t>Dans la classe Bateau, écrivez une méthode statique </a:t>
+            </a:r>
+            <a:r>
+              <a:rPr kumimoji="0" lang="fr-FR" sz="1600" i="0" u="none" strike="noStrike" kern="1200" cap="none" spc="0" normalizeH="0" baseline="0" noProof="0" dirty="0" err="1">
+                <a:ln>
+                  <a:noFill/>
+                </a:ln>
+                <a:solidFill>
+                  <a:srgbClr val="242852">
+                    <a:lumMod val="60000"/>
+                    <a:lumOff val="40000"/>
+                  </a:srgbClr>
+                </a:solidFill>
+                <a:effectLst/>
+                <a:uLnTx/>
+                <a:uFillTx/>
+                <a:latin typeface="Arial Narrow" panose="020B0606020202030204" pitchFamily="34" charset="0"/>
+                <a:ea typeface="+mn-ea"/>
+                <a:cs typeface="Times New Roman" panose="02020603050405020304" pitchFamily="18" charset="0"/>
+              </a:rPr>
+              <a:t>calculerDistanceParcouruequi</a:t>
+            </a:r>
+            <a:r>
+              <a:rPr kumimoji="0" lang="fr-FR" sz="1600" i="0" u="none" strike="noStrike" kern="1200" cap="none" spc="0" normalizeH="0" baseline="0" noProof="0" dirty="0">
+                <a:ln>
+                  <a:noFill/>
+                </a:ln>
+                <a:solidFill>
+                  <a:srgbClr val="242852">
+                    <a:lumMod val="60000"/>
+                    <a:lumOff val="40000"/>
+                  </a:srgbClr>
+                </a:solidFill>
+                <a:effectLst/>
+                <a:uLnTx/>
+                <a:uFillTx/>
+                <a:latin typeface="Arial Narrow" panose="020B0606020202030204" pitchFamily="34" charset="0"/>
+                <a:ea typeface="+mn-ea"/>
+                <a:cs typeface="Times New Roman" panose="02020603050405020304" pitchFamily="18" charset="0"/>
+              </a:rPr>
+              <a:t> prend en paramètre la durée de navigation et la vitesse du bateau, et qui retourne la distance parcourue depuis le départ.</a:t>
             </a:r>
           </a:p>
           <a:p>
@@ -14407,7 +14447,7 @@
         <p:spPr>
           <a:xfrm>
             <a:off x="771525" y="1976923"/>
-            <a:ext cx="6446960" cy="2800767"/>
+            <a:ext cx="6446960" cy="3293209"/>
           </a:xfrm>
           <a:prstGeom prst="rect">
             <a:avLst/>
@@ -14562,6 +14602,41 @@
                 <a:cs typeface="Times New Roman" panose="02020603050405020304" pitchFamily="18" charset="0"/>
               </a:rPr>
               <a:t>Créer un constructeur qui incrémente un compteur à chaque instanciation.</a:t>
+            </a:r>
+          </a:p>
+          <a:p>
+            <a:pPr marL="742950" lvl="1" indent="-285750" defTabSz="457200">
+              <a:buFont typeface="Arial" panose="020B0604020202020204" pitchFamily="34" charset="0"/>
+              <a:buChar char="•"/>
+            </a:pPr>
+            <a:endParaRPr lang="fr-FR" sz="1600" dirty="0">
+              <a:solidFill>
+                <a:srgbClr val="242852">
+                  <a:lumMod val="60000"/>
+                  <a:lumOff val="40000"/>
+                </a:srgbClr>
+              </a:solidFill>
+              <a:latin typeface="Arial Narrow" panose="020B0606020202030204" pitchFamily="34" charset="0"/>
+              <a:cs typeface="Times New Roman" panose="02020603050405020304" pitchFamily="18" charset="0"/>
+            </a:endParaRPr>
+          </a:p>
+          <a:p>
+            <a:pPr marL="742950" lvl="1" indent="-285750" defTabSz="457200">
+              <a:buFont typeface="Arial" panose="020B0604020202020204" pitchFamily="34" charset="0"/>
+              <a:buChar char="•"/>
+            </a:pPr>
+            <a:r>
+              <a:rPr lang="fr-FR" sz="1600" dirty="0">
+                <a:solidFill>
+                  <a:srgbClr val="242852">
+                    <a:lumMod val="60000"/>
+                    <a:lumOff val="40000"/>
+                  </a:srgbClr>
+                </a:solidFill>
+                <a:latin typeface="Arial Narrow" panose="020B0606020202030204" pitchFamily="34" charset="0"/>
+                <a:cs typeface="Times New Roman" panose="02020603050405020304" pitchFamily="18" charset="0"/>
+              </a:rPr>
+              <a:t>Afficher le nombre de bateaux instanciés</a:t>
             </a:r>
           </a:p>
           <a:p>
@@ -14772,7 +14847,7 @@
                 <a:latin typeface="Arial Narrow" panose="020B0606020202030204" pitchFamily="34" charset="0"/>
                 <a:cs typeface="Times New Roman" panose="02020603050405020304" pitchFamily="18" charset="0"/>
               </a:rPr>
-              <a:t>Dans la classe Port ajoutez les propriétés ville et </a:t>
+              <a:t>Dans la classe Port ajoutez les propriétés ville (String) et </a:t>
             </a:r>
             <a:r>
               <a:rPr lang="fr-FR" sz="1600" dirty="0" err="1">

--- a/cours/Proget oceans_Exercices.pptx
+++ b/cours/Proget oceans_Exercices.pptx
@@ -5,7 +5,7 @@
     <p:sldMasterId id="2147483660" r:id="rId1"/>
   </p:sldMasterIdLst>
   <p:notesMasterIdLst>
-    <p:notesMasterId r:id="rId26"/>
+    <p:notesMasterId r:id="rId27"/>
   </p:notesMasterIdLst>
   <p:sldIdLst>
     <p:sldId id="266" r:id="rId2"/>
@@ -32,6 +32,7 @@
     <p:sldId id="288" r:id="rId23"/>
     <p:sldId id="290" r:id="rId24"/>
     <p:sldId id="289" r:id="rId25"/>
+    <p:sldId id="291" r:id="rId26"/>
   </p:sldIdLst>
   <p:sldSz cx="12192000" cy="6858000"/>
   <p:notesSz cx="6858000" cy="9144000"/>
@@ -459,7 +460,7 @@
           <a:p>
             <a:fld id="{412F75C7-5C41-4FAB-AA9B-BE750F2BDB07}" type="datetimeFigureOut">
               <a:rPr lang="fr-FR" smtClean="0"/>
-              <a:t>24/02/2022</a:t>
+              <a:t>25/02/2022</a:t>
             </a:fld>
             <a:endParaRPr lang="fr-FR"/>
           </a:p>
@@ -3165,6 +3166,150 @@
     <p:extLst>
       <p:ext uri="{BB962C8B-B14F-4D97-AF65-F5344CB8AC3E}">
         <p14:creationId xmlns:p14="http://schemas.microsoft.com/office/powerpoint/2010/main" val="3516908755"/>
+      </p:ext>
+    </p:extLst>
+  </p:cSld>
+  <p:clrMapOvr>
+    <a:masterClrMapping/>
+  </p:clrMapOvr>
+</p:notes>
+</file>
+
+<file path=ppt/notesSlides/notesSlide25.xml><?xml version="1.0" encoding="utf-8"?>
+<p:notes xmlns:a="http://schemas.openxmlformats.org/drawingml/2006/main" xmlns:r="http://schemas.openxmlformats.org/officeDocument/2006/relationships" xmlns:p="http://schemas.openxmlformats.org/presentationml/2006/main">
+  <p:cSld>
+    <p:spTree>
+      <p:nvGrpSpPr>
+        <p:cNvPr id="1" name=""/>
+        <p:cNvGrpSpPr/>
+        <p:nvPr/>
+      </p:nvGrpSpPr>
+      <p:grpSpPr>
+        <a:xfrm>
+          <a:off x="0" y="0"/>
+          <a:ext cx="0" cy="0"/>
+          <a:chOff x="0" y="0"/>
+          <a:chExt cx="0" cy="0"/>
+        </a:xfrm>
+      </p:grpSpPr>
+      <p:sp>
+        <p:nvSpPr>
+          <p:cNvPr id="2" name="Espace réservé de l'image des diapositives 1"/>
+          <p:cNvSpPr>
+            <a:spLocks noGrp="1" noRot="1" noChangeAspect="1"/>
+          </p:cNvSpPr>
+          <p:nvPr>
+            <p:ph type="sldImg"/>
+          </p:nvPr>
+        </p:nvSpPr>
+        <p:spPr/>
+      </p:sp>
+      <p:sp>
+        <p:nvSpPr>
+          <p:cNvPr id="3" name="Espace réservé des notes 2"/>
+          <p:cNvSpPr>
+            <a:spLocks noGrp="1"/>
+          </p:cNvSpPr>
+          <p:nvPr>
+            <p:ph type="body" idx="1"/>
+          </p:nvPr>
+        </p:nvSpPr>
+        <p:spPr/>
+        <p:txBody>
+          <a:bodyPr/>
+          <a:lstStyle/>
+          <a:p>
+            <a:endParaRPr lang="fr-FR" dirty="0"/>
+          </a:p>
+        </p:txBody>
+      </p:sp>
+      <p:sp>
+        <p:nvSpPr>
+          <p:cNvPr id="4" name="Espace réservé du numéro de diapositive 3"/>
+          <p:cNvSpPr>
+            <a:spLocks noGrp="1"/>
+          </p:cNvSpPr>
+          <p:nvPr>
+            <p:ph type="sldNum" sz="quarter" idx="5"/>
+          </p:nvPr>
+        </p:nvSpPr>
+        <p:spPr/>
+        <p:txBody>
+          <a:bodyPr/>
+          <a:lstStyle/>
+          <a:p>
+            <a:pPr marL="0" marR="0" lvl="0" indent="0" algn="r" defTabSz="457200" rtl="0" eaLnBrk="1" fontAlgn="auto" latinLnBrk="0" hangingPunct="1">
+              <a:lnSpc>
+                <a:spcPct val="100000"/>
+              </a:lnSpc>
+              <a:spcBef>
+                <a:spcPts val="0"/>
+              </a:spcBef>
+              <a:spcAft>
+                <a:spcPts val="0"/>
+              </a:spcAft>
+              <a:buClrTx/>
+              <a:buSzTx/>
+              <a:buFontTx/>
+              <a:buNone/>
+              <a:tabLst/>
+              <a:defRPr/>
+            </a:pPr>
+            <a:fld id="{530D6BE4-1F8E-45DA-842B-B9DC1B5EF25C}" type="slidenum">
+              <a:rPr kumimoji="0" lang="fr-FR" sz="1200" b="0" i="0" u="none" strike="noStrike" kern="1200" cap="none" spc="0" normalizeH="0" baseline="0" noProof="0" smtClean="0">
+                <a:ln>
+                  <a:noFill/>
+                </a:ln>
+                <a:solidFill>
+                  <a:prstClr val="black"/>
+                </a:solidFill>
+                <a:effectLst/>
+                <a:uLnTx/>
+                <a:uFillTx/>
+                <a:latin typeface="Calibri" panose="020F0502020204030204"/>
+                <a:ea typeface="+mn-ea"/>
+                <a:cs typeface="+mn-cs"/>
+              </a:rPr>
+              <a:pPr marL="0" marR="0" lvl="0" indent="0" algn="r" defTabSz="457200" rtl="0" eaLnBrk="1" fontAlgn="auto" latinLnBrk="0" hangingPunct="1">
+                <a:lnSpc>
+                  <a:spcPct val="100000"/>
+                </a:lnSpc>
+                <a:spcBef>
+                  <a:spcPts val="0"/>
+                </a:spcBef>
+                <a:spcAft>
+                  <a:spcPts val="0"/>
+                </a:spcAft>
+                <a:buClrTx/>
+                <a:buSzTx/>
+                <a:buFontTx/>
+                <a:buNone/>
+                <a:tabLst/>
+                <a:defRPr/>
+              </a:pPr>
+              <a:t>25</a:t>
+            </a:fld>
+            <a:endParaRPr kumimoji="0" lang="fr-FR" sz="1200" b="0" i="0" u="none" strike="noStrike" kern="1200" cap="none" spc="0" normalizeH="0" baseline="0" noProof="0">
+              <a:ln>
+                <a:noFill/>
+              </a:ln>
+              <a:solidFill>
+                <a:prstClr val="black"/>
+              </a:solidFill>
+              <a:effectLst/>
+              <a:uLnTx/>
+              <a:uFillTx/>
+              <a:latin typeface="Calibri" panose="020F0502020204030204"/>
+              <a:ea typeface="+mn-ea"/>
+              <a:cs typeface="+mn-cs"/>
+            </a:endParaRPr>
+          </a:p>
+        </p:txBody>
+      </p:sp>
+    </p:spTree>
+    <p:extLst>
+      <p:ext uri="{BB962C8B-B14F-4D97-AF65-F5344CB8AC3E}">
+        <p14:creationId xmlns:p14="http://schemas.microsoft.com/office/powerpoint/2010/main" val="3857542830"/>
       </p:ext>
     </p:extLst>
   </p:cSld>
@@ -4904,7 +5049,7 @@
           <a:p>
             <a:fld id="{68AA2F7D-4A48-42B4-8BEA-B9039AC65ED3}" type="datetimeFigureOut">
               <a:rPr lang="fr-FR" smtClean="0"/>
-              <a:t>24/02/2022</a:t>
+              <a:t>25/02/2022</a:t>
             </a:fld>
             <a:endParaRPr lang="fr-FR"/>
           </a:p>
@@ -5155,7 +5300,7 @@
           <a:p>
             <a:fld id="{68AA2F7D-4A48-42B4-8BEA-B9039AC65ED3}" type="datetimeFigureOut">
               <a:rPr lang="fr-FR" smtClean="0"/>
-              <a:t>24/02/2022</a:t>
+              <a:t>25/02/2022</a:t>
             </a:fld>
             <a:endParaRPr lang="fr-FR"/>
           </a:p>
@@ -5469,7 +5614,7 @@
           <a:p>
             <a:fld id="{68AA2F7D-4A48-42B4-8BEA-B9039AC65ED3}" type="datetimeFigureOut">
               <a:rPr lang="fr-FR" smtClean="0"/>
-              <a:t>24/02/2022</a:t>
+              <a:t>25/02/2022</a:t>
             </a:fld>
             <a:endParaRPr lang="fr-FR"/>
           </a:p>
@@ -5810,7 +5955,7 @@
           <a:p>
             <a:fld id="{68AA2F7D-4A48-42B4-8BEA-B9039AC65ED3}" type="datetimeFigureOut">
               <a:rPr lang="fr-FR" smtClean="0"/>
-              <a:t>24/02/2022</a:t>
+              <a:t>25/02/2022</a:t>
             </a:fld>
             <a:endParaRPr lang="fr-FR"/>
           </a:p>
@@ -6124,7 +6269,7 @@
           <a:p>
             <a:fld id="{68AA2F7D-4A48-42B4-8BEA-B9039AC65ED3}" type="datetimeFigureOut">
               <a:rPr lang="fr-FR" smtClean="0"/>
-              <a:t>24/02/2022</a:t>
+              <a:t>25/02/2022</a:t>
             </a:fld>
             <a:endParaRPr lang="fr-FR"/>
           </a:p>
@@ -6517,7 +6662,7 @@
           <a:p>
             <a:fld id="{68AA2F7D-4A48-42B4-8BEA-B9039AC65ED3}" type="datetimeFigureOut">
               <a:rPr lang="fr-FR" smtClean="0"/>
-              <a:t>24/02/2022</a:t>
+              <a:t>25/02/2022</a:t>
             </a:fld>
             <a:endParaRPr lang="fr-FR"/>
           </a:p>
@@ -6687,7 +6832,7 @@
           <a:p>
             <a:fld id="{68AA2F7D-4A48-42B4-8BEA-B9039AC65ED3}" type="datetimeFigureOut">
               <a:rPr lang="fr-FR" smtClean="0"/>
-              <a:t>24/02/2022</a:t>
+              <a:t>25/02/2022</a:t>
             </a:fld>
             <a:endParaRPr lang="fr-FR"/>
           </a:p>
@@ -6867,7 +7012,7 @@
           <a:p>
             <a:fld id="{68AA2F7D-4A48-42B4-8BEA-B9039AC65ED3}" type="datetimeFigureOut">
               <a:rPr lang="fr-FR" smtClean="0"/>
-              <a:t>24/02/2022</a:t>
+              <a:t>25/02/2022</a:t>
             </a:fld>
             <a:endParaRPr lang="fr-FR"/>
           </a:p>
@@ -7043,7 +7188,7 @@
           <a:p>
             <a:fld id="{68AA2F7D-4A48-42B4-8BEA-B9039AC65ED3}" type="datetimeFigureOut">
               <a:rPr lang="fr-FR" smtClean="0"/>
-              <a:t>24/02/2022</a:t>
+              <a:t>25/02/2022</a:t>
             </a:fld>
             <a:endParaRPr lang="fr-FR"/>
           </a:p>
@@ -7290,7 +7435,7 @@
           <a:p>
             <a:fld id="{68AA2F7D-4A48-42B4-8BEA-B9039AC65ED3}" type="datetimeFigureOut">
               <a:rPr lang="fr-FR" smtClean="0"/>
-              <a:t>24/02/2022</a:t>
+              <a:t>25/02/2022</a:t>
             </a:fld>
             <a:endParaRPr lang="fr-FR"/>
           </a:p>
@@ -7522,7 +7667,7 @@
           <a:p>
             <a:fld id="{68AA2F7D-4A48-42B4-8BEA-B9039AC65ED3}" type="datetimeFigureOut">
               <a:rPr lang="fr-FR" smtClean="0"/>
-              <a:t>24/02/2022</a:t>
+              <a:t>25/02/2022</a:t>
             </a:fld>
             <a:endParaRPr lang="fr-FR"/>
           </a:p>
@@ -7896,7 +8041,7 @@
           <a:p>
             <a:fld id="{68AA2F7D-4A48-42B4-8BEA-B9039AC65ED3}" type="datetimeFigureOut">
               <a:rPr lang="fr-FR" smtClean="0"/>
-              <a:t>24/02/2022</a:t>
+              <a:t>25/02/2022</a:t>
             </a:fld>
             <a:endParaRPr lang="fr-FR"/>
           </a:p>
@@ -8019,7 +8164,7 @@
           <a:p>
             <a:fld id="{68AA2F7D-4A48-42B4-8BEA-B9039AC65ED3}" type="datetimeFigureOut">
               <a:rPr lang="fr-FR" smtClean="0"/>
-              <a:t>24/02/2022</a:t>
+              <a:t>25/02/2022</a:t>
             </a:fld>
             <a:endParaRPr lang="fr-FR"/>
           </a:p>
@@ -8114,7 +8259,7 @@
           <a:p>
             <a:fld id="{68AA2F7D-4A48-42B4-8BEA-B9039AC65ED3}" type="datetimeFigureOut">
               <a:rPr lang="fr-FR" smtClean="0"/>
-              <a:t>24/02/2022</a:t>
+              <a:t>25/02/2022</a:t>
             </a:fld>
             <a:endParaRPr lang="fr-FR"/>
           </a:p>
@@ -8369,7 +8514,7 @@
           <a:p>
             <a:fld id="{68AA2F7D-4A48-42B4-8BEA-B9039AC65ED3}" type="datetimeFigureOut">
               <a:rPr lang="fr-FR" smtClean="0"/>
-              <a:t>24/02/2022</a:t>
+              <a:t>25/02/2022</a:t>
             </a:fld>
             <a:endParaRPr lang="fr-FR"/>
           </a:p>
@@ -8632,7 +8777,7 @@
           <a:p>
             <a:fld id="{68AA2F7D-4A48-42B4-8BEA-B9039AC65ED3}" type="datetimeFigureOut">
               <a:rPr lang="fr-FR" smtClean="0"/>
-              <a:t>24/02/2022</a:t>
+              <a:t>25/02/2022</a:t>
             </a:fld>
             <a:endParaRPr lang="fr-FR"/>
           </a:p>
@@ -9375,7 +9520,7 @@
           <a:p>
             <a:fld id="{68AA2F7D-4A48-42B4-8BEA-B9039AC65ED3}" type="datetimeFigureOut">
               <a:rPr lang="fr-FR" smtClean="0"/>
-              <a:t>24/02/2022</a:t>
+              <a:t>25/02/2022</a:t>
             </a:fld>
             <a:endParaRPr lang="fr-FR"/>
           </a:p>
@@ -15898,6 +16043,598 @@
     <p:extLst>
       <p:ext uri="{BB962C8B-B14F-4D97-AF65-F5344CB8AC3E}">
         <p14:creationId xmlns:p14="http://schemas.microsoft.com/office/powerpoint/2010/main" val="1980838692"/>
+      </p:ext>
+    </p:extLst>
+  </p:cSld>
+  <p:clrMapOvr>
+    <a:masterClrMapping/>
+  </p:clrMapOvr>
+</p:sld>
+</file>
+
+<file path=ppt/slides/slide25.xml><?xml version="1.0" encoding="utf-8"?>
+<p:sld xmlns:a="http://schemas.openxmlformats.org/drawingml/2006/main" xmlns:r="http://schemas.openxmlformats.org/officeDocument/2006/relationships" xmlns:p="http://schemas.openxmlformats.org/presentationml/2006/main">
+  <p:cSld>
+    <p:spTree>
+      <p:nvGrpSpPr>
+        <p:cNvPr id="1" name=""/>
+        <p:cNvGrpSpPr/>
+        <p:nvPr/>
+      </p:nvGrpSpPr>
+      <p:grpSpPr>
+        <a:xfrm>
+          <a:off x="0" y="0"/>
+          <a:ext cx="0" cy="0"/>
+          <a:chOff x="0" y="0"/>
+          <a:chExt cx="0" cy="0"/>
+        </a:xfrm>
+      </p:grpSpPr>
+      <p:sp>
+        <p:nvSpPr>
+          <p:cNvPr id="2" name="ZoneTexte 1">
+            <a:extLst>
+              <a:ext uri="{FF2B5EF4-FFF2-40B4-BE49-F238E27FC236}">
+                <a16:creationId xmlns:a16="http://schemas.microsoft.com/office/drawing/2014/main" id="{CF73B686-CEAA-4E22-B092-7D32A0BD53A1}"/>
+              </a:ext>
+            </a:extLst>
+          </p:cNvPr>
+          <p:cNvSpPr txBox="1"/>
+          <p:nvPr/>
+        </p:nvSpPr>
+        <p:spPr>
+          <a:xfrm>
+            <a:off x="764330" y="1072061"/>
+            <a:ext cx="7624661" cy="480131"/>
+          </a:xfrm>
+          <a:prstGeom prst="rect">
+            <a:avLst/>
+          </a:prstGeom>
+          <a:noFill/>
+        </p:spPr>
+        <p:txBody>
+          <a:bodyPr wrap="square">
+            <a:spAutoFit/>
+          </a:bodyPr>
+          <a:lstStyle/>
+          <a:p>
+            <a:pPr marL="0" marR="0" lvl="0" indent="0" algn="l" defTabSz="914400" rtl="0" eaLnBrk="1" fontAlgn="auto" latinLnBrk="0" hangingPunct="1">
+              <a:lnSpc>
+                <a:spcPct val="90000"/>
+              </a:lnSpc>
+              <a:spcBef>
+                <a:spcPts val="1000"/>
+              </a:spcBef>
+              <a:spcAft>
+                <a:spcPts val="0"/>
+              </a:spcAft>
+              <a:buClrTx/>
+              <a:buSzTx/>
+              <a:buFont typeface="Arial" panose="020B0604020202020204" pitchFamily="34" charset="0"/>
+              <a:buNone/>
+              <a:tabLst/>
+              <a:defRPr/>
+            </a:pPr>
+            <a:r>
+              <a:rPr kumimoji="0" lang="fr-FR" sz="2800" b="1" i="0" u="none" strike="noStrike" kern="1200" cap="none" spc="0" normalizeH="0" baseline="0" noProof="0" dirty="0">
+                <a:ln>
+                  <a:noFill/>
+                </a:ln>
+                <a:solidFill>
+                  <a:srgbClr val="242852">
+                    <a:lumMod val="60000"/>
+                    <a:lumOff val="40000"/>
+                  </a:srgbClr>
+                </a:solidFill>
+                <a:effectLst/>
+                <a:uLnTx/>
+                <a:uFillTx/>
+                <a:latin typeface="Arial Narrow" panose="020B0606020202030204" pitchFamily="34" charset="0"/>
+                <a:ea typeface="Calibri" panose="020F0502020204030204" pitchFamily="34" charset="0"/>
+                <a:cs typeface="Times New Roman" panose="02020603050405020304" pitchFamily="18" charset="0"/>
+              </a:rPr>
+              <a:t>Les océans : Les ordinateurs</a:t>
+            </a:r>
+          </a:p>
+        </p:txBody>
+      </p:sp>
+      <p:sp>
+        <p:nvSpPr>
+          <p:cNvPr id="3" name="ZoneTexte 2">
+            <a:extLst>
+              <a:ext uri="{FF2B5EF4-FFF2-40B4-BE49-F238E27FC236}">
+                <a16:creationId xmlns:a16="http://schemas.microsoft.com/office/drawing/2014/main" id="{BA6AFF15-FFFA-430D-A3EC-5D7AAD3931F0}"/>
+              </a:ext>
+            </a:extLst>
+          </p:cNvPr>
+          <p:cNvSpPr txBox="1"/>
+          <p:nvPr/>
+        </p:nvSpPr>
+        <p:spPr>
+          <a:xfrm>
+            <a:off x="764330" y="1552192"/>
+            <a:ext cx="6446960" cy="6494085"/>
+          </a:xfrm>
+          <a:prstGeom prst="rect">
+            <a:avLst/>
+          </a:prstGeom>
+          <a:noFill/>
+        </p:spPr>
+        <p:txBody>
+          <a:bodyPr wrap="square">
+            <a:spAutoFit/>
+          </a:bodyPr>
+          <a:lstStyle/>
+          <a:p>
+            <a:pPr marL="742950" lvl="1" indent="-285750" defTabSz="457200">
+              <a:buFont typeface="Arial" panose="020B0604020202020204" pitchFamily="34" charset="0"/>
+              <a:buChar char="•"/>
+            </a:pPr>
+            <a:r>
+              <a:rPr lang="fr-FR" sz="1600" dirty="0">
+                <a:solidFill>
+                  <a:srgbClr val="242852">
+                    <a:lumMod val="60000"/>
+                    <a:lumOff val="40000"/>
+                  </a:srgbClr>
+                </a:solidFill>
+                <a:latin typeface="Arial Narrow" panose="020B0606020202030204" pitchFamily="34" charset="0"/>
+                <a:cs typeface="Times New Roman" panose="02020603050405020304" pitchFamily="18" charset="0"/>
+              </a:rPr>
+              <a:t>Créer une classe Screen avec une propriété statique </a:t>
+            </a:r>
+            <a:r>
+              <a:rPr lang="fr-FR" sz="1600" dirty="0" err="1">
+                <a:solidFill>
+                  <a:srgbClr val="242852">
+                    <a:lumMod val="60000"/>
+                    <a:lumOff val="40000"/>
+                  </a:srgbClr>
+                </a:solidFill>
+                <a:latin typeface="Arial Narrow" panose="020B0606020202030204" pitchFamily="34" charset="0"/>
+                <a:cs typeface="Times New Roman" panose="02020603050405020304" pitchFamily="18" charset="0"/>
+              </a:rPr>
+              <a:t>nbEcransInstanciés</a:t>
+            </a:r>
+            <a:r>
+              <a:rPr lang="fr-FR" sz="1600" dirty="0">
+                <a:solidFill>
+                  <a:srgbClr val="242852">
+                    <a:lumMod val="60000"/>
+                    <a:lumOff val="40000"/>
+                  </a:srgbClr>
+                </a:solidFill>
+                <a:latin typeface="Arial Narrow" panose="020B0606020202030204" pitchFamily="34" charset="0"/>
+                <a:cs typeface="Times New Roman" panose="02020603050405020304" pitchFamily="18" charset="0"/>
+              </a:rPr>
+              <a:t> et les propriétés marque, modèle et taille.</a:t>
+            </a:r>
+          </a:p>
+          <a:p>
+            <a:pPr marL="742950" lvl="1" indent="-285750" defTabSz="457200">
+              <a:buFont typeface="Arial" panose="020B0604020202020204" pitchFamily="34" charset="0"/>
+              <a:buChar char="•"/>
+            </a:pPr>
+            <a:endParaRPr lang="fr-FR" sz="1600" dirty="0">
+              <a:solidFill>
+                <a:srgbClr val="242852">
+                  <a:lumMod val="60000"/>
+                  <a:lumOff val="40000"/>
+                </a:srgbClr>
+              </a:solidFill>
+              <a:latin typeface="Arial Narrow" panose="020B0606020202030204" pitchFamily="34" charset="0"/>
+              <a:cs typeface="Times New Roman" panose="02020603050405020304" pitchFamily="18" charset="0"/>
+            </a:endParaRPr>
+          </a:p>
+          <a:p>
+            <a:pPr marL="742950" lvl="1" indent="-285750" defTabSz="457200">
+              <a:buFont typeface="Arial" panose="020B0604020202020204" pitchFamily="34" charset="0"/>
+              <a:buChar char="•"/>
+            </a:pPr>
+            <a:r>
+              <a:rPr lang="fr-FR" sz="1600" dirty="0">
+                <a:solidFill>
+                  <a:srgbClr val="242852">
+                    <a:lumMod val="60000"/>
+                    <a:lumOff val="40000"/>
+                  </a:srgbClr>
+                </a:solidFill>
+                <a:latin typeface="Arial Narrow" panose="020B0606020202030204" pitchFamily="34" charset="0"/>
+                <a:cs typeface="Times New Roman" panose="02020603050405020304" pitchFamily="18" charset="0"/>
+              </a:rPr>
+              <a:t>Créer une classe Computer avec une propriété statique </a:t>
+            </a:r>
+            <a:r>
+              <a:rPr lang="fr-FR" sz="1600" dirty="0" err="1">
+                <a:solidFill>
+                  <a:srgbClr val="242852">
+                    <a:lumMod val="60000"/>
+                    <a:lumOff val="40000"/>
+                  </a:srgbClr>
+                </a:solidFill>
+                <a:latin typeface="Arial Narrow" panose="020B0606020202030204" pitchFamily="34" charset="0"/>
+                <a:cs typeface="Times New Roman" panose="02020603050405020304" pitchFamily="18" charset="0"/>
+              </a:rPr>
+              <a:t>nbPcInstanciés</a:t>
+            </a:r>
+            <a:r>
+              <a:rPr lang="fr-FR" sz="1600" dirty="0">
+                <a:solidFill>
+                  <a:srgbClr val="242852">
+                    <a:lumMod val="60000"/>
+                    <a:lumOff val="40000"/>
+                  </a:srgbClr>
+                </a:solidFill>
+                <a:latin typeface="Arial Narrow" panose="020B0606020202030204" pitchFamily="34" charset="0"/>
+                <a:cs typeface="Times New Roman" panose="02020603050405020304" pitchFamily="18" charset="0"/>
+              </a:rPr>
+              <a:t> et les propriétés marque, modèle et taille, et </a:t>
+            </a:r>
+            <a:r>
+              <a:rPr lang="fr-FR" sz="1600" dirty="0" err="1">
+                <a:solidFill>
+                  <a:srgbClr val="242852">
+                    <a:lumMod val="60000"/>
+                    <a:lumOff val="40000"/>
+                  </a:srgbClr>
+                </a:solidFill>
+                <a:latin typeface="Arial Narrow" panose="020B0606020202030204" pitchFamily="34" charset="0"/>
+                <a:cs typeface="Times New Roman" panose="02020603050405020304" pitchFamily="18" charset="0"/>
+              </a:rPr>
+              <a:t>ecran</a:t>
+            </a:r>
+            <a:r>
+              <a:rPr lang="fr-FR" sz="1600" dirty="0">
+                <a:solidFill>
+                  <a:srgbClr val="242852">
+                    <a:lumMod val="60000"/>
+                    <a:lumOff val="40000"/>
+                  </a:srgbClr>
+                </a:solidFill>
+                <a:latin typeface="Arial Narrow" panose="020B0606020202030204" pitchFamily="34" charset="0"/>
+                <a:cs typeface="Times New Roman" panose="02020603050405020304" pitchFamily="18" charset="0"/>
+              </a:rPr>
+              <a:t> de type Screen.</a:t>
+            </a:r>
+          </a:p>
+          <a:p>
+            <a:pPr marL="742950" lvl="1" indent="-285750" defTabSz="457200">
+              <a:buFont typeface="Arial" panose="020B0604020202020204" pitchFamily="34" charset="0"/>
+              <a:buChar char="•"/>
+            </a:pPr>
+            <a:endParaRPr lang="fr-FR" sz="1600" dirty="0">
+              <a:solidFill>
+                <a:srgbClr val="242852">
+                  <a:lumMod val="60000"/>
+                  <a:lumOff val="40000"/>
+                </a:srgbClr>
+              </a:solidFill>
+              <a:latin typeface="Arial Narrow" panose="020B0606020202030204" pitchFamily="34" charset="0"/>
+              <a:cs typeface="Times New Roman" panose="02020603050405020304" pitchFamily="18" charset="0"/>
+            </a:endParaRPr>
+          </a:p>
+          <a:p>
+            <a:pPr marL="742950" lvl="1" indent="-285750" defTabSz="457200">
+              <a:buFont typeface="Arial" panose="020B0604020202020204" pitchFamily="34" charset="0"/>
+              <a:buChar char="•"/>
+            </a:pPr>
+            <a:r>
+              <a:rPr lang="fr-FR" sz="1600" dirty="0">
+                <a:solidFill>
+                  <a:srgbClr val="242852">
+                    <a:lumMod val="60000"/>
+                    <a:lumOff val="40000"/>
+                  </a:srgbClr>
+                </a:solidFill>
+                <a:latin typeface="Arial Narrow" panose="020B0606020202030204" pitchFamily="34" charset="0"/>
+                <a:cs typeface="Times New Roman" panose="02020603050405020304" pitchFamily="18" charset="0"/>
+              </a:rPr>
+              <a:t>Créez les constructeurs vides, puis les constructeurs avec les paramètres (sauf </a:t>
+            </a:r>
+            <a:r>
+              <a:rPr lang="fr-FR" sz="1600" dirty="0" err="1">
+                <a:solidFill>
+                  <a:srgbClr val="242852">
+                    <a:lumMod val="60000"/>
+                    <a:lumOff val="40000"/>
+                  </a:srgbClr>
+                </a:solidFill>
+                <a:latin typeface="Arial Narrow" panose="020B0606020202030204" pitchFamily="34" charset="0"/>
+                <a:cs typeface="Times New Roman" panose="02020603050405020304" pitchFamily="18" charset="0"/>
+              </a:rPr>
+              <a:t>static</a:t>
+            </a:r>
+            <a:r>
+              <a:rPr lang="fr-FR" sz="1600" dirty="0">
+                <a:solidFill>
+                  <a:srgbClr val="242852">
+                    <a:lumMod val="60000"/>
+                    <a:lumOff val="40000"/>
+                  </a:srgbClr>
+                </a:solidFill>
+                <a:latin typeface="Arial Narrow" panose="020B0606020202030204" pitchFamily="34" charset="0"/>
+                <a:cs typeface="Times New Roman" panose="02020603050405020304" pitchFamily="18" charset="0"/>
+              </a:rPr>
+              <a:t>). Tous ces constructeurs incrémentent le nombre d’instances.</a:t>
+            </a:r>
+          </a:p>
+          <a:p>
+            <a:pPr marL="742950" lvl="1" indent="-285750" defTabSz="457200">
+              <a:buFont typeface="Arial" panose="020B0604020202020204" pitchFamily="34" charset="0"/>
+              <a:buChar char="•"/>
+            </a:pPr>
+            <a:endParaRPr lang="fr-FR" sz="1600" dirty="0">
+              <a:solidFill>
+                <a:srgbClr val="242852">
+                  <a:lumMod val="60000"/>
+                  <a:lumOff val="40000"/>
+                </a:srgbClr>
+              </a:solidFill>
+              <a:latin typeface="Arial Narrow" panose="020B0606020202030204" pitchFamily="34" charset="0"/>
+              <a:cs typeface="Times New Roman" panose="02020603050405020304" pitchFamily="18" charset="0"/>
+            </a:endParaRPr>
+          </a:p>
+          <a:p>
+            <a:pPr marL="742950" lvl="1" indent="-285750" defTabSz="457200">
+              <a:buFont typeface="Arial" panose="020B0604020202020204" pitchFamily="34" charset="0"/>
+              <a:buChar char="•"/>
+            </a:pPr>
+            <a:r>
+              <a:rPr lang="fr-FR" sz="1600" dirty="0">
+                <a:solidFill>
+                  <a:srgbClr val="242852">
+                    <a:lumMod val="60000"/>
+                    <a:lumOff val="40000"/>
+                  </a:srgbClr>
+                </a:solidFill>
+                <a:latin typeface="Arial Narrow" panose="020B0606020202030204" pitchFamily="34" charset="0"/>
+                <a:cs typeface="Times New Roman" panose="02020603050405020304" pitchFamily="18" charset="0"/>
+              </a:rPr>
+              <a:t>Instancier un écran de marque Acer et valoriser ses propriétés</a:t>
+            </a:r>
+          </a:p>
+          <a:p>
+            <a:pPr marL="742950" lvl="1" indent="-285750" defTabSz="457200">
+              <a:buFont typeface="Arial" panose="020B0604020202020204" pitchFamily="34" charset="0"/>
+              <a:buChar char="•"/>
+            </a:pPr>
+            <a:endParaRPr lang="fr-FR" sz="1600" dirty="0">
+              <a:solidFill>
+                <a:srgbClr val="242852">
+                  <a:lumMod val="60000"/>
+                  <a:lumOff val="40000"/>
+                </a:srgbClr>
+              </a:solidFill>
+              <a:latin typeface="Arial Narrow" panose="020B0606020202030204" pitchFamily="34" charset="0"/>
+              <a:cs typeface="Times New Roman" panose="02020603050405020304" pitchFamily="18" charset="0"/>
+            </a:endParaRPr>
+          </a:p>
+          <a:p>
+            <a:pPr marL="742950" lvl="1" indent="-285750" defTabSz="457200">
+              <a:buFont typeface="Arial" panose="020B0604020202020204" pitchFamily="34" charset="0"/>
+              <a:buChar char="•"/>
+            </a:pPr>
+            <a:r>
+              <a:rPr lang="fr-FR" sz="1600" dirty="0">
+                <a:solidFill>
+                  <a:srgbClr val="242852">
+                    <a:lumMod val="60000"/>
+                    <a:lumOff val="40000"/>
+                  </a:srgbClr>
+                </a:solidFill>
+                <a:latin typeface="Arial Narrow" panose="020B0606020202030204" pitchFamily="34" charset="0"/>
+                <a:cs typeface="Times New Roman" panose="02020603050405020304" pitchFamily="18" charset="0"/>
+              </a:rPr>
+              <a:t>Instancier un Pc de marque Fujitsu, valoriser ses propriétés et lui affecter l’écran Acer</a:t>
+            </a:r>
+          </a:p>
+          <a:p>
+            <a:pPr marL="742950" lvl="1" indent="-285750" defTabSz="457200">
+              <a:buFont typeface="Arial" panose="020B0604020202020204" pitchFamily="34" charset="0"/>
+              <a:buChar char="•"/>
+            </a:pPr>
+            <a:endParaRPr lang="fr-FR" sz="1600" dirty="0">
+              <a:solidFill>
+                <a:srgbClr val="242852">
+                  <a:lumMod val="60000"/>
+                  <a:lumOff val="40000"/>
+                </a:srgbClr>
+              </a:solidFill>
+              <a:latin typeface="Arial Narrow" panose="020B0606020202030204" pitchFamily="34" charset="0"/>
+              <a:cs typeface="Times New Roman" panose="02020603050405020304" pitchFamily="18" charset="0"/>
+            </a:endParaRPr>
+          </a:p>
+          <a:p>
+            <a:pPr marL="742950" lvl="1" indent="-285750" defTabSz="457200">
+              <a:buFont typeface="Arial" panose="020B0604020202020204" pitchFamily="34" charset="0"/>
+              <a:buChar char="•"/>
+            </a:pPr>
+            <a:r>
+              <a:rPr lang="fr-FR" sz="1600" dirty="0">
+                <a:solidFill>
+                  <a:srgbClr val="242852">
+                    <a:lumMod val="60000"/>
+                    <a:lumOff val="40000"/>
+                  </a:srgbClr>
+                </a:solidFill>
+                <a:latin typeface="Arial Narrow" panose="020B0606020202030204" pitchFamily="34" charset="0"/>
+                <a:cs typeface="Times New Roman" panose="02020603050405020304" pitchFamily="18" charset="0"/>
+              </a:rPr>
+              <a:t>Afficher les caractéristiques du Pc.</a:t>
+            </a:r>
+          </a:p>
+          <a:p>
+            <a:pPr marL="742950" lvl="1" indent="-285750" defTabSz="457200">
+              <a:buFont typeface="Arial" panose="020B0604020202020204" pitchFamily="34" charset="0"/>
+              <a:buChar char="•"/>
+            </a:pPr>
+            <a:endParaRPr lang="fr-FR" sz="1600" dirty="0">
+              <a:solidFill>
+                <a:srgbClr val="242852">
+                  <a:lumMod val="60000"/>
+                  <a:lumOff val="40000"/>
+                </a:srgbClr>
+              </a:solidFill>
+              <a:latin typeface="Arial Narrow" panose="020B0606020202030204" pitchFamily="34" charset="0"/>
+              <a:cs typeface="Times New Roman" panose="02020603050405020304" pitchFamily="18" charset="0"/>
+            </a:endParaRPr>
+          </a:p>
+          <a:p>
+            <a:pPr marL="742950" lvl="1" indent="-285750" defTabSz="457200">
+              <a:buFont typeface="Arial" panose="020B0604020202020204" pitchFamily="34" charset="0"/>
+              <a:buChar char="•"/>
+            </a:pPr>
+            <a:r>
+              <a:rPr lang="fr-FR" sz="1600" dirty="0">
+                <a:solidFill>
+                  <a:srgbClr val="242852">
+                    <a:lumMod val="60000"/>
+                    <a:lumOff val="40000"/>
+                  </a:srgbClr>
+                </a:solidFill>
+                <a:latin typeface="Arial Narrow" panose="020B0606020202030204" pitchFamily="34" charset="0"/>
+                <a:cs typeface="Times New Roman" panose="02020603050405020304" pitchFamily="18" charset="0"/>
+              </a:rPr>
+              <a:t>Ajouter à la classe Pc un constructeur qui prends en paramètre ses attributs plus les caractéristiques de l’écran.</a:t>
+            </a:r>
+          </a:p>
+          <a:p>
+            <a:pPr marL="742950" lvl="1" indent="-285750" defTabSz="457200">
+              <a:buFont typeface="Arial" panose="020B0604020202020204" pitchFamily="34" charset="0"/>
+              <a:buChar char="•"/>
+            </a:pPr>
+            <a:endParaRPr lang="fr-FR" sz="1600" dirty="0">
+              <a:solidFill>
+                <a:srgbClr val="242852">
+                  <a:lumMod val="60000"/>
+                  <a:lumOff val="40000"/>
+                </a:srgbClr>
+              </a:solidFill>
+              <a:latin typeface="Arial Narrow" panose="020B0606020202030204" pitchFamily="34" charset="0"/>
+              <a:cs typeface="Times New Roman" panose="02020603050405020304" pitchFamily="18" charset="0"/>
+            </a:endParaRPr>
+          </a:p>
+          <a:p>
+            <a:pPr marL="742950" lvl="1" indent="-285750" defTabSz="457200">
+              <a:buFont typeface="Arial" panose="020B0604020202020204" pitchFamily="34" charset="0"/>
+              <a:buChar char="•"/>
+            </a:pPr>
+            <a:r>
+              <a:rPr lang="fr-FR" sz="1600" dirty="0">
+                <a:solidFill>
+                  <a:srgbClr val="242852">
+                    <a:lumMod val="60000"/>
+                    <a:lumOff val="40000"/>
+                  </a:srgbClr>
+                </a:solidFill>
+                <a:latin typeface="Arial Narrow" panose="020B0606020202030204" pitchFamily="34" charset="0"/>
+                <a:cs typeface="Times New Roman" panose="02020603050405020304" pitchFamily="18" charset="0"/>
+              </a:rPr>
+              <a:t>Créer un pc de marque Acer en utilisant ce constructeur et afficher ses propriétés.</a:t>
+            </a:r>
+          </a:p>
+          <a:p>
+            <a:pPr marL="742950" lvl="1" indent="-285750" defTabSz="457200">
+              <a:buFont typeface="Arial" panose="020B0604020202020204" pitchFamily="34" charset="0"/>
+              <a:buChar char="•"/>
+            </a:pPr>
+            <a:endParaRPr lang="fr-FR" sz="1600" dirty="0">
+              <a:solidFill>
+                <a:srgbClr val="242852">
+                  <a:lumMod val="60000"/>
+                  <a:lumOff val="40000"/>
+                </a:srgbClr>
+              </a:solidFill>
+              <a:latin typeface="Arial Narrow" panose="020B0606020202030204" pitchFamily="34" charset="0"/>
+              <a:cs typeface="Times New Roman" panose="02020603050405020304" pitchFamily="18" charset="0"/>
+            </a:endParaRPr>
+          </a:p>
+          <a:p>
+            <a:pPr marL="742950" lvl="1" indent="-285750" defTabSz="457200">
+              <a:buFont typeface="Arial" panose="020B0604020202020204" pitchFamily="34" charset="0"/>
+              <a:buChar char="•"/>
+            </a:pPr>
+            <a:endParaRPr lang="fr-FR" sz="1600" dirty="0">
+              <a:solidFill>
+                <a:srgbClr val="242852">
+                  <a:lumMod val="60000"/>
+                  <a:lumOff val="40000"/>
+                </a:srgbClr>
+              </a:solidFill>
+              <a:latin typeface="Arial Narrow" panose="020B0606020202030204" pitchFamily="34" charset="0"/>
+              <a:cs typeface="Times New Roman" panose="02020603050405020304" pitchFamily="18" charset="0"/>
+            </a:endParaRPr>
+          </a:p>
+          <a:p>
+            <a:pPr marL="742950" lvl="1" indent="-285750" defTabSz="457200">
+              <a:buFont typeface="Arial" panose="020B0604020202020204" pitchFamily="34" charset="0"/>
+              <a:buChar char="•"/>
+            </a:pPr>
+            <a:endParaRPr lang="fr-FR" sz="1600" dirty="0">
+              <a:solidFill>
+                <a:srgbClr val="242852">
+                  <a:lumMod val="60000"/>
+                  <a:lumOff val="40000"/>
+                </a:srgbClr>
+              </a:solidFill>
+              <a:latin typeface="Arial Narrow" panose="020B0606020202030204" pitchFamily="34" charset="0"/>
+              <a:cs typeface="Times New Roman" panose="02020603050405020304" pitchFamily="18" charset="0"/>
+            </a:endParaRPr>
+          </a:p>
+          <a:p>
+            <a:pPr marL="742950" lvl="1" indent="-285750" defTabSz="457200">
+              <a:buFont typeface="Arial" panose="020B0604020202020204" pitchFamily="34" charset="0"/>
+              <a:buChar char="•"/>
+            </a:pPr>
+            <a:endParaRPr lang="fr-FR" sz="1600" dirty="0">
+              <a:solidFill>
+                <a:srgbClr val="242852">
+                  <a:lumMod val="60000"/>
+                  <a:lumOff val="40000"/>
+                </a:srgbClr>
+              </a:solidFill>
+              <a:latin typeface="Arial Narrow" panose="020B0606020202030204" pitchFamily="34" charset="0"/>
+              <a:cs typeface="Times New Roman" panose="02020603050405020304" pitchFamily="18" charset="0"/>
+            </a:endParaRPr>
+          </a:p>
+          <a:p>
+            <a:pPr lvl="1" defTabSz="457200"/>
+            <a:r>
+              <a:rPr lang="fr-FR" sz="1600" dirty="0">
+                <a:solidFill>
+                  <a:srgbClr val="242852">
+                    <a:lumMod val="60000"/>
+                    <a:lumOff val="40000"/>
+                  </a:srgbClr>
+                </a:solidFill>
+                <a:latin typeface="Arial Narrow" panose="020B0606020202030204" pitchFamily="34" charset="0"/>
+                <a:cs typeface="Times New Roman" panose="02020603050405020304" pitchFamily="18" charset="0"/>
+              </a:rPr>
+              <a:t> </a:t>
+            </a:r>
+            <a:endParaRPr kumimoji="0" lang="fr-FR" sz="1600" i="0" u="none" strike="noStrike" kern="1200" cap="none" spc="0" normalizeH="0" baseline="0" noProof="0" dirty="0">
+              <a:ln>
+                <a:noFill/>
+              </a:ln>
+              <a:solidFill>
+                <a:srgbClr val="242852">
+                  <a:lumMod val="60000"/>
+                  <a:lumOff val="40000"/>
+                </a:srgbClr>
+              </a:solidFill>
+              <a:effectLst/>
+              <a:uLnTx/>
+              <a:uFillTx/>
+              <a:latin typeface="Arial Narrow" panose="020B0606020202030204" pitchFamily="34" charset="0"/>
+              <a:ea typeface="+mn-ea"/>
+              <a:cs typeface="Times New Roman" panose="02020603050405020304" pitchFamily="18" charset="0"/>
+            </a:endParaRPr>
+          </a:p>
+        </p:txBody>
+      </p:sp>
+    </p:spTree>
+    <p:extLst>
+      <p:ext uri="{BB962C8B-B14F-4D97-AF65-F5344CB8AC3E}">
+        <p14:creationId xmlns:p14="http://schemas.microsoft.com/office/powerpoint/2010/main" val="1774753771"/>
       </p:ext>
     </p:extLst>
   </p:cSld>

--- a/cours/Proget oceans_Exercices.pptx
+++ b/cours/Proget oceans_Exercices.pptx
@@ -16494,7 +16494,33 @@
                 <a:latin typeface="Arial Narrow" panose="020B0606020202030204" pitchFamily="34" charset="0"/>
                 <a:cs typeface="Times New Roman" panose="02020603050405020304" pitchFamily="18" charset="0"/>
               </a:rPr>
-              <a:t>Ajouter à la classe Pc un constructeur qui prends en paramètre ses attributs plus les caractéristiques de l’écran.</a:t>
+              <a:t>Ajouter à la </a:t>
+            </a:r>
+            <a:r>
+              <a:rPr lang="fr-FR" sz="1600">
+                <a:solidFill>
+                  <a:srgbClr val="242852">
+                    <a:lumMod val="60000"/>
+                    <a:lumOff val="40000"/>
+                  </a:srgbClr>
+                </a:solidFill>
+                <a:latin typeface="Arial Narrow" panose="020B0606020202030204" pitchFamily="34" charset="0"/>
+                <a:cs typeface="Times New Roman" panose="02020603050405020304" pitchFamily="18" charset="0"/>
+              </a:rPr>
+              <a:t>classe Computer </a:t>
+            </a:r>
+            <a:r>
+              <a:rPr lang="fr-FR" sz="1600" dirty="0">
+                <a:solidFill>
+                  <a:srgbClr val="242852">
+                    <a:lumMod val="60000"/>
+                    <a:lumOff val="40000"/>
+                  </a:srgbClr>
+                </a:solidFill>
+                <a:latin typeface="Arial Narrow" panose="020B0606020202030204" pitchFamily="34" charset="0"/>
+                <a:cs typeface="Times New Roman" panose="02020603050405020304" pitchFamily="18" charset="0"/>
+              </a:rPr>
+              <a:t>un constructeur qui prends en paramètre ses attributs plus les caractéristiques de l’écran.</a:t>
             </a:r>
           </a:p>
           <a:p>
